--- a/课程PPT/10.JavaScript标准内置对象-构造器（RegExp、Error）.pptx
+++ b/课程PPT/10.JavaScript标准内置对象-构造器（RegExp、Error）.pptx
@@ -8,7 +8,7 @@
     <p:notesMasterId r:id="rId6"/>
   </p:notesMasterIdLst>
   <p:handoutMasterIdLst>
-    <p:handoutMasterId r:id="rId29"/>
+    <p:handoutMasterId r:id="rId30"/>
   </p:handoutMasterIdLst>
   <p:sldIdLst>
     <p:sldId id="773" r:id="rId3"/>
@@ -28,14 +28,15 @@
     <p:sldId id="1337" r:id="rId18"/>
     <p:sldId id="1340" r:id="rId19"/>
     <p:sldId id="1264" r:id="rId20"/>
-    <p:sldId id="1225" r:id="rId21"/>
-    <p:sldId id="1226" r:id="rId22"/>
-    <p:sldId id="1244" r:id="rId23"/>
-    <p:sldId id="1240" r:id="rId24"/>
-    <p:sldId id="1241" r:id="rId25"/>
-    <p:sldId id="1242" r:id="rId26"/>
-    <p:sldId id="1243" r:id="rId27"/>
-    <p:sldId id="1227" r:id="rId28"/>
+    <p:sldId id="1353" r:id="rId21"/>
+    <p:sldId id="1225" r:id="rId22"/>
+    <p:sldId id="1226" r:id="rId23"/>
+    <p:sldId id="1244" r:id="rId24"/>
+    <p:sldId id="1354" r:id="rId25"/>
+    <p:sldId id="1241" r:id="rId26"/>
+    <p:sldId id="1242" r:id="rId27"/>
+    <p:sldId id="1243" r:id="rId28"/>
+    <p:sldId id="1227" r:id="rId29"/>
   </p:sldIdLst>
   <p:sldSz cx="12192000" cy="6858000"/>
   <p:notesSz cx="6797675" cy="9928225"/>
@@ -1332,6 +1333,50 @@
 </p:notes>
 </file>
 
+<file path=ppt/notesSlides/notesSlide21.xml><?xml version="1.0" encoding="utf-8"?>
+<p:notes xmlns:a="http://schemas.openxmlformats.org/drawingml/2006/main" xmlns:r="http://schemas.openxmlformats.org/officeDocument/2006/relationships" xmlns:p="http://schemas.openxmlformats.org/presentationml/2006/main">
+  <p:cSld>
+    <p:spTree>
+      <p:nvGrpSpPr>
+        <p:cNvPr id="1" name=""/>
+        <p:cNvGrpSpPr/>
+        <p:nvPr/>
+      </p:nvGrpSpPr>
+      <p:grpSpPr/>
+      <p:sp>
+        <p:nvSpPr>
+          <p:cNvPr id="2" name="幻灯片图像占位符 1"/>
+          <p:cNvSpPr/>
+          <p:nvPr>
+            <p:ph type="sldImg" idx="2"/>
+          </p:nvPr>
+        </p:nvSpPr>
+        <p:spPr/>
+      </p:sp>
+      <p:sp>
+        <p:nvSpPr>
+          <p:cNvPr id="3" name="文本占位符 2"/>
+          <p:cNvSpPr/>
+          <p:nvPr>
+            <p:ph type="body" idx="3"/>
+          </p:nvPr>
+        </p:nvSpPr>
+        <p:spPr/>
+        <p:txBody>
+          <a:bodyPr/>
+          <a:p>
+            <a:endParaRPr lang="zh-CN" altLang="en-US"/>
+          </a:p>
+        </p:txBody>
+      </p:sp>
+    </p:spTree>
+  </p:cSld>
+  <p:clrMapOvr>
+    <a:masterClrMapping/>
+  </p:clrMapOvr>
+</p:notes>
+</file>
+
 <file path=ppt/notesSlides/notesSlide3.xml><?xml version="1.0" encoding="utf-8"?>
 <p:notes xmlns:a="http://schemas.openxmlformats.org/drawingml/2006/main" xmlns:r="http://schemas.openxmlformats.org/officeDocument/2006/relationships" xmlns:p="http://schemas.openxmlformats.org/presentationml/2006/main">
   <p:cSld>
@@ -8522,7 +8567,7 @@
                 </a:solidFill>
                 <a:sym typeface="+mn-ea"/>
               </a:rPr>
-              <a:t>/\w+((-w+)|(\.\w+))*\@[A-Za-z0-9]+((\.|-)[A-Za-z0-9]+)*\.[A-Za-z0-9]+/ </a:t>
+              <a:t>/\w+((-\w+)|(\.\w+))*\@[A-Za-z0-9]+((\.|-)[A-Za-z0-9]+)*\.[A-Za-z0-9]+/ </a:t>
             </a:r>
             <a:r>
               <a:rPr lang="zh-CN" altLang="en-US" sz="2000" dirty="0">
@@ -8805,7 +8850,7 @@
         </p:nvSpPr>
         <p:spPr>
           <a:xfrm>
-            <a:off x="5791835" y="5723255"/>
+            <a:off x="5791835" y="5651500"/>
             <a:ext cx="5628005" cy="706755"/>
           </a:xfrm>
           <a:prstGeom prst="rect">
@@ -9399,6 +9444,261 @@
           <a:chExt cx="0" cy="0"/>
         </a:xfrm>
       </p:grpSpPr>
+      <p:sp>
+        <p:nvSpPr>
+          <p:cNvPr id="2" name="内容占位符 1"/>
+          <p:cNvSpPr>
+            <a:spLocks noGrp="1"/>
+          </p:cNvSpPr>
+          <p:nvPr>
+            <p:ph sz="quarter" idx="10"/>
+          </p:nvPr>
+        </p:nvSpPr>
+        <p:spPr>
+          <a:xfrm>
+            <a:off x="927735" y="783590"/>
+            <a:ext cx="10986135" cy="5269230"/>
+          </a:xfrm>
+        </p:spPr>
+        <p:txBody>
+          <a:bodyPr/>
+          <a:lstStyle/>
+          <a:p>
+            <a:pPr>
+              <a:lnSpc>
+                <a:spcPct val="140000"/>
+              </a:lnSpc>
+            </a:pPr>
+            <a:r>
+              <a:rPr lang="zh-CN" sz="3200" dirty="0">
+                <a:solidFill>
+                  <a:schemeClr val="tx1"/>
+                </a:solidFill>
+                <a:sym typeface="+mn-ea"/>
+              </a:rPr>
+              <a:t>阅读《深入理解</a:t>
+            </a:r>
+            <a:r>
+              <a:rPr lang="en-US" altLang="zh-CN" sz="3200" dirty="0">
+                <a:solidFill>
+                  <a:schemeClr val="tx1"/>
+                </a:solidFill>
+                <a:sym typeface="+mn-ea"/>
+              </a:rPr>
+              <a:t>JavaScript</a:t>
+            </a:r>
+            <a:r>
+              <a:rPr lang="zh-CN" altLang="en-US" sz="3200" dirty="0">
+                <a:solidFill>
+                  <a:schemeClr val="tx1"/>
+                </a:solidFill>
+                <a:sym typeface="+mn-ea"/>
+              </a:rPr>
+              <a:t>》第</a:t>
+            </a:r>
+            <a:r>
+              <a:rPr lang="en-US" altLang="zh-CN" sz="3200" dirty="0">
+                <a:solidFill>
+                  <a:schemeClr val="tx1"/>
+                </a:solidFill>
+                <a:sym typeface="+mn-ea"/>
+              </a:rPr>
+              <a:t>19</a:t>
+            </a:r>
+            <a:r>
+              <a:rPr lang="zh-CN" altLang="en-US" sz="3200" dirty="0">
+                <a:solidFill>
+                  <a:schemeClr val="tx1"/>
+                </a:solidFill>
+                <a:sym typeface="+mn-ea"/>
+              </a:rPr>
+              <a:t>章 正则表达式</a:t>
+            </a:r>
+            <a:endParaRPr lang="zh-CN" altLang="en-US" sz="3200" dirty="0">
+              <a:solidFill>
+                <a:schemeClr val="tx1"/>
+              </a:solidFill>
+              <a:sym typeface="+mn-ea"/>
+            </a:endParaRPr>
+          </a:p>
+          <a:p>
+            <a:pPr>
+              <a:lnSpc>
+                <a:spcPct val="140000"/>
+              </a:lnSpc>
+            </a:pPr>
+            <a:r>
+              <a:rPr lang="zh-CN" sz="3200" dirty="0">
+                <a:solidFill>
+                  <a:schemeClr val="tx1"/>
+                </a:solidFill>
+                <a:sym typeface="+mn-ea"/>
+              </a:rPr>
+              <a:t>阅读《深入理解</a:t>
+            </a:r>
+            <a:r>
+              <a:rPr lang="en-US" altLang="zh-CN" sz="3200" dirty="0">
+                <a:solidFill>
+                  <a:schemeClr val="tx1"/>
+                </a:solidFill>
+                <a:sym typeface="+mn-ea"/>
+              </a:rPr>
+              <a:t>JavaScript</a:t>
+            </a:r>
+            <a:r>
+              <a:rPr lang="zh-CN" altLang="en-US" sz="3200" dirty="0">
+                <a:solidFill>
+                  <a:schemeClr val="tx1"/>
+                </a:solidFill>
+                <a:sym typeface="+mn-ea"/>
+              </a:rPr>
+              <a:t>》第</a:t>
+            </a:r>
+            <a:r>
+              <a:rPr lang="en-US" altLang="zh-CN" sz="3200" dirty="0">
+                <a:solidFill>
+                  <a:schemeClr val="tx1"/>
+                </a:solidFill>
+                <a:sym typeface="+mn-ea"/>
+              </a:rPr>
+              <a:t>20</a:t>
+            </a:r>
+            <a:r>
+              <a:rPr lang="zh-CN" altLang="en-US" sz="3200" dirty="0">
+                <a:solidFill>
+                  <a:schemeClr val="tx1"/>
+                </a:solidFill>
+                <a:sym typeface="+mn-ea"/>
+              </a:rPr>
+              <a:t>章 </a:t>
+            </a:r>
+            <a:r>
+              <a:rPr lang="en-US" altLang="zh-CN" sz="3200" dirty="0">
+                <a:solidFill>
+                  <a:schemeClr val="tx1"/>
+                </a:solidFill>
+                <a:sym typeface="+mn-ea"/>
+              </a:rPr>
+              <a:t>Date</a:t>
+            </a:r>
+            <a:br>
+              <a:rPr lang="en-US" altLang="zh-CN" sz="2000" dirty="0">
+                <a:solidFill>
+                  <a:schemeClr val="tx1"/>
+                </a:solidFill>
+                <a:sym typeface="+mn-ea"/>
+              </a:rPr>
+            </a:br>
+            <a:br>
+              <a:rPr lang="zh-CN" altLang="en-US" sz="3200" dirty="0">
+                <a:solidFill>
+                  <a:schemeClr val="tx1"/>
+                </a:solidFill>
+                <a:sym typeface="+mn-ea"/>
+              </a:rPr>
+            </a:br>
+            <a:br>
+              <a:rPr lang="zh-CN" altLang="en-US" sz="3200" dirty="0">
+                <a:solidFill>
+                  <a:schemeClr val="tx1"/>
+                </a:solidFill>
+                <a:sym typeface="+mn-ea"/>
+              </a:rPr>
+            </a:br>
+            <a:br>
+              <a:rPr lang="en-US" altLang="zh-CN" sz="3200" dirty="0">
+                <a:solidFill>
+                  <a:schemeClr val="tx1"/>
+                </a:solidFill>
+                <a:sym typeface="+mn-ea"/>
+              </a:rPr>
+            </a:br>
+            <a:br>
+              <a:rPr lang="zh-CN" altLang="en-US" sz="3200" dirty="0">
+                <a:solidFill>
+                  <a:schemeClr val="tx1"/>
+                </a:solidFill>
+                <a:sym typeface="+mn-ea"/>
+              </a:rPr>
+            </a:br>
+            <a:endParaRPr lang="zh-CN" altLang="en-US" sz="1800" dirty="0">
+              <a:solidFill>
+                <a:schemeClr val="tx1"/>
+              </a:solidFill>
+              <a:sym typeface="+mn-ea"/>
+            </a:endParaRPr>
+          </a:p>
+          <a:p>
+            <a:pPr marL="0" indent="0">
+              <a:lnSpc>
+                <a:spcPct val="160000"/>
+              </a:lnSpc>
+              <a:buNone/>
+            </a:pPr>
+            <a:endParaRPr lang="en-US" altLang="zh-CN" sz="1800" dirty="0">
+              <a:solidFill>
+                <a:schemeClr val="tx1"/>
+              </a:solidFill>
+              <a:sym typeface="+mn-ea"/>
+            </a:endParaRPr>
+          </a:p>
+        </p:txBody>
+      </p:sp>
+      <p:sp>
+        <p:nvSpPr>
+          <p:cNvPr id="3" name="内容占位符 2"/>
+          <p:cNvSpPr>
+            <a:spLocks noGrp="1"/>
+          </p:cNvSpPr>
+          <p:nvPr>
+            <p:ph sz="quarter" idx="11"/>
+          </p:nvPr>
+        </p:nvSpPr>
+        <p:spPr/>
+        <p:txBody>
+          <a:bodyPr/>
+          <a:lstStyle/>
+          <a:p>
+            <a:r>
+              <a:rPr lang="zh-CN" altLang="en-US" dirty="0"/>
+              <a:t>作业</a:t>
+            </a:r>
+            <a:endParaRPr lang="zh-CN" altLang="en-US" dirty="0"/>
+          </a:p>
+        </p:txBody>
+      </p:sp>
+    </p:spTree>
+  </p:cSld>
+  <p:clrMapOvr>
+    <a:masterClrMapping/>
+  </p:clrMapOvr>
+  <p:timing>
+    <p:tnLst>
+      <p:par>
+        <p:cTn id="1" dur="indefinite" restart="never" nodeType="tmRoot"/>
+      </p:par>
+    </p:tnLst>
+  </p:timing>
+</p:sld>
+</file>
+
+<file path=ppt/slides/slide19.xml><?xml version="1.0" encoding="utf-8"?>
+<p:sld xmlns:a="http://schemas.openxmlformats.org/drawingml/2006/main" xmlns:r="http://schemas.openxmlformats.org/officeDocument/2006/relationships" xmlns:p="http://schemas.openxmlformats.org/presentationml/2006/main">
+  <p:cSld>
+    <p:spTree>
+      <p:nvGrpSpPr>
+        <p:cNvPr id="1" name=""/>
+        <p:cNvGrpSpPr/>
+        <p:nvPr/>
+      </p:nvGrpSpPr>
+      <p:grpSpPr>
+        <a:xfrm>
+          <a:off x="0" y="0"/>
+          <a:ext cx="0" cy="0"/>
+          <a:chOff x="0" y="0"/>
+          <a:chExt cx="0" cy="0"/>
+        </a:xfrm>
+      </p:grpSpPr>
       <p:pic>
         <p:nvPicPr>
           <p:cNvPr id="4098" name="Picture 4"/>
@@ -9753,487 +10053,6 @@
     <a:masterClrMapping/>
   </p:clrMapOvr>
   <p:transition advClick="0"/>
-  <p:timing>
-    <p:tnLst>
-      <p:par>
-        <p:cTn id="1" dur="indefinite" restart="never" nodeType="tmRoot"/>
-      </p:par>
-    </p:tnLst>
-  </p:timing>
-</p:sld>
-</file>
-
-<file path=ppt/slides/slide19.xml><?xml version="1.0" encoding="utf-8"?>
-<p:sld xmlns:a="http://schemas.openxmlformats.org/drawingml/2006/main" xmlns:r="http://schemas.openxmlformats.org/officeDocument/2006/relationships" xmlns:p="http://schemas.openxmlformats.org/presentationml/2006/main">
-  <p:cSld>
-    <p:spTree>
-      <p:nvGrpSpPr>
-        <p:cNvPr id="1" name=""/>
-        <p:cNvGrpSpPr/>
-        <p:nvPr/>
-      </p:nvGrpSpPr>
-      <p:grpSpPr>
-        <a:xfrm>
-          <a:off x="0" y="0"/>
-          <a:ext cx="0" cy="0"/>
-          <a:chOff x="0" y="0"/>
-          <a:chExt cx="0" cy="0"/>
-        </a:xfrm>
-      </p:grpSpPr>
-      <p:sp>
-        <p:nvSpPr>
-          <p:cNvPr id="5123" name="AutoShape 6"/>
-          <p:cNvSpPr>
-            <a:spLocks noChangeArrowheads="1"/>
-          </p:cNvSpPr>
-          <p:nvPr/>
-        </p:nvSpPr>
-        <p:spPr bwMode="auto">
-          <a:xfrm>
-            <a:off x="2566988" y="1339851"/>
-            <a:ext cx="6711950" cy="4214813"/>
-          </a:xfrm>
-          <a:prstGeom prst="roundRect">
-            <a:avLst>
-              <a:gd name="adj" fmla="val 16667"/>
-            </a:avLst>
-          </a:prstGeom>
-          <a:noFill/>
-          <a:ln w="28575">
-            <a:solidFill>
-              <a:srgbClr val="C0C0C0"/>
-            </a:solidFill>
-            <a:prstDash val="sysDot"/>
-            <a:round/>
-          </a:ln>
-          <a:extLst>
-            <a:ext uri="{909E8E84-426E-40DD-AFC4-6F175D3DCCD1}">
-              <a14:hiddenFill xmlns:a14="http://schemas.microsoft.com/office/drawing/2010/main">
-                <a:solidFill>
-                  <a:srgbClr val="FFFFFF"/>
-                </a:solidFill>
-              </a14:hiddenFill>
-            </a:ext>
-          </a:extLst>
-        </p:spPr>
-        <p:txBody>
-          <a:bodyPr wrap="none" anchor="ctr"/>
-          <a:lstStyle>
-            <a:lvl1pPr marL="457200" indent="-457200">
-              <a:defRPr sz="3200">
-                <a:solidFill>
-                  <a:schemeClr val="tx1"/>
-                </a:solidFill>
-                <a:latin typeface="Arial" panose="020B0604020202020204" pitchFamily="34" charset="0"/>
-                <a:ea typeface="微软雅黑" panose="020B0503020204020204" pitchFamily="34" charset="-122"/>
-              </a:defRPr>
-            </a:lvl1pPr>
-            <a:lvl2pPr marL="742950" indent="-285750">
-              <a:defRPr sz="3200">
-                <a:solidFill>
-                  <a:schemeClr val="tx1"/>
-                </a:solidFill>
-                <a:latin typeface="Arial" panose="020B0604020202020204" pitchFamily="34" charset="0"/>
-                <a:ea typeface="微软雅黑" panose="020B0503020204020204" pitchFamily="34" charset="-122"/>
-              </a:defRPr>
-            </a:lvl2pPr>
-            <a:lvl3pPr marL="1143000" indent="-228600">
-              <a:defRPr sz="3200">
-                <a:solidFill>
-                  <a:schemeClr val="tx1"/>
-                </a:solidFill>
-                <a:latin typeface="Arial" panose="020B0604020202020204" pitchFamily="34" charset="0"/>
-                <a:ea typeface="微软雅黑" panose="020B0503020204020204" pitchFamily="34" charset="-122"/>
-              </a:defRPr>
-            </a:lvl3pPr>
-            <a:lvl4pPr marL="1600200" indent="-228600">
-              <a:defRPr sz="3200">
-                <a:solidFill>
-                  <a:schemeClr val="tx1"/>
-                </a:solidFill>
-                <a:latin typeface="Arial" panose="020B0604020202020204" pitchFamily="34" charset="0"/>
-                <a:ea typeface="微软雅黑" panose="020B0503020204020204" pitchFamily="34" charset="-122"/>
-              </a:defRPr>
-            </a:lvl4pPr>
-            <a:lvl5pPr marL="2057400" indent="-228600">
-              <a:defRPr sz="3200">
-                <a:solidFill>
-                  <a:schemeClr val="tx1"/>
-                </a:solidFill>
-                <a:latin typeface="Arial" panose="020B0604020202020204" pitchFamily="34" charset="0"/>
-                <a:ea typeface="微软雅黑" panose="020B0503020204020204" pitchFamily="34" charset="-122"/>
-              </a:defRPr>
-            </a:lvl5pPr>
-            <a:lvl6pPr marL="2514600" indent="-228600" eaLnBrk="0" fontAlgn="base" hangingPunct="0">
-              <a:spcBef>
-                <a:spcPct val="0"/>
-              </a:spcBef>
-              <a:spcAft>
-                <a:spcPct val="0"/>
-              </a:spcAft>
-              <a:defRPr sz="3200">
-                <a:solidFill>
-                  <a:schemeClr val="tx1"/>
-                </a:solidFill>
-                <a:latin typeface="Arial" panose="020B0604020202020204" pitchFamily="34" charset="0"/>
-                <a:ea typeface="微软雅黑" panose="020B0503020204020204" pitchFamily="34" charset="-122"/>
-              </a:defRPr>
-            </a:lvl6pPr>
-            <a:lvl7pPr marL="2971800" indent="-228600" eaLnBrk="0" fontAlgn="base" hangingPunct="0">
-              <a:spcBef>
-                <a:spcPct val="0"/>
-              </a:spcBef>
-              <a:spcAft>
-                <a:spcPct val="0"/>
-              </a:spcAft>
-              <a:defRPr sz="3200">
-                <a:solidFill>
-                  <a:schemeClr val="tx1"/>
-                </a:solidFill>
-                <a:latin typeface="Arial" panose="020B0604020202020204" pitchFamily="34" charset="0"/>
-                <a:ea typeface="微软雅黑" panose="020B0503020204020204" pitchFamily="34" charset="-122"/>
-              </a:defRPr>
-            </a:lvl7pPr>
-            <a:lvl8pPr marL="3429000" indent="-228600" eaLnBrk="0" fontAlgn="base" hangingPunct="0">
-              <a:spcBef>
-                <a:spcPct val="0"/>
-              </a:spcBef>
-              <a:spcAft>
-                <a:spcPct val="0"/>
-              </a:spcAft>
-              <a:defRPr sz="3200">
-                <a:solidFill>
-                  <a:schemeClr val="tx1"/>
-                </a:solidFill>
-                <a:latin typeface="Arial" panose="020B0604020202020204" pitchFamily="34" charset="0"/>
-                <a:ea typeface="微软雅黑" panose="020B0503020204020204" pitchFamily="34" charset="-122"/>
-              </a:defRPr>
-            </a:lvl8pPr>
-            <a:lvl9pPr marL="3886200" indent="-228600" eaLnBrk="0" fontAlgn="base" hangingPunct="0">
-              <a:spcBef>
-                <a:spcPct val="0"/>
-              </a:spcBef>
-              <a:spcAft>
-                <a:spcPct val="0"/>
-              </a:spcAft>
-              <a:defRPr sz="3200">
-                <a:solidFill>
-                  <a:schemeClr val="tx1"/>
-                </a:solidFill>
-                <a:latin typeface="Arial" panose="020B0604020202020204" pitchFamily="34" charset="0"/>
-                <a:ea typeface="微软雅黑" panose="020B0503020204020204" pitchFamily="34" charset="-122"/>
-              </a:defRPr>
-            </a:lvl9pPr>
-          </a:lstStyle>
-          <a:p>
-            <a:pPr algn="l">
-              <a:lnSpc>
-                <a:spcPct val="150000"/>
-              </a:lnSpc>
-              <a:spcBef>
-                <a:spcPts val="1200"/>
-              </a:spcBef>
-              <a:spcAft>
-                <a:spcPts val="1200"/>
-              </a:spcAft>
-              <a:buClr>
-                <a:srgbClr val="92D050"/>
-              </a:buClr>
-              <a:buFont typeface="Wingdings" panose="05000000000000000000" pitchFamily="2" charset="2"/>
-              <a:buChar char="Ø"/>
-            </a:pPr>
-            <a:r>
-              <a:rPr lang="en-US" altLang="zh-CN" sz="2800" b="1">
-                <a:solidFill>
-                  <a:schemeClr val="tx1"/>
-                </a:solidFill>
-                <a:sym typeface="+mn-ea"/>
-              </a:rPr>
-              <a:t>JS</a:t>
-            </a:r>
-            <a:r>
-              <a:rPr lang="zh-CN" altLang="en-US" sz="2800" b="1">
-                <a:solidFill>
-                  <a:schemeClr val="tx1"/>
-                </a:solidFill>
-                <a:sym typeface="+mn-ea"/>
-              </a:rPr>
-              <a:t>异常处理</a:t>
-            </a:r>
-            <a:endParaRPr lang="zh-CN" altLang="en-US" sz="2800" b="1">
-              <a:solidFill>
-                <a:schemeClr val="tx1"/>
-              </a:solidFill>
-              <a:sym typeface="+mn-ea"/>
-            </a:endParaRPr>
-          </a:p>
-          <a:p>
-            <a:pPr algn="l">
-              <a:lnSpc>
-                <a:spcPct val="150000"/>
-              </a:lnSpc>
-              <a:spcBef>
-                <a:spcPts val="1200"/>
-              </a:spcBef>
-              <a:spcAft>
-                <a:spcPts val="1200"/>
-              </a:spcAft>
-              <a:buClr>
-                <a:srgbClr val="92D050"/>
-              </a:buClr>
-              <a:buFont typeface="Wingdings" panose="05000000000000000000" pitchFamily="2" charset="2"/>
-              <a:buChar char="Ø"/>
-            </a:pPr>
-            <a:r>
-              <a:rPr lang="en-US" altLang="zh-CN" sz="2800" b="1">
-                <a:solidFill>
-                  <a:schemeClr val="tx1"/>
-                </a:solidFill>
-                <a:sym typeface="+mn-ea"/>
-              </a:rPr>
-              <a:t>Error</a:t>
-            </a:r>
-            <a:r>
-              <a:rPr lang="zh-CN" altLang="en-US" sz="2800" b="1">
-                <a:solidFill>
-                  <a:schemeClr val="tx1"/>
-                </a:solidFill>
-                <a:sym typeface="+mn-ea"/>
-              </a:rPr>
-              <a:t>对象及其子对象</a:t>
-            </a:r>
-            <a:endParaRPr lang="zh-CN" altLang="en-US" sz="2800" b="1">
-              <a:solidFill>
-                <a:schemeClr val="tx1"/>
-              </a:solidFill>
-              <a:sym typeface="+mn-ea"/>
-            </a:endParaRPr>
-          </a:p>
-        </p:txBody>
-      </p:sp>
-      <p:sp>
-        <p:nvSpPr>
-          <p:cNvPr id="4" name="内容占位符 3"/>
-          <p:cNvSpPr txBox="1"/>
-          <p:nvPr/>
-        </p:nvSpPr>
-        <p:spPr>
-          <a:xfrm>
-            <a:off x="981657" y="236943"/>
-            <a:ext cx="8191557" cy="490476"/>
-          </a:xfrm>
-          <a:prstGeom prst="rect">
-            <a:avLst/>
-          </a:prstGeom>
-        </p:spPr>
-        <p:txBody>
-          <a:bodyPr/>
-          <a:lstStyle>
-            <a:lvl1pPr marL="167005" indent="-167005" algn="l" defTabSz="0" rtl="0" eaLnBrk="0" fontAlgn="base" hangingPunct="0">
-              <a:spcBef>
-                <a:spcPct val="0"/>
-              </a:spcBef>
-              <a:spcAft>
-                <a:spcPct val="15000"/>
-              </a:spcAft>
-              <a:buClr>
-                <a:schemeClr val="tx2"/>
-              </a:buClr>
-              <a:buFont typeface="Arial" panose="020B0604020202020204" pitchFamily="34" charset="0"/>
-              <a:buChar char="•"/>
-              <a:defRPr kumimoji="1" sz="1600">
-                <a:solidFill>
-                  <a:srgbClr val="006F53"/>
-                </a:solidFill>
-                <a:latin typeface="微软雅黑" panose="020B0503020204020204" pitchFamily="34" charset="-122"/>
-                <a:ea typeface="微软雅黑" panose="020B0503020204020204" pitchFamily="34" charset="-122"/>
-                <a:cs typeface="微软雅黑" panose="020B0503020204020204" pitchFamily="34" charset="-122"/>
-              </a:defRPr>
-            </a:lvl1pPr>
-            <a:lvl2pPr marL="398780" indent="-230505" algn="l" defTabSz="0" rtl="0" eaLnBrk="0" fontAlgn="base" hangingPunct="0">
-              <a:spcBef>
-                <a:spcPct val="0"/>
-              </a:spcBef>
-              <a:spcAft>
-                <a:spcPct val="15000"/>
-              </a:spcAft>
-              <a:buClr>
-                <a:schemeClr val="tx2"/>
-              </a:buClr>
-              <a:buFont typeface="Arial" panose="020B0604020202020204" pitchFamily="34" charset="0"/>
-              <a:buChar char="–"/>
-              <a:defRPr kumimoji="1" sz="2800">
-                <a:solidFill>
-                  <a:schemeClr val="bg2"/>
-                </a:solidFill>
-                <a:latin typeface="微软雅黑" panose="020B0503020204020204" pitchFamily="34" charset="-122"/>
-                <a:ea typeface="微软雅黑" panose="020B0503020204020204" pitchFamily="34" charset="-122"/>
-                <a:cs typeface="微软雅黑" panose="020B0503020204020204" pitchFamily="34" charset="-122"/>
-              </a:defRPr>
-            </a:lvl2pPr>
-            <a:lvl3pPr marL="400050" indent="182880" algn="l" defTabSz="0" rtl="0" eaLnBrk="0" fontAlgn="base" hangingPunct="0">
-              <a:spcBef>
-                <a:spcPct val="0"/>
-              </a:spcBef>
-              <a:spcAft>
-                <a:spcPct val="15000"/>
-              </a:spcAft>
-              <a:buClr>
-                <a:schemeClr val="tx2"/>
-              </a:buClr>
-              <a:buFont typeface="Arial" panose="020B0604020202020204" pitchFamily="34" charset="0"/>
-              <a:buChar char="•"/>
-              <a:defRPr kumimoji="1" sz="1600">
-                <a:solidFill>
-                  <a:schemeClr val="bg2"/>
-                </a:solidFill>
-                <a:latin typeface="微软雅黑" panose="020B0503020204020204" pitchFamily="34" charset="-122"/>
-                <a:ea typeface="微软雅黑" panose="020B0503020204020204" pitchFamily="34" charset="-122"/>
-                <a:cs typeface="微软雅黑" panose="020B0503020204020204" pitchFamily="34" charset="-122"/>
-              </a:defRPr>
-            </a:lvl3pPr>
-            <a:lvl4pPr marL="825500" indent="-241300" algn="l" defTabSz="0" rtl="0" eaLnBrk="0" fontAlgn="base" hangingPunct="0">
-              <a:spcBef>
-                <a:spcPct val="0"/>
-              </a:spcBef>
-              <a:spcAft>
-                <a:spcPct val="15000"/>
-              </a:spcAft>
-              <a:buClr>
-                <a:schemeClr val="tx2"/>
-              </a:buClr>
-              <a:buFont typeface="Arial" panose="020B0604020202020204" pitchFamily="34" charset="0"/>
-              <a:buChar char="–"/>
-              <a:defRPr kumimoji="1" sz="1600">
-                <a:solidFill>
-                  <a:schemeClr val="bg2"/>
-                </a:solidFill>
-                <a:latin typeface="微软雅黑" panose="020B0503020204020204" pitchFamily="34" charset="-122"/>
-                <a:ea typeface="微软雅黑" panose="020B0503020204020204" pitchFamily="34" charset="-122"/>
-                <a:cs typeface="微软雅黑" panose="020B0503020204020204" pitchFamily="34" charset="-122"/>
-              </a:defRPr>
-            </a:lvl4pPr>
-            <a:lvl5pPr marL="2057400" indent="-228600" algn="l" defTabSz="0" rtl="0" eaLnBrk="0" fontAlgn="base" hangingPunct="0">
-              <a:spcBef>
-                <a:spcPct val="0"/>
-              </a:spcBef>
-              <a:spcAft>
-                <a:spcPct val="25000"/>
-              </a:spcAft>
-              <a:buClr>
-                <a:schemeClr val="tx2"/>
-              </a:buClr>
-              <a:buFont typeface="Arial" panose="020B0604020202020204" pitchFamily="34" charset="0"/>
-              <a:buChar char="–"/>
-              <a:defRPr kumimoji="1" sz="2000">
-                <a:solidFill>
-                  <a:schemeClr val="tx1"/>
-                </a:solidFill>
-                <a:latin typeface="+mn-lt"/>
-                <a:ea typeface="微软雅黑" panose="020B0503020204020204" pitchFamily="34" charset="-122"/>
-                <a:cs typeface="微软雅黑" panose="020B0503020204020204" pitchFamily="34" charset="-122"/>
-              </a:defRPr>
-            </a:lvl5pPr>
-            <a:lvl6pPr marL="2514600" indent="-228600" algn="l" defTabSz="0" rtl="0" eaLnBrk="0" fontAlgn="base" hangingPunct="0">
-              <a:spcBef>
-                <a:spcPct val="0"/>
-              </a:spcBef>
-              <a:spcAft>
-                <a:spcPct val="25000"/>
-              </a:spcAft>
-              <a:buClr>
-                <a:schemeClr val="tx2"/>
-              </a:buClr>
-              <a:buFont typeface="Arial" panose="020B0604020202020204" pitchFamily="34" charset="0"/>
-              <a:buChar char="–"/>
-              <a:defRPr>
-                <a:solidFill>
-                  <a:schemeClr val="tx1"/>
-                </a:solidFill>
-                <a:latin typeface="+mn-lt"/>
-              </a:defRPr>
-            </a:lvl6pPr>
-            <a:lvl7pPr marL="2971800" indent="-228600" algn="l" defTabSz="0" rtl="0" eaLnBrk="0" fontAlgn="base" hangingPunct="0">
-              <a:spcBef>
-                <a:spcPct val="0"/>
-              </a:spcBef>
-              <a:spcAft>
-                <a:spcPct val="25000"/>
-              </a:spcAft>
-              <a:buClr>
-                <a:schemeClr val="tx2"/>
-              </a:buClr>
-              <a:buFont typeface="Arial" panose="020B0604020202020204" pitchFamily="34" charset="0"/>
-              <a:buChar char="–"/>
-              <a:defRPr>
-                <a:solidFill>
-                  <a:schemeClr val="tx1"/>
-                </a:solidFill>
-                <a:latin typeface="+mn-lt"/>
-              </a:defRPr>
-            </a:lvl7pPr>
-            <a:lvl8pPr marL="3429000" indent="-228600" algn="l" defTabSz="0" rtl="0" eaLnBrk="0" fontAlgn="base" hangingPunct="0">
-              <a:spcBef>
-                <a:spcPct val="0"/>
-              </a:spcBef>
-              <a:spcAft>
-                <a:spcPct val="25000"/>
-              </a:spcAft>
-              <a:buClr>
-                <a:schemeClr val="tx2"/>
-              </a:buClr>
-              <a:buFont typeface="Arial" panose="020B0604020202020204" pitchFamily="34" charset="0"/>
-              <a:buChar char="–"/>
-              <a:defRPr>
-                <a:solidFill>
-                  <a:schemeClr val="tx1"/>
-                </a:solidFill>
-                <a:latin typeface="+mn-lt"/>
-              </a:defRPr>
-            </a:lvl8pPr>
-            <a:lvl9pPr marL="3886200" indent="-228600" algn="l" defTabSz="0" rtl="0" eaLnBrk="0" fontAlgn="base" hangingPunct="0">
-              <a:spcBef>
-                <a:spcPct val="0"/>
-              </a:spcBef>
-              <a:spcAft>
-                <a:spcPct val="25000"/>
-              </a:spcAft>
-              <a:buClr>
-                <a:schemeClr val="tx2"/>
-              </a:buClr>
-              <a:buFont typeface="Arial" panose="020B0604020202020204" pitchFamily="34" charset="0"/>
-              <a:buChar char="–"/>
-              <a:defRPr>
-                <a:solidFill>
-                  <a:schemeClr val="tx1"/>
-                </a:solidFill>
-                <a:latin typeface="+mn-lt"/>
-              </a:defRPr>
-            </a:lvl9pPr>
-          </a:lstStyle>
-          <a:p>
-            <a:pPr marL="0" indent="0">
-              <a:buNone/>
-            </a:pPr>
-            <a:r>
-              <a:rPr lang="zh-CN" altLang="en-US" sz="3200" dirty="0" smtClean="0">
-                <a:solidFill>
-                  <a:srgbClr val="C00000"/>
-                </a:solidFill>
-                <a:cs typeface="+mn-cs"/>
-                <a:sym typeface="+mn-ea"/>
-              </a:rPr>
-              <a:t>内容提纲</a:t>
-            </a:r>
-            <a:endParaRPr lang="zh-CN" altLang="en-US" kern="0" dirty="0"/>
-          </a:p>
-        </p:txBody>
-      </p:sp>
-    </p:spTree>
-  </p:cSld>
-  <p:clrMapOvr>
-    <a:masterClrMapping/>
-  </p:clrMapOvr>
   <p:timing>
     <p:tnLst>
       <p:par>
@@ -10638,6 +10457,487 @@
       </p:grpSpPr>
       <p:sp>
         <p:nvSpPr>
+          <p:cNvPr id="5123" name="AutoShape 6"/>
+          <p:cNvSpPr>
+            <a:spLocks noChangeArrowheads="1"/>
+          </p:cNvSpPr>
+          <p:nvPr/>
+        </p:nvSpPr>
+        <p:spPr bwMode="auto">
+          <a:xfrm>
+            <a:off x="2566988" y="1339851"/>
+            <a:ext cx="6711950" cy="4214813"/>
+          </a:xfrm>
+          <a:prstGeom prst="roundRect">
+            <a:avLst>
+              <a:gd name="adj" fmla="val 16667"/>
+            </a:avLst>
+          </a:prstGeom>
+          <a:noFill/>
+          <a:ln w="28575">
+            <a:solidFill>
+              <a:srgbClr val="C0C0C0"/>
+            </a:solidFill>
+            <a:prstDash val="sysDot"/>
+            <a:round/>
+          </a:ln>
+          <a:extLst>
+            <a:ext uri="{909E8E84-426E-40DD-AFC4-6F175D3DCCD1}">
+              <a14:hiddenFill xmlns:a14="http://schemas.microsoft.com/office/drawing/2010/main">
+                <a:solidFill>
+                  <a:srgbClr val="FFFFFF"/>
+                </a:solidFill>
+              </a14:hiddenFill>
+            </a:ext>
+          </a:extLst>
+        </p:spPr>
+        <p:txBody>
+          <a:bodyPr wrap="none" anchor="ctr"/>
+          <a:lstStyle>
+            <a:lvl1pPr marL="457200" indent="-457200">
+              <a:defRPr sz="3200">
+                <a:solidFill>
+                  <a:schemeClr val="tx1"/>
+                </a:solidFill>
+                <a:latin typeface="Arial" panose="020B0604020202020204" pitchFamily="34" charset="0"/>
+                <a:ea typeface="微软雅黑" panose="020B0503020204020204" pitchFamily="34" charset="-122"/>
+              </a:defRPr>
+            </a:lvl1pPr>
+            <a:lvl2pPr marL="742950" indent="-285750">
+              <a:defRPr sz="3200">
+                <a:solidFill>
+                  <a:schemeClr val="tx1"/>
+                </a:solidFill>
+                <a:latin typeface="Arial" panose="020B0604020202020204" pitchFamily="34" charset="0"/>
+                <a:ea typeface="微软雅黑" panose="020B0503020204020204" pitchFamily="34" charset="-122"/>
+              </a:defRPr>
+            </a:lvl2pPr>
+            <a:lvl3pPr marL="1143000" indent="-228600">
+              <a:defRPr sz="3200">
+                <a:solidFill>
+                  <a:schemeClr val="tx1"/>
+                </a:solidFill>
+                <a:latin typeface="Arial" panose="020B0604020202020204" pitchFamily="34" charset="0"/>
+                <a:ea typeface="微软雅黑" panose="020B0503020204020204" pitchFamily="34" charset="-122"/>
+              </a:defRPr>
+            </a:lvl3pPr>
+            <a:lvl4pPr marL="1600200" indent="-228600">
+              <a:defRPr sz="3200">
+                <a:solidFill>
+                  <a:schemeClr val="tx1"/>
+                </a:solidFill>
+                <a:latin typeface="Arial" panose="020B0604020202020204" pitchFamily="34" charset="0"/>
+                <a:ea typeface="微软雅黑" panose="020B0503020204020204" pitchFamily="34" charset="-122"/>
+              </a:defRPr>
+            </a:lvl4pPr>
+            <a:lvl5pPr marL="2057400" indent="-228600">
+              <a:defRPr sz="3200">
+                <a:solidFill>
+                  <a:schemeClr val="tx1"/>
+                </a:solidFill>
+                <a:latin typeface="Arial" panose="020B0604020202020204" pitchFamily="34" charset="0"/>
+                <a:ea typeface="微软雅黑" panose="020B0503020204020204" pitchFamily="34" charset="-122"/>
+              </a:defRPr>
+            </a:lvl5pPr>
+            <a:lvl6pPr marL="2514600" indent="-228600" eaLnBrk="0" fontAlgn="base" hangingPunct="0">
+              <a:spcBef>
+                <a:spcPct val="0"/>
+              </a:spcBef>
+              <a:spcAft>
+                <a:spcPct val="0"/>
+              </a:spcAft>
+              <a:defRPr sz="3200">
+                <a:solidFill>
+                  <a:schemeClr val="tx1"/>
+                </a:solidFill>
+                <a:latin typeface="Arial" panose="020B0604020202020204" pitchFamily="34" charset="0"/>
+                <a:ea typeface="微软雅黑" panose="020B0503020204020204" pitchFamily="34" charset="-122"/>
+              </a:defRPr>
+            </a:lvl6pPr>
+            <a:lvl7pPr marL="2971800" indent="-228600" eaLnBrk="0" fontAlgn="base" hangingPunct="0">
+              <a:spcBef>
+                <a:spcPct val="0"/>
+              </a:spcBef>
+              <a:spcAft>
+                <a:spcPct val="0"/>
+              </a:spcAft>
+              <a:defRPr sz="3200">
+                <a:solidFill>
+                  <a:schemeClr val="tx1"/>
+                </a:solidFill>
+                <a:latin typeface="Arial" panose="020B0604020202020204" pitchFamily="34" charset="0"/>
+                <a:ea typeface="微软雅黑" panose="020B0503020204020204" pitchFamily="34" charset="-122"/>
+              </a:defRPr>
+            </a:lvl7pPr>
+            <a:lvl8pPr marL="3429000" indent="-228600" eaLnBrk="0" fontAlgn="base" hangingPunct="0">
+              <a:spcBef>
+                <a:spcPct val="0"/>
+              </a:spcBef>
+              <a:spcAft>
+                <a:spcPct val="0"/>
+              </a:spcAft>
+              <a:defRPr sz="3200">
+                <a:solidFill>
+                  <a:schemeClr val="tx1"/>
+                </a:solidFill>
+                <a:latin typeface="Arial" panose="020B0604020202020204" pitchFamily="34" charset="0"/>
+                <a:ea typeface="微软雅黑" panose="020B0503020204020204" pitchFamily="34" charset="-122"/>
+              </a:defRPr>
+            </a:lvl8pPr>
+            <a:lvl9pPr marL="3886200" indent="-228600" eaLnBrk="0" fontAlgn="base" hangingPunct="0">
+              <a:spcBef>
+                <a:spcPct val="0"/>
+              </a:spcBef>
+              <a:spcAft>
+                <a:spcPct val="0"/>
+              </a:spcAft>
+              <a:defRPr sz="3200">
+                <a:solidFill>
+                  <a:schemeClr val="tx1"/>
+                </a:solidFill>
+                <a:latin typeface="Arial" panose="020B0604020202020204" pitchFamily="34" charset="0"/>
+                <a:ea typeface="微软雅黑" panose="020B0503020204020204" pitchFamily="34" charset="-122"/>
+              </a:defRPr>
+            </a:lvl9pPr>
+          </a:lstStyle>
+          <a:p>
+            <a:pPr algn="l">
+              <a:lnSpc>
+                <a:spcPct val="150000"/>
+              </a:lnSpc>
+              <a:spcBef>
+                <a:spcPts val="1200"/>
+              </a:spcBef>
+              <a:spcAft>
+                <a:spcPts val="1200"/>
+              </a:spcAft>
+              <a:buClr>
+                <a:srgbClr val="92D050"/>
+              </a:buClr>
+              <a:buFont typeface="Wingdings" panose="05000000000000000000" pitchFamily="2" charset="2"/>
+              <a:buChar char="Ø"/>
+            </a:pPr>
+            <a:r>
+              <a:rPr lang="en-US" altLang="zh-CN" sz="2800" b="1">
+                <a:solidFill>
+                  <a:schemeClr val="tx1"/>
+                </a:solidFill>
+                <a:sym typeface="+mn-ea"/>
+              </a:rPr>
+              <a:t>JS</a:t>
+            </a:r>
+            <a:r>
+              <a:rPr lang="zh-CN" altLang="en-US" sz="2800" b="1">
+                <a:solidFill>
+                  <a:schemeClr val="tx1"/>
+                </a:solidFill>
+                <a:sym typeface="+mn-ea"/>
+              </a:rPr>
+              <a:t>异常处理</a:t>
+            </a:r>
+            <a:endParaRPr lang="zh-CN" altLang="en-US" sz="2800" b="1">
+              <a:solidFill>
+                <a:schemeClr val="tx1"/>
+              </a:solidFill>
+              <a:sym typeface="+mn-ea"/>
+            </a:endParaRPr>
+          </a:p>
+          <a:p>
+            <a:pPr algn="l">
+              <a:lnSpc>
+                <a:spcPct val="150000"/>
+              </a:lnSpc>
+              <a:spcBef>
+                <a:spcPts val="1200"/>
+              </a:spcBef>
+              <a:spcAft>
+                <a:spcPts val="1200"/>
+              </a:spcAft>
+              <a:buClr>
+                <a:srgbClr val="92D050"/>
+              </a:buClr>
+              <a:buFont typeface="Wingdings" panose="05000000000000000000" pitchFamily="2" charset="2"/>
+              <a:buChar char="Ø"/>
+            </a:pPr>
+            <a:r>
+              <a:rPr lang="en-US" altLang="zh-CN" sz="2800" b="1">
+                <a:solidFill>
+                  <a:schemeClr val="tx1"/>
+                </a:solidFill>
+                <a:sym typeface="+mn-ea"/>
+              </a:rPr>
+              <a:t>Error</a:t>
+            </a:r>
+            <a:r>
+              <a:rPr lang="zh-CN" altLang="en-US" sz="2800" b="1">
+                <a:solidFill>
+                  <a:schemeClr val="tx1"/>
+                </a:solidFill>
+                <a:sym typeface="+mn-ea"/>
+              </a:rPr>
+              <a:t>对象及其子对象</a:t>
+            </a:r>
+            <a:endParaRPr lang="zh-CN" altLang="en-US" sz="2800" b="1">
+              <a:solidFill>
+                <a:schemeClr val="tx1"/>
+              </a:solidFill>
+              <a:sym typeface="+mn-ea"/>
+            </a:endParaRPr>
+          </a:p>
+        </p:txBody>
+      </p:sp>
+      <p:sp>
+        <p:nvSpPr>
+          <p:cNvPr id="4" name="内容占位符 3"/>
+          <p:cNvSpPr txBox="1"/>
+          <p:nvPr/>
+        </p:nvSpPr>
+        <p:spPr>
+          <a:xfrm>
+            <a:off x="981657" y="236943"/>
+            <a:ext cx="8191557" cy="490476"/>
+          </a:xfrm>
+          <a:prstGeom prst="rect">
+            <a:avLst/>
+          </a:prstGeom>
+        </p:spPr>
+        <p:txBody>
+          <a:bodyPr/>
+          <a:lstStyle>
+            <a:lvl1pPr marL="167005" indent="-167005" algn="l" defTabSz="0" rtl="0" eaLnBrk="0" fontAlgn="base" hangingPunct="0">
+              <a:spcBef>
+                <a:spcPct val="0"/>
+              </a:spcBef>
+              <a:spcAft>
+                <a:spcPct val="15000"/>
+              </a:spcAft>
+              <a:buClr>
+                <a:schemeClr val="tx2"/>
+              </a:buClr>
+              <a:buFont typeface="Arial" panose="020B0604020202020204" pitchFamily="34" charset="0"/>
+              <a:buChar char="•"/>
+              <a:defRPr kumimoji="1" sz="1600">
+                <a:solidFill>
+                  <a:srgbClr val="006F53"/>
+                </a:solidFill>
+                <a:latin typeface="微软雅黑" panose="020B0503020204020204" pitchFamily="34" charset="-122"/>
+                <a:ea typeface="微软雅黑" panose="020B0503020204020204" pitchFamily="34" charset="-122"/>
+                <a:cs typeface="微软雅黑" panose="020B0503020204020204" pitchFamily="34" charset="-122"/>
+              </a:defRPr>
+            </a:lvl1pPr>
+            <a:lvl2pPr marL="398780" indent="-230505" algn="l" defTabSz="0" rtl="0" eaLnBrk="0" fontAlgn="base" hangingPunct="0">
+              <a:spcBef>
+                <a:spcPct val="0"/>
+              </a:spcBef>
+              <a:spcAft>
+                <a:spcPct val="15000"/>
+              </a:spcAft>
+              <a:buClr>
+                <a:schemeClr val="tx2"/>
+              </a:buClr>
+              <a:buFont typeface="Arial" panose="020B0604020202020204" pitchFamily="34" charset="0"/>
+              <a:buChar char="–"/>
+              <a:defRPr kumimoji="1" sz="2800">
+                <a:solidFill>
+                  <a:schemeClr val="bg2"/>
+                </a:solidFill>
+                <a:latin typeface="微软雅黑" panose="020B0503020204020204" pitchFamily="34" charset="-122"/>
+                <a:ea typeface="微软雅黑" panose="020B0503020204020204" pitchFamily="34" charset="-122"/>
+                <a:cs typeface="微软雅黑" panose="020B0503020204020204" pitchFamily="34" charset="-122"/>
+              </a:defRPr>
+            </a:lvl2pPr>
+            <a:lvl3pPr marL="400050" indent="182880" algn="l" defTabSz="0" rtl="0" eaLnBrk="0" fontAlgn="base" hangingPunct="0">
+              <a:spcBef>
+                <a:spcPct val="0"/>
+              </a:spcBef>
+              <a:spcAft>
+                <a:spcPct val="15000"/>
+              </a:spcAft>
+              <a:buClr>
+                <a:schemeClr val="tx2"/>
+              </a:buClr>
+              <a:buFont typeface="Arial" panose="020B0604020202020204" pitchFamily="34" charset="0"/>
+              <a:buChar char="•"/>
+              <a:defRPr kumimoji="1" sz="1600">
+                <a:solidFill>
+                  <a:schemeClr val="bg2"/>
+                </a:solidFill>
+                <a:latin typeface="微软雅黑" panose="020B0503020204020204" pitchFamily="34" charset="-122"/>
+                <a:ea typeface="微软雅黑" panose="020B0503020204020204" pitchFamily="34" charset="-122"/>
+                <a:cs typeface="微软雅黑" panose="020B0503020204020204" pitchFamily="34" charset="-122"/>
+              </a:defRPr>
+            </a:lvl3pPr>
+            <a:lvl4pPr marL="825500" indent="-241300" algn="l" defTabSz="0" rtl="0" eaLnBrk="0" fontAlgn="base" hangingPunct="0">
+              <a:spcBef>
+                <a:spcPct val="0"/>
+              </a:spcBef>
+              <a:spcAft>
+                <a:spcPct val="15000"/>
+              </a:spcAft>
+              <a:buClr>
+                <a:schemeClr val="tx2"/>
+              </a:buClr>
+              <a:buFont typeface="Arial" panose="020B0604020202020204" pitchFamily="34" charset="0"/>
+              <a:buChar char="–"/>
+              <a:defRPr kumimoji="1" sz="1600">
+                <a:solidFill>
+                  <a:schemeClr val="bg2"/>
+                </a:solidFill>
+                <a:latin typeface="微软雅黑" panose="020B0503020204020204" pitchFamily="34" charset="-122"/>
+                <a:ea typeface="微软雅黑" panose="020B0503020204020204" pitchFamily="34" charset="-122"/>
+                <a:cs typeface="微软雅黑" panose="020B0503020204020204" pitchFamily="34" charset="-122"/>
+              </a:defRPr>
+            </a:lvl4pPr>
+            <a:lvl5pPr marL="2057400" indent="-228600" algn="l" defTabSz="0" rtl="0" eaLnBrk="0" fontAlgn="base" hangingPunct="0">
+              <a:spcBef>
+                <a:spcPct val="0"/>
+              </a:spcBef>
+              <a:spcAft>
+                <a:spcPct val="25000"/>
+              </a:spcAft>
+              <a:buClr>
+                <a:schemeClr val="tx2"/>
+              </a:buClr>
+              <a:buFont typeface="Arial" panose="020B0604020202020204" pitchFamily="34" charset="0"/>
+              <a:buChar char="–"/>
+              <a:defRPr kumimoji="1" sz="2000">
+                <a:solidFill>
+                  <a:schemeClr val="tx1"/>
+                </a:solidFill>
+                <a:latin typeface="+mn-lt"/>
+                <a:ea typeface="微软雅黑" panose="020B0503020204020204" pitchFamily="34" charset="-122"/>
+                <a:cs typeface="微软雅黑" panose="020B0503020204020204" pitchFamily="34" charset="-122"/>
+              </a:defRPr>
+            </a:lvl5pPr>
+            <a:lvl6pPr marL="2514600" indent="-228600" algn="l" defTabSz="0" rtl="0" eaLnBrk="0" fontAlgn="base" hangingPunct="0">
+              <a:spcBef>
+                <a:spcPct val="0"/>
+              </a:spcBef>
+              <a:spcAft>
+                <a:spcPct val="25000"/>
+              </a:spcAft>
+              <a:buClr>
+                <a:schemeClr val="tx2"/>
+              </a:buClr>
+              <a:buFont typeface="Arial" panose="020B0604020202020204" pitchFamily="34" charset="0"/>
+              <a:buChar char="–"/>
+              <a:defRPr>
+                <a:solidFill>
+                  <a:schemeClr val="tx1"/>
+                </a:solidFill>
+                <a:latin typeface="+mn-lt"/>
+              </a:defRPr>
+            </a:lvl6pPr>
+            <a:lvl7pPr marL="2971800" indent="-228600" algn="l" defTabSz="0" rtl="0" eaLnBrk="0" fontAlgn="base" hangingPunct="0">
+              <a:spcBef>
+                <a:spcPct val="0"/>
+              </a:spcBef>
+              <a:spcAft>
+                <a:spcPct val="25000"/>
+              </a:spcAft>
+              <a:buClr>
+                <a:schemeClr val="tx2"/>
+              </a:buClr>
+              <a:buFont typeface="Arial" panose="020B0604020202020204" pitchFamily="34" charset="0"/>
+              <a:buChar char="–"/>
+              <a:defRPr>
+                <a:solidFill>
+                  <a:schemeClr val="tx1"/>
+                </a:solidFill>
+                <a:latin typeface="+mn-lt"/>
+              </a:defRPr>
+            </a:lvl7pPr>
+            <a:lvl8pPr marL="3429000" indent="-228600" algn="l" defTabSz="0" rtl="0" eaLnBrk="0" fontAlgn="base" hangingPunct="0">
+              <a:spcBef>
+                <a:spcPct val="0"/>
+              </a:spcBef>
+              <a:spcAft>
+                <a:spcPct val="25000"/>
+              </a:spcAft>
+              <a:buClr>
+                <a:schemeClr val="tx2"/>
+              </a:buClr>
+              <a:buFont typeface="Arial" panose="020B0604020202020204" pitchFamily="34" charset="0"/>
+              <a:buChar char="–"/>
+              <a:defRPr>
+                <a:solidFill>
+                  <a:schemeClr val="tx1"/>
+                </a:solidFill>
+                <a:latin typeface="+mn-lt"/>
+              </a:defRPr>
+            </a:lvl8pPr>
+            <a:lvl9pPr marL="3886200" indent="-228600" algn="l" defTabSz="0" rtl="0" eaLnBrk="0" fontAlgn="base" hangingPunct="0">
+              <a:spcBef>
+                <a:spcPct val="0"/>
+              </a:spcBef>
+              <a:spcAft>
+                <a:spcPct val="25000"/>
+              </a:spcAft>
+              <a:buClr>
+                <a:schemeClr val="tx2"/>
+              </a:buClr>
+              <a:buFont typeface="Arial" panose="020B0604020202020204" pitchFamily="34" charset="0"/>
+              <a:buChar char="–"/>
+              <a:defRPr>
+                <a:solidFill>
+                  <a:schemeClr val="tx1"/>
+                </a:solidFill>
+                <a:latin typeface="+mn-lt"/>
+              </a:defRPr>
+            </a:lvl9pPr>
+          </a:lstStyle>
+          <a:p>
+            <a:pPr marL="0" indent="0">
+              <a:buNone/>
+            </a:pPr>
+            <a:r>
+              <a:rPr lang="zh-CN" altLang="en-US" sz="3200" dirty="0" smtClean="0">
+                <a:solidFill>
+                  <a:srgbClr val="C00000"/>
+                </a:solidFill>
+                <a:cs typeface="+mn-cs"/>
+                <a:sym typeface="+mn-ea"/>
+              </a:rPr>
+              <a:t>内容提纲</a:t>
+            </a:r>
+            <a:endParaRPr lang="zh-CN" altLang="en-US" kern="0" dirty="0"/>
+          </a:p>
+        </p:txBody>
+      </p:sp>
+    </p:spTree>
+  </p:cSld>
+  <p:clrMapOvr>
+    <a:masterClrMapping/>
+  </p:clrMapOvr>
+  <p:timing>
+    <p:tnLst>
+      <p:par>
+        <p:cTn id="1" dur="indefinite" restart="never" nodeType="tmRoot"/>
+      </p:par>
+    </p:tnLst>
+  </p:timing>
+</p:sld>
+</file>
+
+<file path=ppt/slides/slide21.xml><?xml version="1.0" encoding="utf-8"?>
+<p:sld xmlns:a="http://schemas.openxmlformats.org/drawingml/2006/main" xmlns:r="http://schemas.openxmlformats.org/officeDocument/2006/relationships" xmlns:p="http://schemas.openxmlformats.org/presentationml/2006/main">
+  <p:cSld>
+    <p:spTree>
+      <p:nvGrpSpPr>
+        <p:cNvPr id="1" name=""/>
+        <p:cNvGrpSpPr/>
+        <p:nvPr/>
+      </p:nvGrpSpPr>
+      <p:grpSpPr>
+        <a:xfrm>
+          <a:off x="0" y="0"/>
+          <a:ext cx="0" cy="0"/>
+          <a:chOff x="0" y="0"/>
+          <a:chExt cx="0" cy="0"/>
+        </a:xfrm>
+      </p:grpSpPr>
+      <p:sp>
+        <p:nvSpPr>
           <p:cNvPr id="2" name="内容占位符 1"/>
           <p:cNvSpPr>
             <a:spLocks noGrp="1"/>
@@ -10918,10 +11218,12 @@
           <a:lstStyle/>
           <a:p>
             <a:r>
-              <a:rPr lang="zh-CN" altLang="en-US" dirty="0">
-                <a:sym typeface="+mn-ea"/>
-              </a:rPr>
-              <a:t>数组的原型方法</a:t>
+              <a:rPr lang="en-US" altLang="zh-CN" dirty="0"/>
+              <a:t>JS</a:t>
+            </a:r>
+            <a:r>
+              <a:rPr lang="zh-CN" altLang="en-US" dirty="0"/>
+              <a:t>异常处理</a:t>
             </a:r>
             <a:endParaRPr lang="zh-CN" altLang="en-US" dirty="0"/>
           </a:p>
@@ -11043,830 +11345,6 @@
                       </p:childTnLst>
                     </p:cTn>
                   </p:par>
-                  <p:par>
-                    <p:cTn id="9" fill="hold">
-                      <p:stCondLst>
-                        <p:cond delay="indefinite"/>
-                      </p:stCondLst>
-                      <p:childTnLst>
-                        <p:par>
-                          <p:cTn id="10" fill="hold">
-                            <p:stCondLst>
-                              <p:cond delay="0"/>
-                            </p:stCondLst>
-                            <p:childTnLst>
-                              <p:par>
-                                <p:cTn id="11" presetID="2" presetClass="entr" presetSubtype="4" fill="hold" nodeType="clickEffect">
-                                  <p:stCondLst>
-                                    <p:cond delay="0"/>
-                                  </p:stCondLst>
-                                  <p:childTnLst>
-                                    <p:set>
-                                      <p:cBhvr>
-                                        <p:cTn id="12" dur="1" fill="hold">
-                                          <p:stCondLst>
-                                            <p:cond delay="0"/>
-                                          </p:stCondLst>
-                                        </p:cTn>
-                                        <p:tgtEl>
-                                          <p:spTgt spid="2">
-                                            <p:txEl>
-                                              <p:pRg st="1" end="1"/>
-                                            </p:txEl>
-                                          </p:spTgt>
-                                        </p:tgtEl>
-                                        <p:attrNameLst>
-                                          <p:attrName>style.visibility</p:attrName>
-                                        </p:attrNameLst>
-                                      </p:cBhvr>
-                                      <p:to>
-                                        <p:strVal val="visible"/>
-                                      </p:to>
-                                    </p:set>
-                                    <p:anim calcmode="lin" valueType="num">
-                                      <p:cBhvr additive="base">
-                                        <p:cTn id="13" dur="500" fill="hold"/>
-                                        <p:tgtEl>
-                                          <p:spTgt spid="2">
-                                            <p:txEl>
-                                              <p:pRg st="1" end="1"/>
-                                            </p:txEl>
-                                          </p:spTgt>
-                                        </p:tgtEl>
-                                        <p:attrNameLst>
-                                          <p:attrName>ppt_x</p:attrName>
-                                        </p:attrNameLst>
-                                      </p:cBhvr>
-                                      <p:tavLst>
-                                        <p:tav tm="0">
-                                          <p:val>
-                                            <p:strVal val="#ppt_x"/>
-                                          </p:val>
-                                        </p:tav>
-                                        <p:tav tm="100000">
-                                          <p:val>
-                                            <p:strVal val="#ppt_x"/>
-                                          </p:val>
-                                        </p:tav>
-                                      </p:tavLst>
-                                    </p:anim>
-                                    <p:anim calcmode="lin" valueType="num">
-                                      <p:cBhvr additive="base">
-                                        <p:cTn id="14" dur="500" fill="hold"/>
-                                        <p:tgtEl>
-                                          <p:spTgt spid="2">
-                                            <p:txEl>
-                                              <p:pRg st="1" end="1"/>
-                                            </p:txEl>
-                                          </p:spTgt>
-                                        </p:tgtEl>
-                                        <p:attrNameLst>
-                                          <p:attrName>ppt_y</p:attrName>
-                                        </p:attrNameLst>
-                                      </p:cBhvr>
-                                      <p:tavLst>
-                                        <p:tav tm="0">
-                                          <p:val>
-                                            <p:strVal val="1+#ppt_h/2"/>
-                                          </p:val>
-                                        </p:tav>
-                                        <p:tav tm="100000">
-                                          <p:val>
-                                            <p:strVal val="#ppt_y"/>
-                                          </p:val>
-                                        </p:tav>
-                                      </p:tavLst>
-                                    </p:anim>
-                                  </p:childTnLst>
-                                </p:cTn>
-                              </p:par>
-                            </p:childTnLst>
-                          </p:cTn>
-                        </p:par>
-                      </p:childTnLst>
-                    </p:cTn>
-                  </p:par>
-                  <p:par>
-                    <p:cTn id="15" fill="hold">
-                      <p:stCondLst>
-                        <p:cond delay="indefinite"/>
-                      </p:stCondLst>
-                      <p:childTnLst>
-                        <p:par>
-                          <p:cTn id="16" fill="hold">
-                            <p:stCondLst>
-                              <p:cond delay="0"/>
-                            </p:stCondLst>
-                            <p:childTnLst>
-                              <p:par>
-                                <p:cTn id="17" presetID="2" presetClass="entr" presetSubtype="4" fill="hold" nodeType="clickEffect">
-                                  <p:stCondLst>
-                                    <p:cond delay="0"/>
-                                  </p:stCondLst>
-                                  <p:childTnLst>
-                                    <p:set>
-                                      <p:cBhvr>
-                                        <p:cTn id="18" dur="1" fill="hold">
-                                          <p:stCondLst>
-                                            <p:cond delay="0"/>
-                                          </p:stCondLst>
-                                        </p:cTn>
-                                        <p:tgtEl>
-                                          <p:spTgt spid="2">
-                                            <p:txEl>
-                                              <p:pRg st="2" end="2"/>
-                                            </p:txEl>
-                                          </p:spTgt>
-                                        </p:tgtEl>
-                                        <p:attrNameLst>
-                                          <p:attrName>style.visibility</p:attrName>
-                                        </p:attrNameLst>
-                                      </p:cBhvr>
-                                      <p:to>
-                                        <p:strVal val="visible"/>
-                                      </p:to>
-                                    </p:set>
-                                    <p:anim calcmode="lin" valueType="num">
-                                      <p:cBhvr additive="base">
-                                        <p:cTn id="19" dur="500" fill="hold"/>
-                                        <p:tgtEl>
-                                          <p:spTgt spid="2">
-                                            <p:txEl>
-                                              <p:pRg st="2" end="2"/>
-                                            </p:txEl>
-                                          </p:spTgt>
-                                        </p:tgtEl>
-                                        <p:attrNameLst>
-                                          <p:attrName>ppt_x</p:attrName>
-                                        </p:attrNameLst>
-                                      </p:cBhvr>
-                                      <p:tavLst>
-                                        <p:tav tm="0">
-                                          <p:val>
-                                            <p:strVal val="#ppt_x"/>
-                                          </p:val>
-                                        </p:tav>
-                                        <p:tav tm="100000">
-                                          <p:val>
-                                            <p:strVal val="#ppt_x"/>
-                                          </p:val>
-                                        </p:tav>
-                                      </p:tavLst>
-                                    </p:anim>
-                                    <p:anim calcmode="lin" valueType="num">
-                                      <p:cBhvr additive="base">
-                                        <p:cTn id="20" dur="500" fill="hold"/>
-                                        <p:tgtEl>
-                                          <p:spTgt spid="2">
-                                            <p:txEl>
-                                              <p:pRg st="2" end="2"/>
-                                            </p:txEl>
-                                          </p:spTgt>
-                                        </p:tgtEl>
-                                        <p:attrNameLst>
-                                          <p:attrName>ppt_y</p:attrName>
-                                        </p:attrNameLst>
-                                      </p:cBhvr>
-                                      <p:tavLst>
-                                        <p:tav tm="0">
-                                          <p:val>
-                                            <p:strVal val="1+#ppt_h/2"/>
-                                          </p:val>
-                                        </p:tav>
-                                        <p:tav tm="100000">
-                                          <p:val>
-                                            <p:strVal val="#ppt_y"/>
-                                          </p:val>
-                                        </p:tav>
-                                      </p:tavLst>
-                                    </p:anim>
-                                  </p:childTnLst>
-                                </p:cTn>
-                              </p:par>
-                            </p:childTnLst>
-                          </p:cTn>
-                        </p:par>
-                      </p:childTnLst>
-                    </p:cTn>
-                  </p:par>
-                  <p:par>
-                    <p:cTn id="21" fill="hold">
-                      <p:stCondLst>
-                        <p:cond delay="indefinite"/>
-                      </p:stCondLst>
-                      <p:childTnLst>
-                        <p:par>
-                          <p:cTn id="22" fill="hold">
-                            <p:stCondLst>
-                              <p:cond delay="0"/>
-                            </p:stCondLst>
-                            <p:childTnLst>
-                              <p:par>
-                                <p:cTn id="23" presetID="2" presetClass="entr" presetSubtype="4" fill="hold" nodeType="clickEffect">
-                                  <p:stCondLst>
-                                    <p:cond delay="0"/>
-                                  </p:stCondLst>
-                                  <p:childTnLst>
-                                    <p:set>
-                                      <p:cBhvr>
-                                        <p:cTn id="24" dur="1" fill="hold">
-                                          <p:stCondLst>
-                                            <p:cond delay="0"/>
-                                          </p:stCondLst>
-                                        </p:cTn>
-                                        <p:tgtEl>
-                                          <p:spTgt spid="2">
-                                            <p:txEl>
-                                              <p:pRg st="3" end="3"/>
-                                            </p:txEl>
-                                          </p:spTgt>
-                                        </p:tgtEl>
-                                        <p:attrNameLst>
-                                          <p:attrName>style.visibility</p:attrName>
-                                        </p:attrNameLst>
-                                      </p:cBhvr>
-                                      <p:to>
-                                        <p:strVal val="visible"/>
-                                      </p:to>
-                                    </p:set>
-                                    <p:anim calcmode="lin" valueType="num">
-                                      <p:cBhvr additive="base">
-                                        <p:cTn id="25" dur="500" fill="hold"/>
-                                        <p:tgtEl>
-                                          <p:spTgt spid="2">
-                                            <p:txEl>
-                                              <p:pRg st="3" end="3"/>
-                                            </p:txEl>
-                                          </p:spTgt>
-                                        </p:tgtEl>
-                                        <p:attrNameLst>
-                                          <p:attrName>ppt_x</p:attrName>
-                                        </p:attrNameLst>
-                                      </p:cBhvr>
-                                      <p:tavLst>
-                                        <p:tav tm="0">
-                                          <p:val>
-                                            <p:strVal val="#ppt_x"/>
-                                          </p:val>
-                                        </p:tav>
-                                        <p:tav tm="100000">
-                                          <p:val>
-                                            <p:strVal val="#ppt_x"/>
-                                          </p:val>
-                                        </p:tav>
-                                      </p:tavLst>
-                                    </p:anim>
-                                    <p:anim calcmode="lin" valueType="num">
-                                      <p:cBhvr additive="base">
-                                        <p:cTn id="26" dur="500" fill="hold"/>
-                                        <p:tgtEl>
-                                          <p:spTgt spid="2">
-                                            <p:txEl>
-                                              <p:pRg st="3" end="3"/>
-                                            </p:txEl>
-                                          </p:spTgt>
-                                        </p:tgtEl>
-                                        <p:attrNameLst>
-                                          <p:attrName>ppt_y</p:attrName>
-                                        </p:attrNameLst>
-                                      </p:cBhvr>
-                                      <p:tavLst>
-                                        <p:tav tm="0">
-                                          <p:val>
-                                            <p:strVal val="1+#ppt_h/2"/>
-                                          </p:val>
-                                        </p:tav>
-                                        <p:tav tm="100000">
-                                          <p:val>
-                                            <p:strVal val="#ppt_y"/>
-                                          </p:val>
-                                        </p:tav>
-                                      </p:tavLst>
-                                    </p:anim>
-                                  </p:childTnLst>
-                                </p:cTn>
-                              </p:par>
-                            </p:childTnLst>
-                          </p:cTn>
-                        </p:par>
-                      </p:childTnLst>
-                    </p:cTn>
-                  </p:par>
-                  <p:par>
-                    <p:cTn id="27" fill="hold">
-                      <p:stCondLst>
-                        <p:cond delay="indefinite"/>
-                      </p:stCondLst>
-                      <p:childTnLst>
-                        <p:par>
-                          <p:cTn id="28" fill="hold">
-                            <p:stCondLst>
-                              <p:cond delay="0"/>
-                            </p:stCondLst>
-                            <p:childTnLst>
-                              <p:par>
-                                <p:cTn id="29" presetID="2" presetClass="entr" presetSubtype="4" fill="hold" nodeType="clickEffect">
-                                  <p:stCondLst>
-                                    <p:cond delay="0"/>
-                                  </p:stCondLst>
-                                  <p:childTnLst>
-                                    <p:set>
-                                      <p:cBhvr>
-                                        <p:cTn id="30" dur="1" fill="hold">
-                                          <p:stCondLst>
-                                            <p:cond delay="0"/>
-                                          </p:stCondLst>
-                                        </p:cTn>
-                                        <p:tgtEl>
-                                          <p:spTgt spid="2">
-                                            <p:txEl>
-                                              <p:pRg st="4" end="4"/>
-                                            </p:txEl>
-                                          </p:spTgt>
-                                        </p:tgtEl>
-                                        <p:attrNameLst>
-                                          <p:attrName>style.visibility</p:attrName>
-                                        </p:attrNameLst>
-                                      </p:cBhvr>
-                                      <p:to>
-                                        <p:strVal val="visible"/>
-                                      </p:to>
-                                    </p:set>
-                                    <p:anim calcmode="lin" valueType="num">
-                                      <p:cBhvr additive="base">
-                                        <p:cTn id="31" dur="500" fill="hold"/>
-                                        <p:tgtEl>
-                                          <p:spTgt spid="2">
-                                            <p:txEl>
-                                              <p:pRg st="4" end="4"/>
-                                            </p:txEl>
-                                          </p:spTgt>
-                                        </p:tgtEl>
-                                        <p:attrNameLst>
-                                          <p:attrName>ppt_x</p:attrName>
-                                        </p:attrNameLst>
-                                      </p:cBhvr>
-                                      <p:tavLst>
-                                        <p:tav tm="0">
-                                          <p:val>
-                                            <p:strVal val="#ppt_x"/>
-                                          </p:val>
-                                        </p:tav>
-                                        <p:tav tm="100000">
-                                          <p:val>
-                                            <p:strVal val="#ppt_x"/>
-                                          </p:val>
-                                        </p:tav>
-                                      </p:tavLst>
-                                    </p:anim>
-                                    <p:anim calcmode="lin" valueType="num">
-                                      <p:cBhvr additive="base">
-                                        <p:cTn id="32" dur="500" fill="hold"/>
-                                        <p:tgtEl>
-                                          <p:spTgt spid="2">
-                                            <p:txEl>
-                                              <p:pRg st="4" end="4"/>
-                                            </p:txEl>
-                                          </p:spTgt>
-                                        </p:tgtEl>
-                                        <p:attrNameLst>
-                                          <p:attrName>ppt_y</p:attrName>
-                                        </p:attrNameLst>
-                                      </p:cBhvr>
-                                      <p:tavLst>
-                                        <p:tav tm="0">
-                                          <p:val>
-                                            <p:strVal val="1+#ppt_h/2"/>
-                                          </p:val>
-                                        </p:tav>
-                                        <p:tav tm="100000">
-                                          <p:val>
-                                            <p:strVal val="#ppt_y"/>
-                                          </p:val>
-                                        </p:tav>
-                                      </p:tavLst>
-                                    </p:anim>
-                                  </p:childTnLst>
-                                </p:cTn>
-                              </p:par>
-                            </p:childTnLst>
-                          </p:cTn>
-                        </p:par>
-                      </p:childTnLst>
-                    </p:cTn>
-                  </p:par>
-                  <p:par>
-                    <p:cTn id="33" fill="hold">
-                      <p:stCondLst>
-                        <p:cond delay="indefinite"/>
-                      </p:stCondLst>
-                      <p:childTnLst>
-                        <p:par>
-                          <p:cTn id="34" fill="hold">
-                            <p:stCondLst>
-                              <p:cond delay="0"/>
-                            </p:stCondLst>
-                            <p:childTnLst>
-                              <p:par>
-                                <p:cTn id="35" presetID="2" presetClass="entr" presetSubtype="4" fill="hold" nodeType="clickEffect">
-                                  <p:stCondLst>
-                                    <p:cond delay="0"/>
-                                  </p:stCondLst>
-                                  <p:childTnLst>
-                                    <p:set>
-                                      <p:cBhvr>
-                                        <p:cTn id="36" dur="1" fill="hold">
-                                          <p:stCondLst>
-                                            <p:cond delay="0"/>
-                                          </p:stCondLst>
-                                        </p:cTn>
-                                        <p:tgtEl>
-                                          <p:spTgt spid="2">
-                                            <p:txEl>
-                                              <p:pRg st="5" end="5"/>
-                                            </p:txEl>
-                                          </p:spTgt>
-                                        </p:tgtEl>
-                                        <p:attrNameLst>
-                                          <p:attrName>style.visibility</p:attrName>
-                                        </p:attrNameLst>
-                                      </p:cBhvr>
-                                      <p:to>
-                                        <p:strVal val="visible"/>
-                                      </p:to>
-                                    </p:set>
-                                    <p:anim calcmode="lin" valueType="num">
-                                      <p:cBhvr additive="base">
-                                        <p:cTn id="37" dur="500" fill="hold"/>
-                                        <p:tgtEl>
-                                          <p:spTgt spid="2">
-                                            <p:txEl>
-                                              <p:pRg st="5" end="5"/>
-                                            </p:txEl>
-                                          </p:spTgt>
-                                        </p:tgtEl>
-                                        <p:attrNameLst>
-                                          <p:attrName>ppt_x</p:attrName>
-                                        </p:attrNameLst>
-                                      </p:cBhvr>
-                                      <p:tavLst>
-                                        <p:tav tm="0">
-                                          <p:val>
-                                            <p:strVal val="#ppt_x"/>
-                                          </p:val>
-                                        </p:tav>
-                                        <p:tav tm="100000">
-                                          <p:val>
-                                            <p:strVal val="#ppt_x"/>
-                                          </p:val>
-                                        </p:tav>
-                                      </p:tavLst>
-                                    </p:anim>
-                                    <p:anim calcmode="lin" valueType="num">
-                                      <p:cBhvr additive="base">
-                                        <p:cTn id="38" dur="500" fill="hold"/>
-                                        <p:tgtEl>
-                                          <p:spTgt spid="2">
-                                            <p:txEl>
-                                              <p:pRg st="5" end="5"/>
-                                            </p:txEl>
-                                          </p:spTgt>
-                                        </p:tgtEl>
-                                        <p:attrNameLst>
-                                          <p:attrName>ppt_y</p:attrName>
-                                        </p:attrNameLst>
-                                      </p:cBhvr>
-                                      <p:tavLst>
-                                        <p:tav tm="0">
-                                          <p:val>
-                                            <p:strVal val="1+#ppt_h/2"/>
-                                          </p:val>
-                                        </p:tav>
-                                        <p:tav tm="100000">
-                                          <p:val>
-                                            <p:strVal val="#ppt_y"/>
-                                          </p:val>
-                                        </p:tav>
-                                      </p:tavLst>
-                                    </p:anim>
-                                  </p:childTnLst>
-                                </p:cTn>
-                              </p:par>
-                            </p:childTnLst>
-                          </p:cTn>
-                        </p:par>
-                      </p:childTnLst>
-                    </p:cTn>
-                  </p:par>
-                  <p:par>
-                    <p:cTn id="39" fill="hold">
-                      <p:stCondLst>
-                        <p:cond delay="indefinite"/>
-                      </p:stCondLst>
-                      <p:childTnLst>
-                        <p:par>
-                          <p:cTn id="40" fill="hold">
-                            <p:stCondLst>
-                              <p:cond delay="0"/>
-                            </p:stCondLst>
-                            <p:childTnLst>
-                              <p:par>
-                                <p:cTn id="41" presetID="2" presetClass="entr" presetSubtype="4" fill="hold" nodeType="clickEffect">
-                                  <p:stCondLst>
-                                    <p:cond delay="0"/>
-                                  </p:stCondLst>
-                                  <p:childTnLst>
-                                    <p:set>
-                                      <p:cBhvr>
-                                        <p:cTn id="42" dur="1" fill="hold">
-                                          <p:stCondLst>
-                                            <p:cond delay="0"/>
-                                          </p:stCondLst>
-                                        </p:cTn>
-                                        <p:tgtEl>
-                                          <p:spTgt spid="2">
-                                            <p:txEl>
-                                              <p:pRg st="6" end="6"/>
-                                            </p:txEl>
-                                          </p:spTgt>
-                                        </p:tgtEl>
-                                        <p:attrNameLst>
-                                          <p:attrName>style.visibility</p:attrName>
-                                        </p:attrNameLst>
-                                      </p:cBhvr>
-                                      <p:to>
-                                        <p:strVal val="visible"/>
-                                      </p:to>
-                                    </p:set>
-                                    <p:anim calcmode="lin" valueType="num">
-                                      <p:cBhvr additive="base">
-                                        <p:cTn id="43" dur="500" fill="hold"/>
-                                        <p:tgtEl>
-                                          <p:spTgt spid="2">
-                                            <p:txEl>
-                                              <p:pRg st="6" end="6"/>
-                                            </p:txEl>
-                                          </p:spTgt>
-                                        </p:tgtEl>
-                                        <p:attrNameLst>
-                                          <p:attrName>ppt_x</p:attrName>
-                                        </p:attrNameLst>
-                                      </p:cBhvr>
-                                      <p:tavLst>
-                                        <p:tav tm="0">
-                                          <p:val>
-                                            <p:strVal val="#ppt_x"/>
-                                          </p:val>
-                                        </p:tav>
-                                        <p:tav tm="100000">
-                                          <p:val>
-                                            <p:strVal val="#ppt_x"/>
-                                          </p:val>
-                                        </p:tav>
-                                      </p:tavLst>
-                                    </p:anim>
-                                    <p:anim calcmode="lin" valueType="num">
-                                      <p:cBhvr additive="base">
-                                        <p:cTn id="44" dur="500" fill="hold"/>
-                                        <p:tgtEl>
-                                          <p:spTgt spid="2">
-                                            <p:txEl>
-                                              <p:pRg st="6" end="6"/>
-                                            </p:txEl>
-                                          </p:spTgt>
-                                        </p:tgtEl>
-                                        <p:attrNameLst>
-                                          <p:attrName>ppt_y</p:attrName>
-                                        </p:attrNameLst>
-                                      </p:cBhvr>
-                                      <p:tavLst>
-                                        <p:tav tm="0">
-                                          <p:val>
-                                            <p:strVal val="1+#ppt_h/2"/>
-                                          </p:val>
-                                        </p:tav>
-                                        <p:tav tm="100000">
-                                          <p:val>
-                                            <p:strVal val="#ppt_y"/>
-                                          </p:val>
-                                        </p:tav>
-                                      </p:tavLst>
-                                    </p:anim>
-                                  </p:childTnLst>
-                                </p:cTn>
-                              </p:par>
-                            </p:childTnLst>
-                          </p:cTn>
-                        </p:par>
-                      </p:childTnLst>
-                    </p:cTn>
-                  </p:par>
-                  <p:par>
-                    <p:cTn id="45" fill="hold">
-                      <p:stCondLst>
-                        <p:cond delay="indefinite"/>
-                      </p:stCondLst>
-                      <p:childTnLst>
-                        <p:par>
-                          <p:cTn id="46" fill="hold">
-                            <p:stCondLst>
-                              <p:cond delay="0"/>
-                            </p:stCondLst>
-                            <p:childTnLst>
-                              <p:par>
-                                <p:cTn id="47" presetID="2" presetClass="entr" presetSubtype="4" fill="hold" nodeType="clickEffect">
-                                  <p:stCondLst>
-                                    <p:cond delay="0"/>
-                                  </p:stCondLst>
-                                  <p:childTnLst>
-                                    <p:set>
-                                      <p:cBhvr>
-                                        <p:cTn id="48" dur="1" fill="hold">
-                                          <p:stCondLst>
-                                            <p:cond delay="0"/>
-                                          </p:stCondLst>
-                                        </p:cTn>
-                                        <p:tgtEl>
-                                          <p:spTgt spid="2">
-                                            <p:txEl>
-                                              <p:pRg st="7" end="7"/>
-                                            </p:txEl>
-                                          </p:spTgt>
-                                        </p:tgtEl>
-                                        <p:attrNameLst>
-                                          <p:attrName>style.visibility</p:attrName>
-                                        </p:attrNameLst>
-                                      </p:cBhvr>
-                                      <p:to>
-                                        <p:strVal val="visible"/>
-                                      </p:to>
-                                    </p:set>
-                                    <p:anim calcmode="lin" valueType="num">
-                                      <p:cBhvr additive="base">
-                                        <p:cTn id="49" dur="500" fill="hold"/>
-                                        <p:tgtEl>
-                                          <p:spTgt spid="2">
-                                            <p:txEl>
-                                              <p:pRg st="7" end="7"/>
-                                            </p:txEl>
-                                          </p:spTgt>
-                                        </p:tgtEl>
-                                        <p:attrNameLst>
-                                          <p:attrName>ppt_x</p:attrName>
-                                        </p:attrNameLst>
-                                      </p:cBhvr>
-                                      <p:tavLst>
-                                        <p:tav tm="0">
-                                          <p:val>
-                                            <p:strVal val="#ppt_x"/>
-                                          </p:val>
-                                        </p:tav>
-                                        <p:tav tm="100000">
-                                          <p:val>
-                                            <p:strVal val="#ppt_x"/>
-                                          </p:val>
-                                        </p:tav>
-                                      </p:tavLst>
-                                    </p:anim>
-                                    <p:anim calcmode="lin" valueType="num">
-                                      <p:cBhvr additive="base">
-                                        <p:cTn id="50" dur="500" fill="hold"/>
-                                        <p:tgtEl>
-                                          <p:spTgt spid="2">
-                                            <p:txEl>
-                                              <p:pRg st="7" end="7"/>
-                                            </p:txEl>
-                                          </p:spTgt>
-                                        </p:tgtEl>
-                                        <p:attrNameLst>
-                                          <p:attrName>ppt_y</p:attrName>
-                                        </p:attrNameLst>
-                                      </p:cBhvr>
-                                      <p:tavLst>
-                                        <p:tav tm="0">
-                                          <p:val>
-                                            <p:strVal val="1+#ppt_h/2"/>
-                                          </p:val>
-                                        </p:tav>
-                                        <p:tav tm="100000">
-                                          <p:val>
-                                            <p:strVal val="#ppt_y"/>
-                                          </p:val>
-                                        </p:tav>
-                                      </p:tavLst>
-                                    </p:anim>
-                                  </p:childTnLst>
-                                </p:cTn>
-                              </p:par>
-                            </p:childTnLst>
-                          </p:cTn>
-                        </p:par>
-                      </p:childTnLst>
-                    </p:cTn>
-                  </p:par>
-                  <p:par>
-                    <p:cTn id="51" fill="hold">
-                      <p:stCondLst>
-                        <p:cond delay="indefinite"/>
-                      </p:stCondLst>
-                      <p:childTnLst>
-                        <p:par>
-                          <p:cTn id="52" fill="hold">
-                            <p:stCondLst>
-                              <p:cond delay="0"/>
-                            </p:stCondLst>
-                            <p:childTnLst>
-                              <p:par>
-                                <p:cTn id="53" presetID="2" presetClass="entr" presetSubtype="4" fill="hold" nodeType="clickEffect">
-                                  <p:stCondLst>
-                                    <p:cond delay="0"/>
-                                  </p:stCondLst>
-                                  <p:childTnLst>
-                                    <p:set>
-                                      <p:cBhvr>
-                                        <p:cTn id="54" dur="1" fill="hold">
-                                          <p:stCondLst>
-                                            <p:cond delay="0"/>
-                                          </p:stCondLst>
-                                        </p:cTn>
-                                        <p:tgtEl>
-                                          <p:spTgt spid="2">
-                                            <p:txEl>
-                                              <p:pRg st="8" end="8"/>
-                                            </p:txEl>
-                                          </p:spTgt>
-                                        </p:tgtEl>
-                                        <p:attrNameLst>
-                                          <p:attrName>style.visibility</p:attrName>
-                                        </p:attrNameLst>
-                                      </p:cBhvr>
-                                      <p:to>
-                                        <p:strVal val="visible"/>
-                                      </p:to>
-                                    </p:set>
-                                    <p:anim calcmode="lin" valueType="num">
-                                      <p:cBhvr additive="base">
-                                        <p:cTn id="55" dur="500" fill="hold"/>
-                                        <p:tgtEl>
-                                          <p:spTgt spid="2">
-                                            <p:txEl>
-                                              <p:pRg st="8" end="8"/>
-                                            </p:txEl>
-                                          </p:spTgt>
-                                        </p:tgtEl>
-                                        <p:attrNameLst>
-                                          <p:attrName>ppt_x</p:attrName>
-                                        </p:attrNameLst>
-                                      </p:cBhvr>
-                                      <p:tavLst>
-                                        <p:tav tm="0">
-                                          <p:val>
-                                            <p:strVal val="#ppt_x"/>
-                                          </p:val>
-                                        </p:tav>
-                                        <p:tav tm="100000">
-                                          <p:val>
-                                            <p:strVal val="#ppt_x"/>
-                                          </p:val>
-                                        </p:tav>
-                                      </p:tavLst>
-                                    </p:anim>
-                                    <p:anim calcmode="lin" valueType="num">
-                                      <p:cBhvr additive="base">
-                                        <p:cTn id="56" dur="500" fill="hold"/>
-                                        <p:tgtEl>
-                                          <p:spTgt spid="2">
-                                            <p:txEl>
-                                              <p:pRg st="8" end="8"/>
-                                            </p:txEl>
-                                          </p:spTgt>
-                                        </p:tgtEl>
-                                        <p:attrNameLst>
-                                          <p:attrName>ppt_y</p:attrName>
-                                        </p:attrNameLst>
-                                      </p:cBhvr>
-                                      <p:tavLst>
-                                        <p:tav tm="0">
-                                          <p:val>
-                                            <p:strVal val="1+#ppt_h/2"/>
-                                          </p:val>
-                                        </p:tav>
-                                        <p:tav tm="100000">
-                                          <p:val>
-                                            <p:strVal val="#ppt_y"/>
-                                          </p:val>
-                                        </p:tav>
-                                      </p:tavLst>
-                                    </p:anim>
-                                  </p:childTnLst>
-                                </p:cTn>
-                              </p:par>
-                            </p:childTnLst>
-                          </p:cTn>
-                        </p:par>
-                      </p:childTnLst>
-                    </p:cTn>
-                  </p:par>
                 </p:childTnLst>
               </p:cTn>
               <p:prevCondLst>
@@ -11892,7 +11370,7 @@
 </p:sld>
 </file>
 
-<file path=ppt/slides/slide21.xml><?xml version="1.0" encoding="utf-8"?>
+<file path=ppt/slides/slide22.xml><?xml version="1.0" encoding="utf-8"?>
 <p:sld xmlns:a="http://schemas.openxmlformats.org/drawingml/2006/main" xmlns:r="http://schemas.openxmlformats.org/officeDocument/2006/relationships" xmlns:p="http://schemas.openxmlformats.org/presentationml/2006/main">
   <p:cSld>
     <p:spTree>
@@ -11931,7 +11409,7 @@
           <a:p>
             <a:pPr>
               <a:lnSpc>
-                <a:spcPct val="150000"/>
+                <a:spcPct val="140000"/>
               </a:lnSpc>
             </a:pPr>
             <a:r>
@@ -11941,34 +11419,7 @@
                 </a:solidFill>
                 <a:sym typeface="+mn-ea"/>
               </a:rPr>
-              <a:t>数组原型方法（排序和颠倒元素顺序</a:t>
-            </a:r>
-            <a:r>
-              <a:rPr lang="en-US" altLang="zh-CN" sz="3200" dirty="0">
-                <a:solidFill>
-                  <a:schemeClr val="tx1"/>
-                </a:solidFill>
-                <a:sym typeface="+mn-ea"/>
-              </a:rPr>
-              <a:t>-</a:t>
-            </a:r>
-            <a:r>
-              <a:rPr lang="zh-CN" altLang="en-US" sz="3200" dirty="0">
-                <a:solidFill>
-                  <a:srgbClr val="FF0000"/>
-                </a:solidFill>
-                <a:sym typeface="+mn-ea"/>
-              </a:rPr>
-              <a:t>破坏性</a:t>
-            </a:r>
-            <a:r>
-              <a:rPr lang="zh-CN" altLang="en-US" sz="3200" dirty="0">
-                <a:solidFill>
-                  <a:schemeClr val="tx1"/>
-                </a:solidFill>
-                <a:sym typeface="+mn-ea"/>
-              </a:rPr>
-              <a:t>）</a:t>
+              <a:t>异常捕获语法</a:t>
             </a:r>
             <a:br>
               <a:rPr lang="zh-CN" altLang="en-US" sz="3200" dirty="0">
@@ -11979,67 +11430,206 @@
               </a:rPr>
             </a:br>
             <a:r>
-              <a:rPr lang="en-US" altLang="zh-CN" sz="1800" dirty="0">
-                <a:solidFill>
-                  <a:schemeClr val="tx1"/>
-                </a:solidFill>
-                <a:sym typeface="+mn-ea"/>
-              </a:rPr>
-              <a:t>- Array.prototype.reverse()</a:t>
+              <a:rPr lang="zh-CN" altLang="en-US" sz="2000" dirty="0">
+                <a:solidFill>
+                  <a:schemeClr val="tx1"/>
+                </a:solidFill>
+                <a:sym typeface="+mn-ea"/>
+              </a:rPr>
+              <a:t>try {</a:t>
+            </a:r>
+            <a:endParaRPr lang="zh-CN" altLang="en-US" sz="2000" dirty="0">
+              <a:solidFill>
+                <a:schemeClr val="tx1"/>
+              </a:solidFill>
+              <a:sym typeface="+mn-ea"/>
+            </a:endParaRPr>
+          </a:p>
+          <a:p>
+            <a:pPr marL="0" indent="0">
+              <a:lnSpc>
+                <a:spcPct val="140000"/>
+              </a:lnSpc>
+              <a:buNone/>
+            </a:pPr>
+            <a:r>
+              <a:rPr lang="zh-CN" altLang="en-US" sz="2000" dirty="0">
+                <a:solidFill>
+                  <a:schemeClr val="tx1"/>
+                </a:solidFill>
+                <a:sym typeface="+mn-ea"/>
+              </a:rPr>
+              <a:t>   try_statements</a:t>
+            </a:r>
+            <a:endParaRPr lang="zh-CN" altLang="en-US" sz="2000" dirty="0">
+              <a:solidFill>
+                <a:schemeClr val="tx1"/>
+              </a:solidFill>
+              <a:sym typeface="+mn-ea"/>
+            </a:endParaRPr>
+          </a:p>
+          <a:p>
+            <a:pPr marL="0" indent="0">
+              <a:lnSpc>
+                <a:spcPct val="140000"/>
+              </a:lnSpc>
+              <a:buNone/>
+            </a:pPr>
+            <a:r>
+              <a:rPr lang="zh-CN" altLang="en-US" sz="2000" dirty="0">
+                <a:solidFill>
+                  <a:schemeClr val="tx1"/>
+                </a:solidFill>
+                <a:sym typeface="+mn-ea"/>
+              </a:rPr>
+              <a:t>}</a:t>
+            </a:r>
+            <a:endParaRPr lang="zh-CN" altLang="en-US" sz="2000" dirty="0">
+              <a:solidFill>
+                <a:schemeClr val="tx1"/>
+              </a:solidFill>
+              <a:sym typeface="+mn-ea"/>
+            </a:endParaRPr>
+          </a:p>
+          <a:p>
+            <a:pPr marL="0" indent="0">
+              <a:lnSpc>
+                <a:spcPct val="140000"/>
+              </a:lnSpc>
+              <a:buNone/>
+            </a:pPr>
+            <a:r>
+              <a:rPr lang="zh-CN" altLang="en-US" sz="2000" dirty="0">
+                <a:solidFill>
+                  <a:schemeClr val="tx1"/>
+                </a:solidFill>
+                <a:sym typeface="+mn-ea"/>
+              </a:rPr>
+              <a:t>[catch (exception_var) { // non-standard</a:t>
+            </a:r>
+            <a:endParaRPr lang="zh-CN" altLang="en-US" sz="2000" dirty="0">
+              <a:solidFill>
+                <a:schemeClr val="tx1"/>
+              </a:solidFill>
+              <a:sym typeface="+mn-ea"/>
+            </a:endParaRPr>
+          </a:p>
+          <a:p>
+            <a:pPr marL="0" indent="0">
+              <a:lnSpc>
+                <a:spcPct val="140000"/>
+              </a:lnSpc>
+              <a:buNone/>
+            </a:pPr>
+            <a:r>
+              <a:rPr lang="zh-CN" altLang="en-US" sz="2000" dirty="0">
+                <a:solidFill>
+                  <a:schemeClr val="tx1"/>
+                </a:solidFill>
+                <a:sym typeface="+mn-ea"/>
+              </a:rPr>
+              <a:t>   catch_statements_1</a:t>
+            </a:r>
+            <a:endParaRPr lang="zh-CN" altLang="en-US" sz="2000" dirty="0">
+              <a:solidFill>
+                <a:schemeClr val="tx1"/>
+              </a:solidFill>
+              <a:sym typeface="+mn-ea"/>
+            </a:endParaRPr>
+          </a:p>
+          <a:p>
+            <a:pPr marL="0" indent="0">
+              <a:lnSpc>
+                <a:spcPct val="140000"/>
+              </a:lnSpc>
+              <a:buNone/>
+            </a:pPr>
+            <a:r>
+              <a:rPr lang="zh-CN" altLang="en-US" sz="2000" dirty="0">
+                <a:solidFill>
+                  <a:schemeClr val="tx1"/>
+                </a:solidFill>
+                <a:sym typeface="+mn-ea"/>
+              </a:rPr>
+              <a:t>}]</a:t>
+            </a:r>
+            <a:endParaRPr lang="zh-CN" altLang="en-US" sz="2000" dirty="0">
+              <a:solidFill>
+                <a:schemeClr val="tx1"/>
+              </a:solidFill>
+              <a:sym typeface="+mn-ea"/>
+            </a:endParaRPr>
+          </a:p>
+          <a:p>
+            <a:pPr marL="0" indent="0">
+              <a:lnSpc>
+                <a:spcPct val="140000"/>
+              </a:lnSpc>
+              <a:buNone/>
+            </a:pPr>
+            <a:r>
+              <a:rPr lang="zh-CN" altLang="en-US" sz="2000" dirty="0">
+                <a:solidFill>
+                  <a:schemeClr val="tx1"/>
+                </a:solidFill>
+                <a:sym typeface="+mn-ea"/>
+              </a:rPr>
+              <a:t>[finally {</a:t>
+            </a:r>
+            <a:endParaRPr lang="zh-CN" altLang="en-US" sz="2000" dirty="0">
+              <a:solidFill>
+                <a:schemeClr val="tx1"/>
+              </a:solidFill>
+              <a:sym typeface="+mn-ea"/>
+            </a:endParaRPr>
+          </a:p>
+          <a:p>
+            <a:pPr marL="0" indent="0">
+              <a:lnSpc>
+                <a:spcPct val="140000"/>
+              </a:lnSpc>
+              <a:buNone/>
+            </a:pPr>
+            <a:r>
+              <a:rPr lang="zh-CN" altLang="en-US" sz="2000" dirty="0">
+                <a:solidFill>
+                  <a:schemeClr val="tx1"/>
+                </a:solidFill>
+                <a:sym typeface="+mn-ea"/>
+              </a:rPr>
+              <a:t>   finally_statements</a:t>
+            </a:r>
+            <a:endParaRPr lang="zh-CN" altLang="en-US" sz="2000" dirty="0">
+              <a:solidFill>
+                <a:schemeClr val="tx1"/>
+              </a:solidFill>
+              <a:sym typeface="+mn-ea"/>
+            </a:endParaRPr>
+          </a:p>
+          <a:p>
+            <a:pPr marL="0" indent="0">
+              <a:lnSpc>
+                <a:spcPct val="140000"/>
+              </a:lnSpc>
+              <a:buNone/>
+            </a:pPr>
+            <a:r>
+              <a:rPr lang="zh-CN" altLang="en-US" sz="2000" dirty="0">
+                <a:solidFill>
+                  <a:schemeClr val="tx1"/>
+                </a:solidFill>
+                <a:sym typeface="+mn-ea"/>
+              </a:rPr>
+              <a:t>}]</a:t>
             </a:r>
             <a:br>
-              <a:rPr lang="en-US" altLang="zh-CN" sz="1800" dirty="0">
+              <a:rPr lang="zh-CN" altLang="en-US" sz="3200" dirty="0">
                 <a:solidFill>
                   <a:schemeClr val="tx1"/>
                 </a:solidFill>
                 <a:sym typeface="+mn-ea"/>
               </a:rPr>
             </a:br>
-            <a:r>
-              <a:rPr lang="en-US" altLang="zh-CN" sz="1800" dirty="0">
-                <a:solidFill>
-                  <a:schemeClr val="tx1"/>
-                </a:solidFill>
-                <a:sym typeface="+mn-ea"/>
-              </a:rPr>
-              <a:t>- Array.prototype.sort(compareFunction</a:t>
-            </a:r>
-            <a:r>
-              <a:rPr lang="zh-CN" altLang="en-US" sz="1800" dirty="0">
-                <a:solidFill>
-                  <a:schemeClr val="tx1"/>
-                </a:solidFill>
-                <a:sym typeface="+mn-ea"/>
-              </a:rPr>
-              <a:t>？</a:t>
-            </a:r>
-            <a:r>
-              <a:rPr lang="en-US" altLang="zh-CN" sz="1800" dirty="0">
-                <a:solidFill>
-                  <a:schemeClr val="tx1"/>
-                </a:solidFill>
-                <a:sym typeface="+mn-ea"/>
-              </a:rPr>
-              <a:t>) //</a:t>
-            </a:r>
-            <a:r>
-              <a:rPr lang="zh-CN" altLang="en-US" sz="1800" dirty="0">
-                <a:solidFill>
-                  <a:schemeClr val="tx1"/>
-                </a:solidFill>
-                <a:sym typeface="+mn-ea"/>
-              </a:rPr>
-              <a:t>回调函数的写法，</a:t>
-            </a:r>
-            <a:r>
-              <a:rPr lang="zh-CN" altLang="en-US" sz="1800" dirty="0">
-                <a:solidFill>
-                  <a:schemeClr val="accent3"/>
-                </a:solidFill>
-                <a:sym typeface="+mn-ea"/>
-              </a:rPr>
-              <a:t>思考冒泡排序</a:t>
-            </a:r>
             <a:endParaRPr lang="zh-CN" altLang="en-US" sz="1800" dirty="0">
               <a:solidFill>
                 <a:schemeClr val="tx1"/>
@@ -12079,10 +11669,12 @@
           <a:lstStyle/>
           <a:p>
             <a:r>
-              <a:rPr lang="zh-CN" altLang="en-US" dirty="0">
-                <a:sym typeface="+mn-ea"/>
-              </a:rPr>
-              <a:t>数组的原型方法</a:t>
+              <a:rPr lang="en-US" altLang="zh-CN" dirty="0"/>
+              <a:t>JS</a:t>
+            </a:r>
+            <a:r>
+              <a:rPr lang="zh-CN" altLang="en-US" dirty="0"/>
+              <a:t>异常处理</a:t>
             </a:r>
             <a:endParaRPr lang="zh-CN" altLang="en-US" dirty="0"/>
           </a:p>
@@ -12229,7 +11821,7 @@
 </p:sld>
 </file>
 
-<file path=ppt/slides/slide22.xml><?xml version="1.0" encoding="utf-8"?>
+<file path=ppt/slides/slide23.xml><?xml version="1.0" encoding="utf-8"?>
 <p:sld xmlns:a="http://schemas.openxmlformats.org/drawingml/2006/main" xmlns:r="http://schemas.openxmlformats.org/officeDocument/2006/relationships" xmlns:p="http://schemas.openxmlformats.org/presentationml/2006/main">
   <p:cSld>
     <p:spTree>
@@ -12710,7 +12302,7 @@
 </p:sld>
 </file>
 
-<file path=ppt/slides/slide23.xml><?xml version="1.0" encoding="utf-8"?>
+<file path=ppt/slides/slide24.xml><?xml version="1.0" encoding="utf-8"?>
 <p:sld xmlns:a="http://schemas.openxmlformats.org/drawingml/2006/main" xmlns:r="http://schemas.openxmlformats.org/officeDocument/2006/relationships" xmlns:p="http://schemas.openxmlformats.org/presentationml/2006/main">
   <p:cSld>
     <p:spTree>
@@ -12968,10 +12560,12 @@
           <a:lstStyle/>
           <a:p>
             <a:r>
-              <a:rPr lang="zh-CN" altLang="en-US" dirty="0">
-                <a:sym typeface="+mn-ea"/>
-              </a:rPr>
-              <a:t>数组的原型方法</a:t>
+              <a:rPr lang="en-US" altLang="zh-CN" dirty="0"/>
+              <a:t>Error</a:t>
+            </a:r>
+            <a:r>
+              <a:rPr lang="zh-CN" altLang="en-US" dirty="0"/>
+              <a:t>对象</a:t>
             </a:r>
             <a:endParaRPr lang="zh-CN" altLang="en-US" dirty="0"/>
           </a:p>
@@ -13221,7 +12815,7 @@
 </p:sld>
 </file>
 
-<file path=ppt/slides/slide24.xml><?xml version="1.0" encoding="utf-8"?>
+<file path=ppt/slides/slide25.xml><?xml version="1.0" encoding="utf-8"?>
 <p:sld xmlns:a="http://schemas.openxmlformats.org/drawingml/2006/main" xmlns:r="http://schemas.openxmlformats.org/officeDocument/2006/relationships" xmlns:p="http://schemas.openxmlformats.org/presentationml/2006/main">
   <p:cSld>
     <p:spTree>
@@ -13516,10 +13110,12 @@
           <a:lstStyle/>
           <a:p>
             <a:r>
-              <a:rPr lang="zh-CN" altLang="en-US" dirty="0">
-                <a:sym typeface="+mn-ea"/>
-              </a:rPr>
-              <a:t>数组的原型方法</a:t>
+              <a:rPr lang="en-US" altLang="zh-CN" dirty="0"/>
+              <a:t>Error</a:t>
+            </a:r>
+            <a:r>
+              <a:rPr lang="zh-CN" altLang="en-US" dirty="0"/>
+              <a:t>对象</a:t>
             </a:r>
             <a:endParaRPr lang="zh-CN" altLang="en-US" dirty="0"/>
           </a:p>
@@ -13666,7 +13262,7 @@
 </p:sld>
 </file>
 
-<file path=ppt/slides/slide25.xml><?xml version="1.0" encoding="utf-8"?>
+<file path=ppt/slides/slide26.xml><?xml version="1.0" encoding="utf-8"?>
 <p:sld xmlns:a="http://schemas.openxmlformats.org/drawingml/2006/main" xmlns:r="http://schemas.openxmlformats.org/officeDocument/2006/relationships" xmlns:p="http://schemas.openxmlformats.org/presentationml/2006/main">
   <p:cSld>
     <p:spTree>
@@ -15207,16 +14803,7 @@
                 </a:solidFill>
                 <a:sym typeface="+mn-ea"/>
               </a:rPr>
-              <a:t>忽略</a:t>
-            </a:r>
-            <a:r>
-              <a:rPr lang="zh-CN" altLang="en-US" sz="3200" dirty="0">
-                <a:solidFill>
-                  <a:srgbClr val="FF0000"/>
-                </a:solidFill>
-                <a:sym typeface="+mn-ea"/>
-              </a:rPr>
-              <a:t>大小写</a:t>
+              <a:t>忽略大小写</a:t>
             </a:r>
             <a:r>
               <a:rPr lang="en-US" altLang="zh-CN" sz="3200" dirty="0">
@@ -15523,7 +15110,7 @@
         </p:blipFill>
         <p:spPr>
           <a:xfrm>
-            <a:off x="1125220" y="3806825"/>
+            <a:off x="1125220" y="3878580"/>
             <a:ext cx="8068310" cy="615315"/>
           </a:xfrm>
           <a:prstGeom prst="rect">
@@ -15531,6 +15118,80 @@
           </a:prstGeom>
         </p:spPr>
       </p:pic>
+      <p:sp>
+        <p:nvSpPr>
+          <p:cNvPr id="4" name="文本框 3"/>
+          <p:cNvSpPr txBox="1"/>
+          <p:nvPr/>
+        </p:nvSpPr>
+        <p:spPr>
+          <a:xfrm>
+            <a:off x="9306560" y="3986530"/>
+            <a:ext cx="2425700" cy="398780"/>
+          </a:xfrm>
+          <a:prstGeom prst="rect">
+            <a:avLst/>
+          </a:prstGeom>
+          <a:noFill/>
+        </p:spPr>
+        <p:txBody>
+          <a:bodyPr wrap="square" rtlCol="0">
+            <a:spAutoFit/>
+          </a:bodyPr>
+          <a:p>
+            <a:r>
+              <a:rPr lang="zh-CN" sz="2000">
+                <a:solidFill>
+                  <a:srgbClr val="FF0000"/>
+                </a:solidFill>
+              </a:rPr>
+              <a:t>方式一 字符串方法</a:t>
+            </a:r>
+            <a:endParaRPr lang="zh-CN" sz="2000">
+              <a:solidFill>
+                <a:srgbClr val="FF0000"/>
+              </a:solidFill>
+            </a:endParaRPr>
+          </a:p>
+        </p:txBody>
+      </p:sp>
+      <p:sp>
+        <p:nvSpPr>
+          <p:cNvPr id="10" name="文本框 9"/>
+          <p:cNvSpPr txBox="1"/>
+          <p:nvPr/>
+        </p:nvSpPr>
+        <p:spPr>
+          <a:xfrm>
+            <a:off x="8141970" y="5261610"/>
+            <a:ext cx="2564130" cy="398780"/>
+          </a:xfrm>
+          <a:prstGeom prst="rect">
+            <a:avLst/>
+          </a:prstGeom>
+          <a:noFill/>
+        </p:spPr>
+        <p:txBody>
+          <a:bodyPr wrap="square" rtlCol="0">
+            <a:spAutoFit/>
+          </a:bodyPr>
+          <a:p>
+            <a:r>
+              <a:rPr lang="zh-CN" sz="2000">
+                <a:solidFill>
+                  <a:srgbClr val="FF0000"/>
+                </a:solidFill>
+              </a:rPr>
+              <a:t>方式二 正则对象方法</a:t>
+            </a:r>
+            <a:endParaRPr lang="zh-CN" sz="2000">
+              <a:solidFill>
+                <a:srgbClr val="FF0000"/>
+              </a:solidFill>
+            </a:endParaRPr>
+          </a:p>
+        </p:txBody>
+      </p:sp>
     </p:spTree>
   </p:cSld>
   <p:clrMapOvr>
@@ -16000,7 +15661,7 @@
                             </p:stCondLst>
                             <p:childTnLst>
                               <p:par>
-                                <p:cTn id="31" presetID="2" presetClass="entr" presetSubtype="4" fill="hold" nodeType="afterEffect">
+                                <p:cTn id="31" presetID="2" presetClass="entr" presetSubtype="4" fill="hold" grpId="0" nodeType="afterEffect">
                                   <p:stCondLst>
                                     <p:cond delay="0"/>
                                   </p:stCondLst>
@@ -16008,6 +15669,97 @@
                                     <p:set>
                                       <p:cBhvr>
                                         <p:cTn id="32" dur="1" fill="hold">
+                                          <p:stCondLst>
+                                            <p:cond delay="0"/>
+                                          </p:stCondLst>
+                                        </p:cTn>
+                                        <p:tgtEl>
+                                          <p:spTgt spid="4"/>
+                                        </p:tgtEl>
+                                        <p:attrNameLst>
+                                          <p:attrName>style.visibility</p:attrName>
+                                        </p:attrNameLst>
+                                      </p:cBhvr>
+                                      <p:to>
+                                        <p:strVal val="visible"/>
+                                      </p:to>
+                                    </p:set>
+                                    <p:anim calcmode="lin" valueType="num">
+                                      <p:cBhvr additive="base">
+                                        <p:cTn id="33" dur="500" fill="hold"/>
+                                        <p:tgtEl>
+                                          <p:spTgt spid="4"/>
+                                        </p:tgtEl>
+                                        <p:attrNameLst>
+                                          <p:attrName>ppt_x</p:attrName>
+                                        </p:attrNameLst>
+                                      </p:cBhvr>
+                                      <p:tavLst>
+                                        <p:tav tm="0">
+                                          <p:val>
+                                            <p:strVal val="#ppt_x"/>
+                                          </p:val>
+                                        </p:tav>
+                                        <p:tav tm="100000">
+                                          <p:val>
+                                            <p:strVal val="#ppt_x"/>
+                                          </p:val>
+                                        </p:tav>
+                                      </p:tavLst>
+                                    </p:anim>
+                                    <p:anim calcmode="lin" valueType="num">
+                                      <p:cBhvr additive="base">
+                                        <p:cTn id="34" dur="500" fill="hold"/>
+                                        <p:tgtEl>
+                                          <p:spTgt spid="4"/>
+                                        </p:tgtEl>
+                                        <p:attrNameLst>
+                                          <p:attrName>ppt_y</p:attrName>
+                                        </p:attrNameLst>
+                                      </p:cBhvr>
+                                      <p:tavLst>
+                                        <p:tav tm="0">
+                                          <p:val>
+                                            <p:strVal val="1+#ppt_h/2"/>
+                                          </p:val>
+                                        </p:tav>
+                                        <p:tav tm="100000">
+                                          <p:val>
+                                            <p:strVal val="#ppt_y"/>
+                                          </p:val>
+                                        </p:tav>
+                                      </p:tavLst>
+                                    </p:anim>
+                                  </p:childTnLst>
+                                </p:cTn>
+                              </p:par>
+                            </p:childTnLst>
+                          </p:cTn>
+                        </p:par>
+                      </p:childTnLst>
+                    </p:cTn>
+                  </p:par>
+                  <p:par>
+                    <p:cTn id="35" fill="hold">
+                      <p:stCondLst>
+                        <p:cond delay="indefinite"/>
+                      </p:stCondLst>
+                      <p:childTnLst>
+                        <p:par>
+                          <p:cTn id="36" fill="hold">
+                            <p:stCondLst>
+                              <p:cond delay="0"/>
+                            </p:stCondLst>
+                            <p:childTnLst>
+                              <p:par>
+                                <p:cTn id="37" presetID="2" presetClass="entr" presetSubtype="4" fill="hold" nodeType="clickEffect">
+                                  <p:stCondLst>
+                                    <p:cond delay="0"/>
+                                  </p:stCondLst>
+                                  <p:childTnLst>
+                                    <p:set>
+                                      <p:cBhvr>
+                                        <p:cTn id="38" dur="1" fill="hold">
                                           <p:stCondLst>
                                             <p:cond delay="0"/>
                                           </p:stCondLst>
@@ -16025,7 +15777,7 @@
                                     </p:set>
                                     <p:anim calcmode="lin" valueType="num">
                                       <p:cBhvr additive="base">
-                                        <p:cTn id="33" dur="500" fill="hold"/>
+                                        <p:cTn id="39" dur="500" fill="hold"/>
                                         <p:tgtEl>
                                           <p:spTgt spid="7"/>
                                         </p:tgtEl>
@@ -16048,7 +15800,7 @@
                                     </p:anim>
                                     <p:anim calcmode="lin" valueType="num">
                                       <p:cBhvr additive="base">
-                                        <p:cTn id="34" dur="500" fill="hold"/>
+                                        <p:cTn id="40" dur="500" fill="hold"/>
                                         <p:tgtEl>
                                           <p:spTgt spid="7"/>
                                         </p:tgtEl>
@@ -16076,20 +15828,102 @@
                           </p:cTn>
                         </p:par>
                         <p:par>
-                          <p:cTn id="35" fill="hold">
+                          <p:cTn id="41" fill="hold">
                             <p:stCondLst>
-                              <p:cond delay="1500"/>
+                              <p:cond delay="500"/>
                             </p:stCondLst>
                             <p:childTnLst>
                               <p:par>
-                                <p:cTn id="36" presetID="2" presetClass="entr" presetSubtype="4" fill="hold" grpId="0" nodeType="afterEffect">
+                                <p:cTn id="42" presetID="2" presetClass="entr" presetSubtype="4" fill="hold" grpId="0" nodeType="afterEffect">
                                   <p:stCondLst>
                                     <p:cond delay="0"/>
                                   </p:stCondLst>
                                   <p:childTnLst>
                                     <p:set>
                                       <p:cBhvr>
-                                        <p:cTn id="37" dur="1" fill="hold">
+                                        <p:cTn id="43" dur="1" fill="hold">
+                                          <p:stCondLst>
+                                            <p:cond delay="0"/>
+                                          </p:stCondLst>
+                                        </p:cTn>
+                                        <p:tgtEl>
+                                          <p:spTgt spid="10"/>
+                                        </p:tgtEl>
+                                        <p:attrNameLst>
+                                          <p:attrName>style.visibility</p:attrName>
+                                        </p:attrNameLst>
+                                      </p:cBhvr>
+                                      <p:to>
+                                        <p:strVal val="visible"/>
+                                      </p:to>
+                                    </p:set>
+                                    <p:anim calcmode="lin" valueType="num">
+                                      <p:cBhvr additive="base">
+                                        <p:cTn id="44" dur="500" fill="hold"/>
+                                        <p:tgtEl>
+                                          <p:spTgt spid="10"/>
+                                        </p:tgtEl>
+                                        <p:attrNameLst>
+                                          <p:attrName>ppt_x</p:attrName>
+                                        </p:attrNameLst>
+                                      </p:cBhvr>
+                                      <p:tavLst>
+                                        <p:tav tm="0">
+                                          <p:val>
+                                            <p:strVal val="#ppt_x"/>
+                                          </p:val>
+                                        </p:tav>
+                                        <p:tav tm="100000">
+                                          <p:val>
+                                            <p:strVal val="#ppt_x"/>
+                                          </p:val>
+                                        </p:tav>
+                                      </p:tavLst>
+                                    </p:anim>
+                                    <p:anim calcmode="lin" valueType="num">
+                                      <p:cBhvr additive="base">
+                                        <p:cTn id="45" dur="500" fill="hold"/>
+                                        <p:tgtEl>
+                                          <p:spTgt spid="10"/>
+                                        </p:tgtEl>
+                                        <p:attrNameLst>
+                                          <p:attrName>ppt_y</p:attrName>
+                                        </p:attrNameLst>
+                                      </p:cBhvr>
+                                      <p:tavLst>
+                                        <p:tav tm="0">
+                                          <p:val>
+                                            <p:strVal val="1+#ppt_h/2"/>
+                                          </p:val>
+                                        </p:tav>
+                                        <p:tav tm="100000">
+                                          <p:val>
+                                            <p:strVal val="#ppt_y"/>
+                                          </p:val>
+                                        </p:tav>
+                                      </p:tavLst>
+                                    </p:anim>
+                                  </p:childTnLst>
+                                </p:cTn>
+                              </p:par>
+                            </p:childTnLst>
+                          </p:cTn>
+                        </p:par>
+                        <p:par>
+                          <p:cTn id="46" fill="hold">
+                            <p:stCondLst>
+                              <p:cond delay="1000"/>
+                            </p:stCondLst>
+                            <p:childTnLst>
+                              <p:par>
+                                <p:cTn id="47" presetID="2" presetClass="entr" presetSubtype="4" fill="hold" grpId="0" nodeType="afterEffect">
+                                  <p:stCondLst>
+                                    <p:cond delay="0"/>
+                                  </p:stCondLst>
+                                  <p:childTnLst>
+                                    <p:set>
+                                      <p:cBhvr>
+                                        <p:cTn id="48" dur="1" fill="hold">
                                           <p:stCondLst>
                                             <p:cond delay="0"/>
                                           </p:stCondLst>
@@ -16107,7 +15941,7 @@
                                     </p:set>
                                     <p:anim calcmode="lin" valueType="num">
                                       <p:cBhvr additive="base">
-                                        <p:cTn id="38" dur="500" fill="hold"/>
+                                        <p:cTn id="49" dur="500" fill="hold"/>
                                         <p:tgtEl>
                                           <p:spTgt spid="6"/>
                                         </p:tgtEl>
@@ -16130,7 +15964,7 @@
                                     </p:anim>
                                     <p:anim calcmode="lin" valueType="num">
                                       <p:cBhvr additive="base">
-                                        <p:cTn id="39" dur="500" fill="hold"/>
+                                        <p:cTn id="50" dur="500" fill="hold"/>
                                         <p:tgtEl>
                                           <p:spTgt spid="6"/>
                                         </p:tgtEl>
@@ -16184,6 +16018,8 @@
     <p:bldLst>
       <p:bldP spid="6" grpId="0"/>
       <p:bldP spid="8" grpId="0"/>
+      <p:bldP spid="4" grpId="0"/>
+      <p:bldP spid="10" grpId="0"/>
     </p:bldLst>
   </p:timing>
 </p:sld>
@@ -16487,16 +16323,7 @@
                 </a:solidFill>
                 <a:sym typeface="+mn-ea"/>
               </a:rPr>
-              <a:t>定义特殊</a:t>
-            </a:r>
-            <a:r>
-              <a:rPr lang="zh-CN" altLang="en-US" sz="2000" dirty="0">
-                <a:solidFill>
-                  <a:schemeClr val="tx1"/>
-                </a:solidFill>
-                <a:sym typeface="+mn-ea"/>
-              </a:rPr>
-              <a:t>字符：</a:t>
+              <a:t>定义特殊字符：</a:t>
             </a:r>
             <a:r>
               <a:rPr lang="en-US" altLang="zh-CN" sz="2000" dirty="0">
@@ -17585,7 +17412,7 @@
                 </a:solidFill>
                 <a:sym typeface="+mn-ea"/>
               </a:rPr>
-              <a:t>正则表达式特殊字符 三 （边界相关） </a:t>
+              <a:t>正则表达式特殊字符 二 （边界相关） </a:t>
             </a:r>
             <a:br>
               <a:rPr lang="en-US" altLang="zh-CN" sz="3200" dirty="0">
@@ -17620,16 +17447,7 @@
                 </a:solidFill>
                 <a:sym typeface="+mn-ea"/>
               </a:rPr>
-              <a:t>（</a:t>
-            </a:r>
-            <a:r>
-              <a:rPr lang="zh-CN" altLang="en-US" sz="2000" dirty="0">
-                <a:solidFill>
-                  <a:schemeClr val="tx1"/>
-                </a:solidFill>
-                <a:sym typeface="+mn-ea"/>
-              </a:rPr>
-              <a:t>注意</a:t>
+              <a:t>（注意</a:t>
             </a:r>
             <a:r>
               <a:rPr lang="en-US" altLang="zh-CN" sz="2000" dirty="0">
@@ -17775,16 +17593,7 @@
                 </a:solidFill>
                 <a:sym typeface="+mn-ea"/>
               </a:rPr>
-              <a:t>m</a:t>
-            </a:r>
-            <a:r>
-              <a:rPr lang="en-US" altLang="zh-CN" sz="2000" dirty="0">
-                <a:solidFill>
-                  <a:schemeClr val="tx1"/>
-                </a:solidFill>
-                <a:sym typeface="+mn-ea"/>
-              </a:rPr>
-              <a:t>次      {n,}出现至少n次</a:t>
+              <a:t>m次      {n,}出现至少n次</a:t>
             </a:r>
             <a:br>
               <a:rPr lang="zh-CN" altLang="en-US" sz="3200" dirty="0">
@@ -17893,31 +17702,15 @@
                   <a:srgbClr val="FF0000"/>
                 </a:solidFill>
               </a:rPr>
-              <a:t>Part</a:t>
-            </a:r>
-            <a:r>
-              <a:rPr lang="en-US" altLang="zh-CN" sz="2000">
+              <a:t>Part3 </a:t>
+            </a:r>
+            <a:r>
+              <a:rPr lang="zh-CN" altLang="en-US" sz="2000">
                 <a:solidFill>
                   <a:srgbClr val="FF0000"/>
                 </a:solidFill>
               </a:rPr>
-              <a:t>3 </a:t>
-            </a:r>
-            <a:r>
-              <a:rPr lang="zh-CN" altLang="en-US" sz="2000">
-                <a:solidFill>
-                  <a:srgbClr val="FF0000"/>
-                </a:solidFill>
-              </a:rPr>
-              <a:t>字符类 </a:t>
-            </a:r>
-            <a:r>
-              <a:rPr lang="zh-CN" altLang="en-US" sz="2000">
-                <a:solidFill>
-                  <a:srgbClr val="FF0000"/>
-                </a:solidFill>
-              </a:rPr>
-              <a:t>边界相关 量词</a:t>
+              <a:t>字符类 边界相关 量词</a:t>
             </a:r>
             <a:endParaRPr lang="zh-CN" altLang="en-US" sz="2000">
               <a:solidFill>

--- a/课程PPT/10.JavaScript标准内置对象-构造器（RegExp、Error）.pptx
+++ b/课程PPT/10.JavaScript标准内置对象-构造器（RegExp、Error）.pptx
@@ -28,15 +28,15 @@
     <p:sldId id="1337" r:id="rId18"/>
     <p:sldId id="1340" r:id="rId19"/>
     <p:sldId id="1264" r:id="rId20"/>
-    <p:sldId id="1353" r:id="rId21"/>
-    <p:sldId id="1225" r:id="rId22"/>
-    <p:sldId id="1226" r:id="rId23"/>
-    <p:sldId id="1244" r:id="rId24"/>
-    <p:sldId id="1354" r:id="rId25"/>
-    <p:sldId id="1241" r:id="rId26"/>
-    <p:sldId id="1242" r:id="rId27"/>
-    <p:sldId id="1243" r:id="rId28"/>
-    <p:sldId id="1227" r:id="rId29"/>
+    <p:sldId id="1225" r:id="rId21"/>
+    <p:sldId id="1226" r:id="rId22"/>
+    <p:sldId id="1244" r:id="rId23"/>
+    <p:sldId id="1362" r:id="rId24"/>
+    <p:sldId id="1241" r:id="rId25"/>
+    <p:sldId id="1242" r:id="rId26"/>
+    <p:sldId id="1243" r:id="rId27"/>
+    <p:sldId id="1227" r:id="rId28"/>
+    <p:sldId id="1353" r:id="rId29"/>
   </p:sldIdLst>
   <p:sldSz cx="12192000" cy="6858000"/>
   <p:notesSz cx="6797675" cy="9928225"/>
@@ -8850,7 +8850,7 @@
         </p:nvSpPr>
         <p:spPr>
           <a:xfrm>
-            <a:off x="5791835" y="5651500"/>
+            <a:off x="5504815" y="5507990"/>
             <a:ext cx="5628005" cy="706755"/>
           </a:xfrm>
           <a:prstGeom prst="rect">
@@ -8887,6 +8887,68 @@
               <a:t>http://www1.qdfuns.com/tools.php?mod=regex</a:t>
             </a:r>
             <a:endParaRPr sz="2000">
+              <a:solidFill>
+                <a:srgbClr val="FF0000"/>
+              </a:solidFill>
+            </a:endParaRPr>
+          </a:p>
+        </p:txBody>
+      </p:sp>
+      <p:sp>
+        <p:nvSpPr>
+          <p:cNvPr id="6" name="文本框 5"/>
+          <p:cNvSpPr txBox="1"/>
+          <p:nvPr/>
+        </p:nvSpPr>
+        <p:spPr>
+          <a:xfrm>
+            <a:off x="5575300" y="6196330"/>
+            <a:ext cx="5947410" cy="398780"/>
+          </a:xfrm>
+          <a:prstGeom prst="rect">
+            <a:avLst/>
+          </a:prstGeom>
+          <a:noFill/>
+        </p:spPr>
+        <p:txBody>
+          <a:bodyPr wrap="square" rtlCol="0">
+            <a:spAutoFit/>
+          </a:bodyPr>
+          <a:p>
+            <a:r>
+              <a:rPr lang="zh-CN" altLang="en-US" sz="2000">
+                <a:solidFill>
+                  <a:srgbClr val="FF0000"/>
+                </a:solidFill>
+              </a:rPr>
+              <a:t>参见实例</a:t>
+            </a:r>
+            <a:r>
+              <a:rPr lang="en-US" altLang="zh-CN" sz="2000">
+                <a:solidFill>
+                  <a:srgbClr val="FF0000"/>
+                </a:solidFill>
+              </a:rPr>
+              <a:t>Demo10 </a:t>
+            </a:r>
+            <a:r>
+              <a:rPr lang="zh-CN" altLang="en-US" sz="2000" dirty="0">
+                <a:solidFill>
+                  <a:srgbClr val="FF0000"/>
+                </a:solidFill>
+                <a:sym typeface="+mn-ea"/>
+              </a:rPr>
+              <a:t>字符串与正则相关的原型方法</a:t>
+            </a:r>
+            <a:r>
+              <a:rPr lang="zh-CN" altLang="en-US" sz="2000">
+                <a:solidFill>
+                  <a:srgbClr val="FF0000"/>
+                </a:solidFill>
+              </a:rPr>
+              <a:t> </a:t>
+            </a:r>
+            <a:endParaRPr lang="en-US" altLang="zh-CN" sz="2000">
               <a:solidFill>
                 <a:srgbClr val="FF0000"/>
               </a:solidFill>
@@ -9192,6 +9254,88 @@
                             </p:childTnLst>
                           </p:cTn>
                         </p:par>
+                        <p:par>
+                          <p:cTn id="20" fill="hold">
+                            <p:stCondLst>
+                              <p:cond delay="1000"/>
+                            </p:stCondLst>
+                            <p:childTnLst>
+                              <p:par>
+                                <p:cTn id="21" presetID="2" presetClass="entr" presetSubtype="4" fill="hold" grpId="0" nodeType="afterEffect">
+                                  <p:stCondLst>
+                                    <p:cond delay="0"/>
+                                  </p:stCondLst>
+                                  <p:childTnLst>
+                                    <p:set>
+                                      <p:cBhvr>
+                                        <p:cTn id="22" dur="1" fill="hold">
+                                          <p:stCondLst>
+                                            <p:cond delay="0"/>
+                                          </p:stCondLst>
+                                        </p:cTn>
+                                        <p:tgtEl>
+                                          <p:spTgt spid="6"/>
+                                        </p:tgtEl>
+                                        <p:attrNameLst>
+                                          <p:attrName>style.visibility</p:attrName>
+                                        </p:attrNameLst>
+                                      </p:cBhvr>
+                                      <p:to>
+                                        <p:strVal val="visible"/>
+                                      </p:to>
+                                    </p:set>
+                                    <p:anim calcmode="lin" valueType="num">
+                                      <p:cBhvr additive="base">
+                                        <p:cTn id="23" dur="500" fill="hold"/>
+                                        <p:tgtEl>
+                                          <p:spTgt spid="6"/>
+                                        </p:tgtEl>
+                                        <p:attrNameLst>
+                                          <p:attrName>ppt_x</p:attrName>
+                                        </p:attrNameLst>
+                                      </p:cBhvr>
+                                      <p:tavLst>
+                                        <p:tav tm="0">
+                                          <p:val>
+                                            <p:strVal val="#ppt_x"/>
+                                          </p:val>
+                                        </p:tav>
+                                        <p:tav tm="100000">
+                                          <p:val>
+                                            <p:strVal val="#ppt_x"/>
+                                          </p:val>
+                                        </p:tav>
+                                      </p:tavLst>
+                                    </p:anim>
+                                    <p:anim calcmode="lin" valueType="num">
+                                      <p:cBhvr additive="base">
+                                        <p:cTn id="24" dur="500" fill="hold"/>
+                                        <p:tgtEl>
+                                          <p:spTgt spid="6"/>
+                                        </p:tgtEl>
+                                        <p:attrNameLst>
+                                          <p:attrName>ppt_y</p:attrName>
+                                        </p:attrNameLst>
+                                      </p:cBhvr>
+                                      <p:tavLst>
+                                        <p:tav tm="0">
+                                          <p:val>
+                                            <p:strVal val="1+#ppt_h/2"/>
+                                          </p:val>
+                                        </p:tav>
+                                        <p:tav tm="100000">
+                                          <p:val>
+                                            <p:strVal val="#ppt_y"/>
+                                          </p:val>
+                                        </p:tav>
+                                      </p:tavLst>
+                                    </p:anim>
+                                  </p:childTnLst>
+                                </p:cTn>
+                              </p:par>
+                            </p:childTnLst>
+                          </p:cTn>
+                        </p:par>
                       </p:childTnLst>
                     </p:cTn>
                   </p:par>
@@ -9218,6 +9362,7 @@
     </p:tnLst>
     <p:bldLst>
       <p:bldP spid="4" grpId="0"/>
+      <p:bldP spid="6" grpId="0"/>
     </p:bldLst>
   </p:timing>
 </p:sld>
@@ -9444,261 +9589,6 @@
           <a:chExt cx="0" cy="0"/>
         </a:xfrm>
       </p:grpSpPr>
-      <p:sp>
-        <p:nvSpPr>
-          <p:cNvPr id="2" name="内容占位符 1"/>
-          <p:cNvSpPr>
-            <a:spLocks noGrp="1"/>
-          </p:cNvSpPr>
-          <p:nvPr>
-            <p:ph sz="quarter" idx="10"/>
-          </p:nvPr>
-        </p:nvSpPr>
-        <p:spPr>
-          <a:xfrm>
-            <a:off x="927735" y="783590"/>
-            <a:ext cx="10986135" cy="5269230"/>
-          </a:xfrm>
-        </p:spPr>
-        <p:txBody>
-          <a:bodyPr/>
-          <a:lstStyle/>
-          <a:p>
-            <a:pPr>
-              <a:lnSpc>
-                <a:spcPct val="140000"/>
-              </a:lnSpc>
-            </a:pPr>
-            <a:r>
-              <a:rPr lang="zh-CN" sz="3200" dirty="0">
-                <a:solidFill>
-                  <a:schemeClr val="tx1"/>
-                </a:solidFill>
-                <a:sym typeface="+mn-ea"/>
-              </a:rPr>
-              <a:t>阅读《深入理解</a:t>
-            </a:r>
-            <a:r>
-              <a:rPr lang="en-US" altLang="zh-CN" sz="3200" dirty="0">
-                <a:solidFill>
-                  <a:schemeClr val="tx1"/>
-                </a:solidFill>
-                <a:sym typeface="+mn-ea"/>
-              </a:rPr>
-              <a:t>JavaScript</a:t>
-            </a:r>
-            <a:r>
-              <a:rPr lang="zh-CN" altLang="en-US" sz="3200" dirty="0">
-                <a:solidFill>
-                  <a:schemeClr val="tx1"/>
-                </a:solidFill>
-                <a:sym typeface="+mn-ea"/>
-              </a:rPr>
-              <a:t>》第</a:t>
-            </a:r>
-            <a:r>
-              <a:rPr lang="en-US" altLang="zh-CN" sz="3200" dirty="0">
-                <a:solidFill>
-                  <a:schemeClr val="tx1"/>
-                </a:solidFill>
-                <a:sym typeface="+mn-ea"/>
-              </a:rPr>
-              <a:t>19</a:t>
-            </a:r>
-            <a:r>
-              <a:rPr lang="zh-CN" altLang="en-US" sz="3200" dirty="0">
-                <a:solidFill>
-                  <a:schemeClr val="tx1"/>
-                </a:solidFill>
-                <a:sym typeface="+mn-ea"/>
-              </a:rPr>
-              <a:t>章 正则表达式</a:t>
-            </a:r>
-            <a:endParaRPr lang="zh-CN" altLang="en-US" sz="3200" dirty="0">
-              <a:solidFill>
-                <a:schemeClr val="tx1"/>
-              </a:solidFill>
-              <a:sym typeface="+mn-ea"/>
-            </a:endParaRPr>
-          </a:p>
-          <a:p>
-            <a:pPr>
-              <a:lnSpc>
-                <a:spcPct val="140000"/>
-              </a:lnSpc>
-            </a:pPr>
-            <a:r>
-              <a:rPr lang="zh-CN" sz="3200" dirty="0">
-                <a:solidFill>
-                  <a:schemeClr val="tx1"/>
-                </a:solidFill>
-                <a:sym typeface="+mn-ea"/>
-              </a:rPr>
-              <a:t>阅读《深入理解</a:t>
-            </a:r>
-            <a:r>
-              <a:rPr lang="en-US" altLang="zh-CN" sz="3200" dirty="0">
-                <a:solidFill>
-                  <a:schemeClr val="tx1"/>
-                </a:solidFill>
-                <a:sym typeface="+mn-ea"/>
-              </a:rPr>
-              <a:t>JavaScript</a:t>
-            </a:r>
-            <a:r>
-              <a:rPr lang="zh-CN" altLang="en-US" sz="3200" dirty="0">
-                <a:solidFill>
-                  <a:schemeClr val="tx1"/>
-                </a:solidFill>
-                <a:sym typeface="+mn-ea"/>
-              </a:rPr>
-              <a:t>》第</a:t>
-            </a:r>
-            <a:r>
-              <a:rPr lang="en-US" altLang="zh-CN" sz="3200" dirty="0">
-                <a:solidFill>
-                  <a:schemeClr val="tx1"/>
-                </a:solidFill>
-                <a:sym typeface="+mn-ea"/>
-              </a:rPr>
-              <a:t>20</a:t>
-            </a:r>
-            <a:r>
-              <a:rPr lang="zh-CN" altLang="en-US" sz="3200" dirty="0">
-                <a:solidFill>
-                  <a:schemeClr val="tx1"/>
-                </a:solidFill>
-                <a:sym typeface="+mn-ea"/>
-              </a:rPr>
-              <a:t>章 </a:t>
-            </a:r>
-            <a:r>
-              <a:rPr lang="en-US" altLang="zh-CN" sz="3200" dirty="0">
-                <a:solidFill>
-                  <a:schemeClr val="tx1"/>
-                </a:solidFill>
-                <a:sym typeface="+mn-ea"/>
-              </a:rPr>
-              <a:t>Date</a:t>
-            </a:r>
-            <a:br>
-              <a:rPr lang="en-US" altLang="zh-CN" sz="2000" dirty="0">
-                <a:solidFill>
-                  <a:schemeClr val="tx1"/>
-                </a:solidFill>
-                <a:sym typeface="+mn-ea"/>
-              </a:rPr>
-            </a:br>
-            <a:br>
-              <a:rPr lang="zh-CN" altLang="en-US" sz="3200" dirty="0">
-                <a:solidFill>
-                  <a:schemeClr val="tx1"/>
-                </a:solidFill>
-                <a:sym typeface="+mn-ea"/>
-              </a:rPr>
-            </a:br>
-            <a:br>
-              <a:rPr lang="zh-CN" altLang="en-US" sz="3200" dirty="0">
-                <a:solidFill>
-                  <a:schemeClr val="tx1"/>
-                </a:solidFill>
-                <a:sym typeface="+mn-ea"/>
-              </a:rPr>
-            </a:br>
-            <a:br>
-              <a:rPr lang="en-US" altLang="zh-CN" sz="3200" dirty="0">
-                <a:solidFill>
-                  <a:schemeClr val="tx1"/>
-                </a:solidFill>
-                <a:sym typeface="+mn-ea"/>
-              </a:rPr>
-            </a:br>
-            <a:br>
-              <a:rPr lang="zh-CN" altLang="en-US" sz="3200" dirty="0">
-                <a:solidFill>
-                  <a:schemeClr val="tx1"/>
-                </a:solidFill>
-                <a:sym typeface="+mn-ea"/>
-              </a:rPr>
-            </a:br>
-            <a:endParaRPr lang="zh-CN" altLang="en-US" sz="1800" dirty="0">
-              <a:solidFill>
-                <a:schemeClr val="tx1"/>
-              </a:solidFill>
-              <a:sym typeface="+mn-ea"/>
-            </a:endParaRPr>
-          </a:p>
-          <a:p>
-            <a:pPr marL="0" indent="0">
-              <a:lnSpc>
-                <a:spcPct val="160000"/>
-              </a:lnSpc>
-              <a:buNone/>
-            </a:pPr>
-            <a:endParaRPr lang="en-US" altLang="zh-CN" sz="1800" dirty="0">
-              <a:solidFill>
-                <a:schemeClr val="tx1"/>
-              </a:solidFill>
-              <a:sym typeface="+mn-ea"/>
-            </a:endParaRPr>
-          </a:p>
-        </p:txBody>
-      </p:sp>
-      <p:sp>
-        <p:nvSpPr>
-          <p:cNvPr id="3" name="内容占位符 2"/>
-          <p:cNvSpPr>
-            <a:spLocks noGrp="1"/>
-          </p:cNvSpPr>
-          <p:nvPr>
-            <p:ph sz="quarter" idx="11"/>
-          </p:nvPr>
-        </p:nvSpPr>
-        <p:spPr/>
-        <p:txBody>
-          <a:bodyPr/>
-          <a:lstStyle/>
-          <a:p>
-            <a:r>
-              <a:rPr lang="zh-CN" altLang="en-US" dirty="0"/>
-              <a:t>作业</a:t>
-            </a:r>
-            <a:endParaRPr lang="zh-CN" altLang="en-US" dirty="0"/>
-          </a:p>
-        </p:txBody>
-      </p:sp>
-    </p:spTree>
-  </p:cSld>
-  <p:clrMapOvr>
-    <a:masterClrMapping/>
-  </p:clrMapOvr>
-  <p:timing>
-    <p:tnLst>
-      <p:par>
-        <p:cTn id="1" dur="indefinite" restart="never" nodeType="tmRoot"/>
-      </p:par>
-    </p:tnLst>
-  </p:timing>
-</p:sld>
-</file>
-
-<file path=ppt/slides/slide19.xml><?xml version="1.0" encoding="utf-8"?>
-<p:sld xmlns:a="http://schemas.openxmlformats.org/drawingml/2006/main" xmlns:r="http://schemas.openxmlformats.org/officeDocument/2006/relationships" xmlns:p="http://schemas.openxmlformats.org/presentationml/2006/main">
-  <p:cSld>
-    <p:spTree>
-      <p:nvGrpSpPr>
-        <p:cNvPr id="1" name=""/>
-        <p:cNvGrpSpPr/>
-        <p:nvPr/>
-      </p:nvGrpSpPr>
-      <p:grpSpPr>
-        <a:xfrm>
-          <a:off x="0" y="0"/>
-          <a:ext cx="0" cy="0"/>
-          <a:chOff x="0" y="0"/>
-          <a:chExt cx="0" cy="0"/>
-        </a:xfrm>
-      </p:grpSpPr>
       <p:pic>
         <p:nvPicPr>
           <p:cNvPr id="4098" name="Picture 4"/>
@@ -10053,6 +9943,487 @@
     <a:masterClrMapping/>
   </p:clrMapOvr>
   <p:transition advClick="0"/>
+  <p:timing>
+    <p:tnLst>
+      <p:par>
+        <p:cTn id="1" dur="indefinite" restart="never" nodeType="tmRoot"/>
+      </p:par>
+    </p:tnLst>
+  </p:timing>
+</p:sld>
+</file>
+
+<file path=ppt/slides/slide19.xml><?xml version="1.0" encoding="utf-8"?>
+<p:sld xmlns:a="http://schemas.openxmlformats.org/drawingml/2006/main" xmlns:r="http://schemas.openxmlformats.org/officeDocument/2006/relationships" xmlns:p="http://schemas.openxmlformats.org/presentationml/2006/main">
+  <p:cSld>
+    <p:spTree>
+      <p:nvGrpSpPr>
+        <p:cNvPr id="1" name=""/>
+        <p:cNvGrpSpPr/>
+        <p:nvPr/>
+      </p:nvGrpSpPr>
+      <p:grpSpPr>
+        <a:xfrm>
+          <a:off x="0" y="0"/>
+          <a:ext cx="0" cy="0"/>
+          <a:chOff x="0" y="0"/>
+          <a:chExt cx="0" cy="0"/>
+        </a:xfrm>
+      </p:grpSpPr>
+      <p:sp>
+        <p:nvSpPr>
+          <p:cNvPr id="5123" name="AutoShape 6"/>
+          <p:cNvSpPr>
+            <a:spLocks noChangeArrowheads="1"/>
+          </p:cNvSpPr>
+          <p:nvPr/>
+        </p:nvSpPr>
+        <p:spPr bwMode="auto">
+          <a:xfrm>
+            <a:off x="2566988" y="1339851"/>
+            <a:ext cx="6711950" cy="4214813"/>
+          </a:xfrm>
+          <a:prstGeom prst="roundRect">
+            <a:avLst>
+              <a:gd name="adj" fmla="val 16667"/>
+            </a:avLst>
+          </a:prstGeom>
+          <a:noFill/>
+          <a:ln w="28575">
+            <a:solidFill>
+              <a:srgbClr val="C0C0C0"/>
+            </a:solidFill>
+            <a:prstDash val="sysDot"/>
+            <a:round/>
+          </a:ln>
+          <a:extLst>
+            <a:ext uri="{909E8E84-426E-40DD-AFC4-6F175D3DCCD1}">
+              <a14:hiddenFill xmlns:a14="http://schemas.microsoft.com/office/drawing/2010/main">
+                <a:solidFill>
+                  <a:srgbClr val="FFFFFF"/>
+                </a:solidFill>
+              </a14:hiddenFill>
+            </a:ext>
+          </a:extLst>
+        </p:spPr>
+        <p:txBody>
+          <a:bodyPr wrap="none" anchor="ctr"/>
+          <a:lstStyle>
+            <a:lvl1pPr marL="457200" indent="-457200">
+              <a:defRPr sz="3200">
+                <a:solidFill>
+                  <a:schemeClr val="tx1"/>
+                </a:solidFill>
+                <a:latin typeface="Arial" panose="020B0604020202020204" pitchFamily="34" charset="0"/>
+                <a:ea typeface="微软雅黑" panose="020B0503020204020204" pitchFamily="34" charset="-122"/>
+              </a:defRPr>
+            </a:lvl1pPr>
+            <a:lvl2pPr marL="742950" indent="-285750">
+              <a:defRPr sz="3200">
+                <a:solidFill>
+                  <a:schemeClr val="tx1"/>
+                </a:solidFill>
+                <a:latin typeface="Arial" panose="020B0604020202020204" pitchFamily="34" charset="0"/>
+                <a:ea typeface="微软雅黑" panose="020B0503020204020204" pitchFamily="34" charset="-122"/>
+              </a:defRPr>
+            </a:lvl2pPr>
+            <a:lvl3pPr marL="1143000" indent="-228600">
+              <a:defRPr sz="3200">
+                <a:solidFill>
+                  <a:schemeClr val="tx1"/>
+                </a:solidFill>
+                <a:latin typeface="Arial" panose="020B0604020202020204" pitchFamily="34" charset="0"/>
+                <a:ea typeface="微软雅黑" panose="020B0503020204020204" pitchFamily="34" charset="-122"/>
+              </a:defRPr>
+            </a:lvl3pPr>
+            <a:lvl4pPr marL="1600200" indent="-228600">
+              <a:defRPr sz="3200">
+                <a:solidFill>
+                  <a:schemeClr val="tx1"/>
+                </a:solidFill>
+                <a:latin typeface="Arial" panose="020B0604020202020204" pitchFamily="34" charset="0"/>
+                <a:ea typeface="微软雅黑" panose="020B0503020204020204" pitchFamily="34" charset="-122"/>
+              </a:defRPr>
+            </a:lvl4pPr>
+            <a:lvl5pPr marL="2057400" indent="-228600">
+              <a:defRPr sz="3200">
+                <a:solidFill>
+                  <a:schemeClr val="tx1"/>
+                </a:solidFill>
+                <a:latin typeface="Arial" panose="020B0604020202020204" pitchFamily="34" charset="0"/>
+                <a:ea typeface="微软雅黑" panose="020B0503020204020204" pitchFamily="34" charset="-122"/>
+              </a:defRPr>
+            </a:lvl5pPr>
+            <a:lvl6pPr marL="2514600" indent="-228600" eaLnBrk="0" fontAlgn="base" hangingPunct="0">
+              <a:spcBef>
+                <a:spcPct val="0"/>
+              </a:spcBef>
+              <a:spcAft>
+                <a:spcPct val="0"/>
+              </a:spcAft>
+              <a:defRPr sz="3200">
+                <a:solidFill>
+                  <a:schemeClr val="tx1"/>
+                </a:solidFill>
+                <a:latin typeface="Arial" panose="020B0604020202020204" pitchFamily="34" charset="0"/>
+                <a:ea typeface="微软雅黑" panose="020B0503020204020204" pitchFamily="34" charset="-122"/>
+              </a:defRPr>
+            </a:lvl6pPr>
+            <a:lvl7pPr marL="2971800" indent="-228600" eaLnBrk="0" fontAlgn="base" hangingPunct="0">
+              <a:spcBef>
+                <a:spcPct val="0"/>
+              </a:spcBef>
+              <a:spcAft>
+                <a:spcPct val="0"/>
+              </a:spcAft>
+              <a:defRPr sz="3200">
+                <a:solidFill>
+                  <a:schemeClr val="tx1"/>
+                </a:solidFill>
+                <a:latin typeface="Arial" panose="020B0604020202020204" pitchFamily="34" charset="0"/>
+                <a:ea typeface="微软雅黑" panose="020B0503020204020204" pitchFamily="34" charset="-122"/>
+              </a:defRPr>
+            </a:lvl7pPr>
+            <a:lvl8pPr marL="3429000" indent="-228600" eaLnBrk="0" fontAlgn="base" hangingPunct="0">
+              <a:spcBef>
+                <a:spcPct val="0"/>
+              </a:spcBef>
+              <a:spcAft>
+                <a:spcPct val="0"/>
+              </a:spcAft>
+              <a:defRPr sz="3200">
+                <a:solidFill>
+                  <a:schemeClr val="tx1"/>
+                </a:solidFill>
+                <a:latin typeface="Arial" panose="020B0604020202020204" pitchFamily="34" charset="0"/>
+                <a:ea typeface="微软雅黑" panose="020B0503020204020204" pitchFamily="34" charset="-122"/>
+              </a:defRPr>
+            </a:lvl8pPr>
+            <a:lvl9pPr marL="3886200" indent="-228600" eaLnBrk="0" fontAlgn="base" hangingPunct="0">
+              <a:spcBef>
+                <a:spcPct val="0"/>
+              </a:spcBef>
+              <a:spcAft>
+                <a:spcPct val="0"/>
+              </a:spcAft>
+              <a:defRPr sz="3200">
+                <a:solidFill>
+                  <a:schemeClr val="tx1"/>
+                </a:solidFill>
+                <a:latin typeface="Arial" panose="020B0604020202020204" pitchFamily="34" charset="0"/>
+                <a:ea typeface="微软雅黑" panose="020B0503020204020204" pitchFamily="34" charset="-122"/>
+              </a:defRPr>
+            </a:lvl9pPr>
+          </a:lstStyle>
+          <a:p>
+            <a:pPr algn="l">
+              <a:lnSpc>
+                <a:spcPct val="150000"/>
+              </a:lnSpc>
+              <a:spcBef>
+                <a:spcPts val="1200"/>
+              </a:spcBef>
+              <a:spcAft>
+                <a:spcPts val="1200"/>
+              </a:spcAft>
+              <a:buClr>
+                <a:srgbClr val="92D050"/>
+              </a:buClr>
+              <a:buFont typeface="Wingdings" panose="05000000000000000000" pitchFamily="2" charset="2"/>
+              <a:buChar char="Ø"/>
+            </a:pPr>
+            <a:r>
+              <a:rPr lang="en-US" altLang="zh-CN" sz="2800" b="1">
+                <a:solidFill>
+                  <a:srgbClr val="FF0000"/>
+                </a:solidFill>
+                <a:sym typeface="+mn-ea"/>
+              </a:rPr>
+              <a:t>JS</a:t>
+            </a:r>
+            <a:r>
+              <a:rPr lang="zh-CN" altLang="en-US" sz="2800" b="1">
+                <a:solidFill>
+                  <a:srgbClr val="FF0000"/>
+                </a:solidFill>
+                <a:sym typeface="+mn-ea"/>
+              </a:rPr>
+              <a:t>异常处理</a:t>
+            </a:r>
+            <a:endParaRPr lang="zh-CN" altLang="en-US" sz="2800" b="1">
+              <a:solidFill>
+                <a:srgbClr val="FF0000"/>
+              </a:solidFill>
+              <a:sym typeface="+mn-ea"/>
+            </a:endParaRPr>
+          </a:p>
+          <a:p>
+            <a:pPr algn="l">
+              <a:lnSpc>
+                <a:spcPct val="150000"/>
+              </a:lnSpc>
+              <a:spcBef>
+                <a:spcPts val="1200"/>
+              </a:spcBef>
+              <a:spcAft>
+                <a:spcPts val="1200"/>
+              </a:spcAft>
+              <a:buClr>
+                <a:srgbClr val="92D050"/>
+              </a:buClr>
+              <a:buFont typeface="Wingdings" panose="05000000000000000000" pitchFamily="2" charset="2"/>
+              <a:buChar char="Ø"/>
+            </a:pPr>
+            <a:r>
+              <a:rPr lang="en-US" altLang="zh-CN" sz="2800" b="1">
+                <a:solidFill>
+                  <a:schemeClr val="tx1"/>
+                </a:solidFill>
+                <a:sym typeface="+mn-ea"/>
+              </a:rPr>
+              <a:t>Error</a:t>
+            </a:r>
+            <a:r>
+              <a:rPr lang="zh-CN" altLang="en-US" sz="2800" b="1">
+                <a:solidFill>
+                  <a:schemeClr val="tx1"/>
+                </a:solidFill>
+                <a:sym typeface="+mn-ea"/>
+              </a:rPr>
+              <a:t>对象及其子对象</a:t>
+            </a:r>
+            <a:endParaRPr lang="zh-CN" altLang="en-US" sz="2800" b="1">
+              <a:solidFill>
+                <a:schemeClr val="tx1"/>
+              </a:solidFill>
+              <a:sym typeface="+mn-ea"/>
+            </a:endParaRPr>
+          </a:p>
+        </p:txBody>
+      </p:sp>
+      <p:sp>
+        <p:nvSpPr>
+          <p:cNvPr id="4" name="内容占位符 3"/>
+          <p:cNvSpPr txBox="1"/>
+          <p:nvPr/>
+        </p:nvSpPr>
+        <p:spPr>
+          <a:xfrm>
+            <a:off x="981657" y="236943"/>
+            <a:ext cx="8191557" cy="490476"/>
+          </a:xfrm>
+          <a:prstGeom prst="rect">
+            <a:avLst/>
+          </a:prstGeom>
+        </p:spPr>
+        <p:txBody>
+          <a:bodyPr/>
+          <a:lstStyle>
+            <a:lvl1pPr marL="167005" indent="-167005" algn="l" defTabSz="0" rtl="0" eaLnBrk="0" fontAlgn="base" hangingPunct="0">
+              <a:spcBef>
+                <a:spcPct val="0"/>
+              </a:spcBef>
+              <a:spcAft>
+                <a:spcPct val="15000"/>
+              </a:spcAft>
+              <a:buClr>
+                <a:schemeClr val="tx2"/>
+              </a:buClr>
+              <a:buFont typeface="Arial" panose="020B0604020202020204" pitchFamily="34" charset="0"/>
+              <a:buChar char="•"/>
+              <a:defRPr kumimoji="1" sz="1600">
+                <a:solidFill>
+                  <a:srgbClr val="006F53"/>
+                </a:solidFill>
+                <a:latin typeface="微软雅黑" panose="020B0503020204020204" pitchFamily="34" charset="-122"/>
+                <a:ea typeface="微软雅黑" panose="020B0503020204020204" pitchFamily="34" charset="-122"/>
+                <a:cs typeface="微软雅黑" panose="020B0503020204020204" pitchFamily="34" charset="-122"/>
+              </a:defRPr>
+            </a:lvl1pPr>
+            <a:lvl2pPr marL="398780" indent="-230505" algn="l" defTabSz="0" rtl="0" eaLnBrk="0" fontAlgn="base" hangingPunct="0">
+              <a:spcBef>
+                <a:spcPct val="0"/>
+              </a:spcBef>
+              <a:spcAft>
+                <a:spcPct val="15000"/>
+              </a:spcAft>
+              <a:buClr>
+                <a:schemeClr val="tx2"/>
+              </a:buClr>
+              <a:buFont typeface="Arial" panose="020B0604020202020204" pitchFamily="34" charset="0"/>
+              <a:buChar char="–"/>
+              <a:defRPr kumimoji="1" sz="2800">
+                <a:solidFill>
+                  <a:schemeClr val="bg2"/>
+                </a:solidFill>
+                <a:latin typeface="微软雅黑" panose="020B0503020204020204" pitchFamily="34" charset="-122"/>
+                <a:ea typeface="微软雅黑" panose="020B0503020204020204" pitchFamily="34" charset="-122"/>
+                <a:cs typeface="微软雅黑" panose="020B0503020204020204" pitchFamily="34" charset="-122"/>
+              </a:defRPr>
+            </a:lvl2pPr>
+            <a:lvl3pPr marL="400050" indent="182880" algn="l" defTabSz="0" rtl="0" eaLnBrk="0" fontAlgn="base" hangingPunct="0">
+              <a:spcBef>
+                <a:spcPct val="0"/>
+              </a:spcBef>
+              <a:spcAft>
+                <a:spcPct val="15000"/>
+              </a:spcAft>
+              <a:buClr>
+                <a:schemeClr val="tx2"/>
+              </a:buClr>
+              <a:buFont typeface="Arial" panose="020B0604020202020204" pitchFamily="34" charset="0"/>
+              <a:buChar char="•"/>
+              <a:defRPr kumimoji="1" sz="1600">
+                <a:solidFill>
+                  <a:schemeClr val="bg2"/>
+                </a:solidFill>
+                <a:latin typeface="微软雅黑" panose="020B0503020204020204" pitchFamily="34" charset="-122"/>
+                <a:ea typeface="微软雅黑" panose="020B0503020204020204" pitchFamily="34" charset="-122"/>
+                <a:cs typeface="微软雅黑" panose="020B0503020204020204" pitchFamily="34" charset="-122"/>
+              </a:defRPr>
+            </a:lvl3pPr>
+            <a:lvl4pPr marL="825500" indent="-241300" algn="l" defTabSz="0" rtl="0" eaLnBrk="0" fontAlgn="base" hangingPunct="0">
+              <a:spcBef>
+                <a:spcPct val="0"/>
+              </a:spcBef>
+              <a:spcAft>
+                <a:spcPct val="15000"/>
+              </a:spcAft>
+              <a:buClr>
+                <a:schemeClr val="tx2"/>
+              </a:buClr>
+              <a:buFont typeface="Arial" panose="020B0604020202020204" pitchFamily="34" charset="0"/>
+              <a:buChar char="–"/>
+              <a:defRPr kumimoji="1" sz="1600">
+                <a:solidFill>
+                  <a:schemeClr val="bg2"/>
+                </a:solidFill>
+                <a:latin typeface="微软雅黑" panose="020B0503020204020204" pitchFamily="34" charset="-122"/>
+                <a:ea typeface="微软雅黑" panose="020B0503020204020204" pitchFamily="34" charset="-122"/>
+                <a:cs typeface="微软雅黑" panose="020B0503020204020204" pitchFamily="34" charset="-122"/>
+              </a:defRPr>
+            </a:lvl4pPr>
+            <a:lvl5pPr marL="2057400" indent="-228600" algn="l" defTabSz="0" rtl="0" eaLnBrk="0" fontAlgn="base" hangingPunct="0">
+              <a:spcBef>
+                <a:spcPct val="0"/>
+              </a:spcBef>
+              <a:spcAft>
+                <a:spcPct val="25000"/>
+              </a:spcAft>
+              <a:buClr>
+                <a:schemeClr val="tx2"/>
+              </a:buClr>
+              <a:buFont typeface="Arial" panose="020B0604020202020204" pitchFamily="34" charset="0"/>
+              <a:buChar char="–"/>
+              <a:defRPr kumimoji="1" sz="2000">
+                <a:solidFill>
+                  <a:schemeClr val="tx1"/>
+                </a:solidFill>
+                <a:latin typeface="+mn-lt"/>
+                <a:ea typeface="微软雅黑" panose="020B0503020204020204" pitchFamily="34" charset="-122"/>
+                <a:cs typeface="微软雅黑" panose="020B0503020204020204" pitchFamily="34" charset="-122"/>
+              </a:defRPr>
+            </a:lvl5pPr>
+            <a:lvl6pPr marL="2514600" indent="-228600" algn="l" defTabSz="0" rtl="0" eaLnBrk="0" fontAlgn="base" hangingPunct="0">
+              <a:spcBef>
+                <a:spcPct val="0"/>
+              </a:spcBef>
+              <a:spcAft>
+                <a:spcPct val="25000"/>
+              </a:spcAft>
+              <a:buClr>
+                <a:schemeClr val="tx2"/>
+              </a:buClr>
+              <a:buFont typeface="Arial" panose="020B0604020202020204" pitchFamily="34" charset="0"/>
+              <a:buChar char="–"/>
+              <a:defRPr>
+                <a:solidFill>
+                  <a:schemeClr val="tx1"/>
+                </a:solidFill>
+                <a:latin typeface="+mn-lt"/>
+              </a:defRPr>
+            </a:lvl6pPr>
+            <a:lvl7pPr marL="2971800" indent="-228600" algn="l" defTabSz="0" rtl="0" eaLnBrk="0" fontAlgn="base" hangingPunct="0">
+              <a:spcBef>
+                <a:spcPct val="0"/>
+              </a:spcBef>
+              <a:spcAft>
+                <a:spcPct val="25000"/>
+              </a:spcAft>
+              <a:buClr>
+                <a:schemeClr val="tx2"/>
+              </a:buClr>
+              <a:buFont typeface="Arial" panose="020B0604020202020204" pitchFamily="34" charset="0"/>
+              <a:buChar char="–"/>
+              <a:defRPr>
+                <a:solidFill>
+                  <a:schemeClr val="tx1"/>
+                </a:solidFill>
+                <a:latin typeface="+mn-lt"/>
+              </a:defRPr>
+            </a:lvl7pPr>
+            <a:lvl8pPr marL="3429000" indent="-228600" algn="l" defTabSz="0" rtl="0" eaLnBrk="0" fontAlgn="base" hangingPunct="0">
+              <a:spcBef>
+                <a:spcPct val="0"/>
+              </a:spcBef>
+              <a:spcAft>
+                <a:spcPct val="25000"/>
+              </a:spcAft>
+              <a:buClr>
+                <a:schemeClr val="tx2"/>
+              </a:buClr>
+              <a:buFont typeface="Arial" panose="020B0604020202020204" pitchFamily="34" charset="0"/>
+              <a:buChar char="–"/>
+              <a:defRPr>
+                <a:solidFill>
+                  <a:schemeClr val="tx1"/>
+                </a:solidFill>
+                <a:latin typeface="+mn-lt"/>
+              </a:defRPr>
+            </a:lvl8pPr>
+            <a:lvl9pPr marL="3886200" indent="-228600" algn="l" defTabSz="0" rtl="0" eaLnBrk="0" fontAlgn="base" hangingPunct="0">
+              <a:spcBef>
+                <a:spcPct val="0"/>
+              </a:spcBef>
+              <a:spcAft>
+                <a:spcPct val="25000"/>
+              </a:spcAft>
+              <a:buClr>
+                <a:schemeClr val="tx2"/>
+              </a:buClr>
+              <a:buFont typeface="Arial" panose="020B0604020202020204" pitchFamily="34" charset="0"/>
+              <a:buChar char="–"/>
+              <a:defRPr>
+                <a:solidFill>
+                  <a:schemeClr val="tx1"/>
+                </a:solidFill>
+                <a:latin typeface="+mn-lt"/>
+              </a:defRPr>
+            </a:lvl9pPr>
+          </a:lstStyle>
+          <a:p>
+            <a:pPr marL="0" indent="0">
+              <a:buNone/>
+            </a:pPr>
+            <a:r>
+              <a:rPr lang="zh-CN" altLang="en-US" sz="3200" dirty="0" smtClean="0">
+                <a:solidFill>
+                  <a:srgbClr val="C00000"/>
+                </a:solidFill>
+                <a:cs typeface="+mn-cs"/>
+                <a:sym typeface="+mn-ea"/>
+              </a:rPr>
+              <a:t>内容提纲</a:t>
+            </a:r>
+            <a:endParaRPr lang="zh-CN" altLang="en-US" kern="0" dirty="0"/>
+          </a:p>
+        </p:txBody>
+      </p:sp>
+    </p:spTree>
+  </p:cSld>
+  <p:clrMapOvr>
+    <a:masterClrMapping/>
+  </p:clrMapOvr>
   <p:timing>
     <p:tnLst>
       <p:par>
@@ -10457,487 +10828,6 @@
       </p:grpSpPr>
       <p:sp>
         <p:nvSpPr>
-          <p:cNvPr id="5123" name="AutoShape 6"/>
-          <p:cNvSpPr>
-            <a:spLocks noChangeArrowheads="1"/>
-          </p:cNvSpPr>
-          <p:nvPr/>
-        </p:nvSpPr>
-        <p:spPr bwMode="auto">
-          <a:xfrm>
-            <a:off x="2566988" y="1339851"/>
-            <a:ext cx="6711950" cy="4214813"/>
-          </a:xfrm>
-          <a:prstGeom prst="roundRect">
-            <a:avLst>
-              <a:gd name="adj" fmla="val 16667"/>
-            </a:avLst>
-          </a:prstGeom>
-          <a:noFill/>
-          <a:ln w="28575">
-            <a:solidFill>
-              <a:srgbClr val="C0C0C0"/>
-            </a:solidFill>
-            <a:prstDash val="sysDot"/>
-            <a:round/>
-          </a:ln>
-          <a:extLst>
-            <a:ext uri="{909E8E84-426E-40DD-AFC4-6F175D3DCCD1}">
-              <a14:hiddenFill xmlns:a14="http://schemas.microsoft.com/office/drawing/2010/main">
-                <a:solidFill>
-                  <a:srgbClr val="FFFFFF"/>
-                </a:solidFill>
-              </a14:hiddenFill>
-            </a:ext>
-          </a:extLst>
-        </p:spPr>
-        <p:txBody>
-          <a:bodyPr wrap="none" anchor="ctr"/>
-          <a:lstStyle>
-            <a:lvl1pPr marL="457200" indent="-457200">
-              <a:defRPr sz="3200">
-                <a:solidFill>
-                  <a:schemeClr val="tx1"/>
-                </a:solidFill>
-                <a:latin typeface="Arial" panose="020B0604020202020204" pitchFamily="34" charset="0"/>
-                <a:ea typeface="微软雅黑" panose="020B0503020204020204" pitchFamily="34" charset="-122"/>
-              </a:defRPr>
-            </a:lvl1pPr>
-            <a:lvl2pPr marL="742950" indent="-285750">
-              <a:defRPr sz="3200">
-                <a:solidFill>
-                  <a:schemeClr val="tx1"/>
-                </a:solidFill>
-                <a:latin typeface="Arial" panose="020B0604020202020204" pitchFamily="34" charset="0"/>
-                <a:ea typeface="微软雅黑" panose="020B0503020204020204" pitchFamily="34" charset="-122"/>
-              </a:defRPr>
-            </a:lvl2pPr>
-            <a:lvl3pPr marL="1143000" indent="-228600">
-              <a:defRPr sz="3200">
-                <a:solidFill>
-                  <a:schemeClr val="tx1"/>
-                </a:solidFill>
-                <a:latin typeface="Arial" panose="020B0604020202020204" pitchFamily="34" charset="0"/>
-                <a:ea typeface="微软雅黑" panose="020B0503020204020204" pitchFamily="34" charset="-122"/>
-              </a:defRPr>
-            </a:lvl3pPr>
-            <a:lvl4pPr marL="1600200" indent="-228600">
-              <a:defRPr sz="3200">
-                <a:solidFill>
-                  <a:schemeClr val="tx1"/>
-                </a:solidFill>
-                <a:latin typeface="Arial" panose="020B0604020202020204" pitchFamily="34" charset="0"/>
-                <a:ea typeface="微软雅黑" panose="020B0503020204020204" pitchFamily="34" charset="-122"/>
-              </a:defRPr>
-            </a:lvl4pPr>
-            <a:lvl5pPr marL="2057400" indent="-228600">
-              <a:defRPr sz="3200">
-                <a:solidFill>
-                  <a:schemeClr val="tx1"/>
-                </a:solidFill>
-                <a:latin typeface="Arial" panose="020B0604020202020204" pitchFamily="34" charset="0"/>
-                <a:ea typeface="微软雅黑" panose="020B0503020204020204" pitchFamily="34" charset="-122"/>
-              </a:defRPr>
-            </a:lvl5pPr>
-            <a:lvl6pPr marL="2514600" indent="-228600" eaLnBrk="0" fontAlgn="base" hangingPunct="0">
-              <a:spcBef>
-                <a:spcPct val="0"/>
-              </a:spcBef>
-              <a:spcAft>
-                <a:spcPct val="0"/>
-              </a:spcAft>
-              <a:defRPr sz="3200">
-                <a:solidFill>
-                  <a:schemeClr val="tx1"/>
-                </a:solidFill>
-                <a:latin typeface="Arial" panose="020B0604020202020204" pitchFamily="34" charset="0"/>
-                <a:ea typeface="微软雅黑" panose="020B0503020204020204" pitchFamily="34" charset="-122"/>
-              </a:defRPr>
-            </a:lvl6pPr>
-            <a:lvl7pPr marL="2971800" indent="-228600" eaLnBrk="0" fontAlgn="base" hangingPunct="0">
-              <a:spcBef>
-                <a:spcPct val="0"/>
-              </a:spcBef>
-              <a:spcAft>
-                <a:spcPct val="0"/>
-              </a:spcAft>
-              <a:defRPr sz="3200">
-                <a:solidFill>
-                  <a:schemeClr val="tx1"/>
-                </a:solidFill>
-                <a:latin typeface="Arial" panose="020B0604020202020204" pitchFamily="34" charset="0"/>
-                <a:ea typeface="微软雅黑" panose="020B0503020204020204" pitchFamily="34" charset="-122"/>
-              </a:defRPr>
-            </a:lvl7pPr>
-            <a:lvl8pPr marL="3429000" indent="-228600" eaLnBrk="0" fontAlgn="base" hangingPunct="0">
-              <a:spcBef>
-                <a:spcPct val="0"/>
-              </a:spcBef>
-              <a:spcAft>
-                <a:spcPct val="0"/>
-              </a:spcAft>
-              <a:defRPr sz="3200">
-                <a:solidFill>
-                  <a:schemeClr val="tx1"/>
-                </a:solidFill>
-                <a:latin typeface="Arial" panose="020B0604020202020204" pitchFamily="34" charset="0"/>
-                <a:ea typeface="微软雅黑" panose="020B0503020204020204" pitchFamily="34" charset="-122"/>
-              </a:defRPr>
-            </a:lvl8pPr>
-            <a:lvl9pPr marL="3886200" indent="-228600" eaLnBrk="0" fontAlgn="base" hangingPunct="0">
-              <a:spcBef>
-                <a:spcPct val="0"/>
-              </a:spcBef>
-              <a:spcAft>
-                <a:spcPct val="0"/>
-              </a:spcAft>
-              <a:defRPr sz="3200">
-                <a:solidFill>
-                  <a:schemeClr val="tx1"/>
-                </a:solidFill>
-                <a:latin typeface="Arial" panose="020B0604020202020204" pitchFamily="34" charset="0"/>
-                <a:ea typeface="微软雅黑" panose="020B0503020204020204" pitchFamily="34" charset="-122"/>
-              </a:defRPr>
-            </a:lvl9pPr>
-          </a:lstStyle>
-          <a:p>
-            <a:pPr algn="l">
-              <a:lnSpc>
-                <a:spcPct val="150000"/>
-              </a:lnSpc>
-              <a:spcBef>
-                <a:spcPts val="1200"/>
-              </a:spcBef>
-              <a:spcAft>
-                <a:spcPts val="1200"/>
-              </a:spcAft>
-              <a:buClr>
-                <a:srgbClr val="92D050"/>
-              </a:buClr>
-              <a:buFont typeface="Wingdings" panose="05000000000000000000" pitchFamily="2" charset="2"/>
-              <a:buChar char="Ø"/>
-            </a:pPr>
-            <a:r>
-              <a:rPr lang="en-US" altLang="zh-CN" sz="2800" b="1">
-                <a:solidFill>
-                  <a:schemeClr val="tx1"/>
-                </a:solidFill>
-                <a:sym typeface="+mn-ea"/>
-              </a:rPr>
-              <a:t>JS</a:t>
-            </a:r>
-            <a:r>
-              <a:rPr lang="zh-CN" altLang="en-US" sz="2800" b="1">
-                <a:solidFill>
-                  <a:schemeClr val="tx1"/>
-                </a:solidFill>
-                <a:sym typeface="+mn-ea"/>
-              </a:rPr>
-              <a:t>异常处理</a:t>
-            </a:r>
-            <a:endParaRPr lang="zh-CN" altLang="en-US" sz="2800" b="1">
-              <a:solidFill>
-                <a:schemeClr val="tx1"/>
-              </a:solidFill>
-              <a:sym typeface="+mn-ea"/>
-            </a:endParaRPr>
-          </a:p>
-          <a:p>
-            <a:pPr algn="l">
-              <a:lnSpc>
-                <a:spcPct val="150000"/>
-              </a:lnSpc>
-              <a:spcBef>
-                <a:spcPts val="1200"/>
-              </a:spcBef>
-              <a:spcAft>
-                <a:spcPts val="1200"/>
-              </a:spcAft>
-              <a:buClr>
-                <a:srgbClr val="92D050"/>
-              </a:buClr>
-              <a:buFont typeface="Wingdings" panose="05000000000000000000" pitchFamily="2" charset="2"/>
-              <a:buChar char="Ø"/>
-            </a:pPr>
-            <a:r>
-              <a:rPr lang="en-US" altLang="zh-CN" sz="2800" b="1">
-                <a:solidFill>
-                  <a:schemeClr val="tx1"/>
-                </a:solidFill>
-                <a:sym typeface="+mn-ea"/>
-              </a:rPr>
-              <a:t>Error</a:t>
-            </a:r>
-            <a:r>
-              <a:rPr lang="zh-CN" altLang="en-US" sz="2800" b="1">
-                <a:solidFill>
-                  <a:schemeClr val="tx1"/>
-                </a:solidFill>
-                <a:sym typeface="+mn-ea"/>
-              </a:rPr>
-              <a:t>对象及其子对象</a:t>
-            </a:r>
-            <a:endParaRPr lang="zh-CN" altLang="en-US" sz="2800" b="1">
-              <a:solidFill>
-                <a:schemeClr val="tx1"/>
-              </a:solidFill>
-              <a:sym typeface="+mn-ea"/>
-            </a:endParaRPr>
-          </a:p>
-        </p:txBody>
-      </p:sp>
-      <p:sp>
-        <p:nvSpPr>
-          <p:cNvPr id="4" name="内容占位符 3"/>
-          <p:cNvSpPr txBox="1"/>
-          <p:nvPr/>
-        </p:nvSpPr>
-        <p:spPr>
-          <a:xfrm>
-            <a:off x="981657" y="236943"/>
-            <a:ext cx="8191557" cy="490476"/>
-          </a:xfrm>
-          <a:prstGeom prst="rect">
-            <a:avLst/>
-          </a:prstGeom>
-        </p:spPr>
-        <p:txBody>
-          <a:bodyPr/>
-          <a:lstStyle>
-            <a:lvl1pPr marL="167005" indent="-167005" algn="l" defTabSz="0" rtl="0" eaLnBrk="0" fontAlgn="base" hangingPunct="0">
-              <a:spcBef>
-                <a:spcPct val="0"/>
-              </a:spcBef>
-              <a:spcAft>
-                <a:spcPct val="15000"/>
-              </a:spcAft>
-              <a:buClr>
-                <a:schemeClr val="tx2"/>
-              </a:buClr>
-              <a:buFont typeface="Arial" panose="020B0604020202020204" pitchFamily="34" charset="0"/>
-              <a:buChar char="•"/>
-              <a:defRPr kumimoji="1" sz="1600">
-                <a:solidFill>
-                  <a:srgbClr val="006F53"/>
-                </a:solidFill>
-                <a:latin typeface="微软雅黑" panose="020B0503020204020204" pitchFamily="34" charset="-122"/>
-                <a:ea typeface="微软雅黑" panose="020B0503020204020204" pitchFamily="34" charset="-122"/>
-                <a:cs typeface="微软雅黑" panose="020B0503020204020204" pitchFamily="34" charset="-122"/>
-              </a:defRPr>
-            </a:lvl1pPr>
-            <a:lvl2pPr marL="398780" indent="-230505" algn="l" defTabSz="0" rtl="0" eaLnBrk="0" fontAlgn="base" hangingPunct="0">
-              <a:spcBef>
-                <a:spcPct val="0"/>
-              </a:spcBef>
-              <a:spcAft>
-                <a:spcPct val="15000"/>
-              </a:spcAft>
-              <a:buClr>
-                <a:schemeClr val="tx2"/>
-              </a:buClr>
-              <a:buFont typeface="Arial" panose="020B0604020202020204" pitchFamily="34" charset="0"/>
-              <a:buChar char="–"/>
-              <a:defRPr kumimoji="1" sz="2800">
-                <a:solidFill>
-                  <a:schemeClr val="bg2"/>
-                </a:solidFill>
-                <a:latin typeface="微软雅黑" panose="020B0503020204020204" pitchFamily="34" charset="-122"/>
-                <a:ea typeface="微软雅黑" panose="020B0503020204020204" pitchFamily="34" charset="-122"/>
-                <a:cs typeface="微软雅黑" panose="020B0503020204020204" pitchFamily="34" charset="-122"/>
-              </a:defRPr>
-            </a:lvl2pPr>
-            <a:lvl3pPr marL="400050" indent="182880" algn="l" defTabSz="0" rtl="0" eaLnBrk="0" fontAlgn="base" hangingPunct="0">
-              <a:spcBef>
-                <a:spcPct val="0"/>
-              </a:spcBef>
-              <a:spcAft>
-                <a:spcPct val="15000"/>
-              </a:spcAft>
-              <a:buClr>
-                <a:schemeClr val="tx2"/>
-              </a:buClr>
-              <a:buFont typeface="Arial" panose="020B0604020202020204" pitchFamily="34" charset="0"/>
-              <a:buChar char="•"/>
-              <a:defRPr kumimoji="1" sz="1600">
-                <a:solidFill>
-                  <a:schemeClr val="bg2"/>
-                </a:solidFill>
-                <a:latin typeface="微软雅黑" panose="020B0503020204020204" pitchFamily="34" charset="-122"/>
-                <a:ea typeface="微软雅黑" panose="020B0503020204020204" pitchFamily="34" charset="-122"/>
-                <a:cs typeface="微软雅黑" panose="020B0503020204020204" pitchFamily="34" charset="-122"/>
-              </a:defRPr>
-            </a:lvl3pPr>
-            <a:lvl4pPr marL="825500" indent="-241300" algn="l" defTabSz="0" rtl="0" eaLnBrk="0" fontAlgn="base" hangingPunct="0">
-              <a:spcBef>
-                <a:spcPct val="0"/>
-              </a:spcBef>
-              <a:spcAft>
-                <a:spcPct val="15000"/>
-              </a:spcAft>
-              <a:buClr>
-                <a:schemeClr val="tx2"/>
-              </a:buClr>
-              <a:buFont typeface="Arial" panose="020B0604020202020204" pitchFamily="34" charset="0"/>
-              <a:buChar char="–"/>
-              <a:defRPr kumimoji="1" sz="1600">
-                <a:solidFill>
-                  <a:schemeClr val="bg2"/>
-                </a:solidFill>
-                <a:latin typeface="微软雅黑" panose="020B0503020204020204" pitchFamily="34" charset="-122"/>
-                <a:ea typeface="微软雅黑" panose="020B0503020204020204" pitchFamily="34" charset="-122"/>
-                <a:cs typeface="微软雅黑" panose="020B0503020204020204" pitchFamily="34" charset="-122"/>
-              </a:defRPr>
-            </a:lvl4pPr>
-            <a:lvl5pPr marL="2057400" indent="-228600" algn="l" defTabSz="0" rtl="0" eaLnBrk="0" fontAlgn="base" hangingPunct="0">
-              <a:spcBef>
-                <a:spcPct val="0"/>
-              </a:spcBef>
-              <a:spcAft>
-                <a:spcPct val="25000"/>
-              </a:spcAft>
-              <a:buClr>
-                <a:schemeClr val="tx2"/>
-              </a:buClr>
-              <a:buFont typeface="Arial" panose="020B0604020202020204" pitchFamily="34" charset="0"/>
-              <a:buChar char="–"/>
-              <a:defRPr kumimoji="1" sz="2000">
-                <a:solidFill>
-                  <a:schemeClr val="tx1"/>
-                </a:solidFill>
-                <a:latin typeface="+mn-lt"/>
-                <a:ea typeface="微软雅黑" panose="020B0503020204020204" pitchFamily="34" charset="-122"/>
-                <a:cs typeface="微软雅黑" panose="020B0503020204020204" pitchFamily="34" charset="-122"/>
-              </a:defRPr>
-            </a:lvl5pPr>
-            <a:lvl6pPr marL="2514600" indent="-228600" algn="l" defTabSz="0" rtl="0" eaLnBrk="0" fontAlgn="base" hangingPunct="0">
-              <a:spcBef>
-                <a:spcPct val="0"/>
-              </a:spcBef>
-              <a:spcAft>
-                <a:spcPct val="25000"/>
-              </a:spcAft>
-              <a:buClr>
-                <a:schemeClr val="tx2"/>
-              </a:buClr>
-              <a:buFont typeface="Arial" panose="020B0604020202020204" pitchFamily="34" charset="0"/>
-              <a:buChar char="–"/>
-              <a:defRPr>
-                <a:solidFill>
-                  <a:schemeClr val="tx1"/>
-                </a:solidFill>
-                <a:latin typeface="+mn-lt"/>
-              </a:defRPr>
-            </a:lvl6pPr>
-            <a:lvl7pPr marL="2971800" indent="-228600" algn="l" defTabSz="0" rtl="0" eaLnBrk="0" fontAlgn="base" hangingPunct="0">
-              <a:spcBef>
-                <a:spcPct val="0"/>
-              </a:spcBef>
-              <a:spcAft>
-                <a:spcPct val="25000"/>
-              </a:spcAft>
-              <a:buClr>
-                <a:schemeClr val="tx2"/>
-              </a:buClr>
-              <a:buFont typeface="Arial" panose="020B0604020202020204" pitchFamily="34" charset="0"/>
-              <a:buChar char="–"/>
-              <a:defRPr>
-                <a:solidFill>
-                  <a:schemeClr val="tx1"/>
-                </a:solidFill>
-                <a:latin typeface="+mn-lt"/>
-              </a:defRPr>
-            </a:lvl7pPr>
-            <a:lvl8pPr marL="3429000" indent="-228600" algn="l" defTabSz="0" rtl="0" eaLnBrk="0" fontAlgn="base" hangingPunct="0">
-              <a:spcBef>
-                <a:spcPct val="0"/>
-              </a:spcBef>
-              <a:spcAft>
-                <a:spcPct val="25000"/>
-              </a:spcAft>
-              <a:buClr>
-                <a:schemeClr val="tx2"/>
-              </a:buClr>
-              <a:buFont typeface="Arial" panose="020B0604020202020204" pitchFamily="34" charset="0"/>
-              <a:buChar char="–"/>
-              <a:defRPr>
-                <a:solidFill>
-                  <a:schemeClr val="tx1"/>
-                </a:solidFill>
-                <a:latin typeface="+mn-lt"/>
-              </a:defRPr>
-            </a:lvl8pPr>
-            <a:lvl9pPr marL="3886200" indent="-228600" algn="l" defTabSz="0" rtl="0" eaLnBrk="0" fontAlgn="base" hangingPunct="0">
-              <a:spcBef>
-                <a:spcPct val="0"/>
-              </a:spcBef>
-              <a:spcAft>
-                <a:spcPct val="25000"/>
-              </a:spcAft>
-              <a:buClr>
-                <a:schemeClr val="tx2"/>
-              </a:buClr>
-              <a:buFont typeface="Arial" panose="020B0604020202020204" pitchFamily="34" charset="0"/>
-              <a:buChar char="–"/>
-              <a:defRPr>
-                <a:solidFill>
-                  <a:schemeClr val="tx1"/>
-                </a:solidFill>
-                <a:latin typeface="+mn-lt"/>
-              </a:defRPr>
-            </a:lvl9pPr>
-          </a:lstStyle>
-          <a:p>
-            <a:pPr marL="0" indent="0">
-              <a:buNone/>
-            </a:pPr>
-            <a:r>
-              <a:rPr lang="zh-CN" altLang="en-US" sz="3200" dirty="0" smtClean="0">
-                <a:solidFill>
-                  <a:srgbClr val="C00000"/>
-                </a:solidFill>
-                <a:cs typeface="+mn-cs"/>
-                <a:sym typeface="+mn-ea"/>
-              </a:rPr>
-              <a:t>内容提纲</a:t>
-            </a:r>
-            <a:endParaRPr lang="zh-CN" altLang="en-US" kern="0" dirty="0"/>
-          </a:p>
-        </p:txBody>
-      </p:sp>
-    </p:spTree>
-  </p:cSld>
-  <p:clrMapOvr>
-    <a:masterClrMapping/>
-  </p:clrMapOvr>
-  <p:timing>
-    <p:tnLst>
-      <p:par>
-        <p:cTn id="1" dur="indefinite" restart="never" nodeType="tmRoot"/>
-      </p:par>
-    </p:tnLst>
-  </p:timing>
-</p:sld>
-</file>
-
-<file path=ppt/slides/slide21.xml><?xml version="1.0" encoding="utf-8"?>
-<p:sld xmlns:a="http://schemas.openxmlformats.org/drawingml/2006/main" xmlns:r="http://schemas.openxmlformats.org/officeDocument/2006/relationships" xmlns:p="http://schemas.openxmlformats.org/presentationml/2006/main">
-  <p:cSld>
-    <p:spTree>
-      <p:nvGrpSpPr>
-        <p:cNvPr id="1" name=""/>
-        <p:cNvGrpSpPr/>
-        <p:nvPr/>
-      </p:nvGrpSpPr>
-      <p:grpSpPr>
-        <a:xfrm>
-          <a:off x="0" y="0"/>
-          <a:ext cx="0" cy="0"/>
-          <a:chOff x="0" y="0"/>
-          <a:chExt cx="0" cy="0"/>
-        </a:xfrm>
-      </p:grpSpPr>
-      <p:sp>
-        <p:nvSpPr>
           <p:cNvPr id="2" name="内容占位符 1"/>
           <p:cNvSpPr>
             <a:spLocks noGrp="1"/>
@@ -10962,13 +10852,22 @@
               </a:lnSpc>
             </a:pPr>
             <a:r>
+              <a:rPr lang="en-US" altLang="zh-CN" sz="3200" dirty="0">
+                <a:solidFill>
+                  <a:schemeClr val="tx1"/>
+                </a:solidFill>
+                <a:sym typeface="+mn-ea"/>
+              </a:rPr>
+              <a:t>JS</a:t>
+            </a:r>
+            <a:r>
               <a:rPr lang="zh-CN" altLang="en-US" sz="3200" dirty="0">
                 <a:solidFill>
                   <a:schemeClr val="tx1"/>
                 </a:solidFill>
                 <a:sym typeface="+mn-ea"/>
               </a:rPr>
-              <a:t>异常捕获语法</a:t>
+              <a:t>中异常处理概述及异常处理的语法</a:t>
             </a:r>
             <a:br>
               <a:rPr lang="zh-CN" altLang="en-US" sz="3200" dirty="0">
@@ -10978,199 +10877,6 @@
                 <a:sym typeface="+mn-ea"/>
               </a:rPr>
             </a:br>
-            <a:r>
-              <a:rPr lang="zh-CN" altLang="en-US" sz="2000" dirty="0">
-                <a:solidFill>
-                  <a:schemeClr val="tx1"/>
-                </a:solidFill>
-                <a:sym typeface="+mn-ea"/>
-              </a:rPr>
-              <a:t>try {</a:t>
-            </a:r>
-            <a:endParaRPr lang="zh-CN" altLang="en-US" sz="2000" dirty="0">
-              <a:solidFill>
-                <a:schemeClr val="tx1"/>
-              </a:solidFill>
-              <a:sym typeface="+mn-ea"/>
-            </a:endParaRPr>
-          </a:p>
-          <a:p>
-            <a:pPr marL="0" indent="0">
-              <a:lnSpc>
-                <a:spcPct val="140000"/>
-              </a:lnSpc>
-              <a:buNone/>
-            </a:pPr>
-            <a:r>
-              <a:rPr lang="zh-CN" altLang="en-US" sz="2000" dirty="0">
-                <a:solidFill>
-                  <a:schemeClr val="tx1"/>
-                </a:solidFill>
-                <a:sym typeface="+mn-ea"/>
-              </a:rPr>
-              <a:t>   try_statements</a:t>
-            </a:r>
-            <a:endParaRPr lang="zh-CN" altLang="en-US" sz="2000" dirty="0">
-              <a:solidFill>
-                <a:schemeClr val="tx1"/>
-              </a:solidFill>
-              <a:sym typeface="+mn-ea"/>
-            </a:endParaRPr>
-          </a:p>
-          <a:p>
-            <a:pPr marL="0" indent="0">
-              <a:lnSpc>
-                <a:spcPct val="140000"/>
-              </a:lnSpc>
-              <a:buNone/>
-            </a:pPr>
-            <a:r>
-              <a:rPr lang="zh-CN" altLang="en-US" sz="2000" dirty="0">
-                <a:solidFill>
-                  <a:schemeClr val="tx1"/>
-                </a:solidFill>
-                <a:sym typeface="+mn-ea"/>
-              </a:rPr>
-              <a:t>}</a:t>
-            </a:r>
-            <a:endParaRPr lang="zh-CN" altLang="en-US" sz="2000" dirty="0">
-              <a:solidFill>
-                <a:schemeClr val="tx1"/>
-              </a:solidFill>
-              <a:sym typeface="+mn-ea"/>
-            </a:endParaRPr>
-          </a:p>
-          <a:p>
-            <a:pPr marL="0" indent="0">
-              <a:lnSpc>
-                <a:spcPct val="140000"/>
-              </a:lnSpc>
-              <a:buNone/>
-            </a:pPr>
-            <a:r>
-              <a:rPr lang="zh-CN" altLang="en-US" sz="2000" dirty="0">
-                <a:solidFill>
-                  <a:schemeClr val="tx1"/>
-                </a:solidFill>
-                <a:sym typeface="+mn-ea"/>
-              </a:rPr>
-              <a:t>[catch (exception_var) { // non-standard</a:t>
-            </a:r>
-            <a:endParaRPr lang="zh-CN" altLang="en-US" sz="2000" dirty="0">
-              <a:solidFill>
-                <a:schemeClr val="tx1"/>
-              </a:solidFill>
-              <a:sym typeface="+mn-ea"/>
-            </a:endParaRPr>
-          </a:p>
-          <a:p>
-            <a:pPr marL="0" indent="0">
-              <a:lnSpc>
-                <a:spcPct val="140000"/>
-              </a:lnSpc>
-              <a:buNone/>
-            </a:pPr>
-            <a:r>
-              <a:rPr lang="zh-CN" altLang="en-US" sz="2000" dirty="0">
-                <a:solidFill>
-                  <a:schemeClr val="tx1"/>
-                </a:solidFill>
-                <a:sym typeface="+mn-ea"/>
-              </a:rPr>
-              <a:t>   catch_statements_1</a:t>
-            </a:r>
-            <a:endParaRPr lang="zh-CN" altLang="en-US" sz="2000" dirty="0">
-              <a:solidFill>
-                <a:schemeClr val="tx1"/>
-              </a:solidFill>
-              <a:sym typeface="+mn-ea"/>
-            </a:endParaRPr>
-          </a:p>
-          <a:p>
-            <a:pPr marL="0" indent="0">
-              <a:lnSpc>
-                <a:spcPct val="140000"/>
-              </a:lnSpc>
-              <a:buNone/>
-            </a:pPr>
-            <a:r>
-              <a:rPr lang="zh-CN" altLang="en-US" sz="2000" dirty="0">
-                <a:solidFill>
-                  <a:schemeClr val="tx1"/>
-                </a:solidFill>
-                <a:sym typeface="+mn-ea"/>
-              </a:rPr>
-              <a:t>}]</a:t>
-            </a:r>
-            <a:endParaRPr lang="zh-CN" altLang="en-US" sz="2000" dirty="0">
-              <a:solidFill>
-                <a:schemeClr val="tx1"/>
-              </a:solidFill>
-              <a:sym typeface="+mn-ea"/>
-            </a:endParaRPr>
-          </a:p>
-          <a:p>
-            <a:pPr marL="0" indent="0">
-              <a:lnSpc>
-                <a:spcPct val="140000"/>
-              </a:lnSpc>
-              <a:buNone/>
-            </a:pPr>
-            <a:r>
-              <a:rPr lang="zh-CN" altLang="en-US" sz="2000" dirty="0">
-                <a:solidFill>
-                  <a:schemeClr val="tx1"/>
-                </a:solidFill>
-                <a:sym typeface="+mn-ea"/>
-              </a:rPr>
-              <a:t>[finally {</a:t>
-            </a:r>
-            <a:endParaRPr lang="zh-CN" altLang="en-US" sz="2000" dirty="0">
-              <a:solidFill>
-                <a:schemeClr val="tx1"/>
-              </a:solidFill>
-              <a:sym typeface="+mn-ea"/>
-            </a:endParaRPr>
-          </a:p>
-          <a:p>
-            <a:pPr marL="0" indent="0">
-              <a:lnSpc>
-                <a:spcPct val="140000"/>
-              </a:lnSpc>
-              <a:buNone/>
-            </a:pPr>
-            <a:r>
-              <a:rPr lang="zh-CN" altLang="en-US" sz="2000" dirty="0">
-                <a:solidFill>
-                  <a:schemeClr val="tx1"/>
-                </a:solidFill>
-                <a:sym typeface="+mn-ea"/>
-              </a:rPr>
-              <a:t>   finally_statements</a:t>
-            </a:r>
-            <a:endParaRPr lang="zh-CN" altLang="en-US" sz="2000" dirty="0">
-              <a:solidFill>
-                <a:schemeClr val="tx1"/>
-              </a:solidFill>
-              <a:sym typeface="+mn-ea"/>
-            </a:endParaRPr>
-          </a:p>
-          <a:p>
-            <a:pPr marL="0" indent="0">
-              <a:lnSpc>
-                <a:spcPct val="140000"/>
-              </a:lnSpc>
-              <a:buNone/>
-            </a:pPr>
-            <a:r>
-              <a:rPr lang="zh-CN" altLang="en-US" sz="2000" dirty="0">
-                <a:solidFill>
-                  <a:schemeClr val="tx1"/>
-                </a:solidFill>
-                <a:sym typeface="+mn-ea"/>
-              </a:rPr>
-              <a:t>}]</a:t>
-            </a:r>
             <a:br>
               <a:rPr lang="zh-CN" altLang="en-US" sz="3200" dirty="0">
                 <a:solidFill>
@@ -11226,6 +10932,136 @@
               <a:t>异常处理</a:t>
             </a:r>
             <a:endParaRPr lang="zh-CN" altLang="en-US" dirty="0"/>
+          </a:p>
+        </p:txBody>
+      </p:sp>
+      <p:sp>
+        <p:nvSpPr>
+          <p:cNvPr id="6" name="文本框 5"/>
+          <p:cNvSpPr txBox="1"/>
+          <p:nvPr/>
+        </p:nvSpPr>
+        <p:spPr>
+          <a:xfrm>
+            <a:off x="6652895" y="6037580"/>
+            <a:ext cx="3921125" cy="398780"/>
+          </a:xfrm>
+          <a:prstGeom prst="rect">
+            <a:avLst/>
+          </a:prstGeom>
+          <a:noFill/>
+        </p:spPr>
+        <p:txBody>
+          <a:bodyPr wrap="square" rtlCol="0">
+            <a:spAutoFit/>
+          </a:bodyPr>
+          <a:p>
+            <a:r>
+              <a:rPr lang="zh-CN" altLang="en-US" sz="2000">
+                <a:solidFill>
+                  <a:srgbClr val="FF0000"/>
+                </a:solidFill>
+              </a:rPr>
+              <a:t>参见实例</a:t>
+            </a:r>
+            <a:r>
+              <a:rPr lang="en-US" altLang="zh-CN" sz="2000">
+                <a:solidFill>
+                  <a:srgbClr val="FF0000"/>
+                </a:solidFill>
+              </a:rPr>
+              <a:t>Demo11 </a:t>
+            </a:r>
+            <a:r>
+              <a:rPr lang="zh-CN" altLang="en-US" sz="2000">
+                <a:solidFill>
+                  <a:srgbClr val="FF0000"/>
+                </a:solidFill>
+              </a:rPr>
+              <a:t>异常处理语法 </a:t>
+            </a:r>
+            <a:endParaRPr lang="en-US" altLang="zh-CN" sz="2000">
+              <a:solidFill>
+                <a:srgbClr val="FF0000"/>
+              </a:solidFill>
+            </a:endParaRPr>
+          </a:p>
+        </p:txBody>
+      </p:sp>
+      <p:pic>
+        <p:nvPicPr>
+          <p:cNvPr id="7" name="图片 6"/>
+          <p:cNvPicPr>
+            <a:picLocks noChangeAspect="1"/>
+          </p:cNvPicPr>
+          <p:nvPr/>
+        </p:nvPicPr>
+        <p:blipFill>
+          <a:blip r:embed="rId1"/>
+          <a:stretch>
+            <a:fillRect/>
+          </a:stretch>
+        </p:blipFill>
+        <p:spPr>
+          <a:xfrm>
+            <a:off x="1202055" y="1652270"/>
+            <a:ext cx="6022340" cy="4344035"/>
+          </a:xfrm>
+          <a:prstGeom prst="rect">
+            <a:avLst/>
+          </a:prstGeom>
+        </p:spPr>
+      </p:pic>
+      <p:sp>
+        <p:nvSpPr>
+          <p:cNvPr id="5" name="文本框 4"/>
+          <p:cNvSpPr txBox="1"/>
+          <p:nvPr/>
+        </p:nvSpPr>
+        <p:spPr>
+          <a:xfrm>
+            <a:off x="6779895" y="4657725"/>
+            <a:ext cx="4561205" cy="398780"/>
+          </a:xfrm>
+          <a:prstGeom prst="rect">
+            <a:avLst/>
+          </a:prstGeom>
+          <a:noFill/>
+        </p:spPr>
+        <p:txBody>
+          <a:bodyPr wrap="square" rtlCol="0">
+            <a:spAutoFit/>
+          </a:bodyPr>
+          <a:p>
+            <a:r>
+              <a:rPr lang="zh-CN" sz="2000">
+                <a:solidFill>
+                  <a:srgbClr val="FF0000"/>
+                </a:solidFill>
+              </a:rPr>
+              <a:t>无论是否捕获到异常，</a:t>
+            </a:r>
+            <a:r>
+              <a:rPr lang="en-US" altLang="zh-CN" sz="2000">
+                <a:solidFill>
+                  <a:srgbClr val="FF0000"/>
+                </a:solidFill>
+              </a:rPr>
+              <a:t>finally</a:t>
+            </a:r>
+            <a:r>
+              <a:rPr lang="zh-CN" altLang="en-US" sz="2000">
+                <a:solidFill>
+                  <a:srgbClr val="FF0000"/>
+                </a:solidFill>
+              </a:rPr>
+              <a:t>都会执行 </a:t>
+            </a:r>
+            <a:endParaRPr lang="en-US" altLang="zh-CN" sz="2000">
+              <a:solidFill>
+                <a:srgbClr val="FF0000"/>
+              </a:solidFill>
+            </a:endParaRPr>
           </a:p>
         </p:txBody>
       </p:sp>
@@ -11342,6 +11178,261 @@
                             </p:childTnLst>
                           </p:cTn>
                         </p:par>
+                        <p:par>
+                          <p:cTn id="9" fill="hold">
+                            <p:stCondLst>
+                              <p:cond delay="500"/>
+                            </p:stCondLst>
+                            <p:childTnLst>
+                              <p:par>
+                                <p:cTn id="10" presetID="2" presetClass="entr" presetSubtype="4" fill="hold" nodeType="afterEffect">
+                                  <p:stCondLst>
+                                    <p:cond delay="0"/>
+                                  </p:stCondLst>
+                                  <p:childTnLst>
+                                    <p:set>
+                                      <p:cBhvr>
+                                        <p:cTn id="11" dur="1" fill="hold">
+                                          <p:stCondLst>
+                                            <p:cond delay="0"/>
+                                          </p:stCondLst>
+                                        </p:cTn>
+                                        <p:tgtEl>
+                                          <p:spTgt spid="7"/>
+                                        </p:tgtEl>
+                                        <p:attrNameLst>
+                                          <p:attrName>style.visibility</p:attrName>
+                                        </p:attrNameLst>
+                                      </p:cBhvr>
+                                      <p:to>
+                                        <p:strVal val="visible"/>
+                                      </p:to>
+                                    </p:set>
+                                    <p:anim calcmode="lin" valueType="num">
+                                      <p:cBhvr additive="base">
+                                        <p:cTn id="12" dur="500" fill="hold"/>
+                                        <p:tgtEl>
+                                          <p:spTgt spid="7"/>
+                                        </p:tgtEl>
+                                        <p:attrNameLst>
+                                          <p:attrName>ppt_x</p:attrName>
+                                        </p:attrNameLst>
+                                      </p:cBhvr>
+                                      <p:tavLst>
+                                        <p:tav tm="0">
+                                          <p:val>
+                                            <p:strVal val="#ppt_x"/>
+                                          </p:val>
+                                        </p:tav>
+                                        <p:tav tm="100000">
+                                          <p:val>
+                                            <p:strVal val="#ppt_x"/>
+                                          </p:val>
+                                        </p:tav>
+                                      </p:tavLst>
+                                    </p:anim>
+                                    <p:anim calcmode="lin" valueType="num">
+                                      <p:cBhvr additive="base">
+                                        <p:cTn id="13" dur="500" fill="hold"/>
+                                        <p:tgtEl>
+                                          <p:spTgt spid="7"/>
+                                        </p:tgtEl>
+                                        <p:attrNameLst>
+                                          <p:attrName>ppt_y</p:attrName>
+                                        </p:attrNameLst>
+                                      </p:cBhvr>
+                                      <p:tavLst>
+                                        <p:tav tm="0">
+                                          <p:val>
+                                            <p:strVal val="1+#ppt_h/2"/>
+                                          </p:val>
+                                        </p:tav>
+                                        <p:tav tm="100000">
+                                          <p:val>
+                                            <p:strVal val="#ppt_y"/>
+                                          </p:val>
+                                        </p:tav>
+                                      </p:tavLst>
+                                    </p:anim>
+                                  </p:childTnLst>
+                                </p:cTn>
+                              </p:par>
+                            </p:childTnLst>
+                          </p:cTn>
+                        </p:par>
+                      </p:childTnLst>
+                    </p:cTn>
+                  </p:par>
+                  <p:par>
+                    <p:cTn id="14" fill="hold">
+                      <p:stCondLst>
+                        <p:cond delay="indefinite"/>
+                      </p:stCondLst>
+                      <p:childTnLst>
+                        <p:par>
+                          <p:cTn id="15" fill="hold">
+                            <p:stCondLst>
+                              <p:cond delay="0"/>
+                            </p:stCondLst>
+                            <p:childTnLst>
+                              <p:par>
+                                <p:cTn id="16" presetID="2" presetClass="entr" presetSubtype="4" fill="hold" grpId="0" nodeType="clickEffect">
+                                  <p:stCondLst>
+                                    <p:cond delay="0"/>
+                                  </p:stCondLst>
+                                  <p:childTnLst>
+                                    <p:set>
+                                      <p:cBhvr>
+                                        <p:cTn id="17" dur="1" fill="hold">
+                                          <p:stCondLst>
+                                            <p:cond delay="0"/>
+                                          </p:stCondLst>
+                                        </p:cTn>
+                                        <p:tgtEl>
+                                          <p:spTgt spid="5"/>
+                                        </p:tgtEl>
+                                        <p:attrNameLst>
+                                          <p:attrName>style.visibility</p:attrName>
+                                        </p:attrNameLst>
+                                      </p:cBhvr>
+                                      <p:to>
+                                        <p:strVal val="visible"/>
+                                      </p:to>
+                                    </p:set>
+                                    <p:anim calcmode="lin" valueType="num">
+                                      <p:cBhvr additive="base">
+                                        <p:cTn id="18" dur="500" fill="hold"/>
+                                        <p:tgtEl>
+                                          <p:spTgt spid="5"/>
+                                        </p:tgtEl>
+                                        <p:attrNameLst>
+                                          <p:attrName>ppt_x</p:attrName>
+                                        </p:attrNameLst>
+                                      </p:cBhvr>
+                                      <p:tavLst>
+                                        <p:tav tm="0">
+                                          <p:val>
+                                            <p:strVal val="#ppt_x"/>
+                                          </p:val>
+                                        </p:tav>
+                                        <p:tav tm="100000">
+                                          <p:val>
+                                            <p:strVal val="#ppt_x"/>
+                                          </p:val>
+                                        </p:tav>
+                                      </p:tavLst>
+                                    </p:anim>
+                                    <p:anim calcmode="lin" valueType="num">
+                                      <p:cBhvr additive="base">
+                                        <p:cTn id="19" dur="500" fill="hold"/>
+                                        <p:tgtEl>
+                                          <p:spTgt spid="5"/>
+                                        </p:tgtEl>
+                                        <p:attrNameLst>
+                                          <p:attrName>ppt_y</p:attrName>
+                                        </p:attrNameLst>
+                                      </p:cBhvr>
+                                      <p:tavLst>
+                                        <p:tav tm="0">
+                                          <p:val>
+                                            <p:strVal val="1+#ppt_h/2"/>
+                                          </p:val>
+                                        </p:tav>
+                                        <p:tav tm="100000">
+                                          <p:val>
+                                            <p:strVal val="#ppt_y"/>
+                                          </p:val>
+                                        </p:tav>
+                                      </p:tavLst>
+                                    </p:anim>
+                                  </p:childTnLst>
+                                </p:cTn>
+                              </p:par>
+                            </p:childTnLst>
+                          </p:cTn>
+                        </p:par>
+                        <p:par>
+                          <p:cTn id="20" fill="hold">
+                            <p:stCondLst>
+                              <p:cond delay="500"/>
+                            </p:stCondLst>
+                            <p:childTnLst>
+                              <p:par>
+                                <p:cTn id="21" presetID="2" presetClass="entr" presetSubtype="4" fill="hold" grpId="0" nodeType="afterEffect">
+                                  <p:stCondLst>
+                                    <p:cond delay="0"/>
+                                  </p:stCondLst>
+                                  <p:childTnLst>
+                                    <p:set>
+                                      <p:cBhvr>
+                                        <p:cTn id="22" dur="1" fill="hold">
+                                          <p:stCondLst>
+                                            <p:cond delay="0"/>
+                                          </p:stCondLst>
+                                        </p:cTn>
+                                        <p:tgtEl>
+                                          <p:spTgt spid="6"/>
+                                        </p:tgtEl>
+                                        <p:attrNameLst>
+                                          <p:attrName>style.visibility</p:attrName>
+                                        </p:attrNameLst>
+                                      </p:cBhvr>
+                                      <p:to>
+                                        <p:strVal val="visible"/>
+                                      </p:to>
+                                    </p:set>
+                                    <p:anim calcmode="lin" valueType="num">
+                                      <p:cBhvr additive="base">
+                                        <p:cTn id="23" dur="500" fill="hold"/>
+                                        <p:tgtEl>
+                                          <p:spTgt spid="6"/>
+                                        </p:tgtEl>
+                                        <p:attrNameLst>
+                                          <p:attrName>ppt_x</p:attrName>
+                                        </p:attrNameLst>
+                                      </p:cBhvr>
+                                      <p:tavLst>
+                                        <p:tav tm="0">
+                                          <p:val>
+                                            <p:strVal val="#ppt_x"/>
+                                          </p:val>
+                                        </p:tav>
+                                        <p:tav tm="100000">
+                                          <p:val>
+                                            <p:strVal val="#ppt_x"/>
+                                          </p:val>
+                                        </p:tav>
+                                      </p:tavLst>
+                                    </p:anim>
+                                    <p:anim calcmode="lin" valueType="num">
+                                      <p:cBhvr additive="base">
+                                        <p:cTn id="24" dur="500" fill="hold"/>
+                                        <p:tgtEl>
+                                          <p:spTgt spid="6"/>
+                                        </p:tgtEl>
+                                        <p:attrNameLst>
+                                          <p:attrName>ppt_y</p:attrName>
+                                        </p:attrNameLst>
+                                      </p:cBhvr>
+                                      <p:tavLst>
+                                        <p:tav tm="0">
+                                          <p:val>
+                                            <p:strVal val="1+#ppt_h/2"/>
+                                          </p:val>
+                                        </p:tav>
+                                        <p:tav tm="100000">
+                                          <p:val>
+                                            <p:strVal val="#ppt_y"/>
+                                          </p:val>
+                                        </p:tav>
+                                      </p:tavLst>
+                                    </p:anim>
+                                  </p:childTnLst>
+                                </p:cTn>
+                              </p:par>
+                            </p:childTnLst>
+                          </p:cTn>
+                        </p:par>
                       </p:childTnLst>
                     </p:cTn>
                   </p:par>
@@ -11366,11 +11457,15 @@
         </p:cTn>
       </p:par>
     </p:tnLst>
+    <p:bldLst>
+      <p:bldP spid="6" grpId="0"/>
+      <p:bldP spid="5" grpId="0"/>
+    </p:bldLst>
   </p:timing>
 </p:sld>
 </file>
 
-<file path=ppt/slides/slide22.xml><?xml version="1.0" encoding="utf-8"?>
+<file path=ppt/slides/slide21.xml><?xml version="1.0" encoding="utf-8"?>
 <p:sld xmlns:a="http://schemas.openxmlformats.org/drawingml/2006/main" xmlns:r="http://schemas.openxmlformats.org/officeDocument/2006/relationships" xmlns:p="http://schemas.openxmlformats.org/presentationml/2006/main">
   <p:cSld>
     <p:spTree>
@@ -11413,13 +11508,22 @@
               </a:lnSpc>
             </a:pPr>
             <a:r>
+              <a:rPr lang="en-US" altLang="zh-CN" sz="3200" dirty="0">
+                <a:solidFill>
+                  <a:schemeClr val="tx1"/>
+                </a:solidFill>
+                <a:sym typeface="+mn-ea"/>
+              </a:rPr>
+              <a:t>JS</a:t>
+            </a:r>
+            <a:r>
               <a:rPr lang="zh-CN" altLang="en-US" sz="3200" dirty="0">
                 <a:solidFill>
                   <a:schemeClr val="tx1"/>
                 </a:solidFill>
                 <a:sym typeface="+mn-ea"/>
               </a:rPr>
-              <a:t>异常捕获语法</a:t>
+              <a:t>中异常处理的案例</a:t>
             </a:r>
             <a:br>
               <a:rPr lang="zh-CN" altLang="en-US" sz="3200" dirty="0">
@@ -11429,199 +11533,6 @@
                 <a:sym typeface="+mn-ea"/>
               </a:rPr>
             </a:br>
-            <a:r>
-              <a:rPr lang="zh-CN" altLang="en-US" sz="2000" dirty="0">
-                <a:solidFill>
-                  <a:schemeClr val="tx1"/>
-                </a:solidFill>
-                <a:sym typeface="+mn-ea"/>
-              </a:rPr>
-              <a:t>try {</a:t>
-            </a:r>
-            <a:endParaRPr lang="zh-CN" altLang="en-US" sz="2000" dirty="0">
-              <a:solidFill>
-                <a:schemeClr val="tx1"/>
-              </a:solidFill>
-              <a:sym typeface="+mn-ea"/>
-            </a:endParaRPr>
-          </a:p>
-          <a:p>
-            <a:pPr marL="0" indent="0">
-              <a:lnSpc>
-                <a:spcPct val="140000"/>
-              </a:lnSpc>
-              <a:buNone/>
-            </a:pPr>
-            <a:r>
-              <a:rPr lang="zh-CN" altLang="en-US" sz="2000" dirty="0">
-                <a:solidFill>
-                  <a:schemeClr val="tx1"/>
-                </a:solidFill>
-                <a:sym typeface="+mn-ea"/>
-              </a:rPr>
-              <a:t>   try_statements</a:t>
-            </a:r>
-            <a:endParaRPr lang="zh-CN" altLang="en-US" sz="2000" dirty="0">
-              <a:solidFill>
-                <a:schemeClr val="tx1"/>
-              </a:solidFill>
-              <a:sym typeface="+mn-ea"/>
-            </a:endParaRPr>
-          </a:p>
-          <a:p>
-            <a:pPr marL="0" indent="0">
-              <a:lnSpc>
-                <a:spcPct val="140000"/>
-              </a:lnSpc>
-              <a:buNone/>
-            </a:pPr>
-            <a:r>
-              <a:rPr lang="zh-CN" altLang="en-US" sz="2000" dirty="0">
-                <a:solidFill>
-                  <a:schemeClr val="tx1"/>
-                </a:solidFill>
-                <a:sym typeface="+mn-ea"/>
-              </a:rPr>
-              <a:t>}</a:t>
-            </a:r>
-            <a:endParaRPr lang="zh-CN" altLang="en-US" sz="2000" dirty="0">
-              <a:solidFill>
-                <a:schemeClr val="tx1"/>
-              </a:solidFill>
-              <a:sym typeface="+mn-ea"/>
-            </a:endParaRPr>
-          </a:p>
-          <a:p>
-            <a:pPr marL="0" indent="0">
-              <a:lnSpc>
-                <a:spcPct val="140000"/>
-              </a:lnSpc>
-              <a:buNone/>
-            </a:pPr>
-            <a:r>
-              <a:rPr lang="zh-CN" altLang="en-US" sz="2000" dirty="0">
-                <a:solidFill>
-                  <a:schemeClr val="tx1"/>
-                </a:solidFill>
-                <a:sym typeface="+mn-ea"/>
-              </a:rPr>
-              <a:t>[catch (exception_var) { // non-standard</a:t>
-            </a:r>
-            <a:endParaRPr lang="zh-CN" altLang="en-US" sz="2000" dirty="0">
-              <a:solidFill>
-                <a:schemeClr val="tx1"/>
-              </a:solidFill>
-              <a:sym typeface="+mn-ea"/>
-            </a:endParaRPr>
-          </a:p>
-          <a:p>
-            <a:pPr marL="0" indent="0">
-              <a:lnSpc>
-                <a:spcPct val="140000"/>
-              </a:lnSpc>
-              <a:buNone/>
-            </a:pPr>
-            <a:r>
-              <a:rPr lang="zh-CN" altLang="en-US" sz="2000" dirty="0">
-                <a:solidFill>
-                  <a:schemeClr val="tx1"/>
-                </a:solidFill>
-                <a:sym typeface="+mn-ea"/>
-              </a:rPr>
-              <a:t>   catch_statements_1</a:t>
-            </a:r>
-            <a:endParaRPr lang="zh-CN" altLang="en-US" sz="2000" dirty="0">
-              <a:solidFill>
-                <a:schemeClr val="tx1"/>
-              </a:solidFill>
-              <a:sym typeface="+mn-ea"/>
-            </a:endParaRPr>
-          </a:p>
-          <a:p>
-            <a:pPr marL="0" indent="0">
-              <a:lnSpc>
-                <a:spcPct val="140000"/>
-              </a:lnSpc>
-              <a:buNone/>
-            </a:pPr>
-            <a:r>
-              <a:rPr lang="zh-CN" altLang="en-US" sz="2000" dirty="0">
-                <a:solidFill>
-                  <a:schemeClr val="tx1"/>
-                </a:solidFill>
-                <a:sym typeface="+mn-ea"/>
-              </a:rPr>
-              <a:t>}]</a:t>
-            </a:r>
-            <a:endParaRPr lang="zh-CN" altLang="en-US" sz="2000" dirty="0">
-              <a:solidFill>
-                <a:schemeClr val="tx1"/>
-              </a:solidFill>
-              <a:sym typeface="+mn-ea"/>
-            </a:endParaRPr>
-          </a:p>
-          <a:p>
-            <a:pPr marL="0" indent="0">
-              <a:lnSpc>
-                <a:spcPct val="140000"/>
-              </a:lnSpc>
-              <a:buNone/>
-            </a:pPr>
-            <a:r>
-              <a:rPr lang="zh-CN" altLang="en-US" sz="2000" dirty="0">
-                <a:solidFill>
-                  <a:schemeClr val="tx1"/>
-                </a:solidFill>
-                <a:sym typeface="+mn-ea"/>
-              </a:rPr>
-              <a:t>[finally {</a:t>
-            </a:r>
-            <a:endParaRPr lang="zh-CN" altLang="en-US" sz="2000" dirty="0">
-              <a:solidFill>
-                <a:schemeClr val="tx1"/>
-              </a:solidFill>
-              <a:sym typeface="+mn-ea"/>
-            </a:endParaRPr>
-          </a:p>
-          <a:p>
-            <a:pPr marL="0" indent="0">
-              <a:lnSpc>
-                <a:spcPct val="140000"/>
-              </a:lnSpc>
-              <a:buNone/>
-            </a:pPr>
-            <a:r>
-              <a:rPr lang="zh-CN" altLang="en-US" sz="2000" dirty="0">
-                <a:solidFill>
-                  <a:schemeClr val="tx1"/>
-                </a:solidFill>
-                <a:sym typeface="+mn-ea"/>
-              </a:rPr>
-              <a:t>   finally_statements</a:t>
-            </a:r>
-            <a:endParaRPr lang="zh-CN" altLang="en-US" sz="2000" dirty="0">
-              <a:solidFill>
-                <a:schemeClr val="tx1"/>
-              </a:solidFill>
-              <a:sym typeface="+mn-ea"/>
-            </a:endParaRPr>
-          </a:p>
-          <a:p>
-            <a:pPr marL="0" indent="0">
-              <a:lnSpc>
-                <a:spcPct val="140000"/>
-              </a:lnSpc>
-              <a:buNone/>
-            </a:pPr>
-            <a:r>
-              <a:rPr lang="zh-CN" altLang="en-US" sz="2000" dirty="0">
-                <a:solidFill>
-                  <a:schemeClr val="tx1"/>
-                </a:solidFill>
-                <a:sym typeface="+mn-ea"/>
-              </a:rPr>
-              <a:t>}]</a:t>
-            </a:r>
             <a:br>
               <a:rPr lang="zh-CN" altLang="en-US" sz="3200" dirty="0">
                 <a:solidFill>
@@ -11677,6 +11588,1447 @@
               <a:t>异常处理</a:t>
             </a:r>
             <a:endParaRPr lang="zh-CN" altLang="en-US" dirty="0"/>
+          </a:p>
+        </p:txBody>
+      </p:sp>
+      <p:sp>
+        <p:nvSpPr>
+          <p:cNvPr id="6" name="文本框 5"/>
+          <p:cNvSpPr txBox="1"/>
+          <p:nvPr/>
+        </p:nvSpPr>
+        <p:spPr>
+          <a:xfrm>
+            <a:off x="6652895" y="6037580"/>
+            <a:ext cx="4606290" cy="398780"/>
+          </a:xfrm>
+          <a:prstGeom prst="rect">
+            <a:avLst/>
+          </a:prstGeom>
+          <a:noFill/>
+        </p:spPr>
+        <p:txBody>
+          <a:bodyPr wrap="square" rtlCol="0">
+            <a:spAutoFit/>
+          </a:bodyPr>
+          <a:p>
+            <a:r>
+              <a:rPr lang="zh-CN" altLang="en-US" sz="2000">
+                <a:solidFill>
+                  <a:srgbClr val="FF0000"/>
+                </a:solidFill>
+              </a:rPr>
+              <a:t>参见实例</a:t>
+            </a:r>
+            <a:r>
+              <a:rPr lang="en-US" altLang="zh-CN" sz="2000">
+                <a:solidFill>
+                  <a:srgbClr val="FF0000"/>
+                </a:solidFill>
+              </a:rPr>
+              <a:t>LS</a:t>
+            </a:r>
+            <a:r>
+              <a:rPr lang="zh-CN" altLang="en-US" sz="2000">
+                <a:solidFill>
+                  <a:srgbClr val="FF0000"/>
+                </a:solidFill>
+              </a:rPr>
+              <a:t>中的</a:t>
+            </a:r>
+            <a:r>
+              <a:rPr lang="en-US" altLang="zh-CN" sz="2000">
+                <a:solidFill>
+                  <a:srgbClr val="FF0000"/>
+                </a:solidFill>
+              </a:rPr>
+              <a:t>Demo12 </a:t>
+            </a:r>
+            <a:r>
+              <a:rPr lang="zh-CN" altLang="en-US" sz="2000">
+                <a:solidFill>
+                  <a:srgbClr val="FF0000"/>
+                </a:solidFill>
+              </a:rPr>
+              <a:t>和 </a:t>
+            </a:r>
+            <a:r>
+              <a:rPr lang="en-US" altLang="zh-CN" sz="2000">
+                <a:solidFill>
+                  <a:srgbClr val="FF0000"/>
+                </a:solidFill>
+              </a:rPr>
+              <a:t>index.html</a:t>
+            </a:r>
+            <a:r>
+              <a:rPr lang="zh-CN" altLang="en-US" sz="2000">
+                <a:solidFill>
+                  <a:srgbClr val="FF0000"/>
+                </a:solidFill>
+              </a:rPr>
+              <a:t> </a:t>
+            </a:r>
+            <a:endParaRPr lang="en-US" altLang="zh-CN" sz="2000">
+              <a:solidFill>
+                <a:srgbClr val="FF0000"/>
+              </a:solidFill>
+            </a:endParaRPr>
+          </a:p>
+        </p:txBody>
+      </p:sp>
+      <p:pic>
+        <p:nvPicPr>
+          <p:cNvPr id="8" name="图片 7"/>
+          <p:cNvPicPr>
+            <a:picLocks noChangeAspect="1"/>
+          </p:cNvPicPr>
+          <p:nvPr/>
+        </p:nvPicPr>
+        <p:blipFill>
+          <a:blip r:embed="rId1"/>
+          <a:stretch>
+            <a:fillRect/>
+          </a:stretch>
+        </p:blipFill>
+        <p:spPr>
+          <a:xfrm>
+            <a:off x="1111250" y="1557020"/>
+            <a:ext cx="9592945" cy="4495800"/>
+          </a:xfrm>
+          <a:prstGeom prst="rect">
+            <a:avLst/>
+          </a:prstGeom>
+        </p:spPr>
+      </p:pic>
+    </p:spTree>
+  </p:cSld>
+  <p:clrMapOvr>
+    <a:masterClrMapping/>
+  </p:clrMapOvr>
+  <p:timing>
+    <p:tnLst>
+      <p:par>
+        <p:cTn id="1" dur="indefinite" restart="never" nodeType="tmRoot">
+          <p:childTnLst>
+            <p:seq concurrent="1" nextAc="seek">
+              <p:cTn id="2" dur="indefinite" nodeType="mainSeq">
+                <p:childTnLst>
+                  <p:par>
+                    <p:cTn id="3" fill="hold">
+                      <p:stCondLst>
+                        <p:cond delay="indefinite"/>
+                      </p:stCondLst>
+                      <p:childTnLst>
+                        <p:par>
+                          <p:cTn id="4" fill="hold">
+                            <p:stCondLst>
+                              <p:cond delay="0"/>
+                            </p:stCondLst>
+                            <p:childTnLst>
+                              <p:par>
+                                <p:cTn id="5" presetID="2" presetClass="entr" presetSubtype="4" fill="hold" nodeType="clickEffect">
+                                  <p:stCondLst>
+                                    <p:cond delay="0"/>
+                                  </p:stCondLst>
+                                  <p:childTnLst>
+                                    <p:set>
+                                      <p:cBhvr>
+                                        <p:cTn id="6" dur="1" fill="hold">
+                                          <p:stCondLst>
+                                            <p:cond delay="0"/>
+                                          </p:stCondLst>
+                                        </p:cTn>
+                                        <p:tgtEl>
+                                          <p:spTgt spid="2">
+                                            <p:txEl>
+                                              <p:pRg st="0" end="0"/>
+                                            </p:txEl>
+                                          </p:spTgt>
+                                        </p:tgtEl>
+                                        <p:attrNameLst>
+                                          <p:attrName>style.visibility</p:attrName>
+                                        </p:attrNameLst>
+                                      </p:cBhvr>
+                                      <p:to>
+                                        <p:strVal val="visible"/>
+                                      </p:to>
+                                    </p:set>
+                                    <p:anim calcmode="lin" valueType="num">
+                                      <p:cBhvr additive="base">
+                                        <p:cTn id="7" dur="500" fill="hold"/>
+                                        <p:tgtEl>
+                                          <p:spTgt spid="2">
+                                            <p:txEl>
+                                              <p:pRg st="0" end="0"/>
+                                            </p:txEl>
+                                          </p:spTgt>
+                                        </p:tgtEl>
+                                        <p:attrNameLst>
+                                          <p:attrName>ppt_x</p:attrName>
+                                        </p:attrNameLst>
+                                      </p:cBhvr>
+                                      <p:tavLst>
+                                        <p:tav tm="0">
+                                          <p:val>
+                                            <p:strVal val="#ppt_x"/>
+                                          </p:val>
+                                        </p:tav>
+                                        <p:tav tm="100000">
+                                          <p:val>
+                                            <p:strVal val="#ppt_x"/>
+                                          </p:val>
+                                        </p:tav>
+                                      </p:tavLst>
+                                    </p:anim>
+                                    <p:anim calcmode="lin" valueType="num">
+                                      <p:cBhvr additive="base">
+                                        <p:cTn id="8" dur="500" fill="hold"/>
+                                        <p:tgtEl>
+                                          <p:spTgt spid="2">
+                                            <p:txEl>
+                                              <p:pRg st="0" end="0"/>
+                                            </p:txEl>
+                                          </p:spTgt>
+                                        </p:tgtEl>
+                                        <p:attrNameLst>
+                                          <p:attrName>ppt_y</p:attrName>
+                                        </p:attrNameLst>
+                                      </p:cBhvr>
+                                      <p:tavLst>
+                                        <p:tav tm="0">
+                                          <p:val>
+                                            <p:strVal val="1+#ppt_h/2"/>
+                                          </p:val>
+                                        </p:tav>
+                                        <p:tav tm="100000">
+                                          <p:val>
+                                            <p:strVal val="#ppt_y"/>
+                                          </p:val>
+                                        </p:tav>
+                                      </p:tavLst>
+                                    </p:anim>
+                                  </p:childTnLst>
+                                </p:cTn>
+                              </p:par>
+                            </p:childTnLst>
+                          </p:cTn>
+                        </p:par>
+                        <p:par>
+                          <p:cTn id="9" fill="hold">
+                            <p:stCondLst>
+                              <p:cond delay="500"/>
+                            </p:stCondLst>
+                            <p:childTnLst>
+                              <p:par>
+                                <p:cTn id="10" presetID="2" presetClass="entr" presetSubtype="4" fill="hold" nodeType="afterEffect">
+                                  <p:stCondLst>
+                                    <p:cond delay="0"/>
+                                  </p:stCondLst>
+                                  <p:childTnLst>
+                                    <p:set>
+                                      <p:cBhvr>
+                                        <p:cTn id="11" dur="1" fill="hold">
+                                          <p:stCondLst>
+                                            <p:cond delay="0"/>
+                                          </p:stCondLst>
+                                        </p:cTn>
+                                        <p:tgtEl>
+                                          <p:spTgt spid="8"/>
+                                        </p:tgtEl>
+                                        <p:attrNameLst>
+                                          <p:attrName>style.visibility</p:attrName>
+                                        </p:attrNameLst>
+                                      </p:cBhvr>
+                                      <p:to>
+                                        <p:strVal val="visible"/>
+                                      </p:to>
+                                    </p:set>
+                                    <p:anim calcmode="lin" valueType="num">
+                                      <p:cBhvr additive="base">
+                                        <p:cTn id="12" dur="500" fill="hold"/>
+                                        <p:tgtEl>
+                                          <p:spTgt spid="8"/>
+                                        </p:tgtEl>
+                                        <p:attrNameLst>
+                                          <p:attrName>ppt_x</p:attrName>
+                                        </p:attrNameLst>
+                                      </p:cBhvr>
+                                      <p:tavLst>
+                                        <p:tav tm="0">
+                                          <p:val>
+                                            <p:strVal val="#ppt_x"/>
+                                          </p:val>
+                                        </p:tav>
+                                        <p:tav tm="100000">
+                                          <p:val>
+                                            <p:strVal val="#ppt_x"/>
+                                          </p:val>
+                                        </p:tav>
+                                      </p:tavLst>
+                                    </p:anim>
+                                    <p:anim calcmode="lin" valueType="num">
+                                      <p:cBhvr additive="base">
+                                        <p:cTn id="13" dur="500" fill="hold"/>
+                                        <p:tgtEl>
+                                          <p:spTgt spid="8"/>
+                                        </p:tgtEl>
+                                        <p:attrNameLst>
+                                          <p:attrName>ppt_y</p:attrName>
+                                        </p:attrNameLst>
+                                      </p:cBhvr>
+                                      <p:tavLst>
+                                        <p:tav tm="0">
+                                          <p:val>
+                                            <p:strVal val="1+#ppt_h/2"/>
+                                          </p:val>
+                                        </p:tav>
+                                        <p:tav tm="100000">
+                                          <p:val>
+                                            <p:strVal val="#ppt_y"/>
+                                          </p:val>
+                                        </p:tav>
+                                      </p:tavLst>
+                                    </p:anim>
+                                  </p:childTnLst>
+                                </p:cTn>
+                              </p:par>
+                            </p:childTnLst>
+                          </p:cTn>
+                        </p:par>
+                        <p:par>
+                          <p:cTn id="14" fill="hold">
+                            <p:stCondLst>
+                              <p:cond delay="1000"/>
+                            </p:stCondLst>
+                            <p:childTnLst>
+                              <p:par>
+                                <p:cTn id="15" presetID="2" presetClass="entr" presetSubtype="4" fill="hold" grpId="0" nodeType="afterEffect">
+                                  <p:stCondLst>
+                                    <p:cond delay="0"/>
+                                  </p:stCondLst>
+                                  <p:childTnLst>
+                                    <p:set>
+                                      <p:cBhvr>
+                                        <p:cTn id="16" dur="1" fill="hold">
+                                          <p:stCondLst>
+                                            <p:cond delay="0"/>
+                                          </p:stCondLst>
+                                        </p:cTn>
+                                        <p:tgtEl>
+                                          <p:spTgt spid="6"/>
+                                        </p:tgtEl>
+                                        <p:attrNameLst>
+                                          <p:attrName>style.visibility</p:attrName>
+                                        </p:attrNameLst>
+                                      </p:cBhvr>
+                                      <p:to>
+                                        <p:strVal val="visible"/>
+                                      </p:to>
+                                    </p:set>
+                                    <p:anim calcmode="lin" valueType="num">
+                                      <p:cBhvr additive="base">
+                                        <p:cTn id="17" dur="500" fill="hold"/>
+                                        <p:tgtEl>
+                                          <p:spTgt spid="6"/>
+                                        </p:tgtEl>
+                                        <p:attrNameLst>
+                                          <p:attrName>ppt_x</p:attrName>
+                                        </p:attrNameLst>
+                                      </p:cBhvr>
+                                      <p:tavLst>
+                                        <p:tav tm="0">
+                                          <p:val>
+                                            <p:strVal val="#ppt_x"/>
+                                          </p:val>
+                                        </p:tav>
+                                        <p:tav tm="100000">
+                                          <p:val>
+                                            <p:strVal val="#ppt_x"/>
+                                          </p:val>
+                                        </p:tav>
+                                      </p:tavLst>
+                                    </p:anim>
+                                    <p:anim calcmode="lin" valueType="num">
+                                      <p:cBhvr additive="base">
+                                        <p:cTn id="18" dur="500" fill="hold"/>
+                                        <p:tgtEl>
+                                          <p:spTgt spid="6"/>
+                                        </p:tgtEl>
+                                        <p:attrNameLst>
+                                          <p:attrName>ppt_y</p:attrName>
+                                        </p:attrNameLst>
+                                      </p:cBhvr>
+                                      <p:tavLst>
+                                        <p:tav tm="0">
+                                          <p:val>
+                                            <p:strVal val="1+#ppt_h/2"/>
+                                          </p:val>
+                                        </p:tav>
+                                        <p:tav tm="100000">
+                                          <p:val>
+                                            <p:strVal val="#ppt_y"/>
+                                          </p:val>
+                                        </p:tav>
+                                      </p:tavLst>
+                                    </p:anim>
+                                  </p:childTnLst>
+                                </p:cTn>
+                              </p:par>
+                            </p:childTnLst>
+                          </p:cTn>
+                        </p:par>
+                      </p:childTnLst>
+                    </p:cTn>
+                  </p:par>
+                </p:childTnLst>
+              </p:cTn>
+              <p:prevCondLst>
+                <p:cond evt="onPrev" delay="0">
+                  <p:tgtEl>
+                    <p:sldTgt/>
+                  </p:tgtEl>
+                </p:cond>
+              </p:prevCondLst>
+              <p:nextCondLst>
+                <p:cond evt="onNext" delay="0">
+                  <p:tgtEl>
+                    <p:sldTgt/>
+                  </p:tgtEl>
+                </p:cond>
+              </p:nextCondLst>
+            </p:seq>
+          </p:childTnLst>
+        </p:cTn>
+      </p:par>
+    </p:tnLst>
+    <p:bldLst>
+      <p:bldP spid="6" grpId="0"/>
+    </p:bldLst>
+  </p:timing>
+</p:sld>
+</file>
+
+<file path=ppt/slides/slide22.xml><?xml version="1.0" encoding="utf-8"?>
+<p:sld xmlns:a="http://schemas.openxmlformats.org/drawingml/2006/main" xmlns:r="http://schemas.openxmlformats.org/officeDocument/2006/relationships" xmlns:p="http://schemas.openxmlformats.org/presentationml/2006/main">
+  <p:cSld>
+    <p:spTree>
+      <p:nvGrpSpPr>
+        <p:cNvPr id="1" name=""/>
+        <p:cNvGrpSpPr/>
+        <p:nvPr/>
+      </p:nvGrpSpPr>
+      <p:grpSpPr>
+        <a:xfrm>
+          <a:off x="0" y="0"/>
+          <a:ext cx="0" cy="0"/>
+          <a:chOff x="0" y="0"/>
+          <a:chExt cx="0" cy="0"/>
+        </a:xfrm>
+      </p:grpSpPr>
+      <p:sp>
+        <p:nvSpPr>
+          <p:cNvPr id="5123" name="AutoShape 6"/>
+          <p:cNvSpPr>
+            <a:spLocks noChangeArrowheads="1"/>
+          </p:cNvSpPr>
+          <p:nvPr/>
+        </p:nvSpPr>
+        <p:spPr bwMode="auto">
+          <a:xfrm>
+            <a:off x="2566988" y="1339851"/>
+            <a:ext cx="6711950" cy="4214813"/>
+          </a:xfrm>
+          <a:prstGeom prst="roundRect">
+            <a:avLst>
+              <a:gd name="adj" fmla="val 16667"/>
+            </a:avLst>
+          </a:prstGeom>
+          <a:noFill/>
+          <a:ln w="28575">
+            <a:solidFill>
+              <a:srgbClr val="C0C0C0"/>
+            </a:solidFill>
+            <a:prstDash val="sysDot"/>
+            <a:round/>
+          </a:ln>
+          <a:extLst>
+            <a:ext uri="{909E8E84-426E-40DD-AFC4-6F175D3DCCD1}">
+              <a14:hiddenFill xmlns:a14="http://schemas.microsoft.com/office/drawing/2010/main">
+                <a:solidFill>
+                  <a:srgbClr val="FFFFFF"/>
+                </a:solidFill>
+              </a14:hiddenFill>
+            </a:ext>
+          </a:extLst>
+        </p:spPr>
+        <p:txBody>
+          <a:bodyPr wrap="none" anchor="ctr"/>
+          <a:lstStyle>
+            <a:lvl1pPr marL="457200" indent="-457200">
+              <a:defRPr sz="3200">
+                <a:solidFill>
+                  <a:schemeClr val="tx1"/>
+                </a:solidFill>
+                <a:latin typeface="Arial" panose="020B0604020202020204" pitchFamily="34" charset="0"/>
+                <a:ea typeface="微软雅黑" panose="020B0503020204020204" pitchFamily="34" charset="-122"/>
+              </a:defRPr>
+            </a:lvl1pPr>
+            <a:lvl2pPr marL="742950" indent="-285750">
+              <a:defRPr sz="3200">
+                <a:solidFill>
+                  <a:schemeClr val="tx1"/>
+                </a:solidFill>
+                <a:latin typeface="Arial" panose="020B0604020202020204" pitchFamily="34" charset="0"/>
+                <a:ea typeface="微软雅黑" panose="020B0503020204020204" pitchFamily="34" charset="-122"/>
+              </a:defRPr>
+            </a:lvl2pPr>
+            <a:lvl3pPr marL="1143000" indent="-228600">
+              <a:defRPr sz="3200">
+                <a:solidFill>
+                  <a:schemeClr val="tx1"/>
+                </a:solidFill>
+                <a:latin typeface="Arial" panose="020B0604020202020204" pitchFamily="34" charset="0"/>
+                <a:ea typeface="微软雅黑" panose="020B0503020204020204" pitchFamily="34" charset="-122"/>
+              </a:defRPr>
+            </a:lvl3pPr>
+            <a:lvl4pPr marL="1600200" indent="-228600">
+              <a:defRPr sz="3200">
+                <a:solidFill>
+                  <a:schemeClr val="tx1"/>
+                </a:solidFill>
+                <a:latin typeface="Arial" panose="020B0604020202020204" pitchFamily="34" charset="0"/>
+                <a:ea typeface="微软雅黑" panose="020B0503020204020204" pitchFamily="34" charset="-122"/>
+              </a:defRPr>
+            </a:lvl4pPr>
+            <a:lvl5pPr marL="2057400" indent="-228600">
+              <a:defRPr sz="3200">
+                <a:solidFill>
+                  <a:schemeClr val="tx1"/>
+                </a:solidFill>
+                <a:latin typeface="Arial" panose="020B0604020202020204" pitchFamily="34" charset="0"/>
+                <a:ea typeface="微软雅黑" panose="020B0503020204020204" pitchFamily="34" charset="-122"/>
+              </a:defRPr>
+            </a:lvl5pPr>
+            <a:lvl6pPr marL="2514600" indent="-228600" eaLnBrk="0" fontAlgn="base" hangingPunct="0">
+              <a:spcBef>
+                <a:spcPct val="0"/>
+              </a:spcBef>
+              <a:spcAft>
+                <a:spcPct val="0"/>
+              </a:spcAft>
+              <a:defRPr sz="3200">
+                <a:solidFill>
+                  <a:schemeClr val="tx1"/>
+                </a:solidFill>
+                <a:latin typeface="Arial" panose="020B0604020202020204" pitchFamily="34" charset="0"/>
+                <a:ea typeface="微软雅黑" panose="020B0503020204020204" pitchFamily="34" charset="-122"/>
+              </a:defRPr>
+            </a:lvl6pPr>
+            <a:lvl7pPr marL="2971800" indent="-228600" eaLnBrk="0" fontAlgn="base" hangingPunct="0">
+              <a:spcBef>
+                <a:spcPct val="0"/>
+              </a:spcBef>
+              <a:spcAft>
+                <a:spcPct val="0"/>
+              </a:spcAft>
+              <a:defRPr sz="3200">
+                <a:solidFill>
+                  <a:schemeClr val="tx1"/>
+                </a:solidFill>
+                <a:latin typeface="Arial" panose="020B0604020202020204" pitchFamily="34" charset="0"/>
+                <a:ea typeface="微软雅黑" panose="020B0503020204020204" pitchFamily="34" charset="-122"/>
+              </a:defRPr>
+            </a:lvl7pPr>
+            <a:lvl8pPr marL="3429000" indent="-228600" eaLnBrk="0" fontAlgn="base" hangingPunct="0">
+              <a:spcBef>
+                <a:spcPct val="0"/>
+              </a:spcBef>
+              <a:spcAft>
+                <a:spcPct val="0"/>
+              </a:spcAft>
+              <a:defRPr sz="3200">
+                <a:solidFill>
+                  <a:schemeClr val="tx1"/>
+                </a:solidFill>
+                <a:latin typeface="Arial" panose="020B0604020202020204" pitchFamily="34" charset="0"/>
+                <a:ea typeface="微软雅黑" panose="020B0503020204020204" pitchFamily="34" charset="-122"/>
+              </a:defRPr>
+            </a:lvl8pPr>
+            <a:lvl9pPr marL="3886200" indent="-228600" eaLnBrk="0" fontAlgn="base" hangingPunct="0">
+              <a:spcBef>
+                <a:spcPct val="0"/>
+              </a:spcBef>
+              <a:spcAft>
+                <a:spcPct val="0"/>
+              </a:spcAft>
+              <a:defRPr sz="3200">
+                <a:solidFill>
+                  <a:schemeClr val="tx1"/>
+                </a:solidFill>
+                <a:latin typeface="Arial" panose="020B0604020202020204" pitchFamily="34" charset="0"/>
+                <a:ea typeface="微软雅黑" panose="020B0503020204020204" pitchFamily="34" charset="-122"/>
+              </a:defRPr>
+            </a:lvl9pPr>
+          </a:lstStyle>
+          <a:p>
+            <a:pPr algn="l">
+              <a:lnSpc>
+                <a:spcPct val="150000"/>
+              </a:lnSpc>
+              <a:spcBef>
+                <a:spcPts val="1200"/>
+              </a:spcBef>
+              <a:spcAft>
+                <a:spcPts val="1200"/>
+              </a:spcAft>
+              <a:buClr>
+                <a:srgbClr val="92D050"/>
+              </a:buClr>
+              <a:buFont typeface="Wingdings" panose="05000000000000000000" pitchFamily="2" charset="2"/>
+              <a:buChar char="Ø"/>
+            </a:pPr>
+            <a:r>
+              <a:rPr lang="en-US" altLang="zh-CN" sz="2800" b="1">
+                <a:solidFill>
+                  <a:schemeClr val="tx1"/>
+                </a:solidFill>
+                <a:sym typeface="+mn-ea"/>
+              </a:rPr>
+              <a:t>JS</a:t>
+            </a:r>
+            <a:r>
+              <a:rPr lang="zh-CN" altLang="en-US" sz="2800" b="1">
+                <a:solidFill>
+                  <a:schemeClr val="tx1"/>
+                </a:solidFill>
+                <a:sym typeface="+mn-ea"/>
+              </a:rPr>
+              <a:t>异常处理</a:t>
+            </a:r>
+            <a:endParaRPr lang="zh-CN" altLang="en-US" sz="2800" b="1">
+              <a:solidFill>
+                <a:schemeClr val="tx1"/>
+              </a:solidFill>
+              <a:sym typeface="+mn-ea"/>
+            </a:endParaRPr>
+          </a:p>
+          <a:p>
+            <a:pPr algn="l">
+              <a:lnSpc>
+                <a:spcPct val="150000"/>
+              </a:lnSpc>
+              <a:spcBef>
+                <a:spcPts val="1200"/>
+              </a:spcBef>
+              <a:spcAft>
+                <a:spcPts val="1200"/>
+              </a:spcAft>
+              <a:buClr>
+                <a:srgbClr val="92D050"/>
+              </a:buClr>
+              <a:buFont typeface="Wingdings" panose="05000000000000000000" pitchFamily="2" charset="2"/>
+              <a:buChar char="Ø"/>
+            </a:pPr>
+            <a:r>
+              <a:rPr lang="en-US" altLang="zh-CN" sz="2800" b="1">
+                <a:solidFill>
+                  <a:srgbClr val="FF0000"/>
+                </a:solidFill>
+                <a:sym typeface="+mn-ea"/>
+              </a:rPr>
+              <a:t>Error</a:t>
+            </a:r>
+            <a:r>
+              <a:rPr lang="zh-CN" altLang="en-US" sz="2800" b="1">
+                <a:solidFill>
+                  <a:srgbClr val="FF0000"/>
+                </a:solidFill>
+                <a:sym typeface="+mn-ea"/>
+              </a:rPr>
+              <a:t>对象及其子对象</a:t>
+            </a:r>
+            <a:endParaRPr lang="zh-CN" altLang="en-US" sz="2800" b="1">
+              <a:solidFill>
+                <a:srgbClr val="FF0000"/>
+              </a:solidFill>
+              <a:sym typeface="+mn-ea"/>
+            </a:endParaRPr>
+          </a:p>
+        </p:txBody>
+      </p:sp>
+      <p:sp>
+        <p:nvSpPr>
+          <p:cNvPr id="4" name="内容占位符 3"/>
+          <p:cNvSpPr txBox="1"/>
+          <p:nvPr/>
+        </p:nvSpPr>
+        <p:spPr>
+          <a:xfrm>
+            <a:off x="981657" y="236943"/>
+            <a:ext cx="8191557" cy="490476"/>
+          </a:xfrm>
+          <a:prstGeom prst="rect">
+            <a:avLst/>
+          </a:prstGeom>
+        </p:spPr>
+        <p:txBody>
+          <a:bodyPr/>
+          <a:lstStyle>
+            <a:lvl1pPr marL="167005" indent="-167005" algn="l" defTabSz="0" rtl="0" eaLnBrk="0" fontAlgn="base" hangingPunct="0">
+              <a:spcBef>
+                <a:spcPct val="0"/>
+              </a:spcBef>
+              <a:spcAft>
+                <a:spcPct val="15000"/>
+              </a:spcAft>
+              <a:buClr>
+                <a:schemeClr val="tx2"/>
+              </a:buClr>
+              <a:buFont typeface="Arial" panose="020B0604020202020204" pitchFamily="34" charset="0"/>
+              <a:buChar char="•"/>
+              <a:defRPr kumimoji="1" sz="1600">
+                <a:solidFill>
+                  <a:srgbClr val="006F53"/>
+                </a:solidFill>
+                <a:latin typeface="微软雅黑" panose="020B0503020204020204" pitchFamily="34" charset="-122"/>
+                <a:ea typeface="微软雅黑" panose="020B0503020204020204" pitchFamily="34" charset="-122"/>
+                <a:cs typeface="微软雅黑" panose="020B0503020204020204" pitchFamily="34" charset="-122"/>
+              </a:defRPr>
+            </a:lvl1pPr>
+            <a:lvl2pPr marL="398780" indent="-230505" algn="l" defTabSz="0" rtl="0" eaLnBrk="0" fontAlgn="base" hangingPunct="0">
+              <a:spcBef>
+                <a:spcPct val="0"/>
+              </a:spcBef>
+              <a:spcAft>
+                <a:spcPct val="15000"/>
+              </a:spcAft>
+              <a:buClr>
+                <a:schemeClr val="tx2"/>
+              </a:buClr>
+              <a:buFont typeface="Arial" panose="020B0604020202020204" pitchFamily="34" charset="0"/>
+              <a:buChar char="–"/>
+              <a:defRPr kumimoji="1" sz="2800">
+                <a:solidFill>
+                  <a:schemeClr val="bg2"/>
+                </a:solidFill>
+                <a:latin typeface="微软雅黑" panose="020B0503020204020204" pitchFamily="34" charset="-122"/>
+                <a:ea typeface="微软雅黑" panose="020B0503020204020204" pitchFamily="34" charset="-122"/>
+                <a:cs typeface="微软雅黑" panose="020B0503020204020204" pitchFamily="34" charset="-122"/>
+              </a:defRPr>
+            </a:lvl2pPr>
+            <a:lvl3pPr marL="400050" indent="182880" algn="l" defTabSz="0" rtl="0" eaLnBrk="0" fontAlgn="base" hangingPunct="0">
+              <a:spcBef>
+                <a:spcPct val="0"/>
+              </a:spcBef>
+              <a:spcAft>
+                <a:spcPct val="15000"/>
+              </a:spcAft>
+              <a:buClr>
+                <a:schemeClr val="tx2"/>
+              </a:buClr>
+              <a:buFont typeface="Arial" panose="020B0604020202020204" pitchFamily="34" charset="0"/>
+              <a:buChar char="•"/>
+              <a:defRPr kumimoji="1" sz="1600">
+                <a:solidFill>
+                  <a:schemeClr val="bg2"/>
+                </a:solidFill>
+                <a:latin typeface="微软雅黑" panose="020B0503020204020204" pitchFamily="34" charset="-122"/>
+                <a:ea typeface="微软雅黑" panose="020B0503020204020204" pitchFamily="34" charset="-122"/>
+                <a:cs typeface="微软雅黑" panose="020B0503020204020204" pitchFamily="34" charset="-122"/>
+              </a:defRPr>
+            </a:lvl3pPr>
+            <a:lvl4pPr marL="825500" indent="-241300" algn="l" defTabSz="0" rtl="0" eaLnBrk="0" fontAlgn="base" hangingPunct="0">
+              <a:spcBef>
+                <a:spcPct val="0"/>
+              </a:spcBef>
+              <a:spcAft>
+                <a:spcPct val="15000"/>
+              </a:spcAft>
+              <a:buClr>
+                <a:schemeClr val="tx2"/>
+              </a:buClr>
+              <a:buFont typeface="Arial" panose="020B0604020202020204" pitchFamily="34" charset="0"/>
+              <a:buChar char="–"/>
+              <a:defRPr kumimoji="1" sz="1600">
+                <a:solidFill>
+                  <a:schemeClr val="bg2"/>
+                </a:solidFill>
+                <a:latin typeface="微软雅黑" panose="020B0503020204020204" pitchFamily="34" charset="-122"/>
+                <a:ea typeface="微软雅黑" panose="020B0503020204020204" pitchFamily="34" charset="-122"/>
+                <a:cs typeface="微软雅黑" panose="020B0503020204020204" pitchFamily="34" charset="-122"/>
+              </a:defRPr>
+            </a:lvl4pPr>
+            <a:lvl5pPr marL="2057400" indent="-228600" algn="l" defTabSz="0" rtl="0" eaLnBrk="0" fontAlgn="base" hangingPunct="0">
+              <a:spcBef>
+                <a:spcPct val="0"/>
+              </a:spcBef>
+              <a:spcAft>
+                <a:spcPct val="25000"/>
+              </a:spcAft>
+              <a:buClr>
+                <a:schemeClr val="tx2"/>
+              </a:buClr>
+              <a:buFont typeface="Arial" panose="020B0604020202020204" pitchFamily="34" charset="0"/>
+              <a:buChar char="–"/>
+              <a:defRPr kumimoji="1" sz="2000">
+                <a:solidFill>
+                  <a:schemeClr val="tx1"/>
+                </a:solidFill>
+                <a:latin typeface="+mn-lt"/>
+                <a:ea typeface="微软雅黑" panose="020B0503020204020204" pitchFamily="34" charset="-122"/>
+                <a:cs typeface="微软雅黑" panose="020B0503020204020204" pitchFamily="34" charset="-122"/>
+              </a:defRPr>
+            </a:lvl5pPr>
+            <a:lvl6pPr marL="2514600" indent="-228600" algn="l" defTabSz="0" rtl="0" eaLnBrk="0" fontAlgn="base" hangingPunct="0">
+              <a:spcBef>
+                <a:spcPct val="0"/>
+              </a:spcBef>
+              <a:spcAft>
+                <a:spcPct val="25000"/>
+              </a:spcAft>
+              <a:buClr>
+                <a:schemeClr val="tx2"/>
+              </a:buClr>
+              <a:buFont typeface="Arial" panose="020B0604020202020204" pitchFamily="34" charset="0"/>
+              <a:buChar char="–"/>
+              <a:defRPr>
+                <a:solidFill>
+                  <a:schemeClr val="tx1"/>
+                </a:solidFill>
+                <a:latin typeface="+mn-lt"/>
+              </a:defRPr>
+            </a:lvl6pPr>
+            <a:lvl7pPr marL="2971800" indent="-228600" algn="l" defTabSz="0" rtl="0" eaLnBrk="0" fontAlgn="base" hangingPunct="0">
+              <a:spcBef>
+                <a:spcPct val="0"/>
+              </a:spcBef>
+              <a:spcAft>
+                <a:spcPct val="25000"/>
+              </a:spcAft>
+              <a:buClr>
+                <a:schemeClr val="tx2"/>
+              </a:buClr>
+              <a:buFont typeface="Arial" panose="020B0604020202020204" pitchFamily="34" charset="0"/>
+              <a:buChar char="–"/>
+              <a:defRPr>
+                <a:solidFill>
+                  <a:schemeClr val="tx1"/>
+                </a:solidFill>
+                <a:latin typeface="+mn-lt"/>
+              </a:defRPr>
+            </a:lvl7pPr>
+            <a:lvl8pPr marL="3429000" indent="-228600" algn="l" defTabSz="0" rtl="0" eaLnBrk="0" fontAlgn="base" hangingPunct="0">
+              <a:spcBef>
+                <a:spcPct val="0"/>
+              </a:spcBef>
+              <a:spcAft>
+                <a:spcPct val="25000"/>
+              </a:spcAft>
+              <a:buClr>
+                <a:schemeClr val="tx2"/>
+              </a:buClr>
+              <a:buFont typeface="Arial" panose="020B0604020202020204" pitchFamily="34" charset="0"/>
+              <a:buChar char="–"/>
+              <a:defRPr>
+                <a:solidFill>
+                  <a:schemeClr val="tx1"/>
+                </a:solidFill>
+                <a:latin typeface="+mn-lt"/>
+              </a:defRPr>
+            </a:lvl8pPr>
+            <a:lvl9pPr marL="3886200" indent="-228600" algn="l" defTabSz="0" rtl="0" eaLnBrk="0" fontAlgn="base" hangingPunct="0">
+              <a:spcBef>
+                <a:spcPct val="0"/>
+              </a:spcBef>
+              <a:spcAft>
+                <a:spcPct val="25000"/>
+              </a:spcAft>
+              <a:buClr>
+                <a:schemeClr val="tx2"/>
+              </a:buClr>
+              <a:buFont typeface="Arial" panose="020B0604020202020204" pitchFamily="34" charset="0"/>
+              <a:buChar char="–"/>
+              <a:defRPr>
+                <a:solidFill>
+                  <a:schemeClr val="tx1"/>
+                </a:solidFill>
+                <a:latin typeface="+mn-lt"/>
+              </a:defRPr>
+            </a:lvl9pPr>
+          </a:lstStyle>
+          <a:p>
+            <a:pPr marL="0" indent="0">
+              <a:buNone/>
+            </a:pPr>
+            <a:r>
+              <a:rPr lang="zh-CN" altLang="en-US" sz="3200" dirty="0" smtClean="0">
+                <a:solidFill>
+                  <a:srgbClr val="C00000"/>
+                </a:solidFill>
+                <a:cs typeface="+mn-cs"/>
+                <a:sym typeface="+mn-ea"/>
+              </a:rPr>
+              <a:t>内容提纲</a:t>
+            </a:r>
+            <a:endParaRPr lang="zh-CN" altLang="en-US" kern="0" dirty="0"/>
+          </a:p>
+        </p:txBody>
+      </p:sp>
+    </p:spTree>
+  </p:cSld>
+  <p:clrMapOvr>
+    <a:masterClrMapping/>
+  </p:clrMapOvr>
+  <p:timing>
+    <p:tnLst>
+      <p:par>
+        <p:cTn id="1" dur="indefinite" restart="never" nodeType="tmRoot"/>
+      </p:par>
+    </p:tnLst>
+  </p:timing>
+</p:sld>
+</file>
+
+<file path=ppt/slides/slide23.xml><?xml version="1.0" encoding="utf-8"?>
+<p:sld xmlns:a="http://schemas.openxmlformats.org/drawingml/2006/main" xmlns:r="http://schemas.openxmlformats.org/officeDocument/2006/relationships" xmlns:p="http://schemas.openxmlformats.org/presentationml/2006/main">
+  <p:cSld>
+    <p:spTree>
+      <p:nvGrpSpPr>
+        <p:cNvPr id="1" name=""/>
+        <p:cNvGrpSpPr/>
+        <p:nvPr/>
+      </p:nvGrpSpPr>
+      <p:grpSpPr>
+        <a:xfrm>
+          <a:off x="0" y="0"/>
+          <a:ext cx="0" cy="0"/>
+          <a:chOff x="0" y="0"/>
+          <a:chExt cx="0" cy="0"/>
+        </a:xfrm>
+      </p:grpSpPr>
+      <p:sp>
+        <p:nvSpPr>
+          <p:cNvPr id="2" name="内容占位符 1"/>
+          <p:cNvSpPr>
+            <a:spLocks noGrp="1"/>
+          </p:cNvSpPr>
+          <p:nvPr>
+            <p:ph sz="quarter" idx="10"/>
+          </p:nvPr>
+        </p:nvSpPr>
+        <p:spPr>
+          <a:xfrm>
+            <a:off x="927735" y="783590"/>
+            <a:ext cx="10629265" cy="5269230"/>
+          </a:xfrm>
+        </p:spPr>
+        <p:txBody>
+          <a:bodyPr/>
+          <a:lstStyle/>
+          <a:p>
+            <a:pPr>
+              <a:lnSpc>
+                <a:spcPct val="150000"/>
+              </a:lnSpc>
+            </a:pPr>
+            <a:r>
+              <a:rPr lang="en-US" altLang="zh-CN" sz="3200" dirty="0">
+                <a:solidFill>
+                  <a:schemeClr val="tx1"/>
+                </a:solidFill>
+                <a:sym typeface="+mn-ea"/>
+              </a:rPr>
+              <a:t>JS</a:t>
+            </a:r>
+            <a:r>
+              <a:rPr lang="zh-CN" altLang="en-US" sz="3200" dirty="0">
+                <a:solidFill>
+                  <a:schemeClr val="tx1"/>
+                </a:solidFill>
+                <a:sym typeface="+mn-ea"/>
+              </a:rPr>
+              <a:t>中的错误概述</a:t>
+            </a:r>
+            <a:br>
+              <a:rPr lang="zh-CN" altLang="en-US" sz="3200" dirty="0">
+                <a:solidFill>
+                  <a:schemeClr val="tx1"/>
+                </a:solidFill>
+                <a:sym typeface="+mn-ea"/>
+              </a:rPr>
+            </a:br>
+            <a:r>
+              <a:rPr lang="en-US" altLang="zh-CN" sz="1800" dirty="0">
+                <a:solidFill>
+                  <a:schemeClr val="tx1"/>
+                </a:solidFill>
+                <a:sym typeface="+mn-ea"/>
+              </a:rPr>
+              <a:t>- 当 JavaScript 引擎执行 JavaScript 代码时，会发生各种错误</a:t>
+            </a:r>
+            <a:br>
+              <a:rPr lang="en-US" altLang="zh-CN" sz="1800" dirty="0">
+                <a:solidFill>
+                  <a:schemeClr val="tx1"/>
+                </a:solidFill>
+                <a:sym typeface="+mn-ea"/>
+              </a:rPr>
+            </a:br>
+            <a:r>
+              <a:rPr lang="en-US" altLang="zh-CN" sz="1800" dirty="0">
+                <a:solidFill>
+                  <a:schemeClr val="tx1"/>
+                </a:solidFill>
+                <a:sym typeface="+mn-ea"/>
+              </a:rPr>
+              <a:t>- 可能是语法错误</a:t>
+            </a:r>
+            <a:r>
+              <a:rPr lang="zh-CN" altLang="en-US" sz="1800" dirty="0">
+                <a:solidFill>
+                  <a:schemeClr val="tx1"/>
+                </a:solidFill>
+                <a:sym typeface="+mn-ea"/>
+              </a:rPr>
+              <a:t>、或是由于浏览器差异产生的错误、或是来自服务器或用户导致的错误</a:t>
+            </a:r>
+            <a:br>
+              <a:rPr lang="zh-CN" altLang="en-US" sz="1800" dirty="0">
+                <a:solidFill>
+                  <a:schemeClr val="tx1"/>
+                </a:solidFill>
+                <a:sym typeface="+mn-ea"/>
+              </a:rPr>
+            </a:br>
+            <a:r>
+              <a:rPr lang="en-US" altLang="zh-CN" sz="1800" dirty="0">
+                <a:solidFill>
+                  <a:schemeClr val="tx1"/>
+                </a:solidFill>
+                <a:sym typeface="+mn-ea"/>
+              </a:rPr>
+              <a:t>- </a:t>
+            </a:r>
+            <a:r>
+              <a:rPr lang="zh-CN" altLang="en-US" sz="1800" dirty="0">
+                <a:solidFill>
+                  <a:schemeClr val="tx1"/>
+                </a:solidFill>
+                <a:sym typeface="+mn-ea"/>
+              </a:rPr>
+              <a:t>有些错误是可以控制和避免的，有些是不可控的（比如来自用户输入等第三方的操作）</a:t>
+            </a:r>
+            <a:endParaRPr lang="zh-CN" altLang="en-US" sz="1800" dirty="0">
+              <a:solidFill>
+                <a:schemeClr val="tx1"/>
+              </a:solidFill>
+              <a:sym typeface="+mn-ea"/>
+            </a:endParaRPr>
+          </a:p>
+          <a:p>
+            <a:pPr>
+              <a:lnSpc>
+                <a:spcPct val="150000"/>
+              </a:lnSpc>
+            </a:pPr>
+            <a:r>
+              <a:rPr lang="en-US" altLang="zh-CN" sz="3200" dirty="0">
+                <a:solidFill>
+                  <a:schemeClr val="tx1"/>
+                </a:solidFill>
+                <a:sym typeface="+mn-ea"/>
+              </a:rPr>
+              <a:t>JS</a:t>
+            </a:r>
+            <a:r>
+              <a:rPr lang="zh-CN" altLang="en-US" sz="3200" dirty="0">
+                <a:solidFill>
+                  <a:schemeClr val="tx1"/>
+                </a:solidFill>
+                <a:sym typeface="+mn-ea"/>
+              </a:rPr>
+              <a:t>中对错误的处理</a:t>
+            </a:r>
+            <a:br>
+              <a:rPr lang="zh-CN" altLang="en-US" sz="3200" dirty="0">
+                <a:solidFill>
+                  <a:schemeClr val="tx1"/>
+                </a:solidFill>
+                <a:sym typeface="+mn-ea"/>
+              </a:rPr>
+            </a:br>
+            <a:r>
+              <a:rPr lang="en-US" altLang="zh-CN" sz="1800" dirty="0">
+                <a:solidFill>
+                  <a:schemeClr val="tx1"/>
+                </a:solidFill>
+                <a:sym typeface="+mn-ea"/>
+              </a:rPr>
+              <a:t>- </a:t>
+            </a:r>
+            <a:r>
+              <a:rPr lang="zh-CN" altLang="en-US" sz="1800" dirty="0">
+                <a:solidFill>
+                  <a:schemeClr val="tx1"/>
+                </a:solidFill>
+                <a:sym typeface="+mn-ea"/>
+              </a:rPr>
+              <a:t>优化代码避免可控错误，对不可控错误需要使用异常处理来进行处理，避免程序直接崩溃</a:t>
+            </a:r>
+            <a:endParaRPr lang="zh-CN" altLang="en-US" sz="1800" dirty="0">
+              <a:solidFill>
+                <a:schemeClr val="tx1"/>
+              </a:solidFill>
+              <a:sym typeface="+mn-ea"/>
+            </a:endParaRPr>
+          </a:p>
+          <a:p>
+            <a:pPr>
+              <a:lnSpc>
+                <a:spcPct val="150000"/>
+              </a:lnSpc>
+            </a:pPr>
+            <a:r>
+              <a:rPr lang="en-US" altLang="zh-CN" sz="3200" dirty="0">
+                <a:solidFill>
+                  <a:schemeClr val="tx1"/>
+                </a:solidFill>
+                <a:sym typeface="+mn-ea"/>
+              </a:rPr>
+              <a:t>Error</a:t>
+            </a:r>
+            <a:r>
+              <a:rPr lang="zh-CN" altLang="en-US" sz="3200" dirty="0">
+                <a:solidFill>
+                  <a:schemeClr val="tx1"/>
+                </a:solidFill>
+                <a:sym typeface="+mn-ea"/>
+              </a:rPr>
+              <a:t>对象</a:t>
+            </a:r>
+            <a:br>
+              <a:rPr lang="zh-CN" altLang="en-US" sz="3200" dirty="0">
+                <a:solidFill>
+                  <a:schemeClr val="tx1"/>
+                </a:solidFill>
+                <a:sym typeface="+mn-ea"/>
+              </a:rPr>
+            </a:br>
+            <a:r>
+              <a:rPr lang="en-US" altLang="zh-CN" sz="1800" dirty="0">
+                <a:solidFill>
+                  <a:schemeClr val="tx1"/>
+                </a:solidFill>
+                <a:sym typeface="+mn-ea"/>
+              </a:rPr>
+              <a:t>- 当运行时错误产生时，</a:t>
+            </a:r>
+            <a:r>
+              <a:rPr lang="zh-CN" altLang="en-US" sz="1800" dirty="0">
+                <a:solidFill>
+                  <a:schemeClr val="tx1"/>
+                </a:solidFill>
+                <a:sym typeface="+mn-ea"/>
+              </a:rPr>
+              <a:t>会抛出一个错误对象，可以对此对象进行捕获和处理</a:t>
+            </a:r>
+            <a:br>
+              <a:rPr lang="en-US" altLang="zh-CN" sz="1800" dirty="0">
+                <a:solidFill>
+                  <a:schemeClr val="tx1"/>
+                </a:solidFill>
+                <a:sym typeface="+mn-ea"/>
+              </a:rPr>
+            </a:br>
+            <a:r>
+              <a:rPr lang="en-US" altLang="zh-CN" sz="1800" dirty="0">
+                <a:solidFill>
+                  <a:schemeClr val="tx1"/>
+                </a:solidFill>
+                <a:sym typeface="+mn-ea"/>
+              </a:rPr>
+              <a:t>- </a:t>
+            </a:r>
+            <a:r>
+              <a:rPr lang="zh-CN" altLang="en-US" sz="1800" dirty="0">
+                <a:solidFill>
+                  <a:schemeClr val="tx1"/>
+                </a:solidFill>
+                <a:sym typeface="+mn-ea"/>
+              </a:rPr>
+              <a:t>也可以</a:t>
+            </a:r>
+            <a:r>
+              <a:rPr lang="en-US" altLang="zh-CN" sz="1800" dirty="0">
+                <a:solidFill>
+                  <a:schemeClr val="tx1"/>
+                </a:solidFill>
+                <a:sym typeface="+mn-ea"/>
+              </a:rPr>
+              <a:t>通过Error的构造器new一个错误对象</a:t>
+            </a:r>
+            <a:r>
+              <a:rPr lang="zh-CN" altLang="en-US" sz="1800" dirty="0">
+                <a:solidFill>
+                  <a:schemeClr val="tx1"/>
+                </a:solidFill>
+                <a:sym typeface="+mn-ea"/>
+              </a:rPr>
+              <a:t>，当检测到异常时或不满足逻辑时，手动抛出错误对象</a:t>
+            </a:r>
+            <a:br>
+              <a:rPr lang="zh-CN" altLang="en-US" sz="1800" dirty="0">
+                <a:solidFill>
+                  <a:schemeClr val="tx1"/>
+                </a:solidFill>
+                <a:sym typeface="+mn-ea"/>
+              </a:rPr>
+            </a:br>
+            <a:r>
+              <a:rPr lang="en-US" altLang="zh-CN" sz="1800" dirty="0">
+                <a:solidFill>
+                  <a:schemeClr val="tx1"/>
+                </a:solidFill>
+                <a:sym typeface="+mn-ea"/>
+              </a:rPr>
+              <a:t>- </a:t>
+            </a:r>
+            <a:r>
+              <a:rPr lang="zh-CN" altLang="en-US" sz="1800" dirty="0">
+                <a:solidFill>
+                  <a:schemeClr val="tx1"/>
+                </a:solidFill>
+                <a:sym typeface="+mn-ea"/>
+              </a:rPr>
+              <a:t>所有错误对象的基础原型是</a:t>
+            </a:r>
+            <a:r>
+              <a:rPr lang="en-US" altLang="zh-CN" sz="1800" dirty="0">
+                <a:solidFill>
+                  <a:schemeClr val="tx1"/>
+                </a:solidFill>
+                <a:sym typeface="+mn-ea"/>
+              </a:rPr>
+              <a:t>Error.prototype</a:t>
+            </a:r>
+            <a:r>
+              <a:rPr lang="zh-CN" altLang="en-US" sz="1800" dirty="0">
+                <a:solidFill>
+                  <a:schemeClr val="tx1"/>
+                </a:solidFill>
+                <a:sym typeface="+mn-ea"/>
+              </a:rPr>
+              <a:t>，默认的</a:t>
+            </a:r>
+            <a:r>
+              <a:rPr lang="en-US" altLang="zh-CN" sz="1800" dirty="0">
+                <a:solidFill>
+                  <a:schemeClr val="tx1"/>
+                </a:solidFill>
+                <a:sym typeface="+mn-ea"/>
+              </a:rPr>
+              <a:t>name</a:t>
+            </a:r>
+            <a:r>
+              <a:rPr lang="zh-CN" altLang="en-US" sz="1800" dirty="0">
+                <a:solidFill>
+                  <a:schemeClr val="tx1"/>
+                </a:solidFill>
+                <a:sym typeface="+mn-ea"/>
+              </a:rPr>
+              <a:t>属性为</a:t>
+            </a:r>
+            <a:r>
+              <a:rPr lang="en-US" altLang="zh-CN" sz="1800" dirty="0">
+                <a:solidFill>
+                  <a:schemeClr val="tx1"/>
+                </a:solidFill>
+                <a:sym typeface="+mn-ea"/>
+              </a:rPr>
+              <a:t>“Error”</a:t>
+            </a:r>
+            <a:r>
+              <a:rPr lang="zh-CN" altLang="en-US" sz="1800" dirty="0">
+                <a:solidFill>
+                  <a:schemeClr val="tx1"/>
+                </a:solidFill>
+                <a:sym typeface="+mn-ea"/>
+              </a:rPr>
+              <a:t>，</a:t>
+            </a:r>
+            <a:r>
+              <a:rPr lang="en-US" altLang="zh-CN" sz="1800" dirty="0">
+                <a:solidFill>
+                  <a:schemeClr val="tx1"/>
+                </a:solidFill>
+                <a:sym typeface="+mn-ea"/>
+              </a:rPr>
+              <a:t>message</a:t>
+            </a:r>
+            <a:r>
+              <a:rPr lang="zh-CN" altLang="en-US" sz="1800" dirty="0">
+                <a:solidFill>
+                  <a:schemeClr val="tx1"/>
+                </a:solidFill>
+                <a:sym typeface="+mn-ea"/>
+              </a:rPr>
+              <a:t>属性为</a:t>
+            </a:r>
+            <a:r>
+              <a:rPr lang="en-US" altLang="zh-CN" sz="1800" dirty="0">
+                <a:solidFill>
+                  <a:schemeClr val="tx1"/>
+                </a:solidFill>
+                <a:sym typeface="+mn-ea"/>
+              </a:rPr>
+              <a:t>“”</a:t>
+            </a:r>
+            <a:br>
+              <a:rPr lang="zh-CN" altLang="en-US" sz="3200" dirty="0">
+                <a:solidFill>
+                  <a:schemeClr val="tx1"/>
+                </a:solidFill>
+                <a:sym typeface="+mn-ea"/>
+              </a:rPr>
+            </a:br>
+            <a:endParaRPr lang="zh-CN" altLang="en-US" sz="1800" dirty="0">
+              <a:solidFill>
+                <a:schemeClr val="accent3"/>
+              </a:solidFill>
+              <a:sym typeface="+mn-ea"/>
+            </a:endParaRPr>
+          </a:p>
+          <a:p>
+            <a:pPr marL="0" indent="0">
+              <a:lnSpc>
+                <a:spcPct val="150000"/>
+              </a:lnSpc>
+              <a:buNone/>
+            </a:pPr>
+            <a:endParaRPr lang="zh-CN" altLang="en-US" sz="1800" dirty="0">
+              <a:solidFill>
+                <a:schemeClr val="tx1"/>
+              </a:solidFill>
+              <a:sym typeface="+mn-ea"/>
+            </a:endParaRPr>
+          </a:p>
+          <a:p>
+            <a:pPr marL="0" indent="0">
+              <a:lnSpc>
+                <a:spcPct val="160000"/>
+              </a:lnSpc>
+              <a:buNone/>
+            </a:pPr>
+            <a:endParaRPr lang="en-US" altLang="zh-CN" sz="1800" dirty="0">
+              <a:solidFill>
+                <a:schemeClr val="tx1"/>
+              </a:solidFill>
+              <a:sym typeface="+mn-ea"/>
+            </a:endParaRPr>
+          </a:p>
+        </p:txBody>
+      </p:sp>
+      <p:sp>
+        <p:nvSpPr>
+          <p:cNvPr id="3" name="内容占位符 2"/>
+          <p:cNvSpPr>
+            <a:spLocks noGrp="1"/>
+          </p:cNvSpPr>
+          <p:nvPr>
+            <p:ph sz="quarter" idx="11"/>
+          </p:nvPr>
+        </p:nvSpPr>
+        <p:spPr/>
+        <p:txBody>
+          <a:bodyPr/>
+          <a:lstStyle/>
+          <a:p>
+            <a:r>
+              <a:rPr lang="en-US" altLang="zh-CN" dirty="0"/>
+              <a:t>JS</a:t>
+            </a:r>
+            <a:r>
+              <a:rPr lang="zh-CN" altLang="en-US" dirty="0"/>
+              <a:t>中的错误以及</a:t>
+            </a:r>
+            <a:r>
+              <a:rPr lang="en-US" altLang="zh-CN" dirty="0"/>
+              <a:t>Error</a:t>
+            </a:r>
+            <a:r>
+              <a:rPr lang="zh-CN" altLang="en-US" dirty="0"/>
+              <a:t>对象</a:t>
+            </a:r>
+            <a:endParaRPr lang="zh-CN" altLang="en-US" dirty="0"/>
+          </a:p>
+        </p:txBody>
+      </p:sp>
+      <p:sp>
+        <p:nvSpPr>
+          <p:cNvPr id="6" name="文本框 5"/>
+          <p:cNvSpPr txBox="1"/>
+          <p:nvPr/>
+        </p:nvSpPr>
+        <p:spPr>
+          <a:xfrm>
+            <a:off x="5575300" y="6196330"/>
+            <a:ext cx="5033010" cy="398780"/>
+          </a:xfrm>
+          <a:prstGeom prst="rect">
+            <a:avLst/>
+          </a:prstGeom>
+          <a:noFill/>
+        </p:spPr>
+        <p:txBody>
+          <a:bodyPr wrap="square" rtlCol="0">
+            <a:spAutoFit/>
+          </a:bodyPr>
+          <a:p>
+            <a:r>
+              <a:rPr lang="zh-CN" altLang="en-US" sz="2000">
+                <a:solidFill>
+                  <a:srgbClr val="FF0000"/>
+                </a:solidFill>
+              </a:rPr>
+              <a:t>参见实例</a:t>
+            </a:r>
+            <a:r>
+              <a:rPr lang="en-US" altLang="zh-CN" sz="2000">
+                <a:solidFill>
+                  <a:srgbClr val="FF0000"/>
+                </a:solidFill>
+              </a:rPr>
+              <a:t>Demo13 JS</a:t>
+            </a:r>
+            <a:r>
+              <a:rPr lang="zh-CN" altLang="en-US" sz="2000">
+                <a:solidFill>
+                  <a:srgbClr val="FF0000"/>
+                </a:solidFill>
+              </a:rPr>
+              <a:t>中的错误及</a:t>
+            </a:r>
+            <a:r>
+              <a:rPr lang="en-US" altLang="zh-CN" sz="2000">
+                <a:solidFill>
+                  <a:srgbClr val="FF0000"/>
+                </a:solidFill>
+              </a:rPr>
+              <a:t>Error</a:t>
+            </a:r>
+            <a:r>
+              <a:rPr lang="zh-CN" altLang="en-US" sz="2000">
+                <a:solidFill>
+                  <a:srgbClr val="FF0000"/>
+                </a:solidFill>
+              </a:rPr>
+              <a:t>对象 </a:t>
+            </a:r>
+            <a:endParaRPr lang="en-US" altLang="zh-CN" sz="2000">
+              <a:solidFill>
+                <a:srgbClr val="FF0000"/>
+              </a:solidFill>
+            </a:endParaRPr>
           </a:p>
         </p:txBody>
       </p:sp>
@@ -11796,6 +13148,294 @@
                       </p:childTnLst>
                     </p:cTn>
                   </p:par>
+                  <p:par>
+                    <p:cTn id="9" fill="hold">
+                      <p:stCondLst>
+                        <p:cond delay="indefinite"/>
+                      </p:stCondLst>
+                      <p:childTnLst>
+                        <p:par>
+                          <p:cTn id="10" fill="hold">
+                            <p:stCondLst>
+                              <p:cond delay="0"/>
+                            </p:stCondLst>
+                            <p:childTnLst>
+                              <p:par>
+                                <p:cTn id="11" presetID="2" presetClass="entr" presetSubtype="4" fill="hold" nodeType="clickEffect">
+                                  <p:stCondLst>
+                                    <p:cond delay="0"/>
+                                  </p:stCondLst>
+                                  <p:childTnLst>
+                                    <p:set>
+                                      <p:cBhvr>
+                                        <p:cTn id="12" dur="1" fill="hold">
+                                          <p:stCondLst>
+                                            <p:cond delay="0"/>
+                                          </p:stCondLst>
+                                        </p:cTn>
+                                        <p:tgtEl>
+                                          <p:spTgt spid="2">
+                                            <p:txEl>
+                                              <p:pRg st="1" end="1"/>
+                                            </p:txEl>
+                                          </p:spTgt>
+                                        </p:tgtEl>
+                                        <p:attrNameLst>
+                                          <p:attrName>style.visibility</p:attrName>
+                                        </p:attrNameLst>
+                                      </p:cBhvr>
+                                      <p:to>
+                                        <p:strVal val="visible"/>
+                                      </p:to>
+                                    </p:set>
+                                    <p:anim calcmode="lin" valueType="num">
+                                      <p:cBhvr additive="base">
+                                        <p:cTn id="13" dur="500" fill="hold"/>
+                                        <p:tgtEl>
+                                          <p:spTgt spid="2">
+                                            <p:txEl>
+                                              <p:pRg st="1" end="1"/>
+                                            </p:txEl>
+                                          </p:spTgt>
+                                        </p:tgtEl>
+                                        <p:attrNameLst>
+                                          <p:attrName>ppt_x</p:attrName>
+                                        </p:attrNameLst>
+                                      </p:cBhvr>
+                                      <p:tavLst>
+                                        <p:tav tm="0">
+                                          <p:val>
+                                            <p:strVal val="#ppt_x"/>
+                                          </p:val>
+                                        </p:tav>
+                                        <p:tav tm="100000">
+                                          <p:val>
+                                            <p:strVal val="#ppt_x"/>
+                                          </p:val>
+                                        </p:tav>
+                                      </p:tavLst>
+                                    </p:anim>
+                                    <p:anim calcmode="lin" valueType="num">
+                                      <p:cBhvr additive="base">
+                                        <p:cTn id="14" dur="500" fill="hold"/>
+                                        <p:tgtEl>
+                                          <p:spTgt spid="2">
+                                            <p:txEl>
+                                              <p:pRg st="1" end="1"/>
+                                            </p:txEl>
+                                          </p:spTgt>
+                                        </p:tgtEl>
+                                        <p:attrNameLst>
+                                          <p:attrName>ppt_y</p:attrName>
+                                        </p:attrNameLst>
+                                      </p:cBhvr>
+                                      <p:tavLst>
+                                        <p:tav tm="0">
+                                          <p:val>
+                                            <p:strVal val="1+#ppt_h/2"/>
+                                          </p:val>
+                                        </p:tav>
+                                        <p:tav tm="100000">
+                                          <p:val>
+                                            <p:strVal val="#ppt_y"/>
+                                          </p:val>
+                                        </p:tav>
+                                      </p:tavLst>
+                                    </p:anim>
+                                  </p:childTnLst>
+                                </p:cTn>
+                              </p:par>
+                            </p:childTnLst>
+                          </p:cTn>
+                        </p:par>
+                      </p:childTnLst>
+                    </p:cTn>
+                  </p:par>
+                  <p:par>
+                    <p:cTn id="15" fill="hold">
+                      <p:stCondLst>
+                        <p:cond delay="indefinite"/>
+                      </p:stCondLst>
+                      <p:childTnLst>
+                        <p:par>
+                          <p:cTn id="16" fill="hold">
+                            <p:stCondLst>
+                              <p:cond delay="0"/>
+                            </p:stCondLst>
+                            <p:childTnLst>
+                              <p:par>
+                                <p:cTn id="17" presetID="2" presetClass="entr" presetSubtype="4" fill="hold" nodeType="clickEffect">
+                                  <p:stCondLst>
+                                    <p:cond delay="0"/>
+                                  </p:stCondLst>
+                                  <p:childTnLst>
+                                    <p:set>
+                                      <p:cBhvr>
+                                        <p:cTn id="18" dur="1" fill="hold">
+                                          <p:stCondLst>
+                                            <p:cond delay="0"/>
+                                          </p:stCondLst>
+                                        </p:cTn>
+                                        <p:tgtEl>
+                                          <p:spTgt spid="2">
+                                            <p:txEl>
+                                              <p:pRg st="2" end="2"/>
+                                            </p:txEl>
+                                          </p:spTgt>
+                                        </p:tgtEl>
+                                        <p:attrNameLst>
+                                          <p:attrName>style.visibility</p:attrName>
+                                        </p:attrNameLst>
+                                      </p:cBhvr>
+                                      <p:to>
+                                        <p:strVal val="visible"/>
+                                      </p:to>
+                                    </p:set>
+                                    <p:anim calcmode="lin" valueType="num">
+                                      <p:cBhvr additive="base">
+                                        <p:cTn id="19" dur="500" fill="hold"/>
+                                        <p:tgtEl>
+                                          <p:spTgt spid="2">
+                                            <p:txEl>
+                                              <p:pRg st="2" end="2"/>
+                                            </p:txEl>
+                                          </p:spTgt>
+                                        </p:tgtEl>
+                                        <p:attrNameLst>
+                                          <p:attrName>ppt_x</p:attrName>
+                                        </p:attrNameLst>
+                                      </p:cBhvr>
+                                      <p:tavLst>
+                                        <p:tav tm="0">
+                                          <p:val>
+                                            <p:strVal val="#ppt_x"/>
+                                          </p:val>
+                                        </p:tav>
+                                        <p:tav tm="100000">
+                                          <p:val>
+                                            <p:strVal val="#ppt_x"/>
+                                          </p:val>
+                                        </p:tav>
+                                      </p:tavLst>
+                                    </p:anim>
+                                    <p:anim calcmode="lin" valueType="num">
+                                      <p:cBhvr additive="base">
+                                        <p:cTn id="20" dur="500" fill="hold"/>
+                                        <p:tgtEl>
+                                          <p:spTgt spid="2">
+                                            <p:txEl>
+                                              <p:pRg st="2" end="2"/>
+                                            </p:txEl>
+                                          </p:spTgt>
+                                        </p:tgtEl>
+                                        <p:attrNameLst>
+                                          <p:attrName>ppt_y</p:attrName>
+                                        </p:attrNameLst>
+                                      </p:cBhvr>
+                                      <p:tavLst>
+                                        <p:tav tm="0">
+                                          <p:val>
+                                            <p:strVal val="1+#ppt_h/2"/>
+                                          </p:val>
+                                        </p:tav>
+                                        <p:tav tm="100000">
+                                          <p:val>
+                                            <p:strVal val="#ppt_y"/>
+                                          </p:val>
+                                        </p:tav>
+                                      </p:tavLst>
+                                    </p:anim>
+                                  </p:childTnLst>
+                                </p:cTn>
+                              </p:par>
+                            </p:childTnLst>
+                          </p:cTn>
+                        </p:par>
+                        <p:par>
+                          <p:cTn id="21" fill="hold">
+                            <p:stCondLst>
+                              <p:cond delay="500"/>
+                            </p:stCondLst>
+                            <p:childTnLst>
+                              <p:par>
+                                <p:cTn id="22" presetID="2" presetClass="entr" presetSubtype="4" fill="hold" grpId="0" nodeType="afterEffect">
+                                  <p:stCondLst>
+                                    <p:cond delay="0"/>
+                                  </p:stCondLst>
+                                  <p:childTnLst>
+                                    <p:set>
+                                      <p:cBhvr>
+                                        <p:cTn id="23" dur="1" fill="hold">
+                                          <p:stCondLst>
+                                            <p:cond delay="0"/>
+                                          </p:stCondLst>
+                                        </p:cTn>
+                                        <p:tgtEl>
+                                          <p:spTgt spid="6"/>
+                                        </p:tgtEl>
+                                        <p:attrNameLst>
+                                          <p:attrName>style.visibility</p:attrName>
+                                        </p:attrNameLst>
+                                      </p:cBhvr>
+                                      <p:to>
+                                        <p:strVal val="visible"/>
+                                      </p:to>
+                                    </p:set>
+                                    <p:anim calcmode="lin" valueType="num">
+                                      <p:cBhvr additive="base">
+                                        <p:cTn id="24" dur="500" fill="hold"/>
+                                        <p:tgtEl>
+                                          <p:spTgt spid="6"/>
+                                        </p:tgtEl>
+                                        <p:attrNameLst>
+                                          <p:attrName>ppt_x</p:attrName>
+                                        </p:attrNameLst>
+                                      </p:cBhvr>
+                                      <p:tavLst>
+                                        <p:tav tm="0">
+                                          <p:val>
+                                            <p:strVal val="#ppt_x"/>
+                                          </p:val>
+                                        </p:tav>
+                                        <p:tav tm="100000">
+                                          <p:val>
+                                            <p:strVal val="#ppt_x"/>
+                                          </p:val>
+                                        </p:tav>
+                                      </p:tavLst>
+                                    </p:anim>
+                                    <p:anim calcmode="lin" valueType="num">
+                                      <p:cBhvr additive="base">
+                                        <p:cTn id="25" dur="500" fill="hold"/>
+                                        <p:tgtEl>
+                                          <p:spTgt spid="6"/>
+                                        </p:tgtEl>
+                                        <p:attrNameLst>
+                                          <p:attrName>ppt_y</p:attrName>
+                                        </p:attrNameLst>
+                                      </p:cBhvr>
+                                      <p:tavLst>
+                                        <p:tav tm="0">
+                                          <p:val>
+                                            <p:strVal val="1+#ppt_h/2"/>
+                                          </p:val>
+                                        </p:tav>
+                                        <p:tav tm="100000">
+                                          <p:val>
+                                            <p:strVal val="#ppt_y"/>
+                                          </p:val>
+                                        </p:tav>
+                                      </p:tavLst>
+                                    </p:anim>
+                                  </p:childTnLst>
+                                </p:cTn>
+                              </p:par>
+                            </p:childTnLst>
+                          </p:cTn>
+                        </p:par>
+                      </p:childTnLst>
+                    </p:cTn>
+                  </p:par>
                 </p:childTnLst>
               </p:cTn>
               <p:prevCondLst>
@@ -11817,487 +13457,9 @@
         </p:cTn>
       </p:par>
     </p:tnLst>
-  </p:timing>
-</p:sld>
-</file>
-
-<file path=ppt/slides/slide23.xml><?xml version="1.0" encoding="utf-8"?>
-<p:sld xmlns:a="http://schemas.openxmlformats.org/drawingml/2006/main" xmlns:r="http://schemas.openxmlformats.org/officeDocument/2006/relationships" xmlns:p="http://schemas.openxmlformats.org/presentationml/2006/main">
-  <p:cSld>
-    <p:spTree>
-      <p:nvGrpSpPr>
-        <p:cNvPr id="1" name=""/>
-        <p:cNvGrpSpPr/>
-        <p:nvPr/>
-      </p:nvGrpSpPr>
-      <p:grpSpPr>
-        <a:xfrm>
-          <a:off x="0" y="0"/>
-          <a:ext cx="0" cy="0"/>
-          <a:chOff x="0" y="0"/>
-          <a:chExt cx="0" cy="0"/>
-        </a:xfrm>
-      </p:grpSpPr>
-      <p:sp>
-        <p:nvSpPr>
-          <p:cNvPr id="5123" name="AutoShape 6"/>
-          <p:cNvSpPr>
-            <a:spLocks noChangeArrowheads="1"/>
-          </p:cNvSpPr>
-          <p:nvPr/>
-        </p:nvSpPr>
-        <p:spPr bwMode="auto">
-          <a:xfrm>
-            <a:off x="2566988" y="1339851"/>
-            <a:ext cx="6711950" cy="4214813"/>
-          </a:xfrm>
-          <a:prstGeom prst="roundRect">
-            <a:avLst>
-              <a:gd name="adj" fmla="val 16667"/>
-            </a:avLst>
-          </a:prstGeom>
-          <a:noFill/>
-          <a:ln w="28575">
-            <a:solidFill>
-              <a:srgbClr val="C0C0C0"/>
-            </a:solidFill>
-            <a:prstDash val="sysDot"/>
-            <a:round/>
-          </a:ln>
-          <a:extLst>
-            <a:ext uri="{909E8E84-426E-40DD-AFC4-6F175D3DCCD1}">
-              <a14:hiddenFill xmlns:a14="http://schemas.microsoft.com/office/drawing/2010/main">
-                <a:solidFill>
-                  <a:srgbClr val="FFFFFF"/>
-                </a:solidFill>
-              </a14:hiddenFill>
-            </a:ext>
-          </a:extLst>
-        </p:spPr>
-        <p:txBody>
-          <a:bodyPr wrap="none" anchor="ctr"/>
-          <a:lstStyle>
-            <a:lvl1pPr marL="457200" indent="-457200">
-              <a:defRPr sz="3200">
-                <a:solidFill>
-                  <a:schemeClr val="tx1"/>
-                </a:solidFill>
-                <a:latin typeface="Arial" panose="020B0604020202020204" pitchFamily="34" charset="0"/>
-                <a:ea typeface="微软雅黑" panose="020B0503020204020204" pitchFamily="34" charset="-122"/>
-              </a:defRPr>
-            </a:lvl1pPr>
-            <a:lvl2pPr marL="742950" indent="-285750">
-              <a:defRPr sz="3200">
-                <a:solidFill>
-                  <a:schemeClr val="tx1"/>
-                </a:solidFill>
-                <a:latin typeface="Arial" panose="020B0604020202020204" pitchFamily="34" charset="0"/>
-                <a:ea typeface="微软雅黑" panose="020B0503020204020204" pitchFamily="34" charset="-122"/>
-              </a:defRPr>
-            </a:lvl2pPr>
-            <a:lvl3pPr marL="1143000" indent="-228600">
-              <a:defRPr sz="3200">
-                <a:solidFill>
-                  <a:schemeClr val="tx1"/>
-                </a:solidFill>
-                <a:latin typeface="Arial" panose="020B0604020202020204" pitchFamily="34" charset="0"/>
-                <a:ea typeface="微软雅黑" panose="020B0503020204020204" pitchFamily="34" charset="-122"/>
-              </a:defRPr>
-            </a:lvl3pPr>
-            <a:lvl4pPr marL="1600200" indent="-228600">
-              <a:defRPr sz="3200">
-                <a:solidFill>
-                  <a:schemeClr val="tx1"/>
-                </a:solidFill>
-                <a:latin typeface="Arial" panose="020B0604020202020204" pitchFamily="34" charset="0"/>
-                <a:ea typeface="微软雅黑" panose="020B0503020204020204" pitchFamily="34" charset="-122"/>
-              </a:defRPr>
-            </a:lvl4pPr>
-            <a:lvl5pPr marL="2057400" indent="-228600">
-              <a:defRPr sz="3200">
-                <a:solidFill>
-                  <a:schemeClr val="tx1"/>
-                </a:solidFill>
-                <a:latin typeface="Arial" panose="020B0604020202020204" pitchFamily="34" charset="0"/>
-                <a:ea typeface="微软雅黑" panose="020B0503020204020204" pitchFamily="34" charset="-122"/>
-              </a:defRPr>
-            </a:lvl5pPr>
-            <a:lvl6pPr marL="2514600" indent="-228600" eaLnBrk="0" fontAlgn="base" hangingPunct="0">
-              <a:spcBef>
-                <a:spcPct val="0"/>
-              </a:spcBef>
-              <a:spcAft>
-                <a:spcPct val="0"/>
-              </a:spcAft>
-              <a:defRPr sz="3200">
-                <a:solidFill>
-                  <a:schemeClr val="tx1"/>
-                </a:solidFill>
-                <a:latin typeface="Arial" panose="020B0604020202020204" pitchFamily="34" charset="0"/>
-                <a:ea typeface="微软雅黑" panose="020B0503020204020204" pitchFamily="34" charset="-122"/>
-              </a:defRPr>
-            </a:lvl6pPr>
-            <a:lvl7pPr marL="2971800" indent="-228600" eaLnBrk="0" fontAlgn="base" hangingPunct="0">
-              <a:spcBef>
-                <a:spcPct val="0"/>
-              </a:spcBef>
-              <a:spcAft>
-                <a:spcPct val="0"/>
-              </a:spcAft>
-              <a:defRPr sz="3200">
-                <a:solidFill>
-                  <a:schemeClr val="tx1"/>
-                </a:solidFill>
-                <a:latin typeface="Arial" panose="020B0604020202020204" pitchFamily="34" charset="0"/>
-                <a:ea typeface="微软雅黑" panose="020B0503020204020204" pitchFamily="34" charset="-122"/>
-              </a:defRPr>
-            </a:lvl7pPr>
-            <a:lvl8pPr marL="3429000" indent="-228600" eaLnBrk="0" fontAlgn="base" hangingPunct="0">
-              <a:spcBef>
-                <a:spcPct val="0"/>
-              </a:spcBef>
-              <a:spcAft>
-                <a:spcPct val="0"/>
-              </a:spcAft>
-              <a:defRPr sz="3200">
-                <a:solidFill>
-                  <a:schemeClr val="tx1"/>
-                </a:solidFill>
-                <a:latin typeface="Arial" panose="020B0604020202020204" pitchFamily="34" charset="0"/>
-                <a:ea typeface="微软雅黑" panose="020B0503020204020204" pitchFamily="34" charset="-122"/>
-              </a:defRPr>
-            </a:lvl8pPr>
-            <a:lvl9pPr marL="3886200" indent="-228600" eaLnBrk="0" fontAlgn="base" hangingPunct="0">
-              <a:spcBef>
-                <a:spcPct val="0"/>
-              </a:spcBef>
-              <a:spcAft>
-                <a:spcPct val="0"/>
-              </a:spcAft>
-              <a:defRPr sz="3200">
-                <a:solidFill>
-                  <a:schemeClr val="tx1"/>
-                </a:solidFill>
-                <a:latin typeface="Arial" panose="020B0604020202020204" pitchFamily="34" charset="0"/>
-                <a:ea typeface="微软雅黑" panose="020B0503020204020204" pitchFamily="34" charset="-122"/>
-              </a:defRPr>
-            </a:lvl9pPr>
-          </a:lstStyle>
-          <a:p>
-            <a:pPr algn="l">
-              <a:lnSpc>
-                <a:spcPct val="150000"/>
-              </a:lnSpc>
-              <a:spcBef>
-                <a:spcPts val="1200"/>
-              </a:spcBef>
-              <a:spcAft>
-                <a:spcPts val="1200"/>
-              </a:spcAft>
-              <a:buClr>
-                <a:srgbClr val="92D050"/>
-              </a:buClr>
-              <a:buFont typeface="Wingdings" panose="05000000000000000000" pitchFamily="2" charset="2"/>
-              <a:buChar char="Ø"/>
-            </a:pPr>
-            <a:r>
-              <a:rPr lang="en-US" altLang="zh-CN" sz="2800" b="1">
-                <a:solidFill>
-                  <a:schemeClr val="tx1"/>
-                </a:solidFill>
-                <a:sym typeface="+mn-ea"/>
-              </a:rPr>
-              <a:t>JS</a:t>
-            </a:r>
-            <a:r>
-              <a:rPr lang="zh-CN" altLang="en-US" sz="2800" b="1">
-                <a:solidFill>
-                  <a:schemeClr val="tx1"/>
-                </a:solidFill>
-                <a:sym typeface="+mn-ea"/>
-              </a:rPr>
-              <a:t>异常处理</a:t>
-            </a:r>
-            <a:endParaRPr lang="zh-CN" altLang="en-US" sz="2800" b="1">
-              <a:solidFill>
-                <a:schemeClr val="tx1"/>
-              </a:solidFill>
-              <a:sym typeface="+mn-ea"/>
-            </a:endParaRPr>
-          </a:p>
-          <a:p>
-            <a:pPr algn="l">
-              <a:lnSpc>
-                <a:spcPct val="150000"/>
-              </a:lnSpc>
-              <a:spcBef>
-                <a:spcPts val="1200"/>
-              </a:spcBef>
-              <a:spcAft>
-                <a:spcPts val="1200"/>
-              </a:spcAft>
-              <a:buClr>
-                <a:srgbClr val="92D050"/>
-              </a:buClr>
-              <a:buFont typeface="Wingdings" panose="05000000000000000000" pitchFamily="2" charset="2"/>
-              <a:buChar char="Ø"/>
-            </a:pPr>
-            <a:r>
-              <a:rPr lang="en-US" altLang="zh-CN" sz="2800" b="1">
-                <a:solidFill>
-                  <a:schemeClr val="tx1"/>
-                </a:solidFill>
-                <a:sym typeface="+mn-ea"/>
-              </a:rPr>
-              <a:t>Error</a:t>
-            </a:r>
-            <a:r>
-              <a:rPr lang="zh-CN" altLang="en-US" sz="2800" b="1">
-                <a:solidFill>
-                  <a:schemeClr val="tx1"/>
-                </a:solidFill>
-                <a:sym typeface="+mn-ea"/>
-              </a:rPr>
-              <a:t>对象及其子对象</a:t>
-            </a:r>
-            <a:endParaRPr lang="zh-CN" altLang="en-US" sz="2800" b="1">
-              <a:solidFill>
-                <a:schemeClr val="tx1"/>
-              </a:solidFill>
-              <a:sym typeface="+mn-ea"/>
-            </a:endParaRPr>
-          </a:p>
-        </p:txBody>
-      </p:sp>
-      <p:sp>
-        <p:nvSpPr>
-          <p:cNvPr id="4" name="内容占位符 3"/>
-          <p:cNvSpPr txBox="1"/>
-          <p:nvPr/>
-        </p:nvSpPr>
-        <p:spPr>
-          <a:xfrm>
-            <a:off x="981657" y="236943"/>
-            <a:ext cx="8191557" cy="490476"/>
-          </a:xfrm>
-          <a:prstGeom prst="rect">
-            <a:avLst/>
-          </a:prstGeom>
-        </p:spPr>
-        <p:txBody>
-          <a:bodyPr/>
-          <a:lstStyle>
-            <a:lvl1pPr marL="167005" indent="-167005" algn="l" defTabSz="0" rtl="0" eaLnBrk="0" fontAlgn="base" hangingPunct="0">
-              <a:spcBef>
-                <a:spcPct val="0"/>
-              </a:spcBef>
-              <a:spcAft>
-                <a:spcPct val="15000"/>
-              </a:spcAft>
-              <a:buClr>
-                <a:schemeClr val="tx2"/>
-              </a:buClr>
-              <a:buFont typeface="Arial" panose="020B0604020202020204" pitchFamily="34" charset="0"/>
-              <a:buChar char="•"/>
-              <a:defRPr kumimoji="1" sz="1600">
-                <a:solidFill>
-                  <a:srgbClr val="006F53"/>
-                </a:solidFill>
-                <a:latin typeface="微软雅黑" panose="020B0503020204020204" pitchFamily="34" charset="-122"/>
-                <a:ea typeface="微软雅黑" panose="020B0503020204020204" pitchFamily="34" charset="-122"/>
-                <a:cs typeface="微软雅黑" panose="020B0503020204020204" pitchFamily="34" charset="-122"/>
-              </a:defRPr>
-            </a:lvl1pPr>
-            <a:lvl2pPr marL="398780" indent="-230505" algn="l" defTabSz="0" rtl="0" eaLnBrk="0" fontAlgn="base" hangingPunct="0">
-              <a:spcBef>
-                <a:spcPct val="0"/>
-              </a:spcBef>
-              <a:spcAft>
-                <a:spcPct val="15000"/>
-              </a:spcAft>
-              <a:buClr>
-                <a:schemeClr val="tx2"/>
-              </a:buClr>
-              <a:buFont typeface="Arial" panose="020B0604020202020204" pitchFamily="34" charset="0"/>
-              <a:buChar char="–"/>
-              <a:defRPr kumimoji="1" sz="2800">
-                <a:solidFill>
-                  <a:schemeClr val="bg2"/>
-                </a:solidFill>
-                <a:latin typeface="微软雅黑" panose="020B0503020204020204" pitchFamily="34" charset="-122"/>
-                <a:ea typeface="微软雅黑" panose="020B0503020204020204" pitchFamily="34" charset="-122"/>
-                <a:cs typeface="微软雅黑" panose="020B0503020204020204" pitchFamily="34" charset="-122"/>
-              </a:defRPr>
-            </a:lvl2pPr>
-            <a:lvl3pPr marL="400050" indent="182880" algn="l" defTabSz="0" rtl="0" eaLnBrk="0" fontAlgn="base" hangingPunct="0">
-              <a:spcBef>
-                <a:spcPct val="0"/>
-              </a:spcBef>
-              <a:spcAft>
-                <a:spcPct val="15000"/>
-              </a:spcAft>
-              <a:buClr>
-                <a:schemeClr val="tx2"/>
-              </a:buClr>
-              <a:buFont typeface="Arial" panose="020B0604020202020204" pitchFamily="34" charset="0"/>
-              <a:buChar char="•"/>
-              <a:defRPr kumimoji="1" sz="1600">
-                <a:solidFill>
-                  <a:schemeClr val="bg2"/>
-                </a:solidFill>
-                <a:latin typeface="微软雅黑" panose="020B0503020204020204" pitchFamily="34" charset="-122"/>
-                <a:ea typeface="微软雅黑" panose="020B0503020204020204" pitchFamily="34" charset="-122"/>
-                <a:cs typeface="微软雅黑" panose="020B0503020204020204" pitchFamily="34" charset="-122"/>
-              </a:defRPr>
-            </a:lvl3pPr>
-            <a:lvl4pPr marL="825500" indent="-241300" algn="l" defTabSz="0" rtl="0" eaLnBrk="0" fontAlgn="base" hangingPunct="0">
-              <a:spcBef>
-                <a:spcPct val="0"/>
-              </a:spcBef>
-              <a:spcAft>
-                <a:spcPct val="15000"/>
-              </a:spcAft>
-              <a:buClr>
-                <a:schemeClr val="tx2"/>
-              </a:buClr>
-              <a:buFont typeface="Arial" panose="020B0604020202020204" pitchFamily="34" charset="0"/>
-              <a:buChar char="–"/>
-              <a:defRPr kumimoji="1" sz="1600">
-                <a:solidFill>
-                  <a:schemeClr val="bg2"/>
-                </a:solidFill>
-                <a:latin typeface="微软雅黑" panose="020B0503020204020204" pitchFamily="34" charset="-122"/>
-                <a:ea typeface="微软雅黑" panose="020B0503020204020204" pitchFamily="34" charset="-122"/>
-                <a:cs typeface="微软雅黑" panose="020B0503020204020204" pitchFamily="34" charset="-122"/>
-              </a:defRPr>
-            </a:lvl4pPr>
-            <a:lvl5pPr marL="2057400" indent="-228600" algn="l" defTabSz="0" rtl="0" eaLnBrk="0" fontAlgn="base" hangingPunct="0">
-              <a:spcBef>
-                <a:spcPct val="0"/>
-              </a:spcBef>
-              <a:spcAft>
-                <a:spcPct val="25000"/>
-              </a:spcAft>
-              <a:buClr>
-                <a:schemeClr val="tx2"/>
-              </a:buClr>
-              <a:buFont typeface="Arial" panose="020B0604020202020204" pitchFamily="34" charset="0"/>
-              <a:buChar char="–"/>
-              <a:defRPr kumimoji="1" sz="2000">
-                <a:solidFill>
-                  <a:schemeClr val="tx1"/>
-                </a:solidFill>
-                <a:latin typeface="+mn-lt"/>
-                <a:ea typeface="微软雅黑" panose="020B0503020204020204" pitchFamily="34" charset="-122"/>
-                <a:cs typeface="微软雅黑" panose="020B0503020204020204" pitchFamily="34" charset="-122"/>
-              </a:defRPr>
-            </a:lvl5pPr>
-            <a:lvl6pPr marL="2514600" indent="-228600" algn="l" defTabSz="0" rtl="0" eaLnBrk="0" fontAlgn="base" hangingPunct="0">
-              <a:spcBef>
-                <a:spcPct val="0"/>
-              </a:spcBef>
-              <a:spcAft>
-                <a:spcPct val="25000"/>
-              </a:spcAft>
-              <a:buClr>
-                <a:schemeClr val="tx2"/>
-              </a:buClr>
-              <a:buFont typeface="Arial" panose="020B0604020202020204" pitchFamily="34" charset="0"/>
-              <a:buChar char="–"/>
-              <a:defRPr>
-                <a:solidFill>
-                  <a:schemeClr val="tx1"/>
-                </a:solidFill>
-                <a:latin typeface="+mn-lt"/>
-              </a:defRPr>
-            </a:lvl6pPr>
-            <a:lvl7pPr marL="2971800" indent="-228600" algn="l" defTabSz="0" rtl="0" eaLnBrk="0" fontAlgn="base" hangingPunct="0">
-              <a:spcBef>
-                <a:spcPct val="0"/>
-              </a:spcBef>
-              <a:spcAft>
-                <a:spcPct val="25000"/>
-              </a:spcAft>
-              <a:buClr>
-                <a:schemeClr val="tx2"/>
-              </a:buClr>
-              <a:buFont typeface="Arial" panose="020B0604020202020204" pitchFamily="34" charset="0"/>
-              <a:buChar char="–"/>
-              <a:defRPr>
-                <a:solidFill>
-                  <a:schemeClr val="tx1"/>
-                </a:solidFill>
-                <a:latin typeface="+mn-lt"/>
-              </a:defRPr>
-            </a:lvl7pPr>
-            <a:lvl8pPr marL="3429000" indent="-228600" algn="l" defTabSz="0" rtl="0" eaLnBrk="0" fontAlgn="base" hangingPunct="0">
-              <a:spcBef>
-                <a:spcPct val="0"/>
-              </a:spcBef>
-              <a:spcAft>
-                <a:spcPct val="25000"/>
-              </a:spcAft>
-              <a:buClr>
-                <a:schemeClr val="tx2"/>
-              </a:buClr>
-              <a:buFont typeface="Arial" panose="020B0604020202020204" pitchFamily="34" charset="0"/>
-              <a:buChar char="–"/>
-              <a:defRPr>
-                <a:solidFill>
-                  <a:schemeClr val="tx1"/>
-                </a:solidFill>
-                <a:latin typeface="+mn-lt"/>
-              </a:defRPr>
-            </a:lvl8pPr>
-            <a:lvl9pPr marL="3886200" indent="-228600" algn="l" defTabSz="0" rtl="0" eaLnBrk="0" fontAlgn="base" hangingPunct="0">
-              <a:spcBef>
-                <a:spcPct val="0"/>
-              </a:spcBef>
-              <a:spcAft>
-                <a:spcPct val="25000"/>
-              </a:spcAft>
-              <a:buClr>
-                <a:schemeClr val="tx2"/>
-              </a:buClr>
-              <a:buFont typeface="Arial" panose="020B0604020202020204" pitchFamily="34" charset="0"/>
-              <a:buChar char="–"/>
-              <a:defRPr>
-                <a:solidFill>
-                  <a:schemeClr val="tx1"/>
-                </a:solidFill>
-                <a:latin typeface="+mn-lt"/>
-              </a:defRPr>
-            </a:lvl9pPr>
-          </a:lstStyle>
-          <a:p>
-            <a:pPr marL="0" indent="0">
-              <a:buNone/>
-            </a:pPr>
-            <a:r>
-              <a:rPr lang="zh-CN" altLang="en-US" sz="3200" dirty="0" smtClean="0">
-                <a:solidFill>
-                  <a:srgbClr val="C00000"/>
-                </a:solidFill>
-                <a:cs typeface="+mn-cs"/>
-                <a:sym typeface="+mn-ea"/>
-              </a:rPr>
-              <a:t>内容提纲</a:t>
-            </a:r>
-            <a:endParaRPr lang="zh-CN" altLang="en-US" kern="0" dirty="0"/>
-          </a:p>
-        </p:txBody>
-      </p:sp>
-    </p:spTree>
-  </p:cSld>
-  <p:clrMapOvr>
-    <a:masterClrMapping/>
-  </p:clrMapOvr>
-  <p:timing>
-    <p:tnLst>
-      <p:par>
-        <p:cTn id="1" dur="indefinite" restart="never" nodeType="tmRoot"/>
-      </p:par>
-    </p:tnLst>
+    <p:bldLst>
+      <p:bldP spid="6" grpId="0"/>
+    </p:bldLst>
   </p:timing>
 </p:sld>
 </file>
@@ -12345,34 +13507,25 @@
               </a:lnSpc>
             </a:pPr>
             <a:r>
+              <a:rPr lang="en-US" altLang="zh-CN" sz="3200" dirty="0">
+                <a:solidFill>
+                  <a:schemeClr val="tx1"/>
+                </a:solidFill>
+                <a:sym typeface="+mn-ea"/>
+              </a:rPr>
+              <a:t>Error</a:t>
+            </a:r>
+            <a:r>
               <a:rPr lang="zh-CN" altLang="en-US" sz="3200" dirty="0">
                 <a:solidFill>
                   <a:schemeClr val="tx1"/>
                 </a:solidFill>
                 <a:sym typeface="+mn-ea"/>
               </a:rPr>
-              <a:t>通用</a:t>
-            </a:r>
-            <a:r>
-              <a:rPr lang="en-US" altLang="zh-CN" sz="3200" dirty="0">
-                <a:solidFill>
-                  <a:schemeClr val="tx1"/>
-                </a:solidFill>
-                <a:sym typeface="+mn-ea"/>
-              </a:rPr>
-              <a:t>Error</a:t>
-            </a:r>
-            <a:r>
-              <a:rPr lang="zh-CN" altLang="en-US" sz="3200" dirty="0">
-                <a:solidFill>
-                  <a:schemeClr val="tx1"/>
-                </a:solidFill>
-                <a:sym typeface="+mn-ea"/>
-              </a:rPr>
-              <a:t>对象</a:t>
+              <a:t>的子类</a:t>
             </a:r>
             <a:br>
-              <a:rPr lang="zh-CN" altLang="en-US" sz="3200" dirty="0">
+              <a:rPr lang="en-US" altLang="zh-CN" sz="2000" dirty="0">
                 <a:solidFill>
                   <a:schemeClr val="tx1"/>
                 </a:solidFill>
@@ -12380,92 +13533,70 @@
               </a:rPr>
             </a:br>
             <a:r>
-              <a:rPr lang="en-US" altLang="zh-CN" sz="1800" dirty="0">
-                <a:solidFill>
-                  <a:schemeClr val="tx1"/>
-                </a:solidFill>
-                <a:sym typeface="+mn-ea"/>
-              </a:rPr>
-              <a:t>- 通过Error的构造器创建一个错误对象</a:t>
-            </a:r>
-            <a:r>
-              <a:rPr lang="zh-CN" altLang="en-US" sz="1800" dirty="0">
-                <a:solidFill>
-                  <a:schemeClr val="tx1"/>
-                </a:solidFill>
-                <a:sym typeface="+mn-ea"/>
-              </a:rPr>
-              <a:t>，</a:t>
-            </a:r>
-            <a:r>
-              <a:rPr lang="en-US" altLang="zh-CN" sz="1800" dirty="0">
-                <a:solidFill>
-                  <a:schemeClr val="tx1"/>
-                </a:solidFill>
-                <a:sym typeface="+mn-ea"/>
-              </a:rPr>
-              <a:t>当运行时错误产生时，Error的实例对象会被抛出</a:t>
-            </a:r>
-            <a:endParaRPr lang="zh-CN" altLang="en-US" sz="1800" dirty="0">
-              <a:solidFill>
-                <a:schemeClr val="tx1"/>
-              </a:solidFill>
-              <a:sym typeface="+mn-ea"/>
-            </a:endParaRPr>
-          </a:p>
-          <a:p>
-            <a:pPr>
-              <a:lnSpc>
-                <a:spcPct val="150000"/>
-              </a:lnSpc>
-            </a:pPr>
-            <a:r>
-              <a:rPr lang="zh-CN" altLang="en-US" sz="3200" dirty="0">
-                <a:solidFill>
-                  <a:schemeClr val="tx1"/>
-                </a:solidFill>
-                <a:sym typeface="+mn-ea"/>
-              </a:rPr>
-              <a:t>基于</a:t>
-            </a:r>
-            <a:r>
-              <a:rPr lang="en-US" altLang="zh-CN" sz="3200" dirty="0">
-                <a:solidFill>
-                  <a:schemeClr val="tx1"/>
-                </a:solidFill>
-                <a:sym typeface="+mn-ea"/>
-              </a:rPr>
-              <a:t>Error</a:t>
-            </a:r>
-            <a:r>
-              <a:rPr lang="zh-CN" altLang="en-US" sz="3200" dirty="0">
-                <a:solidFill>
-                  <a:schemeClr val="tx1"/>
-                </a:solidFill>
-                <a:sym typeface="+mn-ea"/>
-              </a:rPr>
-              <a:t>的原型继承（</a:t>
-            </a:r>
-            <a:r>
-              <a:rPr lang="en-US" altLang="zh-CN" sz="3200" dirty="0">
-                <a:solidFill>
-                  <a:schemeClr val="tx1"/>
-                </a:solidFill>
-                <a:sym typeface="+mn-ea"/>
-              </a:rPr>
-              <a:t>Error.prototype</a:t>
-            </a:r>
-            <a:r>
-              <a:rPr lang="zh-CN" altLang="en-US" sz="3200" dirty="0">
-                <a:solidFill>
-                  <a:schemeClr val="tx1"/>
-                </a:solidFill>
-                <a:sym typeface="+mn-ea"/>
-              </a:rPr>
-              <a:t>）</a:t>
+              <a:rPr lang="en-US" altLang="zh-CN" sz="2000" dirty="0">
+                <a:solidFill>
+                  <a:schemeClr val="tx1"/>
+                </a:solidFill>
+                <a:sym typeface="+mn-ea"/>
+              </a:rPr>
+              <a:t>- </a:t>
+            </a:r>
+            <a:r>
+              <a:rPr lang="en-US" altLang="zh-CN" sz="2000" dirty="0">
+                <a:solidFill>
+                  <a:srgbClr val="FF0000"/>
+                </a:solidFill>
+                <a:sym typeface="+mn-ea"/>
+              </a:rPr>
+              <a:t>ReferenceError </a:t>
+            </a:r>
+            <a:r>
+              <a:rPr lang="zh-CN" altLang="en-US" sz="2000" dirty="0">
+                <a:solidFill>
+                  <a:schemeClr val="tx1"/>
+                </a:solidFill>
+                <a:sym typeface="+mn-ea"/>
+              </a:rPr>
+              <a:t>引用错误、</a:t>
+            </a:r>
+            <a:r>
+              <a:rPr lang="en-US" altLang="zh-CN" sz="2000" dirty="0">
+                <a:solidFill>
+                  <a:srgbClr val="FF0000"/>
+                </a:solidFill>
+                <a:sym typeface="+mn-ea"/>
+              </a:rPr>
+              <a:t>RangeError </a:t>
+            </a:r>
+            <a:r>
+              <a:rPr lang="zh-CN" altLang="en-US" sz="2000" dirty="0">
+                <a:solidFill>
+                  <a:schemeClr val="tx1"/>
+                </a:solidFill>
+                <a:sym typeface="+mn-ea"/>
+              </a:rPr>
+              <a:t>范围错误、</a:t>
+            </a:r>
+            <a:r>
+              <a:rPr lang="en-US" altLang="zh-CN" sz="2000" dirty="0">
+                <a:solidFill>
+                  <a:srgbClr val="FF0000"/>
+                </a:solidFill>
+                <a:sym typeface="+mn-ea"/>
+              </a:rPr>
+              <a:t>TypeError </a:t>
+            </a:r>
+            <a:r>
+              <a:rPr lang="zh-CN" altLang="en-US" sz="2000" dirty="0">
+                <a:solidFill>
+                  <a:schemeClr val="tx1"/>
+                </a:solidFill>
+                <a:sym typeface="+mn-ea"/>
+              </a:rPr>
+              <a:t>类型错误</a:t>
             </a:r>
             <a:br>
-              <a:rPr lang="zh-CN" altLang="en-US" sz="3200" dirty="0">
+              <a:rPr lang="en-US" altLang="zh-CN" sz="2000" dirty="0">
                 <a:solidFill>
                   <a:schemeClr val="tx1"/>
                 </a:solidFill>
@@ -12479,7 +13610,7 @@
                 </a:solidFill>
                 <a:sym typeface="+mn-ea"/>
               </a:rPr>
-              <a:t>- Error.prototype.name</a:t>
+              <a:t>- URIError </a:t>
             </a:r>
             <a:r>
               <a:rPr lang="zh-CN" altLang="en-US" sz="2000" dirty="0">
@@ -12488,7 +13619,7 @@
                 </a:solidFill>
                 <a:sym typeface="+mn-ea"/>
               </a:rPr>
-              <a:t>、</a:t>
+              <a:t>资源定位错误、</a:t>
             </a:r>
             <a:r>
               <a:rPr lang="en-US" altLang="zh-CN" sz="2000" dirty="0">
@@ -12497,7 +13628,34 @@
                 </a:solidFill>
                 <a:sym typeface="+mn-ea"/>
               </a:rPr>
-              <a:t>Error.prototype.message</a:t>
+              <a:t>EvalError  </a:t>
+            </a:r>
+            <a:r>
+              <a:rPr lang="zh-CN" altLang="en-US" sz="2000" dirty="0">
+                <a:solidFill>
+                  <a:schemeClr val="tx1"/>
+                </a:solidFill>
+                <a:sym typeface="+mn-ea"/>
+              </a:rPr>
+              <a:t>与</a:t>
+            </a:r>
+            <a:r>
+              <a:rPr lang="en-US" altLang="zh-CN" sz="2000" dirty="0">
+                <a:solidFill>
+                  <a:schemeClr val="tx1"/>
+                </a:solidFill>
+                <a:sym typeface="+mn-ea"/>
+              </a:rPr>
+              <a:t>eval( )</a:t>
+            </a:r>
+            <a:r>
+              <a:rPr lang="zh-CN" altLang="en-US" sz="2000" dirty="0">
+                <a:solidFill>
+                  <a:schemeClr val="tx1"/>
+                </a:solidFill>
+                <a:sym typeface="+mn-ea"/>
+              </a:rPr>
+              <a:t>有关的错误、其他错误</a:t>
             </a:r>
             <a:br>
               <a:rPr lang="zh-CN" altLang="en-US" sz="3200" dirty="0">
@@ -12571,6 +13729,147 @@
           </a:p>
         </p:txBody>
       </p:sp>
+      <p:sp>
+        <p:nvSpPr>
+          <p:cNvPr id="6" name="文本框 5"/>
+          <p:cNvSpPr txBox="1"/>
+          <p:nvPr/>
+        </p:nvSpPr>
+        <p:spPr>
+          <a:xfrm>
+            <a:off x="5575300" y="6196330"/>
+            <a:ext cx="5033010" cy="398780"/>
+          </a:xfrm>
+          <a:prstGeom prst="rect">
+            <a:avLst/>
+          </a:prstGeom>
+          <a:noFill/>
+        </p:spPr>
+        <p:txBody>
+          <a:bodyPr wrap="square" rtlCol="0">
+            <a:spAutoFit/>
+          </a:bodyPr>
+          <a:p>
+            <a:r>
+              <a:rPr lang="zh-CN" altLang="en-US" sz="2000">
+                <a:solidFill>
+                  <a:srgbClr val="FF0000"/>
+                </a:solidFill>
+              </a:rPr>
+              <a:t>参见实例</a:t>
+            </a:r>
+            <a:r>
+              <a:rPr lang="en-US" altLang="zh-CN" sz="2000">
+                <a:solidFill>
+                  <a:srgbClr val="FF0000"/>
+                </a:solidFill>
+              </a:rPr>
+              <a:t>Demo14 </a:t>
+            </a:r>
+            <a:r>
+              <a:rPr lang="zh-CN" altLang="en-US" sz="2000">
+                <a:solidFill>
+                  <a:srgbClr val="FF0000"/>
+                </a:solidFill>
+              </a:rPr>
+              <a:t>其他类</a:t>
+            </a:r>
+            <a:r>
+              <a:rPr lang="en-US" altLang="zh-CN" sz="2000">
+                <a:solidFill>
+                  <a:srgbClr val="FF0000"/>
+                </a:solidFill>
+              </a:rPr>
+              <a:t>Error</a:t>
+            </a:r>
+            <a:r>
+              <a:rPr lang="zh-CN" altLang="en-US" sz="2000">
+                <a:solidFill>
+                  <a:srgbClr val="FF0000"/>
+                </a:solidFill>
+              </a:rPr>
+              <a:t> </a:t>
+            </a:r>
+            <a:endParaRPr lang="en-US" altLang="zh-CN" sz="2000">
+              <a:solidFill>
+                <a:srgbClr val="FF0000"/>
+              </a:solidFill>
+            </a:endParaRPr>
+          </a:p>
+        </p:txBody>
+      </p:sp>
+      <p:pic>
+        <p:nvPicPr>
+          <p:cNvPr id="4" name="图片 3"/>
+          <p:cNvPicPr>
+            <a:picLocks noChangeAspect="1"/>
+          </p:cNvPicPr>
+          <p:nvPr/>
+        </p:nvPicPr>
+        <p:blipFill>
+          <a:blip r:embed="rId1"/>
+          <a:stretch>
+            <a:fillRect/>
+          </a:stretch>
+        </p:blipFill>
+        <p:spPr>
+          <a:xfrm>
+            <a:off x="1129665" y="2602865"/>
+            <a:ext cx="7894955" cy="3228340"/>
+          </a:xfrm>
+          <a:prstGeom prst="rect">
+            <a:avLst/>
+          </a:prstGeom>
+        </p:spPr>
+      </p:pic>
+      <p:pic>
+        <p:nvPicPr>
+          <p:cNvPr id="7" name="图片 6"/>
+          <p:cNvPicPr>
+            <a:picLocks noChangeAspect="1"/>
+          </p:cNvPicPr>
+          <p:nvPr/>
+        </p:nvPicPr>
+        <p:blipFill>
+          <a:blip r:embed="rId2"/>
+          <a:stretch>
+            <a:fillRect/>
+          </a:stretch>
+        </p:blipFill>
+        <p:spPr>
+          <a:xfrm>
+            <a:off x="1139825" y="2602865"/>
+            <a:ext cx="6508750" cy="3228340"/>
+          </a:xfrm>
+          <a:prstGeom prst="rect">
+            <a:avLst/>
+          </a:prstGeom>
+        </p:spPr>
+      </p:pic>
+      <p:pic>
+        <p:nvPicPr>
+          <p:cNvPr id="9" name="图片 8"/>
+          <p:cNvPicPr>
+            <a:picLocks noChangeAspect="1"/>
+          </p:cNvPicPr>
+          <p:nvPr/>
+        </p:nvPicPr>
+        <p:blipFill>
+          <a:blip r:embed="rId3"/>
+          <a:stretch>
+            <a:fillRect/>
+          </a:stretch>
+        </p:blipFill>
+        <p:spPr>
+          <a:xfrm>
+            <a:off x="1138555" y="2602865"/>
+            <a:ext cx="8776970" cy="3069590"/>
+          </a:xfrm>
+          <a:prstGeom prst="rect">
+            <a:avLst/>
+          </a:prstGeom>
+        </p:spPr>
+      </p:pic>
     </p:spTree>
   </p:cSld>
   <p:clrMapOvr>
@@ -12713,11 +14012,7 @@
                                           </p:stCondLst>
                                         </p:cTn>
                                         <p:tgtEl>
-                                          <p:spTgt spid="2">
-                                            <p:txEl>
-                                              <p:pRg st="1" end="1"/>
-                                            </p:txEl>
-                                          </p:spTgt>
+                                          <p:spTgt spid="4"/>
                                         </p:tgtEl>
                                         <p:attrNameLst>
                                           <p:attrName>style.visibility</p:attrName>
@@ -12731,11 +14026,7 @@
                                       <p:cBhvr additive="base">
                                         <p:cTn id="13" dur="500" fill="hold"/>
                                         <p:tgtEl>
-                                          <p:spTgt spid="2">
-                                            <p:txEl>
-                                              <p:pRg st="1" end="1"/>
-                                            </p:txEl>
-                                          </p:spTgt>
+                                          <p:spTgt spid="4"/>
                                         </p:tgtEl>
                                         <p:attrNameLst>
                                           <p:attrName>ppt_x</p:attrName>
@@ -12758,11 +14049,271 @@
                                       <p:cBhvr additive="base">
                                         <p:cTn id="14" dur="500" fill="hold"/>
                                         <p:tgtEl>
-                                          <p:spTgt spid="2">
-                                            <p:txEl>
-                                              <p:pRg st="1" end="1"/>
-                                            </p:txEl>
-                                          </p:spTgt>
+                                          <p:spTgt spid="4"/>
+                                        </p:tgtEl>
+                                        <p:attrNameLst>
+                                          <p:attrName>ppt_y</p:attrName>
+                                        </p:attrNameLst>
+                                      </p:cBhvr>
+                                      <p:tavLst>
+                                        <p:tav tm="0">
+                                          <p:val>
+                                            <p:strVal val="1+#ppt_h/2"/>
+                                          </p:val>
+                                        </p:tav>
+                                        <p:tav tm="100000">
+                                          <p:val>
+                                            <p:strVal val="#ppt_y"/>
+                                          </p:val>
+                                        </p:tav>
+                                      </p:tavLst>
+                                    </p:anim>
+                                  </p:childTnLst>
+                                </p:cTn>
+                              </p:par>
+                            </p:childTnLst>
+                          </p:cTn>
+                        </p:par>
+                      </p:childTnLst>
+                    </p:cTn>
+                  </p:par>
+                  <p:par>
+                    <p:cTn id="15" fill="hold">
+                      <p:stCondLst>
+                        <p:cond delay="indefinite"/>
+                      </p:stCondLst>
+                      <p:childTnLst>
+                        <p:par>
+                          <p:cTn id="16" fill="hold">
+                            <p:stCondLst>
+                              <p:cond delay="0"/>
+                            </p:stCondLst>
+                            <p:childTnLst>
+                              <p:par>
+                                <p:cTn id="17" presetID="2" presetClass="entr" presetSubtype="4" fill="hold" nodeType="clickEffect">
+                                  <p:stCondLst>
+                                    <p:cond delay="0"/>
+                                  </p:stCondLst>
+                                  <p:childTnLst>
+                                    <p:set>
+                                      <p:cBhvr>
+                                        <p:cTn id="18" dur="1" fill="hold">
+                                          <p:stCondLst>
+                                            <p:cond delay="0"/>
+                                          </p:stCondLst>
+                                        </p:cTn>
+                                        <p:tgtEl>
+                                          <p:spTgt spid="7"/>
+                                        </p:tgtEl>
+                                        <p:attrNameLst>
+                                          <p:attrName>style.visibility</p:attrName>
+                                        </p:attrNameLst>
+                                      </p:cBhvr>
+                                      <p:to>
+                                        <p:strVal val="visible"/>
+                                      </p:to>
+                                    </p:set>
+                                    <p:anim calcmode="lin" valueType="num">
+                                      <p:cBhvr additive="base">
+                                        <p:cTn id="19" dur="500" fill="hold"/>
+                                        <p:tgtEl>
+                                          <p:spTgt spid="7"/>
+                                        </p:tgtEl>
+                                        <p:attrNameLst>
+                                          <p:attrName>ppt_x</p:attrName>
+                                        </p:attrNameLst>
+                                      </p:cBhvr>
+                                      <p:tavLst>
+                                        <p:tav tm="0">
+                                          <p:val>
+                                            <p:strVal val="#ppt_x"/>
+                                          </p:val>
+                                        </p:tav>
+                                        <p:tav tm="100000">
+                                          <p:val>
+                                            <p:strVal val="#ppt_x"/>
+                                          </p:val>
+                                        </p:tav>
+                                      </p:tavLst>
+                                    </p:anim>
+                                    <p:anim calcmode="lin" valueType="num">
+                                      <p:cBhvr additive="base">
+                                        <p:cTn id="20" dur="500" fill="hold"/>
+                                        <p:tgtEl>
+                                          <p:spTgt spid="7"/>
+                                        </p:tgtEl>
+                                        <p:attrNameLst>
+                                          <p:attrName>ppt_y</p:attrName>
+                                        </p:attrNameLst>
+                                      </p:cBhvr>
+                                      <p:tavLst>
+                                        <p:tav tm="0">
+                                          <p:val>
+                                            <p:strVal val="1+#ppt_h/2"/>
+                                          </p:val>
+                                        </p:tav>
+                                        <p:tav tm="100000">
+                                          <p:val>
+                                            <p:strVal val="#ppt_y"/>
+                                          </p:val>
+                                        </p:tav>
+                                      </p:tavLst>
+                                    </p:anim>
+                                  </p:childTnLst>
+                                </p:cTn>
+                              </p:par>
+                            </p:childTnLst>
+                          </p:cTn>
+                        </p:par>
+                      </p:childTnLst>
+                    </p:cTn>
+                  </p:par>
+                  <p:par>
+                    <p:cTn id="21" fill="hold">
+                      <p:stCondLst>
+                        <p:cond delay="indefinite"/>
+                      </p:stCondLst>
+                      <p:childTnLst>
+                        <p:par>
+                          <p:cTn id="22" fill="hold">
+                            <p:stCondLst>
+                              <p:cond delay="0"/>
+                            </p:stCondLst>
+                            <p:childTnLst>
+                              <p:par>
+                                <p:cTn id="23" presetID="2" presetClass="entr" presetSubtype="4" fill="hold" nodeType="clickEffect">
+                                  <p:stCondLst>
+                                    <p:cond delay="0"/>
+                                  </p:stCondLst>
+                                  <p:childTnLst>
+                                    <p:set>
+                                      <p:cBhvr>
+                                        <p:cTn id="24" dur="1" fill="hold">
+                                          <p:stCondLst>
+                                            <p:cond delay="0"/>
+                                          </p:stCondLst>
+                                        </p:cTn>
+                                        <p:tgtEl>
+                                          <p:spTgt spid="9"/>
+                                        </p:tgtEl>
+                                        <p:attrNameLst>
+                                          <p:attrName>style.visibility</p:attrName>
+                                        </p:attrNameLst>
+                                      </p:cBhvr>
+                                      <p:to>
+                                        <p:strVal val="visible"/>
+                                      </p:to>
+                                    </p:set>
+                                    <p:anim calcmode="lin" valueType="num">
+                                      <p:cBhvr additive="base">
+                                        <p:cTn id="25" dur="500" fill="hold"/>
+                                        <p:tgtEl>
+                                          <p:spTgt spid="9"/>
+                                        </p:tgtEl>
+                                        <p:attrNameLst>
+                                          <p:attrName>ppt_x</p:attrName>
+                                        </p:attrNameLst>
+                                      </p:cBhvr>
+                                      <p:tavLst>
+                                        <p:tav tm="0">
+                                          <p:val>
+                                            <p:strVal val="#ppt_x"/>
+                                          </p:val>
+                                        </p:tav>
+                                        <p:tav tm="100000">
+                                          <p:val>
+                                            <p:strVal val="#ppt_x"/>
+                                          </p:val>
+                                        </p:tav>
+                                      </p:tavLst>
+                                    </p:anim>
+                                    <p:anim calcmode="lin" valueType="num">
+                                      <p:cBhvr additive="base">
+                                        <p:cTn id="26" dur="500" fill="hold"/>
+                                        <p:tgtEl>
+                                          <p:spTgt spid="9"/>
+                                        </p:tgtEl>
+                                        <p:attrNameLst>
+                                          <p:attrName>ppt_y</p:attrName>
+                                        </p:attrNameLst>
+                                      </p:cBhvr>
+                                      <p:tavLst>
+                                        <p:tav tm="0">
+                                          <p:val>
+                                            <p:strVal val="1+#ppt_h/2"/>
+                                          </p:val>
+                                        </p:tav>
+                                        <p:tav tm="100000">
+                                          <p:val>
+                                            <p:strVal val="#ppt_y"/>
+                                          </p:val>
+                                        </p:tav>
+                                      </p:tavLst>
+                                    </p:anim>
+                                  </p:childTnLst>
+                                </p:cTn>
+                              </p:par>
+                            </p:childTnLst>
+                          </p:cTn>
+                        </p:par>
+                        <p:par>
+                          <p:cTn id="27" fill="hold">
+                            <p:stCondLst>
+                              <p:cond delay="500"/>
+                            </p:stCondLst>
+                            <p:childTnLst>
+                              <p:par>
+                                <p:cTn id="28" presetID="2" presetClass="entr" presetSubtype="4" fill="hold" grpId="0" nodeType="afterEffect">
+                                  <p:stCondLst>
+                                    <p:cond delay="0"/>
+                                  </p:stCondLst>
+                                  <p:childTnLst>
+                                    <p:set>
+                                      <p:cBhvr>
+                                        <p:cTn id="29" dur="1" fill="hold">
+                                          <p:stCondLst>
+                                            <p:cond delay="0"/>
+                                          </p:stCondLst>
+                                        </p:cTn>
+                                        <p:tgtEl>
+                                          <p:spTgt spid="6"/>
+                                        </p:tgtEl>
+                                        <p:attrNameLst>
+                                          <p:attrName>style.visibility</p:attrName>
+                                        </p:attrNameLst>
+                                      </p:cBhvr>
+                                      <p:to>
+                                        <p:strVal val="visible"/>
+                                      </p:to>
+                                    </p:set>
+                                    <p:anim calcmode="lin" valueType="num">
+                                      <p:cBhvr additive="base">
+                                        <p:cTn id="30" dur="500" fill="hold"/>
+                                        <p:tgtEl>
+                                          <p:spTgt spid="6"/>
+                                        </p:tgtEl>
+                                        <p:attrNameLst>
+                                          <p:attrName>ppt_x</p:attrName>
+                                        </p:attrNameLst>
+                                      </p:cBhvr>
+                                      <p:tavLst>
+                                        <p:tav tm="0">
+                                          <p:val>
+                                            <p:strVal val="#ppt_x"/>
+                                          </p:val>
+                                        </p:tav>
+                                        <p:tav tm="100000">
+                                          <p:val>
+                                            <p:strVal val="#ppt_x"/>
+                                          </p:val>
+                                        </p:tav>
+                                      </p:tavLst>
+                                    </p:anim>
+                                    <p:anim calcmode="lin" valueType="num">
+                                      <p:cBhvr additive="base">
+                                        <p:cTn id="31" dur="500" fill="hold"/>
+                                        <p:tgtEl>
+                                          <p:spTgt spid="6"/>
                                         </p:tgtEl>
                                         <p:attrNameLst>
                                           <p:attrName>ppt_y</p:attrName>
@@ -12811,458 +14362,14 @@
         </p:cTn>
       </p:par>
     </p:tnLst>
+    <p:bldLst>
+      <p:bldP spid="6" grpId="0"/>
+    </p:bldLst>
   </p:timing>
 </p:sld>
 </file>
 
 <file path=ppt/slides/slide25.xml><?xml version="1.0" encoding="utf-8"?>
-<p:sld xmlns:a="http://schemas.openxmlformats.org/drawingml/2006/main" xmlns:r="http://schemas.openxmlformats.org/officeDocument/2006/relationships" xmlns:p="http://schemas.openxmlformats.org/presentationml/2006/main">
-  <p:cSld>
-    <p:spTree>
-      <p:nvGrpSpPr>
-        <p:cNvPr id="1" name=""/>
-        <p:cNvGrpSpPr/>
-        <p:nvPr/>
-      </p:nvGrpSpPr>
-      <p:grpSpPr>
-        <a:xfrm>
-          <a:off x="0" y="0"/>
-          <a:ext cx="0" cy="0"/>
-          <a:chOff x="0" y="0"/>
-          <a:chExt cx="0" cy="0"/>
-        </a:xfrm>
-      </p:grpSpPr>
-      <p:sp>
-        <p:nvSpPr>
-          <p:cNvPr id="2" name="内容占位符 1"/>
-          <p:cNvSpPr>
-            <a:spLocks noGrp="1"/>
-          </p:cNvSpPr>
-          <p:nvPr>
-            <p:ph sz="quarter" idx="10"/>
-          </p:nvPr>
-        </p:nvSpPr>
-        <p:spPr>
-          <a:xfrm>
-            <a:off x="927735" y="783590"/>
-            <a:ext cx="9776460" cy="5269230"/>
-          </a:xfrm>
-        </p:spPr>
-        <p:txBody>
-          <a:bodyPr/>
-          <a:lstStyle/>
-          <a:p>
-            <a:pPr>
-              <a:lnSpc>
-                <a:spcPct val="150000"/>
-              </a:lnSpc>
-            </a:pPr>
-            <a:r>
-              <a:rPr lang="zh-CN" altLang="en-US" sz="3200" dirty="0">
-                <a:solidFill>
-                  <a:schemeClr val="tx1"/>
-                </a:solidFill>
-                <a:sym typeface="+mn-ea"/>
-              </a:rPr>
-              <a:t>其他类型的</a:t>
-            </a:r>
-            <a:r>
-              <a:rPr lang="en-US" altLang="zh-CN" sz="3200" dirty="0">
-                <a:solidFill>
-                  <a:schemeClr val="tx1"/>
-                </a:solidFill>
-                <a:sym typeface="+mn-ea"/>
-              </a:rPr>
-              <a:t>Error</a:t>
-            </a:r>
-            <a:br>
-              <a:rPr lang="en-US" altLang="zh-CN" sz="2000" dirty="0">
-                <a:solidFill>
-                  <a:schemeClr val="tx1"/>
-                </a:solidFill>
-                <a:sym typeface="+mn-ea"/>
-              </a:rPr>
-            </a:br>
-            <a:r>
-              <a:rPr lang="en-US" altLang="zh-CN" sz="2000" dirty="0">
-                <a:solidFill>
-                  <a:schemeClr val="tx1"/>
-                </a:solidFill>
-                <a:sym typeface="+mn-ea"/>
-              </a:rPr>
-              <a:t>- ReferenceError </a:t>
-            </a:r>
-            <a:r>
-              <a:rPr lang="zh-CN" altLang="en-US" sz="2000" dirty="0">
-                <a:solidFill>
-                  <a:schemeClr val="tx1"/>
-                </a:solidFill>
-                <a:sym typeface="+mn-ea"/>
-              </a:rPr>
-              <a:t>引用错误</a:t>
-            </a:r>
-            <a:br>
-              <a:rPr lang="zh-CN" altLang="en-US" sz="2000" dirty="0">
-                <a:solidFill>
-                  <a:schemeClr val="tx1"/>
-                </a:solidFill>
-                <a:sym typeface="+mn-ea"/>
-              </a:rPr>
-            </a:br>
-            <a:r>
-              <a:rPr lang="en-US" altLang="zh-CN" sz="2000" dirty="0">
-                <a:solidFill>
-                  <a:schemeClr val="tx1"/>
-                </a:solidFill>
-                <a:sym typeface="+mn-ea"/>
-              </a:rPr>
-              <a:t>- RangeError </a:t>
-            </a:r>
-            <a:r>
-              <a:rPr lang="zh-CN" altLang="en-US" sz="2000" dirty="0">
-                <a:solidFill>
-                  <a:schemeClr val="tx1"/>
-                </a:solidFill>
-                <a:sym typeface="+mn-ea"/>
-              </a:rPr>
-              <a:t>范围错误</a:t>
-            </a:r>
-            <a:br>
-              <a:rPr lang="en-US" altLang="zh-CN" sz="2000" dirty="0">
-                <a:solidFill>
-                  <a:schemeClr val="tx1"/>
-                </a:solidFill>
-                <a:sym typeface="+mn-ea"/>
-              </a:rPr>
-            </a:br>
-            <a:r>
-              <a:rPr lang="en-US" altLang="zh-CN" sz="2000" dirty="0">
-                <a:solidFill>
-                  <a:schemeClr val="tx1"/>
-                </a:solidFill>
-                <a:sym typeface="+mn-ea"/>
-              </a:rPr>
-              <a:t>- TypeError </a:t>
-            </a:r>
-            <a:r>
-              <a:rPr lang="zh-CN" altLang="en-US" sz="2000" dirty="0">
-                <a:solidFill>
-                  <a:schemeClr val="tx1"/>
-                </a:solidFill>
-                <a:sym typeface="+mn-ea"/>
-              </a:rPr>
-              <a:t>类型错误</a:t>
-            </a:r>
-            <a:br>
-              <a:rPr lang="en-US" altLang="zh-CN" sz="2000" dirty="0">
-                <a:solidFill>
-                  <a:schemeClr val="tx1"/>
-                </a:solidFill>
-                <a:sym typeface="+mn-ea"/>
-              </a:rPr>
-            </a:br>
-            <a:r>
-              <a:rPr lang="en-US" altLang="zh-CN" sz="2000" dirty="0">
-                <a:solidFill>
-                  <a:schemeClr val="tx1"/>
-                </a:solidFill>
-                <a:sym typeface="+mn-ea"/>
-              </a:rPr>
-              <a:t>- URIError </a:t>
-            </a:r>
-            <a:r>
-              <a:rPr lang="zh-CN" altLang="en-US" sz="2000" dirty="0">
-                <a:solidFill>
-                  <a:schemeClr val="tx1"/>
-                </a:solidFill>
-                <a:sym typeface="+mn-ea"/>
-              </a:rPr>
-              <a:t>资源定位错误</a:t>
-            </a:r>
-            <a:br>
-              <a:rPr lang="en-US" altLang="zh-CN" sz="2000" dirty="0">
-                <a:solidFill>
-                  <a:schemeClr val="tx1"/>
-                </a:solidFill>
-                <a:sym typeface="+mn-ea"/>
-              </a:rPr>
-            </a:br>
-            <a:r>
-              <a:rPr lang="en-US" altLang="zh-CN" sz="2000" dirty="0">
-                <a:solidFill>
-                  <a:schemeClr val="tx1"/>
-                </a:solidFill>
-                <a:sym typeface="+mn-ea"/>
-              </a:rPr>
-              <a:t>- SyntaxError eval( )</a:t>
-            </a:r>
-            <a:r>
-              <a:rPr lang="zh-CN" altLang="en-US" sz="2000" dirty="0">
-                <a:solidFill>
-                  <a:schemeClr val="tx1"/>
-                </a:solidFill>
-                <a:sym typeface="+mn-ea"/>
-              </a:rPr>
-              <a:t>解析代码时语法错误</a:t>
-            </a:r>
-            <a:br>
-              <a:rPr lang="en-US" altLang="zh-CN" sz="2000" dirty="0">
-                <a:solidFill>
-                  <a:schemeClr val="tx1"/>
-                </a:solidFill>
-                <a:sym typeface="+mn-ea"/>
-              </a:rPr>
-            </a:br>
-            <a:r>
-              <a:rPr lang="en-US" altLang="zh-CN" sz="2000" dirty="0">
-                <a:solidFill>
-                  <a:schemeClr val="tx1"/>
-                </a:solidFill>
-                <a:sym typeface="+mn-ea"/>
-              </a:rPr>
-              <a:t>- EvalError  </a:t>
-            </a:r>
-            <a:r>
-              <a:rPr lang="zh-CN" altLang="en-US" sz="2000" dirty="0">
-                <a:solidFill>
-                  <a:schemeClr val="tx1"/>
-                </a:solidFill>
-                <a:sym typeface="+mn-ea"/>
-              </a:rPr>
-              <a:t>与</a:t>
-            </a:r>
-            <a:r>
-              <a:rPr lang="en-US" altLang="zh-CN" sz="2000" dirty="0">
-                <a:solidFill>
-                  <a:schemeClr val="tx1"/>
-                </a:solidFill>
-                <a:sym typeface="+mn-ea"/>
-              </a:rPr>
-              <a:t>eval( )</a:t>
-            </a:r>
-            <a:r>
-              <a:rPr lang="zh-CN" altLang="en-US" sz="2000" dirty="0">
-                <a:solidFill>
-                  <a:schemeClr val="tx1"/>
-                </a:solidFill>
-                <a:sym typeface="+mn-ea"/>
-              </a:rPr>
-              <a:t>有关的错误</a:t>
-            </a:r>
-            <a:br>
-              <a:rPr lang="zh-CN" altLang="en-US" sz="3200" dirty="0">
-                <a:solidFill>
-                  <a:schemeClr val="tx1"/>
-                </a:solidFill>
-                <a:sym typeface="+mn-ea"/>
-              </a:rPr>
-            </a:br>
-            <a:endParaRPr lang="zh-CN" altLang="en-US" sz="1800" dirty="0">
-              <a:solidFill>
-                <a:schemeClr val="accent3"/>
-              </a:solidFill>
-              <a:sym typeface="+mn-ea"/>
-            </a:endParaRPr>
-          </a:p>
-          <a:p>
-            <a:pPr marL="0" indent="0">
-              <a:lnSpc>
-                <a:spcPct val="150000"/>
-              </a:lnSpc>
-              <a:buNone/>
-            </a:pPr>
-            <a:endParaRPr lang="zh-CN" altLang="en-US" sz="1800" dirty="0">
-              <a:solidFill>
-                <a:schemeClr val="tx1"/>
-              </a:solidFill>
-              <a:sym typeface="+mn-ea"/>
-            </a:endParaRPr>
-          </a:p>
-          <a:p>
-            <a:pPr marL="0" indent="0">
-              <a:lnSpc>
-                <a:spcPct val="160000"/>
-              </a:lnSpc>
-              <a:buNone/>
-            </a:pPr>
-            <a:endParaRPr lang="en-US" altLang="zh-CN" sz="1800" dirty="0">
-              <a:solidFill>
-                <a:schemeClr val="tx1"/>
-              </a:solidFill>
-              <a:sym typeface="+mn-ea"/>
-            </a:endParaRPr>
-          </a:p>
-        </p:txBody>
-      </p:sp>
-      <p:sp>
-        <p:nvSpPr>
-          <p:cNvPr id="3" name="内容占位符 2"/>
-          <p:cNvSpPr>
-            <a:spLocks noGrp="1"/>
-          </p:cNvSpPr>
-          <p:nvPr>
-            <p:ph sz="quarter" idx="11"/>
-          </p:nvPr>
-        </p:nvSpPr>
-        <p:spPr/>
-        <p:txBody>
-          <a:bodyPr/>
-          <a:lstStyle/>
-          <a:p>
-            <a:r>
-              <a:rPr lang="en-US" altLang="zh-CN" dirty="0"/>
-              <a:t>Error</a:t>
-            </a:r>
-            <a:r>
-              <a:rPr lang="zh-CN" altLang="en-US" dirty="0"/>
-              <a:t>对象</a:t>
-            </a:r>
-            <a:endParaRPr lang="zh-CN" altLang="en-US" dirty="0"/>
-          </a:p>
-        </p:txBody>
-      </p:sp>
-    </p:spTree>
-  </p:cSld>
-  <p:clrMapOvr>
-    <a:masterClrMapping/>
-  </p:clrMapOvr>
-  <p:timing>
-    <p:tnLst>
-      <p:par>
-        <p:cTn id="1" dur="indefinite" restart="never" nodeType="tmRoot">
-          <p:childTnLst>
-            <p:seq concurrent="1" nextAc="seek">
-              <p:cTn id="2" dur="indefinite" nodeType="mainSeq">
-                <p:childTnLst>
-                  <p:par>
-                    <p:cTn id="3" fill="hold">
-                      <p:stCondLst>
-                        <p:cond delay="indefinite"/>
-                      </p:stCondLst>
-                      <p:childTnLst>
-                        <p:par>
-                          <p:cTn id="4" fill="hold">
-                            <p:stCondLst>
-                              <p:cond delay="0"/>
-                            </p:stCondLst>
-                            <p:childTnLst>
-                              <p:par>
-                                <p:cTn id="5" presetID="2" presetClass="entr" presetSubtype="4" fill="hold" nodeType="clickEffect">
-                                  <p:stCondLst>
-                                    <p:cond delay="0"/>
-                                  </p:stCondLst>
-                                  <p:childTnLst>
-                                    <p:set>
-                                      <p:cBhvr>
-                                        <p:cTn id="6" dur="1" fill="hold">
-                                          <p:stCondLst>
-                                            <p:cond delay="0"/>
-                                          </p:stCondLst>
-                                        </p:cTn>
-                                        <p:tgtEl>
-                                          <p:spTgt spid="2">
-                                            <p:txEl>
-                                              <p:pRg st="0" end="0"/>
-                                            </p:txEl>
-                                          </p:spTgt>
-                                        </p:tgtEl>
-                                        <p:attrNameLst>
-                                          <p:attrName>style.visibility</p:attrName>
-                                        </p:attrNameLst>
-                                      </p:cBhvr>
-                                      <p:to>
-                                        <p:strVal val="visible"/>
-                                      </p:to>
-                                    </p:set>
-                                    <p:anim calcmode="lin" valueType="num">
-                                      <p:cBhvr additive="base">
-                                        <p:cTn id="7" dur="500" fill="hold"/>
-                                        <p:tgtEl>
-                                          <p:spTgt spid="2">
-                                            <p:txEl>
-                                              <p:pRg st="0" end="0"/>
-                                            </p:txEl>
-                                          </p:spTgt>
-                                        </p:tgtEl>
-                                        <p:attrNameLst>
-                                          <p:attrName>ppt_x</p:attrName>
-                                        </p:attrNameLst>
-                                      </p:cBhvr>
-                                      <p:tavLst>
-                                        <p:tav tm="0">
-                                          <p:val>
-                                            <p:strVal val="#ppt_x"/>
-                                          </p:val>
-                                        </p:tav>
-                                        <p:tav tm="100000">
-                                          <p:val>
-                                            <p:strVal val="#ppt_x"/>
-                                          </p:val>
-                                        </p:tav>
-                                      </p:tavLst>
-                                    </p:anim>
-                                    <p:anim calcmode="lin" valueType="num">
-                                      <p:cBhvr additive="base">
-                                        <p:cTn id="8" dur="500" fill="hold"/>
-                                        <p:tgtEl>
-                                          <p:spTgt spid="2">
-                                            <p:txEl>
-                                              <p:pRg st="0" end="0"/>
-                                            </p:txEl>
-                                          </p:spTgt>
-                                        </p:tgtEl>
-                                        <p:attrNameLst>
-                                          <p:attrName>ppt_y</p:attrName>
-                                        </p:attrNameLst>
-                                      </p:cBhvr>
-                                      <p:tavLst>
-                                        <p:tav tm="0">
-                                          <p:val>
-                                            <p:strVal val="1+#ppt_h/2"/>
-                                          </p:val>
-                                        </p:tav>
-                                        <p:tav tm="100000">
-                                          <p:val>
-                                            <p:strVal val="#ppt_y"/>
-                                          </p:val>
-                                        </p:tav>
-                                      </p:tavLst>
-                                    </p:anim>
-                                  </p:childTnLst>
-                                </p:cTn>
-                              </p:par>
-                            </p:childTnLst>
-                          </p:cTn>
-                        </p:par>
-                      </p:childTnLst>
-                    </p:cTn>
-                  </p:par>
-                </p:childTnLst>
-              </p:cTn>
-              <p:prevCondLst>
-                <p:cond evt="onPrev" delay="0">
-                  <p:tgtEl>
-                    <p:sldTgt/>
-                  </p:tgtEl>
-                </p:cond>
-              </p:prevCondLst>
-              <p:nextCondLst>
-                <p:cond evt="onNext" delay="0">
-                  <p:tgtEl>
-                    <p:sldTgt/>
-                  </p:tgtEl>
-                </p:cond>
-              </p:nextCondLst>
-            </p:seq>
-          </p:childTnLst>
-        </p:cTn>
-      </p:par>
-    </p:tnLst>
-  </p:timing>
-</p:sld>
-</file>
-
-<file path=ppt/slides/slide26.xml><?xml version="1.0" encoding="utf-8"?>
 <p:sld xmlns:a="http://schemas.openxmlformats.org/drawingml/2006/main" xmlns:r="http://schemas.openxmlformats.org/officeDocument/2006/relationships" xmlns:p="http://schemas.openxmlformats.org/presentationml/2006/main">
   <p:cSld>
     <p:spTree>
@@ -13451,6 +14558,208 @@
           </a:extLst>
         </p:spPr>
       </p:pic>
+    </p:spTree>
+  </p:cSld>
+  <p:clrMapOvr>
+    <a:masterClrMapping/>
+  </p:clrMapOvr>
+  <p:timing>
+    <p:tnLst>
+      <p:par>
+        <p:cTn id="1" dur="indefinite" restart="never" nodeType="tmRoot"/>
+      </p:par>
+    </p:tnLst>
+  </p:timing>
+</p:sld>
+</file>
+
+<file path=ppt/slides/slide26.xml><?xml version="1.0" encoding="utf-8"?>
+<p:sld xmlns:a="http://schemas.openxmlformats.org/drawingml/2006/main" xmlns:r="http://schemas.openxmlformats.org/officeDocument/2006/relationships" xmlns:p="http://schemas.openxmlformats.org/presentationml/2006/main">
+  <p:cSld>
+    <p:spTree>
+      <p:nvGrpSpPr>
+        <p:cNvPr id="1" name=""/>
+        <p:cNvGrpSpPr/>
+        <p:nvPr/>
+      </p:nvGrpSpPr>
+      <p:grpSpPr>
+        <a:xfrm>
+          <a:off x="0" y="0"/>
+          <a:ext cx="0" cy="0"/>
+          <a:chOff x="0" y="0"/>
+          <a:chExt cx="0" cy="0"/>
+        </a:xfrm>
+      </p:grpSpPr>
+      <p:sp>
+        <p:nvSpPr>
+          <p:cNvPr id="2" name="内容占位符 1"/>
+          <p:cNvSpPr>
+            <a:spLocks noGrp="1"/>
+          </p:cNvSpPr>
+          <p:nvPr>
+            <p:ph sz="quarter" idx="10"/>
+          </p:nvPr>
+        </p:nvSpPr>
+        <p:spPr>
+          <a:xfrm>
+            <a:off x="927735" y="783590"/>
+            <a:ext cx="10986135" cy="5269230"/>
+          </a:xfrm>
+        </p:spPr>
+        <p:txBody>
+          <a:bodyPr/>
+          <a:lstStyle/>
+          <a:p>
+            <a:pPr>
+              <a:lnSpc>
+                <a:spcPct val="140000"/>
+              </a:lnSpc>
+            </a:pPr>
+            <a:r>
+              <a:rPr lang="zh-CN" sz="3200" dirty="0">
+                <a:solidFill>
+                  <a:schemeClr val="tx1"/>
+                </a:solidFill>
+                <a:sym typeface="+mn-ea"/>
+              </a:rPr>
+              <a:t>阅读《深入理解</a:t>
+            </a:r>
+            <a:r>
+              <a:rPr lang="en-US" altLang="zh-CN" sz="3200" dirty="0">
+                <a:solidFill>
+                  <a:schemeClr val="tx1"/>
+                </a:solidFill>
+                <a:sym typeface="+mn-ea"/>
+              </a:rPr>
+              <a:t>JavaScript</a:t>
+            </a:r>
+            <a:r>
+              <a:rPr lang="zh-CN" altLang="en-US" sz="3200" dirty="0">
+                <a:solidFill>
+                  <a:schemeClr val="tx1"/>
+                </a:solidFill>
+                <a:sym typeface="+mn-ea"/>
+              </a:rPr>
+              <a:t>》第</a:t>
+            </a:r>
+            <a:r>
+              <a:rPr lang="en-US" altLang="zh-CN" sz="3200" dirty="0">
+                <a:solidFill>
+                  <a:schemeClr val="tx1"/>
+                </a:solidFill>
+                <a:sym typeface="+mn-ea"/>
+              </a:rPr>
+              <a:t>19</a:t>
+            </a:r>
+            <a:r>
+              <a:rPr lang="zh-CN" altLang="en-US" sz="3200" dirty="0">
+                <a:solidFill>
+                  <a:schemeClr val="tx1"/>
+                </a:solidFill>
+                <a:sym typeface="+mn-ea"/>
+              </a:rPr>
+              <a:t>章 正则表达式</a:t>
+            </a:r>
+            <a:endParaRPr lang="zh-CN" altLang="en-US" sz="3200" dirty="0">
+              <a:solidFill>
+                <a:schemeClr val="tx1"/>
+              </a:solidFill>
+              <a:sym typeface="+mn-ea"/>
+            </a:endParaRPr>
+          </a:p>
+          <a:p>
+            <a:pPr marL="0" indent="0">
+              <a:lnSpc>
+                <a:spcPct val="140000"/>
+              </a:lnSpc>
+              <a:buNone/>
+            </a:pPr>
+            <a:br>
+              <a:rPr lang="en-US" altLang="zh-CN" sz="2000" dirty="0">
+                <a:solidFill>
+                  <a:schemeClr val="tx1"/>
+                </a:solidFill>
+                <a:sym typeface="+mn-ea"/>
+              </a:rPr>
+            </a:br>
+            <a:br>
+              <a:rPr lang="zh-CN" altLang="en-US" sz="3200" dirty="0">
+                <a:solidFill>
+                  <a:schemeClr val="tx1"/>
+                </a:solidFill>
+                <a:sym typeface="+mn-ea"/>
+              </a:rPr>
+            </a:br>
+            <a:br>
+              <a:rPr lang="zh-CN" altLang="en-US" sz="3200" dirty="0">
+                <a:solidFill>
+                  <a:schemeClr val="tx1"/>
+                </a:solidFill>
+                <a:sym typeface="+mn-ea"/>
+              </a:rPr>
+            </a:br>
+            <a:br>
+              <a:rPr lang="en-US" altLang="zh-CN" sz="3200" dirty="0">
+                <a:solidFill>
+                  <a:schemeClr val="tx1"/>
+                </a:solidFill>
+                <a:sym typeface="+mn-ea"/>
+              </a:rPr>
+            </a:br>
+            <a:br>
+              <a:rPr lang="zh-CN" altLang="en-US" sz="3200" dirty="0">
+                <a:solidFill>
+                  <a:schemeClr val="tx1"/>
+                </a:solidFill>
+                <a:sym typeface="+mn-ea"/>
+              </a:rPr>
+            </a:br>
+            <a:endParaRPr lang="zh-CN" altLang="en-US" sz="1800" dirty="0">
+              <a:solidFill>
+                <a:schemeClr val="tx1"/>
+              </a:solidFill>
+              <a:sym typeface="+mn-ea"/>
+            </a:endParaRPr>
+          </a:p>
+          <a:p>
+            <a:pPr marL="0" indent="0">
+              <a:lnSpc>
+                <a:spcPct val="160000"/>
+              </a:lnSpc>
+              <a:buNone/>
+            </a:pPr>
+            <a:endParaRPr lang="en-US" altLang="zh-CN" sz="1800" dirty="0">
+              <a:solidFill>
+                <a:schemeClr val="tx1"/>
+              </a:solidFill>
+              <a:sym typeface="+mn-ea"/>
+            </a:endParaRPr>
+          </a:p>
+        </p:txBody>
+      </p:sp>
+      <p:sp>
+        <p:nvSpPr>
+          <p:cNvPr id="3" name="内容占位符 2"/>
+          <p:cNvSpPr>
+            <a:spLocks noGrp="1"/>
+          </p:cNvSpPr>
+          <p:nvPr>
+            <p:ph sz="quarter" idx="11"/>
+          </p:nvPr>
+        </p:nvSpPr>
+        <p:spPr/>
+        <p:txBody>
+          <a:bodyPr/>
+          <a:lstStyle/>
+          <a:p>
+            <a:r>
+              <a:rPr lang="zh-CN" altLang="en-US" dirty="0"/>
+              <a:t>作业</a:t>
+            </a:r>
+            <a:endParaRPr lang="zh-CN" altLang="en-US" dirty="0"/>
+          </a:p>
+        </p:txBody>
+      </p:sp>
     </p:spTree>
   </p:cSld>
   <p:clrMapOvr>

--- a/课程PPT/10.JavaScript标准内置对象-构造器（RegExp、Error）.pptx
+++ b/课程PPT/10.JavaScript标准内置对象-构造器（RegExp、Error）.pptx
@@ -28,15 +28,15 @@
     <p:sldId id="1337" r:id="rId18"/>
     <p:sldId id="1340" r:id="rId19"/>
     <p:sldId id="1264" r:id="rId20"/>
-    <p:sldId id="1225" r:id="rId21"/>
-    <p:sldId id="1226" r:id="rId22"/>
-    <p:sldId id="1244" r:id="rId23"/>
-    <p:sldId id="1362" r:id="rId24"/>
-    <p:sldId id="1241" r:id="rId25"/>
-    <p:sldId id="1242" r:id="rId26"/>
-    <p:sldId id="1243" r:id="rId27"/>
-    <p:sldId id="1227" r:id="rId28"/>
-    <p:sldId id="1353" r:id="rId29"/>
+    <p:sldId id="1353" r:id="rId21"/>
+    <p:sldId id="1225" r:id="rId22"/>
+    <p:sldId id="1226" r:id="rId23"/>
+    <p:sldId id="1244" r:id="rId24"/>
+    <p:sldId id="1362" r:id="rId25"/>
+    <p:sldId id="1241" r:id="rId26"/>
+    <p:sldId id="1242" r:id="rId27"/>
+    <p:sldId id="1243" r:id="rId28"/>
+    <p:sldId id="1227" r:id="rId29"/>
   </p:sldIdLst>
   <p:sldSz cx="12192000" cy="6858000"/>
   <p:notesSz cx="6797675" cy="9928225"/>
@@ -9589,6 +9589,208 @@
           <a:chExt cx="0" cy="0"/>
         </a:xfrm>
       </p:grpSpPr>
+      <p:sp>
+        <p:nvSpPr>
+          <p:cNvPr id="2" name="内容占位符 1"/>
+          <p:cNvSpPr>
+            <a:spLocks noGrp="1"/>
+          </p:cNvSpPr>
+          <p:nvPr>
+            <p:ph sz="quarter" idx="10"/>
+          </p:nvPr>
+        </p:nvSpPr>
+        <p:spPr>
+          <a:xfrm>
+            <a:off x="927735" y="783590"/>
+            <a:ext cx="10986135" cy="5269230"/>
+          </a:xfrm>
+        </p:spPr>
+        <p:txBody>
+          <a:bodyPr/>
+          <a:lstStyle/>
+          <a:p>
+            <a:pPr>
+              <a:lnSpc>
+                <a:spcPct val="140000"/>
+              </a:lnSpc>
+            </a:pPr>
+            <a:r>
+              <a:rPr lang="zh-CN" sz="3200" dirty="0">
+                <a:solidFill>
+                  <a:schemeClr val="tx1"/>
+                </a:solidFill>
+                <a:sym typeface="+mn-ea"/>
+              </a:rPr>
+              <a:t>阅读《深入理解</a:t>
+            </a:r>
+            <a:r>
+              <a:rPr lang="en-US" altLang="zh-CN" sz="3200" dirty="0">
+                <a:solidFill>
+                  <a:schemeClr val="tx1"/>
+                </a:solidFill>
+                <a:sym typeface="+mn-ea"/>
+              </a:rPr>
+              <a:t>JavaScript</a:t>
+            </a:r>
+            <a:r>
+              <a:rPr lang="zh-CN" altLang="en-US" sz="3200" dirty="0">
+                <a:solidFill>
+                  <a:schemeClr val="tx1"/>
+                </a:solidFill>
+                <a:sym typeface="+mn-ea"/>
+              </a:rPr>
+              <a:t>》第</a:t>
+            </a:r>
+            <a:r>
+              <a:rPr lang="en-US" altLang="zh-CN" sz="3200" dirty="0">
+                <a:solidFill>
+                  <a:schemeClr val="tx1"/>
+                </a:solidFill>
+                <a:sym typeface="+mn-ea"/>
+              </a:rPr>
+              <a:t>19</a:t>
+            </a:r>
+            <a:r>
+              <a:rPr lang="zh-CN" altLang="en-US" sz="3200" dirty="0">
+                <a:solidFill>
+                  <a:schemeClr val="tx1"/>
+                </a:solidFill>
+                <a:sym typeface="+mn-ea"/>
+              </a:rPr>
+              <a:t>章 正则表达式</a:t>
+            </a:r>
+            <a:endParaRPr lang="zh-CN" altLang="en-US" sz="3200" dirty="0">
+              <a:solidFill>
+                <a:schemeClr val="tx1"/>
+              </a:solidFill>
+              <a:sym typeface="+mn-ea"/>
+            </a:endParaRPr>
+          </a:p>
+          <a:p>
+            <a:pPr marL="0" indent="0">
+              <a:lnSpc>
+                <a:spcPct val="140000"/>
+              </a:lnSpc>
+              <a:buNone/>
+            </a:pPr>
+            <a:br>
+              <a:rPr lang="en-US" altLang="zh-CN" sz="2000" dirty="0">
+                <a:solidFill>
+                  <a:schemeClr val="tx1"/>
+                </a:solidFill>
+                <a:sym typeface="+mn-ea"/>
+              </a:rPr>
+            </a:br>
+            <a:br>
+              <a:rPr lang="zh-CN" altLang="en-US" sz="3200" dirty="0">
+                <a:solidFill>
+                  <a:schemeClr val="tx1"/>
+                </a:solidFill>
+                <a:sym typeface="+mn-ea"/>
+              </a:rPr>
+            </a:br>
+            <a:br>
+              <a:rPr lang="zh-CN" altLang="en-US" sz="3200" dirty="0">
+                <a:solidFill>
+                  <a:schemeClr val="tx1"/>
+                </a:solidFill>
+                <a:sym typeface="+mn-ea"/>
+              </a:rPr>
+            </a:br>
+            <a:br>
+              <a:rPr lang="en-US" altLang="zh-CN" sz="3200" dirty="0">
+                <a:solidFill>
+                  <a:schemeClr val="tx1"/>
+                </a:solidFill>
+                <a:sym typeface="+mn-ea"/>
+              </a:rPr>
+            </a:br>
+            <a:br>
+              <a:rPr lang="zh-CN" altLang="en-US" sz="3200" dirty="0">
+                <a:solidFill>
+                  <a:schemeClr val="tx1"/>
+                </a:solidFill>
+                <a:sym typeface="+mn-ea"/>
+              </a:rPr>
+            </a:br>
+            <a:endParaRPr lang="zh-CN" altLang="en-US" sz="1800" dirty="0">
+              <a:solidFill>
+                <a:schemeClr val="tx1"/>
+              </a:solidFill>
+              <a:sym typeface="+mn-ea"/>
+            </a:endParaRPr>
+          </a:p>
+          <a:p>
+            <a:pPr marL="0" indent="0">
+              <a:lnSpc>
+                <a:spcPct val="160000"/>
+              </a:lnSpc>
+              <a:buNone/>
+            </a:pPr>
+            <a:endParaRPr lang="en-US" altLang="zh-CN" sz="1800" dirty="0">
+              <a:solidFill>
+                <a:schemeClr val="tx1"/>
+              </a:solidFill>
+              <a:sym typeface="+mn-ea"/>
+            </a:endParaRPr>
+          </a:p>
+        </p:txBody>
+      </p:sp>
+      <p:sp>
+        <p:nvSpPr>
+          <p:cNvPr id="3" name="内容占位符 2"/>
+          <p:cNvSpPr>
+            <a:spLocks noGrp="1"/>
+          </p:cNvSpPr>
+          <p:nvPr>
+            <p:ph sz="quarter" idx="11"/>
+          </p:nvPr>
+        </p:nvSpPr>
+        <p:spPr/>
+        <p:txBody>
+          <a:bodyPr/>
+          <a:lstStyle/>
+          <a:p>
+            <a:r>
+              <a:rPr lang="zh-CN" altLang="en-US" dirty="0"/>
+              <a:t>作业</a:t>
+            </a:r>
+            <a:endParaRPr lang="zh-CN" altLang="en-US" dirty="0"/>
+          </a:p>
+        </p:txBody>
+      </p:sp>
+    </p:spTree>
+  </p:cSld>
+  <p:clrMapOvr>
+    <a:masterClrMapping/>
+  </p:clrMapOvr>
+  <p:timing>
+    <p:tnLst>
+      <p:par>
+        <p:cTn id="1" dur="indefinite" restart="never" nodeType="tmRoot"/>
+      </p:par>
+    </p:tnLst>
+  </p:timing>
+</p:sld>
+</file>
+
+<file path=ppt/slides/slide19.xml><?xml version="1.0" encoding="utf-8"?>
+<p:sld xmlns:a="http://schemas.openxmlformats.org/drawingml/2006/main" xmlns:r="http://schemas.openxmlformats.org/officeDocument/2006/relationships" xmlns:p="http://schemas.openxmlformats.org/presentationml/2006/main">
+  <p:cSld>
+    <p:spTree>
+      <p:nvGrpSpPr>
+        <p:cNvPr id="1" name=""/>
+        <p:cNvGrpSpPr/>
+        <p:nvPr/>
+      </p:nvGrpSpPr>
+      <p:grpSpPr>
+        <a:xfrm>
+          <a:off x="0" y="0"/>
+          <a:ext cx="0" cy="0"/>
+          <a:chOff x="0" y="0"/>
+          <a:chExt cx="0" cy="0"/>
+        </a:xfrm>
+      </p:grpSpPr>
       <p:pic>
         <p:nvPicPr>
           <p:cNvPr id="4098" name="Picture 4"/>
@@ -9943,487 +10145,6 @@
     <a:masterClrMapping/>
   </p:clrMapOvr>
   <p:transition advClick="0"/>
-  <p:timing>
-    <p:tnLst>
-      <p:par>
-        <p:cTn id="1" dur="indefinite" restart="never" nodeType="tmRoot"/>
-      </p:par>
-    </p:tnLst>
-  </p:timing>
-</p:sld>
-</file>
-
-<file path=ppt/slides/slide19.xml><?xml version="1.0" encoding="utf-8"?>
-<p:sld xmlns:a="http://schemas.openxmlformats.org/drawingml/2006/main" xmlns:r="http://schemas.openxmlformats.org/officeDocument/2006/relationships" xmlns:p="http://schemas.openxmlformats.org/presentationml/2006/main">
-  <p:cSld>
-    <p:spTree>
-      <p:nvGrpSpPr>
-        <p:cNvPr id="1" name=""/>
-        <p:cNvGrpSpPr/>
-        <p:nvPr/>
-      </p:nvGrpSpPr>
-      <p:grpSpPr>
-        <a:xfrm>
-          <a:off x="0" y="0"/>
-          <a:ext cx="0" cy="0"/>
-          <a:chOff x="0" y="0"/>
-          <a:chExt cx="0" cy="0"/>
-        </a:xfrm>
-      </p:grpSpPr>
-      <p:sp>
-        <p:nvSpPr>
-          <p:cNvPr id="5123" name="AutoShape 6"/>
-          <p:cNvSpPr>
-            <a:spLocks noChangeArrowheads="1"/>
-          </p:cNvSpPr>
-          <p:nvPr/>
-        </p:nvSpPr>
-        <p:spPr bwMode="auto">
-          <a:xfrm>
-            <a:off x="2566988" y="1339851"/>
-            <a:ext cx="6711950" cy="4214813"/>
-          </a:xfrm>
-          <a:prstGeom prst="roundRect">
-            <a:avLst>
-              <a:gd name="adj" fmla="val 16667"/>
-            </a:avLst>
-          </a:prstGeom>
-          <a:noFill/>
-          <a:ln w="28575">
-            <a:solidFill>
-              <a:srgbClr val="C0C0C0"/>
-            </a:solidFill>
-            <a:prstDash val="sysDot"/>
-            <a:round/>
-          </a:ln>
-          <a:extLst>
-            <a:ext uri="{909E8E84-426E-40DD-AFC4-6F175D3DCCD1}">
-              <a14:hiddenFill xmlns:a14="http://schemas.microsoft.com/office/drawing/2010/main">
-                <a:solidFill>
-                  <a:srgbClr val="FFFFFF"/>
-                </a:solidFill>
-              </a14:hiddenFill>
-            </a:ext>
-          </a:extLst>
-        </p:spPr>
-        <p:txBody>
-          <a:bodyPr wrap="none" anchor="ctr"/>
-          <a:lstStyle>
-            <a:lvl1pPr marL="457200" indent="-457200">
-              <a:defRPr sz="3200">
-                <a:solidFill>
-                  <a:schemeClr val="tx1"/>
-                </a:solidFill>
-                <a:latin typeface="Arial" panose="020B0604020202020204" pitchFamily="34" charset="0"/>
-                <a:ea typeface="微软雅黑" panose="020B0503020204020204" pitchFamily="34" charset="-122"/>
-              </a:defRPr>
-            </a:lvl1pPr>
-            <a:lvl2pPr marL="742950" indent="-285750">
-              <a:defRPr sz="3200">
-                <a:solidFill>
-                  <a:schemeClr val="tx1"/>
-                </a:solidFill>
-                <a:latin typeface="Arial" panose="020B0604020202020204" pitchFamily="34" charset="0"/>
-                <a:ea typeface="微软雅黑" panose="020B0503020204020204" pitchFamily="34" charset="-122"/>
-              </a:defRPr>
-            </a:lvl2pPr>
-            <a:lvl3pPr marL="1143000" indent="-228600">
-              <a:defRPr sz="3200">
-                <a:solidFill>
-                  <a:schemeClr val="tx1"/>
-                </a:solidFill>
-                <a:latin typeface="Arial" panose="020B0604020202020204" pitchFamily="34" charset="0"/>
-                <a:ea typeface="微软雅黑" panose="020B0503020204020204" pitchFamily="34" charset="-122"/>
-              </a:defRPr>
-            </a:lvl3pPr>
-            <a:lvl4pPr marL="1600200" indent="-228600">
-              <a:defRPr sz="3200">
-                <a:solidFill>
-                  <a:schemeClr val="tx1"/>
-                </a:solidFill>
-                <a:latin typeface="Arial" panose="020B0604020202020204" pitchFamily="34" charset="0"/>
-                <a:ea typeface="微软雅黑" panose="020B0503020204020204" pitchFamily="34" charset="-122"/>
-              </a:defRPr>
-            </a:lvl4pPr>
-            <a:lvl5pPr marL="2057400" indent="-228600">
-              <a:defRPr sz="3200">
-                <a:solidFill>
-                  <a:schemeClr val="tx1"/>
-                </a:solidFill>
-                <a:latin typeface="Arial" panose="020B0604020202020204" pitchFamily="34" charset="0"/>
-                <a:ea typeface="微软雅黑" panose="020B0503020204020204" pitchFamily="34" charset="-122"/>
-              </a:defRPr>
-            </a:lvl5pPr>
-            <a:lvl6pPr marL="2514600" indent="-228600" eaLnBrk="0" fontAlgn="base" hangingPunct="0">
-              <a:spcBef>
-                <a:spcPct val="0"/>
-              </a:spcBef>
-              <a:spcAft>
-                <a:spcPct val="0"/>
-              </a:spcAft>
-              <a:defRPr sz="3200">
-                <a:solidFill>
-                  <a:schemeClr val="tx1"/>
-                </a:solidFill>
-                <a:latin typeface="Arial" panose="020B0604020202020204" pitchFamily="34" charset="0"/>
-                <a:ea typeface="微软雅黑" panose="020B0503020204020204" pitchFamily="34" charset="-122"/>
-              </a:defRPr>
-            </a:lvl6pPr>
-            <a:lvl7pPr marL="2971800" indent="-228600" eaLnBrk="0" fontAlgn="base" hangingPunct="0">
-              <a:spcBef>
-                <a:spcPct val="0"/>
-              </a:spcBef>
-              <a:spcAft>
-                <a:spcPct val="0"/>
-              </a:spcAft>
-              <a:defRPr sz="3200">
-                <a:solidFill>
-                  <a:schemeClr val="tx1"/>
-                </a:solidFill>
-                <a:latin typeface="Arial" panose="020B0604020202020204" pitchFamily="34" charset="0"/>
-                <a:ea typeface="微软雅黑" panose="020B0503020204020204" pitchFamily="34" charset="-122"/>
-              </a:defRPr>
-            </a:lvl7pPr>
-            <a:lvl8pPr marL="3429000" indent="-228600" eaLnBrk="0" fontAlgn="base" hangingPunct="0">
-              <a:spcBef>
-                <a:spcPct val="0"/>
-              </a:spcBef>
-              <a:spcAft>
-                <a:spcPct val="0"/>
-              </a:spcAft>
-              <a:defRPr sz="3200">
-                <a:solidFill>
-                  <a:schemeClr val="tx1"/>
-                </a:solidFill>
-                <a:latin typeface="Arial" panose="020B0604020202020204" pitchFamily="34" charset="0"/>
-                <a:ea typeface="微软雅黑" panose="020B0503020204020204" pitchFamily="34" charset="-122"/>
-              </a:defRPr>
-            </a:lvl8pPr>
-            <a:lvl9pPr marL="3886200" indent="-228600" eaLnBrk="0" fontAlgn="base" hangingPunct="0">
-              <a:spcBef>
-                <a:spcPct val="0"/>
-              </a:spcBef>
-              <a:spcAft>
-                <a:spcPct val="0"/>
-              </a:spcAft>
-              <a:defRPr sz="3200">
-                <a:solidFill>
-                  <a:schemeClr val="tx1"/>
-                </a:solidFill>
-                <a:latin typeface="Arial" panose="020B0604020202020204" pitchFamily="34" charset="0"/>
-                <a:ea typeface="微软雅黑" panose="020B0503020204020204" pitchFamily="34" charset="-122"/>
-              </a:defRPr>
-            </a:lvl9pPr>
-          </a:lstStyle>
-          <a:p>
-            <a:pPr algn="l">
-              <a:lnSpc>
-                <a:spcPct val="150000"/>
-              </a:lnSpc>
-              <a:spcBef>
-                <a:spcPts val="1200"/>
-              </a:spcBef>
-              <a:spcAft>
-                <a:spcPts val="1200"/>
-              </a:spcAft>
-              <a:buClr>
-                <a:srgbClr val="92D050"/>
-              </a:buClr>
-              <a:buFont typeface="Wingdings" panose="05000000000000000000" pitchFamily="2" charset="2"/>
-              <a:buChar char="Ø"/>
-            </a:pPr>
-            <a:r>
-              <a:rPr lang="en-US" altLang="zh-CN" sz="2800" b="1">
-                <a:solidFill>
-                  <a:srgbClr val="FF0000"/>
-                </a:solidFill>
-                <a:sym typeface="+mn-ea"/>
-              </a:rPr>
-              <a:t>JS</a:t>
-            </a:r>
-            <a:r>
-              <a:rPr lang="zh-CN" altLang="en-US" sz="2800" b="1">
-                <a:solidFill>
-                  <a:srgbClr val="FF0000"/>
-                </a:solidFill>
-                <a:sym typeface="+mn-ea"/>
-              </a:rPr>
-              <a:t>异常处理</a:t>
-            </a:r>
-            <a:endParaRPr lang="zh-CN" altLang="en-US" sz="2800" b="1">
-              <a:solidFill>
-                <a:srgbClr val="FF0000"/>
-              </a:solidFill>
-              <a:sym typeface="+mn-ea"/>
-            </a:endParaRPr>
-          </a:p>
-          <a:p>
-            <a:pPr algn="l">
-              <a:lnSpc>
-                <a:spcPct val="150000"/>
-              </a:lnSpc>
-              <a:spcBef>
-                <a:spcPts val="1200"/>
-              </a:spcBef>
-              <a:spcAft>
-                <a:spcPts val="1200"/>
-              </a:spcAft>
-              <a:buClr>
-                <a:srgbClr val="92D050"/>
-              </a:buClr>
-              <a:buFont typeface="Wingdings" panose="05000000000000000000" pitchFamily="2" charset="2"/>
-              <a:buChar char="Ø"/>
-            </a:pPr>
-            <a:r>
-              <a:rPr lang="en-US" altLang="zh-CN" sz="2800" b="1">
-                <a:solidFill>
-                  <a:schemeClr val="tx1"/>
-                </a:solidFill>
-                <a:sym typeface="+mn-ea"/>
-              </a:rPr>
-              <a:t>Error</a:t>
-            </a:r>
-            <a:r>
-              <a:rPr lang="zh-CN" altLang="en-US" sz="2800" b="1">
-                <a:solidFill>
-                  <a:schemeClr val="tx1"/>
-                </a:solidFill>
-                <a:sym typeface="+mn-ea"/>
-              </a:rPr>
-              <a:t>对象及其子对象</a:t>
-            </a:r>
-            <a:endParaRPr lang="zh-CN" altLang="en-US" sz="2800" b="1">
-              <a:solidFill>
-                <a:schemeClr val="tx1"/>
-              </a:solidFill>
-              <a:sym typeface="+mn-ea"/>
-            </a:endParaRPr>
-          </a:p>
-        </p:txBody>
-      </p:sp>
-      <p:sp>
-        <p:nvSpPr>
-          <p:cNvPr id="4" name="内容占位符 3"/>
-          <p:cNvSpPr txBox="1"/>
-          <p:nvPr/>
-        </p:nvSpPr>
-        <p:spPr>
-          <a:xfrm>
-            <a:off x="981657" y="236943"/>
-            <a:ext cx="8191557" cy="490476"/>
-          </a:xfrm>
-          <a:prstGeom prst="rect">
-            <a:avLst/>
-          </a:prstGeom>
-        </p:spPr>
-        <p:txBody>
-          <a:bodyPr/>
-          <a:lstStyle>
-            <a:lvl1pPr marL="167005" indent="-167005" algn="l" defTabSz="0" rtl="0" eaLnBrk="0" fontAlgn="base" hangingPunct="0">
-              <a:spcBef>
-                <a:spcPct val="0"/>
-              </a:spcBef>
-              <a:spcAft>
-                <a:spcPct val="15000"/>
-              </a:spcAft>
-              <a:buClr>
-                <a:schemeClr val="tx2"/>
-              </a:buClr>
-              <a:buFont typeface="Arial" panose="020B0604020202020204" pitchFamily="34" charset="0"/>
-              <a:buChar char="•"/>
-              <a:defRPr kumimoji="1" sz="1600">
-                <a:solidFill>
-                  <a:srgbClr val="006F53"/>
-                </a:solidFill>
-                <a:latin typeface="微软雅黑" panose="020B0503020204020204" pitchFamily="34" charset="-122"/>
-                <a:ea typeface="微软雅黑" panose="020B0503020204020204" pitchFamily="34" charset="-122"/>
-                <a:cs typeface="微软雅黑" panose="020B0503020204020204" pitchFamily="34" charset="-122"/>
-              </a:defRPr>
-            </a:lvl1pPr>
-            <a:lvl2pPr marL="398780" indent="-230505" algn="l" defTabSz="0" rtl="0" eaLnBrk="0" fontAlgn="base" hangingPunct="0">
-              <a:spcBef>
-                <a:spcPct val="0"/>
-              </a:spcBef>
-              <a:spcAft>
-                <a:spcPct val="15000"/>
-              </a:spcAft>
-              <a:buClr>
-                <a:schemeClr val="tx2"/>
-              </a:buClr>
-              <a:buFont typeface="Arial" panose="020B0604020202020204" pitchFamily="34" charset="0"/>
-              <a:buChar char="–"/>
-              <a:defRPr kumimoji="1" sz="2800">
-                <a:solidFill>
-                  <a:schemeClr val="bg2"/>
-                </a:solidFill>
-                <a:latin typeface="微软雅黑" panose="020B0503020204020204" pitchFamily="34" charset="-122"/>
-                <a:ea typeface="微软雅黑" panose="020B0503020204020204" pitchFamily="34" charset="-122"/>
-                <a:cs typeface="微软雅黑" panose="020B0503020204020204" pitchFamily="34" charset="-122"/>
-              </a:defRPr>
-            </a:lvl2pPr>
-            <a:lvl3pPr marL="400050" indent="182880" algn="l" defTabSz="0" rtl="0" eaLnBrk="0" fontAlgn="base" hangingPunct="0">
-              <a:spcBef>
-                <a:spcPct val="0"/>
-              </a:spcBef>
-              <a:spcAft>
-                <a:spcPct val="15000"/>
-              </a:spcAft>
-              <a:buClr>
-                <a:schemeClr val="tx2"/>
-              </a:buClr>
-              <a:buFont typeface="Arial" panose="020B0604020202020204" pitchFamily="34" charset="0"/>
-              <a:buChar char="•"/>
-              <a:defRPr kumimoji="1" sz="1600">
-                <a:solidFill>
-                  <a:schemeClr val="bg2"/>
-                </a:solidFill>
-                <a:latin typeface="微软雅黑" panose="020B0503020204020204" pitchFamily="34" charset="-122"/>
-                <a:ea typeface="微软雅黑" panose="020B0503020204020204" pitchFamily="34" charset="-122"/>
-                <a:cs typeface="微软雅黑" panose="020B0503020204020204" pitchFamily="34" charset="-122"/>
-              </a:defRPr>
-            </a:lvl3pPr>
-            <a:lvl4pPr marL="825500" indent="-241300" algn="l" defTabSz="0" rtl="0" eaLnBrk="0" fontAlgn="base" hangingPunct="0">
-              <a:spcBef>
-                <a:spcPct val="0"/>
-              </a:spcBef>
-              <a:spcAft>
-                <a:spcPct val="15000"/>
-              </a:spcAft>
-              <a:buClr>
-                <a:schemeClr val="tx2"/>
-              </a:buClr>
-              <a:buFont typeface="Arial" panose="020B0604020202020204" pitchFamily="34" charset="0"/>
-              <a:buChar char="–"/>
-              <a:defRPr kumimoji="1" sz="1600">
-                <a:solidFill>
-                  <a:schemeClr val="bg2"/>
-                </a:solidFill>
-                <a:latin typeface="微软雅黑" panose="020B0503020204020204" pitchFamily="34" charset="-122"/>
-                <a:ea typeface="微软雅黑" panose="020B0503020204020204" pitchFamily="34" charset="-122"/>
-                <a:cs typeface="微软雅黑" panose="020B0503020204020204" pitchFamily="34" charset="-122"/>
-              </a:defRPr>
-            </a:lvl4pPr>
-            <a:lvl5pPr marL="2057400" indent="-228600" algn="l" defTabSz="0" rtl="0" eaLnBrk="0" fontAlgn="base" hangingPunct="0">
-              <a:spcBef>
-                <a:spcPct val="0"/>
-              </a:spcBef>
-              <a:spcAft>
-                <a:spcPct val="25000"/>
-              </a:spcAft>
-              <a:buClr>
-                <a:schemeClr val="tx2"/>
-              </a:buClr>
-              <a:buFont typeface="Arial" panose="020B0604020202020204" pitchFamily="34" charset="0"/>
-              <a:buChar char="–"/>
-              <a:defRPr kumimoji="1" sz="2000">
-                <a:solidFill>
-                  <a:schemeClr val="tx1"/>
-                </a:solidFill>
-                <a:latin typeface="+mn-lt"/>
-                <a:ea typeface="微软雅黑" panose="020B0503020204020204" pitchFamily="34" charset="-122"/>
-                <a:cs typeface="微软雅黑" panose="020B0503020204020204" pitchFamily="34" charset="-122"/>
-              </a:defRPr>
-            </a:lvl5pPr>
-            <a:lvl6pPr marL="2514600" indent="-228600" algn="l" defTabSz="0" rtl="0" eaLnBrk="0" fontAlgn="base" hangingPunct="0">
-              <a:spcBef>
-                <a:spcPct val="0"/>
-              </a:spcBef>
-              <a:spcAft>
-                <a:spcPct val="25000"/>
-              </a:spcAft>
-              <a:buClr>
-                <a:schemeClr val="tx2"/>
-              </a:buClr>
-              <a:buFont typeface="Arial" panose="020B0604020202020204" pitchFamily="34" charset="0"/>
-              <a:buChar char="–"/>
-              <a:defRPr>
-                <a:solidFill>
-                  <a:schemeClr val="tx1"/>
-                </a:solidFill>
-                <a:latin typeface="+mn-lt"/>
-              </a:defRPr>
-            </a:lvl6pPr>
-            <a:lvl7pPr marL="2971800" indent="-228600" algn="l" defTabSz="0" rtl="0" eaLnBrk="0" fontAlgn="base" hangingPunct="0">
-              <a:spcBef>
-                <a:spcPct val="0"/>
-              </a:spcBef>
-              <a:spcAft>
-                <a:spcPct val="25000"/>
-              </a:spcAft>
-              <a:buClr>
-                <a:schemeClr val="tx2"/>
-              </a:buClr>
-              <a:buFont typeface="Arial" panose="020B0604020202020204" pitchFamily="34" charset="0"/>
-              <a:buChar char="–"/>
-              <a:defRPr>
-                <a:solidFill>
-                  <a:schemeClr val="tx1"/>
-                </a:solidFill>
-                <a:latin typeface="+mn-lt"/>
-              </a:defRPr>
-            </a:lvl7pPr>
-            <a:lvl8pPr marL="3429000" indent="-228600" algn="l" defTabSz="0" rtl="0" eaLnBrk="0" fontAlgn="base" hangingPunct="0">
-              <a:spcBef>
-                <a:spcPct val="0"/>
-              </a:spcBef>
-              <a:spcAft>
-                <a:spcPct val="25000"/>
-              </a:spcAft>
-              <a:buClr>
-                <a:schemeClr val="tx2"/>
-              </a:buClr>
-              <a:buFont typeface="Arial" panose="020B0604020202020204" pitchFamily="34" charset="0"/>
-              <a:buChar char="–"/>
-              <a:defRPr>
-                <a:solidFill>
-                  <a:schemeClr val="tx1"/>
-                </a:solidFill>
-                <a:latin typeface="+mn-lt"/>
-              </a:defRPr>
-            </a:lvl8pPr>
-            <a:lvl9pPr marL="3886200" indent="-228600" algn="l" defTabSz="0" rtl="0" eaLnBrk="0" fontAlgn="base" hangingPunct="0">
-              <a:spcBef>
-                <a:spcPct val="0"/>
-              </a:spcBef>
-              <a:spcAft>
-                <a:spcPct val="25000"/>
-              </a:spcAft>
-              <a:buClr>
-                <a:schemeClr val="tx2"/>
-              </a:buClr>
-              <a:buFont typeface="Arial" panose="020B0604020202020204" pitchFamily="34" charset="0"/>
-              <a:buChar char="–"/>
-              <a:defRPr>
-                <a:solidFill>
-                  <a:schemeClr val="tx1"/>
-                </a:solidFill>
-                <a:latin typeface="+mn-lt"/>
-              </a:defRPr>
-            </a:lvl9pPr>
-          </a:lstStyle>
-          <a:p>
-            <a:pPr marL="0" indent="0">
-              <a:buNone/>
-            </a:pPr>
-            <a:r>
-              <a:rPr lang="zh-CN" altLang="en-US" sz="3200" dirty="0" smtClean="0">
-                <a:solidFill>
-                  <a:srgbClr val="C00000"/>
-                </a:solidFill>
-                <a:cs typeface="+mn-cs"/>
-                <a:sym typeface="+mn-ea"/>
-              </a:rPr>
-              <a:t>内容提纲</a:t>
-            </a:r>
-            <a:endParaRPr lang="zh-CN" altLang="en-US" kern="0" dirty="0"/>
-          </a:p>
-        </p:txBody>
-      </p:sp>
-    </p:spTree>
-  </p:cSld>
-  <p:clrMapOvr>
-    <a:masterClrMapping/>
-  </p:clrMapOvr>
   <p:timing>
     <p:tnLst>
       <p:par>
@@ -10810,6 +10531,487 @@
 </file>
 
 <file path=ppt/slides/slide20.xml><?xml version="1.0" encoding="utf-8"?>
+<p:sld xmlns:a="http://schemas.openxmlformats.org/drawingml/2006/main" xmlns:r="http://schemas.openxmlformats.org/officeDocument/2006/relationships" xmlns:p="http://schemas.openxmlformats.org/presentationml/2006/main">
+  <p:cSld>
+    <p:spTree>
+      <p:nvGrpSpPr>
+        <p:cNvPr id="1" name=""/>
+        <p:cNvGrpSpPr/>
+        <p:nvPr/>
+      </p:nvGrpSpPr>
+      <p:grpSpPr>
+        <a:xfrm>
+          <a:off x="0" y="0"/>
+          <a:ext cx="0" cy="0"/>
+          <a:chOff x="0" y="0"/>
+          <a:chExt cx="0" cy="0"/>
+        </a:xfrm>
+      </p:grpSpPr>
+      <p:sp>
+        <p:nvSpPr>
+          <p:cNvPr id="5123" name="AutoShape 6"/>
+          <p:cNvSpPr>
+            <a:spLocks noChangeArrowheads="1"/>
+          </p:cNvSpPr>
+          <p:nvPr/>
+        </p:nvSpPr>
+        <p:spPr bwMode="auto">
+          <a:xfrm>
+            <a:off x="2566988" y="1339851"/>
+            <a:ext cx="6711950" cy="4214813"/>
+          </a:xfrm>
+          <a:prstGeom prst="roundRect">
+            <a:avLst>
+              <a:gd name="adj" fmla="val 16667"/>
+            </a:avLst>
+          </a:prstGeom>
+          <a:noFill/>
+          <a:ln w="28575">
+            <a:solidFill>
+              <a:srgbClr val="C0C0C0"/>
+            </a:solidFill>
+            <a:prstDash val="sysDot"/>
+            <a:round/>
+          </a:ln>
+          <a:extLst>
+            <a:ext uri="{909E8E84-426E-40DD-AFC4-6F175D3DCCD1}">
+              <a14:hiddenFill xmlns:a14="http://schemas.microsoft.com/office/drawing/2010/main">
+                <a:solidFill>
+                  <a:srgbClr val="FFFFFF"/>
+                </a:solidFill>
+              </a14:hiddenFill>
+            </a:ext>
+          </a:extLst>
+        </p:spPr>
+        <p:txBody>
+          <a:bodyPr wrap="none" anchor="ctr"/>
+          <a:lstStyle>
+            <a:lvl1pPr marL="457200" indent="-457200">
+              <a:defRPr sz="3200">
+                <a:solidFill>
+                  <a:schemeClr val="tx1"/>
+                </a:solidFill>
+                <a:latin typeface="Arial" panose="020B0604020202020204" pitchFamily="34" charset="0"/>
+                <a:ea typeface="微软雅黑" panose="020B0503020204020204" pitchFamily="34" charset="-122"/>
+              </a:defRPr>
+            </a:lvl1pPr>
+            <a:lvl2pPr marL="742950" indent="-285750">
+              <a:defRPr sz="3200">
+                <a:solidFill>
+                  <a:schemeClr val="tx1"/>
+                </a:solidFill>
+                <a:latin typeface="Arial" panose="020B0604020202020204" pitchFamily="34" charset="0"/>
+                <a:ea typeface="微软雅黑" panose="020B0503020204020204" pitchFamily="34" charset="-122"/>
+              </a:defRPr>
+            </a:lvl2pPr>
+            <a:lvl3pPr marL="1143000" indent="-228600">
+              <a:defRPr sz="3200">
+                <a:solidFill>
+                  <a:schemeClr val="tx1"/>
+                </a:solidFill>
+                <a:latin typeface="Arial" panose="020B0604020202020204" pitchFamily="34" charset="0"/>
+                <a:ea typeface="微软雅黑" panose="020B0503020204020204" pitchFamily="34" charset="-122"/>
+              </a:defRPr>
+            </a:lvl3pPr>
+            <a:lvl4pPr marL="1600200" indent="-228600">
+              <a:defRPr sz="3200">
+                <a:solidFill>
+                  <a:schemeClr val="tx1"/>
+                </a:solidFill>
+                <a:latin typeface="Arial" panose="020B0604020202020204" pitchFamily="34" charset="0"/>
+                <a:ea typeface="微软雅黑" panose="020B0503020204020204" pitchFamily="34" charset="-122"/>
+              </a:defRPr>
+            </a:lvl4pPr>
+            <a:lvl5pPr marL="2057400" indent="-228600">
+              <a:defRPr sz="3200">
+                <a:solidFill>
+                  <a:schemeClr val="tx1"/>
+                </a:solidFill>
+                <a:latin typeface="Arial" panose="020B0604020202020204" pitchFamily="34" charset="0"/>
+                <a:ea typeface="微软雅黑" panose="020B0503020204020204" pitchFamily="34" charset="-122"/>
+              </a:defRPr>
+            </a:lvl5pPr>
+            <a:lvl6pPr marL="2514600" indent="-228600" eaLnBrk="0" fontAlgn="base" hangingPunct="0">
+              <a:spcBef>
+                <a:spcPct val="0"/>
+              </a:spcBef>
+              <a:spcAft>
+                <a:spcPct val="0"/>
+              </a:spcAft>
+              <a:defRPr sz="3200">
+                <a:solidFill>
+                  <a:schemeClr val="tx1"/>
+                </a:solidFill>
+                <a:latin typeface="Arial" panose="020B0604020202020204" pitchFamily="34" charset="0"/>
+                <a:ea typeface="微软雅黑" panose="020B0503020204020204" pitchFamily="34" charset="-122"/>
+              </a:defRPr>
+            </a:lvl6pPr>
+            <a:lvl7pPr marL="2971800" indent="-228600" eaLnBrk="0" fontAlgn="base" hangingPunct="0">
+              <a:spcBef>
+                <a:spcPct val="0"/>
+              </a:spcBef>
+              <a:spcAft>
+                <a:spcPct val="0"/>
+              </a:spcAft>
+              <a:defRPr sz="3200">
+                <a:solidFill>
+                  <a:schemeClr val="tx1"/>
+                </a:solidFill>
+                <a:latin typeface="Arial" panose="020B0604020202020204" pitchFamily="34" charset="0"/>
+                <a:ea typeface="微软雅黑" panose="020B0503020204020204" pitchFamily="34" charset="-122"/>
+              </a:defRPr>
+            </a:lvl7pPr>
+            <a:lvl8pPr marL="3429000" indent="-228600" eaLnBrk="0" fontAlgn="base" hangingPunct="0">
+              <a:spcBef>
+                <a:spcPct val="0"/>
+              </a:spcBef>
+              <a:spcAft>
+                <a:spcPct val="0"/>
+              </a:spcAft>
+              <a:defRPr sz="3200">
+                <a:solidFill>
+                  <a:schemeClr val="tx1"/>
+                </a:solidFill>
+                <a:latin typeface="Arial" panose="020B0604020202020204" pitchFamily="34" charset="0"/>
+                <a:ea typeface="微软雅黑" panose="020B0503020204020204" pitchFamily="34" charset="-122"/>
+              </a:defRPr>
+            </a:lvl8pPr>
+            <a:lvl9pPr marL="3886200" indent="-228600" eaLnBrk="0" fontAlgn="base" hangingPunct="0">
+              <a:spcBef>
+                <a:spcPct val="0"/>
+              </a:spcBef>
+              <a:spcAft>
+                <a:spcPct val="0"/>
+              </a:spcAft>
+              <a:defRPr sz="3200">
+                <a:solidFill>
+                  <a:schemeClr val="tx1"/>
+                </a:solidFill>
+                <a:latin typeface="Arial" panose="020B0604020202020204" pitchFamily="34" charset="0"/>
+                <a:ea typeface="微软雅黑" panose="020B0503020204020204" pitchFamily="34" charset="-122"/>
+              </a:defRPr>
+            </a:lvl9pPr>
+          </a:lstStyle>
+          <a:p>
+            <a:pPr algn="l">
+              <a:lnSpc>
+                <a:spcPct val="150000"/>
+              </a:lnSpc>
+              <a:spcBef>
+                <a:spcPts val="1200"/>
+              </a:spcBef>
+              <a:spcAft>
+                <a:spcPts val="1200"/>
+              </a:spcAft>
+              <a:buClr>
+                <a:srgbClr val="92D050"/>
+              </a:buClr>
+              <a:buFont typeface="Wingdings" panose="05000000000000000000" pitchFamily="2" charset="2"/>
+              <a:buChar char="Ø"/>
+            </a:pPr>
+            <a:r>
+              <a:rPr lang="en-US" altLang="zh-CN" sz="2800" b="1">
+                <a:solidFill>
+                  <a:srgbClr val="FF0000"/>
+                </a:solidFill>
+                <a:sym typeface="+mn-ea"/>
+              </a:rPr>
+              <a:t>JS</a:t>
+            </a:r>
+            <a:r>
+              <a:rPr lang="zh-CN" altLang="en-US" sz="2800" b="1">
+                <a:solidFill>
+                  <a:srgbClr val="FF0000"/>
+                </a:solidFill>
+                <a:sym typeface="+mn-ea"/>
+              </a:rPr>
+              <a:t>异常处理</a:t>
+            </a:r>
+            <a:endParaRPr lang="zh-CN" altLang="en-US" sz="2800" b="1">
+              <a:solidFill>
+                <a:srgbClr val="FF0000"/>
+              </a:solidFill>
+              <a:sym typeface="+mn-ea"/>
+            </a:endParaRPr>
+          </a:p>
+          <a:p>
+            <a:pPr algn="l">
+              <a:lnSpc>
+                <a:spcPct val="150000"/>
+              </a:lnSpc>
+              <a:spcBef>
+                <a:spcPts val="1200"/>
+              </a:spcBef>
+              <a:spcAft>
+                <a:spcPts val="1200"/>
+              </a:spcAft>
+              <a:buClr>
+                <a:srgbClr val="92D050"/>
+              </a:buClr>
+              <a:buFont typeface="Wingdings" panose="05000000000000000000" pitchFamily="2" charset="2"/>
+              <a:buChar char="Ø"/>
+            </a:pPr>
+            <a:r>
+              <a:rPr lang="en-US" altLang="zh-CN" sz="2800" b="1">
+                <a:solidFill>
+                  <a:schemeClr val="tx1"/>
+                </a:solidFill>
+                <a:sym typeface="+mn-ea"/>
+              </a:rPr>
+              <a:t>Error</a:t>
+            </a:r>
+            <a:r>
+              <a:rPr lang="zh-CN" altLang="en-US" sz="2800" b="1">
+                <a:solidFill>
+                  <a:schemeClr val="tx1"/>
+                </a:solidFill>
+                <a:sym typeface="+mn-ea"/>
+              </a:rPr>
+              <a:t>对象及其子对象</a:t>
+            </a:r>
+            <a:endParaRPr lang="zh-CN" altLang="en-US" sz="2800" b="1">
+              <a:solidFill>
+                <a:schemeClr val="tx1"/>
+              </a:solidFill>
+              <a:sym typeface="+mn-ea"/>
+            </a:endParaRPr>
+          </a:p>
+        </p:txBody>
+      </p:sp>
+      <p:sp>
+        <p:nvSpPr>
+          <p:cNvPr id="4" name="内容占位符 3"/>
+          <p:cNvSpPr txBox="1"/>
+          <p:nvPr/>
+        </p:nvSpPr>
+        <p:spPr>
+          <a:xfrm>
+            <a:off x="981657" y="236943"/>
+            <a:ext cx="8191557" cy="490476"/>
+          </a:xfrm>
+          <a:prstGeom prst="rect">
+            <a:avLst/>
+          </a:prstGeom>
+        </p:spPr>
+        <p:txBody>
+          <a:bodyPr/>
+          <a:lstStyle>
+            <a:lvl1pPr marL="167005" indent="-167005" algn="l" defTabSz="0" rtl="0" eaLnBrk="0" fontAlgn="base" hangingPunct="0">
+              <a:spcBef>
+                <a:spcPct val="0"/>
+              </a:spcBef>
+              <a:spcAft>
+                <a:spcPct val="15000"/>
+              </a:spcAft>
+              <a:buClr>
+                <a:schemeClr val="tx2"/>
+              </a:buClr>
+              <a:buFont typeface="Arial" panose="020B0604020202020204" pitchFamily="34" charset="0"/>
+              <a:buChar char="•"/>
+              <a:defRPr kumimoji="1" sz="1600">
+                <a:solidFill>
+                  <a:srgbClr val="006F53"/>
+                </a:solidFill>
+                <a:latin typeface="微软雅黑" panose="020B0503020204020204" pitchFamily="34" charset="-122"/>
+                <a:ea typeface="微软雅黑" panose="020B0503020204020204" pitchFamily="34" charset="-122"/>
+                <a:cs typeface="微软雅黑" panose="020B0503020204020204" pitchFamily="34" charset="-122"/>
+              </a:defRPr>
+            </a:lvl1pPr>
+            <a:lvl2pPr marL="398780" indent="-230505" algn="l" defTabSz="0" rtl="0" eaLnBrk="0" fontAlgn="base" hangingPunct="0">
+              <a:spcBef>
+                <a:spcPct val="0"/>
+              </a:spcBef>
+              <a:spcAft>
+                <a:spcPct val="15000"/>
+              </a:spcAft>
+              <a:buClr>
+                <a:schemeClr val="tx2"/>
+              </a:buClr>
+              <a:buFont typeface="Arial" panose="020B0604020202020204" pitchFamily="34" charset="0"/>
+              <a:buChar char="–"/>
+              <a:defRPr kumimoji="1" sz="2800">
+                <a:solidFill>
+                  <a:schemeClr val="bg2"/>
+                </a:solidFill>
+                <a:latin typeface="微软雅黑" panose="020B0503020204020204" pitchFamily="34" charset="-122"/>
+                <a:ea typeface="微软雅黑" panose="020B0503020204020204" pitchFamily="34" charset="-122"/>
+                <a:cs typeface="微软雅黑" panose="020B0503020204020204" pitchFamily="34" charset="-122"/>
+              </a:defRPr>
+            </a:lvl2pPr>
+            <a:lvl3pPr marL="400050" indent="182880" algn="l" defTabSz="0" rtl="0" eaLnBrk="0" fontAlgn="base" hangingPunct="0">
+              <a:spcBef>
+                <a:spcPct val="0"/>
+              </a:spcBef>
+              <a:spcAft>
+                <a:spcPct val="15000"/>
+              </a:spcAft>
+              <a:buClr>
+                <a:schemeClr val="tx2"/>
+              </a:buClr>
+              <a:buFont typeface="Arial" panose="020B0604020202020204" pitchFamily="34" charset="0"/>
+              <a:buChar char="•"/>
+              <a:defRPr kumimoji="1" sz="1600">
+                <a:solidFill>
+                  <a:schemeClr val="bg2"/>
+                </a:solidFill>
+                <a:latin typeface="微软雅黑" panose="020B0503020204020204" pitchFamily="34" charset="-122"/>
+                <a:ea typeface="微软雅黑" panose="020B0503020204020204" pitchFamily="34" charset="-122"/>
+                <a:cs typeface="微软雅黑" panose="020B0503020204020204" pitchFamily="34" charset="-122"/>
+              </a:defRPr>
+            </a:lvl3pPr>
+            <a:lvl4pPr marL="825500" indent="-241300" algn="l" defTabSz="0" rtl="0" eaLnBrk="0" fontAlgn="base" hangingPunct="0">
+              <a:spcBef>
+                <a:spcPct val="0"/>
+              </a:spcBef>
+              <a:spcAft>
+                <a:spcPct val="15000"/>
+              </a:spcAft>
+              <a:buClr>
+                <a:schemeClr val="tx2"/>
+              </a:buClr>
+              <a:buFont typeface="Arial" panose="020B0604020202020204" pitchFamily="34" charset="0"/>
+              <a:buChar char="–"/>
+              <a:defRPr kumimoji="1" sz="1600">
+                <a:solidFill>
+                  <a:schemeClr val="bg2"/>
+                </a:solidFill>
+                <a:latin typeface="微软雅黑" panose="020B0503020204020204" pitchFamily="34" charset="-122"/>
+                <a:ea typeface="微软雅黑" panose="020B0503020204020204" pitchFamily="34" charset="-122"/>
+                <a:cs typeface="微软雅黑" panose="020B0503020204020204" pitchFamily="34" charset="-122"/>
+              </a:defRPr>
+            </a:lvl4pPr>
+            <a:lvl5pPr marL="2057400" indent="-228600" algn="l" defTabSz="0" rtl="0" eaLnBrk="0" fontAlgn="base" hangingPunct="0">
+              <a:spcBef>
+                <a:spcPct val="0"/>
+              </a:spcBef>
+              <a:spcAft>
+                <a:spcPct val="25000"/>
+              </a:spcAft>
+              <a:buClr>
+                <a:schemeClr val="tx2"/>
+              </a:buClr>
+              <a:buFont typeface="Arial" panose="020B0604020202020204" pitchFamily="34" charset="0"/>
+              <a:buChar char="–"/>
+              <a:defRPr kumimoji="1" sz="2000">
+                <a:solidFill>
+                  <a:schemeClr val="tx1"/>
+                </a:solidFill>
+                <a:latin typeface="+mn-lt"/>
+                <a:ea typeface="微软雅黑" panose="020B0503020204020204" pitchFamily="34" charset="-122"/>
+                <a:cs typeface="微软雅黑" panose="020B0503020204020204" pitchFamily="34" charset="-122"/>
+              </a:defRPr>
+            </a:lvl5pPr>
+            <a:lvl6pPr marL="2514600" indent="-228600" algn="l" defTabSz="0" rtl="0" eaLnBrk="0" fontAlgn="base" hangingPunct="0">
+              <a:spcBef>
+                <a:spcPct val="0"/>
+              </a:spcBef>
+              <a:spcAft>
+                <a:spcPct val="25000"/>
+              </a:spcAft>
+              <a:buClr>
+                <a:schemeClr val="tx2"/>
+              </a:buClr>
+              <a:buFont typeface="Arial" panose="020B0604020202020204" pitchFamily="34" charset="0"/>
+              <a:buChar char="–"/>
+              <a:defRPr>
+                <a:solidFill>
+                  <a:schemeClr val="tx1"/>
+                </a:solidFill>
+                <a:latin typeface="+mn-lt"/>
+              </a:defRPr>
+            </a:lvl6pPr>
+            <a:lvl7pPr marL="2971800" indent="-228600" algn="l" defTabSz="0" rtl="0" eaLnBrk="0" fontAlgn="base" hangingPunct="0">
+              <a:spcBef>
+                <a:spcPct val="0"/>
+              </a:spcBef>
+              <a:spcAft>
+                <a:spcPct val="25000"/>
+              </a:spcAft>
+              <a:buClr>
+                <a:schemeClr val="tx2"/>
+              </a:buClr>
+              <a:buFont typeface="Arial" panose="020B0604020202020204" pitchFamily="34" charset="0"/>
+              <a:buChar char="–"/>
+              <a:defRPr>
+                <a:solidFill>
+                  <a:schemeClr val="tx1"/>
+                </a:solidFill>
+                <a:latin typeface="+mn-lt"/>
+              </a:defRPr>
+            </a:lvl7pPr>
+            <a:lvl8pPr marL="3429000" indent="-228600" algn="l" defTabSz="0" rtl="0" eaLnBrk="0" fontAlgn="base" hangingPunct="0">
+              <a:spcBef>
+                <a:spcPct val="0"/>
+              </a:spcBef>
+              <a:spcAft>
+                <a:spcPct val="25000"/>
+              </a:spcAft>
+              <a:buClr>
+                <a:schemeClr val="tx2"/>
+              </a:buClr>
+              <a:buFont typeface="Arial" panose="020B0604020202020204" pitchFamily="34" charset="0"/>
+              <a:buChar char="–"/>
+              <a:defRPr>
+                <a:solidFill>
+                  <a:schemeClr val="tx1"/>
+                </a:solidFill>
+                <a:latin typeface="+mn-lt"/>
+              </a:defRPr>
+            </a:lvl8pPr>
+            <a:lvl9pPr marL="3886200" indent="-228600" algn="l" defTabSz="0" rtl="0" eaLnBrk="0" fontAlgn="base" hangingPunct="0">
+              <a:spcBef>
+                <a:spcPct val="0"/>
+              </a:spcBef>
+              <a:spcAft>
+                <a:spcPct val="25000"/>
+              </a:spcAft>
+              <a:buClr>
+                <a:schemeClr val="tx2"/>
+              </a:buClr>
+              <a:buFont typeface="Arial" panose="020B0604020202020204" pitchFamily="34" charset="0"/>
+              <a:buChar char="–"/>
+              <a:defRPr>
+                <a:solidFill>
+                  <a:schemeClr val="tx1"/>
+                </a:solidFill>
+                <a:latin typeface="+mn-lt"/>
+              </a:defRPr>
+            </a:lvl9pPr>
+          </a:lstStyle>
+          <a:p>
+            <a:pPr marL="0" indent="0">
+              <a:buNone/>
+            </a:pPr>
+            <a:r>
+              <a:rPr lang="zh-CN" altLang="en-US" sz="3200" dirty="0" smtClean="0">
+                <a:solidFill>
+                  <a:srgbClr val="C00000"/>
+                </a:solidFill>
+                <a:cs typeface="+mn-cs"/>
+                <a:sym typeface="+mn-ea"/>
+              </a:rPr>
+              <a:t>内容提纲</a:t>
+            </a:r>
+            <a:endParaRPr lang="zh-CN" altLang="en-US" kern="0" dirty="0"/>
+          </a:p>
+        </p:txBody>
+      </p:sp>
+    </p:spTree>
+  </p:cSld>
+  <p:clrMapOvr>
+    <a:masterClrMapping/>
+  </p:clrMapOvr>
+  <p:timing>
+    <p:tnLst>
+      <p:par>
+        <p:cTn id="1" dur="indefinite" restart="never" nodeType="tmRoot"/>
+      </p:par>
+    </p:tnLst>
+  </p:timing>
+</p:sld>
+</file>
+
+<file path=ppt/slides/slide21.xml><?xml version="1.0" encoding="utf-8"?>
 <p:sld xmlns:a="http://schemas.openxmlformats.org/drawingml/2006/main" xmlns:r="http://schemas.openxmlformats.org/officeDocument/2006/relationships" xmlns:p="http://schemas.openxmlformats.org/presentationml/2006/main">
   <p:cSld>
     <p:spTree>
@@ -11465,7 +11667,7 @@
 </p:sld>
 </file>
 
-<file path=ppt/slides/slide21.xml><?xml version="1.0" encoding="utf-8"?>
+<file path=ppt/slides/slide22.xml><?xml version="1.0" encoding="utf-8"?>
 <p:sld xmlns:a="http://schemas.openxmlformats.org/drawingml/2006/main" xmlns:r="http://schemas.openxmlformats.org/officeDocument/2006/relationships" xmlns:p="http://schemas.openxmlformats.org/presentationml/2006/main">
   <p:cSld>
     <p:spTree>
@@ -12008,7 +12210,7 @@
 </p:sld>
 </file>
 
-<file path=ppt/slides/slide22.xml><?xml version="1.0" encoding="utf-8"?>
+<file path=ppt/slides/slide23.xml><?xml version="1.0" encoding="utf-8"?>
 <p:sld xmlns:a="http://schemas.openxmlformats.org/drawingml/2006/main" xmlns:r="http://schemas.openxmlformats.org/officeDocument/2006/relationships" xmlns:p="http://schemas.openxmlformats.org/presentationml/2006/main">
   <p:cSld>
     <p:spTree>
@@ -12489,7 +12691,7 @@
 </p:sld>
 </file>
 
-<file path=ppt/slides/slide23.xml><?xml version="1.0" encoding="utf-8"?>
+<file path=ppt/slides/slide24.xml><?xml version="1.0" encoding="utf-8"?>
 <p:sld xmlns:a="http://schemas.openxmlformats.org/drawingml/2006/main" xmlns:r="http://schemas.openxmlformats.org/officeDocument/2006/relationships" xmlns:p="http://schemas.openxmlformats.org/presentationml/2006/main">
   <p:cSld>
     <p:spTree>
@@ -13464,7 +13666,7 @@
 </p:sld>
 </file>
 
-<file path=ppt/slides/slide24.xml><?xml version="1.0" encoding="utf-8"?>
+<file path=ppt/slides/slide25.xml><?xml version="1.0" encoding="utf-8"?>
 <p:sld xmlns:a="http://schemas.openxmlformats.org/drawingml/2006/main" xmlns:r="http://schemas.openxmlformats.org/officeDocument/2006/relationships" xmlns:p="http://schemas.openxmlformats.org/presentationml/2006/main">
   <p:cSld>
     <p:spTree>
@@ -14369,7 +14571,7 @@
 </p:sld>
 </file>
 
-<file path=ppt/slides/slide25.xml><?xml version="1.0" encoding="utf-8"?>
+<file path=ppt/slides/slide26.xml><?xml version="1.0" encoding="utf-8"?>
 <p:sld xmlns:a="http://schemas.openxmlformats.org/drawingml/2006/main" xmlns:r="http://schemas.openxmlformats.org/officeDocument/2006/relationships" xmlns:p="http://schemas.openxmlformats.org/presentationml/2006/main">
   <p:cSld>
     <p:spTree>
@@ -14558,208 +14760,6 @@
           </a:extLst>
         </p:spPr>
       </p:pic>
-    </p:spTree>
-  </p:cSld>
-  <p:clrMapOvr>
-    <a:masterClrMapping/>
-  </p:clrMapOvr>
-  <p:timing>
-    <p:tnLst>
-      <p:par>
-        <p:cTn id="1" dur="indefinite" restart="never" nodeType="tmRoot"/>
-      </p:par>
-    </p:tnLst>
-  </p:timing>
-</p:sld>
-</file>
-
-<file path=ppt/slides/slide26.xml><?xml version="1.0" encoding="utf-8"?>
-<p:sld xmlns:a="http://schemas.openxmlformats.org/drawingml/2006/main" xmlns:r="http://schemas.openxmlformats.org/officeDocument/2006/relationships" xmlns:p="http://schemas.openxmlformats.org/presentationml/2006/main">
-  <p:cSld>
-    <p:spTree>
-      <p:nvGrpSpPr>
-        <p:cNvPr id="1" name=""/>
-        <p:cNvGrpSpPr/>
-        <p:nvPr/>
-      </p:nvGrpSpPr>
-      <p:grpSpPr>
-        <a:xfrm>
-          <a:off x="0" y="0"/>
-          <a:ext cx="0" cy="0"/>
-          <a:chOff x="0" y="0"/>
-          <a:chExt cx="0" cy="0"/>
-        </a:xfrm>
-      </p:grpSpPr>
-      <p:sp>
-        <p:nvSpPr>
-          <p:cNvPr id="2" name="内容占位符 1"/>
-          <p:cNvSpPr>
-            <a:spLocks noGrp="1"/>
-          </p:cNvSpPr>
-          <p:nvPr>
-            <p:ph sz="quarter" idx="10"/>
-          </p:nvPr>
-        </p:nvSpPr>
-        <p:spPr>
-          <a:xfrm>
-            <a:off x="927735" y="783590"/>
-            <a:ext cx="10986135" cy="5269230"/>
-          </a:xfrm>
-        </p:spPr>
-        <p:txBody>
-          <a:bodyPr/>
-          <a:lstStyle/>
-          <a:p>
-            <a:pPr>
-              <a:lnSpc>
-                <a:spcPct val="140000"/>
-              </a:lnSpc>
-            </a:pPr>
-            <a:r>
-              <a:rPr lang="zh-CN" sz="3200" dirty="0">
-                <a:solidFill>
-                  <a:schemeClr val="tx1"/>
-                </a:solidFill>
-                <a:sym typeface="+mn-ea"/>
-              </a:rPr>
-              <a:t>阅读《深入理解</a:t>
-            </a:r>
-            <a:r>
-              <a:rPr lang="en-US" altLang="zh-CN" sz="3200" dirty="0">
-                <a:solidFill>
-                  <a:schemeClr val="tx1"/>
-                </a:solidFill>
-                <a:sym typeface="+mn-ea"/>
-              </a:rPr>
-              <a:t>JavaScript</a:t>
-            </a:r>
-            <a:r>
-              <a:rPr lang="zh-CN" altLang="en-US" sz="3200" dirty="0">
-                <a:solidFill>
-                  <a:schemeClr val="tx1"/>
-                </a:solidFill>
-                <a:sym typeface="+mn-ea"/>
-              </a:rPr>
-              <a:t>》第</a:t>
-            </a:r>
-            <a:r>
-              <a:rPr lang="en-US" altLang="zh-CN" sz="3200" dirty="0">
-                <a:solidFill>
-                  <a:schemeClr val="tx1"/>
-                </a:solidFill>
-                <a:sym typeface="+mn-ea"/>
-              </a:rPr>
-              <a:t>19</a:t>
-            </a:r>
-            <a:r>
-              <a:rPr lang="zh-CN" altLang="en-US" sz="3200" dirty="0">
-                <a:solidFill>
-                  <a:schemeClr val="tx1"/>
-                </a:solidFill>
-                <a:sym typeface="+mn-ea"/>
-              </a:rPr>
-              <a:t>章 正则表达式</a:t>
-            </a:r>
-            <a:endParaRPr lang="zh-CN" altLang="en-US" sz="3200" dirty="0">
-              <a:solidFill>
-                <a:schemeClr val="tx1"/>
-              </a:solidFill>
-              <a:sym typeface="+mn-ea"/>
-            </a:endParaRPr>
-          </a:p>
-          <a:p>
-            <a:pPr marL="0" indent="0">
-              <a:lnSpc>
-                <a:spcPct val="140000"/>
-              </a:lnSpc>
-              <a:buNone/>
-            </a:pPr>
-            <a:br>
-              <a:rPr lang="en-US" altLang="zh-CN" sz="2000" dirty="0">
-                <a:solidFill>
-                  <a:schemeClr val="tx1"/>
-                </a:solidFill>
-                <a:sym typeface="+mn-ea"/>
-              </a:rPr>
-            </a:br>
-            <a:br>
-              <a:rPr lang="zh-CN" altLang="en-US" sz="3200" dirty="0">
-                <a:solidFill>
-                  <a:schemeClr val="tx1"/>
-                </a:solidFill>
-                <a:sym typeface="+mn-ea"/>
-              </a:rPr>
-            </a:br>
-            <a:br>
-              <a:rPr lang="zh-CN" altLang="en-US" sz="3200" dirty="0">
-                <a:solidFill>
-                  <a:schemeClr val="tx1"/>
-                </a:solidFill>
-                <a:sym typeface="+mn-ea"/>
-              </a:rPr>
-            </a:br>
-            <a:br>
-              <a:rPr lang="en-US" altLang="zh-CN" sz="3200" dirty="0">
-                <a:solidFill>
-                  <a:schemeClr val="tx1"/>
-                </a:solidFill>
-                <a:sym typeface="+mn-ea"/>
-              </a:rPr>
-            </a:br>
-            <a:br>
-              <a:rPr lang="zh-CN" altLang="en-US" sz="3200" dirty="0">
-                <a:solidFill>
-                  <a:schemeClr val="tx1"/>
-                </a:solidFill>
-                <a:sym typeface="+mn-ea"/>
-              </a:rPr>
-            </a:br>
-            <a:endParaRPr lang="zh-CN" altLang="en-US" sz="1800" dirty="0">
-              <a:solidFill>
-                <a:schemeClr val="tx1"/>
-              </a:solidFill>
-              <a:sym typeface="+mn-ea"/>
-            </a:endParaRPr>
-          </a:p>
-          <a:p>
-            <a:pPr marL="0" indent="0">
-              <a:lnSpc>
-                <a:spcPct val="160000"/>
-              </a:lnSpc>
-              <a:buNone/>
-            </a:pPr>
-            <a:endParaRPr lang="en-US" altLang="zh-CN" sz="1800" dirty="0">
-              <a:solidFill>
-                <a:schemeClr val="tx1"/>
-              </a:solidFill>
-              <a:sym typeface="+mn-ea"/>
-            </a:endParaRPr>
-          </a:p>
-        </p:txBody>
-      </p:sp>
-      <p:sp>
-        <p:nvSpPr>
-          <p:cNvPr id="3" name="内容占位符 2"/>
-          <p:cNvSpPr>
-            <a:spLocks noGrp="1"/>
-          </p:cNvSpPr>
-          <p:nvPr>
-            <p:ph sz="quarter" idx="11"/>
-          </p:nvPr>
-        </p:nvSpPr>
-        <p:spPr/>
-        <p:txBody>
-          <a:bodyPr/>
-          <a:lstStyle/>
-          <a:p>
-            <a:r>
-              <a:rPr lang="zh-CN" altLang="en-US" dirty="0"/>
-              <a:t>作业</a:t>
-            </a:r>
-            <a:endParaRPr lang="zh-CN" altLang="en-US" dirty="0"/>
-          </a:p>
-        </p:txBody>
-      </p:sp>
     </p:spTree>
   </p:cSld>
   <p:clrMapOvr>
